--- a/論文/論文初審.pptx
+++ b/論文/論文初審.pptx
@@ -257,7 +257,7 @@
           <a:p>
             <a:fld id="{0F9B84EA-7D68-4D60-9CB1-D50884785D1C}" type="datetimeFigureOut">
               <a:rPr lang="zh-CN" altLang="en-US" smtClean="0"/>
-              <a:t>2021/12/29</a:t>
+              <a:t>2022/1/10</a:t>
             </a:fld>
             <a:endParaRPr lang="zh-CN" altLang="en-US"/>
           </a:p>
@@ -422,7 +422,7 @@
           <a:p>
             <a:fld id="{D2A48B96-639E-45A3-A0BA-2464DFDB1FAA}" type="datetimeFigureOut">
               <a:rPr lang="zh-CN" altLang="en-US" smtClean="0"/>
-              <a:t>2021/12/29</a:t>
+              <a:t>2022/1/10</a:t>
             </a:fld>
             <a:endParaRPr lang="zh-CN" altLang="en-US"/>
           </a:p>
@@ -9746,7 +9746,7 @@
           <a:p>
             <a:fld id="{82F288E0-7875-42C4-84C8-98DBBD3BF4D2}" type="datetimeFigureOut">
               <a:rPr lang="zh-CN" altLang="en-US" smtClean="0"/>
-              <a:t>2021/12/29</a:t>
+              <a:t>2022/1/10</a:t>
             </a:fld>
             <a:endParaRPr lang="zh-CN" altLang="en-US"/>
           </a:p>
@@ -9900,7 +9900,7 @@
           <a:p>
             <a:fld id="{82F288E0-7875-42C4-84C8-98DBBD3BF4D2}" type="datetimeFigureOut">
               <a:rPr lang="zh-CN" altLang="en-US" smtClean="0"/>
-              <a:t>2021/12/29</a:t>
+              <a:t>2022/1/10</a:t>
             </a:fld>
             <a:endParaRPr lang="zh-CN" altLang="en-US"/>
           </a:p>
@@ -10187,7 +10187,7 @@
           <a:p>
             <a:fld id="{82F288E0-7875-42C4-84C8-98DBBD3BF4D2}" type="datetimeFigureOut">
               <a:rPr lang="zh-CN" altLang="en-US" smtClean="0"/>
-              <a:t>2021/12/29</a:t>
+              <a:t>2022/1/10</a:t>
             </a:fld>
             <a:endParaRPr lang="zh-CN" altLang="en-US"/>
           </a:p>
@@ -10421,7 +10421,7 @@
           <a:p>
             <a:fld id="{82F288E0-7875-42C4-84C8-98DBBD3BF4D2}" type="datetimeFigureOut">
               <a:rPr lang="zh-CN" altLang="en-US" smtClean="0"/>
-              <a:t>2021/12/29</a:t>
+              <a:t>2022/1/10</a:t>
             </a:fld>
             <a:endParaRPr lang="zh-CN" altLang="en-US"/>
           </a:p>
@@ -10783,7 +10783,7 @@
           <a:p>
             <a:fld id="{82F288E0-7875-42C4-84C8-98DBBD3BF4D2}" type="datetimeFigureOut">
               <a:rPr lang="zh-CN" altLang="en-US" smtClean="0"/>
-              <a:t>2021/12/29</a:t>
+              <a:t>2022/1/10</a:t>
             </a:fld>
             <a:endParaRPr lang="zh-CN" altLang="en-US"/>
           </a:p>
@@ -10896,7 +10896,7 @@
           <a:p>
             <a:fld id="{82F288E0-7875-42C4-84C8-98DBBD3BF4D2}" type="datetimeFigureOut">
               <a:rPr lang="zh-CN" altLang="en-US" smtClean="0"/>
-              <a:t>2021/12/29</a:t>
+              <a:t>2022/1/10</a:t>
             </a:fld>
             <a:endParaRPr lang="zh-CN" altLang="en-US"/>
           </a:p>
@@ -10986,7 +10986,7 @@
           <a:p>
             <a:fld id="{82F288E0-7875-42C4-84C8-98DBBD3BF4D2}" type="datetimeFigureOut">
               <a:rPr lang="zh-CN" altLang="en-US" smtClean="0"/>
-              <a:t>2021/12/29</a:t>
+              <a:t>2022/1/10</a:t>
             </a:fld>
             <a:endParaRPr lang="zh-CN" altLang="en-US"/>
           </a:p>
@@ -11234,7 +11234,7 @@
           <a:p>
             <a:fld id="{82F288E0-7875-42C4-84C8-98DBBD3BF4D2}" type="datetimeFigureOut">
               <a:rPr lang="zh-CN" altLang="en-US" smtClean="0"/>
-              <a:t>2021/12/29</a:t>
+              <a:t>2022/1/10</a:t>
             </a:fld>
             <a:endParaRPr lang="zh-CN" altLang="en-US"/>
           </a:p>
@@ -11409,7 +11409,7 @@
           <a:p>
             <a:fld id="{82F288E0-7875-42C4-84C8-98DBBD3BF4D2}" type="datetimeFigureOut">
               <a:rPr lang="zh-CN" altLang="en-US" smtClean="0"/>
-              <a:t>2021/12/29</a:t>
+              <a:t>2022/1/10</a:t>
             </a:fld>
             <a:endParaRPr lang="zh-CN" altLang="en-US"/>
           </a:p>
@@ -11622,7 +11622,7 @@
           <a:p>
             <a:fld id="{82F288E0-7875-42C4-84C8-98DBBD3BF4D2}" type="datetimeFigureOut">
               <a:rPr lang="zh-CN" altLang="en-US" smtClean="0"/>
-              <a:t>2021/12/29</a:t>
+              <a:t>2022/1/10</a:t>
             </a:fld>
             <a:endParaRPr lang="zh-CN" altLang="en-US"/>
           </a:p>
@@ -13765,7 +13765,7 @@
         <p:spPr>
           <a:xfrm>
             <a:off x="871788" y="1757587"/>
-            <a:ext cx="7072586" cy="984885"/>
+            <a:ext cx="7072586" cy="1200329"/>
           </a:xfrm>
           <a:prstGeom prst="rect">
             <a:avLst/>
@@ -13788,30 +13788,10 @@
               <a:t>由</a:t>
             </a:r>
             <a:r>
-              <a:rPr lang="en-US" altLang="zh-TW" dirty="0" smtClean="0">
+              <a:rPr lang="fr-FR" altLang="zh-TW" dirty="0">
                 <a:latin typeface="+mn-ea"/>
               </a:rPr>
-              <a:t>Long</a:t>
-            </a:r>
-            <a:r>
-              <a:rPr lang="en-US" altLang="zh-TW" dirty="0">
-                <a:latin typeface="+mn-ea"/>
-              </a:rPr>
-              <a:t>, J</a:t>
-            </a:r>
-            <a:r>
-              <a:rPr lang="en-US" altLang="zh-TW" sz="1600" dirty="0">
-                <a:latin typeface="+mn-ea"/>
-                <a:cs typeface="Times New Roman" panose="02020603050405020304" pitchFamily="18" charset="0"/>
-              </a:rPr>
-              <a:t>(2015</a:t>
-            </a:r>
-            <a:r>
-              <a:rPr lang="en-US" altLang="zh-TW" sz="1600" dirty="0" smtClean="0">
-                <a:latin typeface="+mn-ea"/>
-                <a:cs typeface="Times New Roman" panose="02020603050405020304" pitchFamily="18" charset="0"/>
-              </a:rPr>
-              <a:t>)</a:t>
+              <a:t>J Long et al.(2015)</a:t>
             </a:r>
             <a:r>
               <a:rPr lang="zh-TW" altLang="en-US" sz="1600" dirty="0" smtClean="0">
@@ -14064,7 +14044,7 @@
           <p:cNvPr id="7" name="表格 5">
             <a:extLst>
               <a:ext uri="{FF2B5EF4-FFF2-40B4-BE49-F238E27FC236}">
-                <a16:creationId xmlns:a16="http://schemas.microsoft.com/office/drawing/2014/main" xmlns="" id="{202A9B48-7C02-4B9F-A694-D9D167DDE433}"/>
+                <a16:creationId xmlns="" xmlns:a16="http://schemas.microsoft.com/office/drawing/2014/main" id="{202A9B48-7C02-4B9F-A694-D9D167DDE433}"/>
               </a:ext>
             </a:extLst>
           </p:cNvPr>
@@ -14091,21 +14071,21 @@
                 <a:gridCol w="1439100">
                   <a:extLst>
                     <a:ext uri="{9D8B030D-6E8A-4147-A177-3AD203B41FA5}">
-                      <a16:colId xmlns:a16="http://schemas.microsoft.com/office/drawing/2014/main" xmlns="" val="1313235057"/>
+                      <a16:colId xmlns="" xmlns:a16="http://schemas.microsoft.com/office/drawing/2014/main" val="1313235057"/>
                     </a:ext>
                   </a:extLst>
                 </a:gridCol>
                 <a:gridCol w="2365537">
                   <a:extLst>
                     <a:ext uri="{9D8B030D-6E8A-4147-A177-3AD203B41FA5}">
-                      <a16:colId xmlns:a16="http://schemas.microsoft.com/office/drawing/2014/main" xmlns="" val="3498442498"/>
+                      <a16:colId xmlns="" xmlns:a16="http://schemas.microsoft.com/office/drawing/2014/main" val="3498442498"/>
                     </a:ext>
                   </a:extLst>
                 </a:gridCol>
                 <a:gridCol w="3597777">
                   <a:extLst>
                     <a:ext uri="{9D8B030D-6E8A-4147-A177-3AD203B41FA5}">
-                      <a16:colId xmlns:a16="http://schemas.microsoft.com/office/drawing/2014/main" xmlns="" val="2798367762"/>
+                      <a16:colId xmlns="" xmlns:a16="http://schemas.microsoft.com/office/drawing/2014/main" val="2798367762"/>
                     </a:ext>
                   </a:extLst>
                 </a:gridCol>
@@ -14257,7 +14237,7 @@
                 </a:tc>
                 <a:extLst>
                   <a:ext uri="{0D108BD9-81ED-4DB2-BD59-A6C34878D82A}">
-                    <a16:rowId xmlns:a16="http://schemas.microsoft.com/office/drawing/2014/main" xmlns="" val="43767920"/>
+                    <a16:rowId xmlns="" xmlns:a16="http://schemas.microsoft.com/office/drawing/2014/main" val="43767920"/>
                   </a:ext>
                 </a:extLst>
               </a:tr>
@@ -14463,7 +14443,7 @@
                 </a:tc>
                 <a:extLst>
                   <a:ext uri="{0D108BD9-81ED-4DB2-BD59-A6C34878D82A}">
-                    <a16:rowId xmlns:a16="http://schemas.microsoft.com/office/drawing/2014/main" xmlns="" val="881114521"/>
+                    <a16:rowId xmlns="" xmlns:a16="http://schemas.microsoft.com/office/drawing/2014/main" val="881114521"/>
                   </a:ext>
                 </a:extLst>
               </a:tr>
@@ -14625,7 +14605,7 @@
                 </a:tc>
                 <a:extLst>
                   <a:ext uri="{0D108BD9-81ED-4DB2-BD59-A6C34878D82A}">
-                    <a16:rowId xmlns:a16="http://schemas.microsoft.com/office/drawing/2014/main" xmlns="" val="3889943358"/>
+                    <a16:rowId xmlns="" xmlns:a16="http://schemas.microsoft.com/office/drawing/2014/main" val="3889943358"/>
                   </a:ext>
                 </a:extLst>
               </a:tr>
@@ -17590,7 +17570,7 @@
           <p:cNvPr id="6" name="表格 5">
             <a:extLst>
               <a:ext uri="{FF2B5EF4-FFF2-40B4-BE49-F238E27FC236}">
-                <a16:creationId xmlns:a16="http://schemas.microsoft.com/office/drawing/2014/main" xmlns="" id="{202A9B48-7C02-4B9F-A694-D9D167DDE433}"/>
+                <a16:creationId xmlns="" xmlns:a16="http://schemas.microsoft.com/office/drawing/2014/main" id="{202A9B48-7C02-4B9F-A694-D9D167DDE433}"/>
               </a:ext>
             </a:extLst>
           </p:cNvPr>
@@ -17617,21 +17597,21 @@
                 <a:gridCol w="1728799">
                   <a:extLst>
                     <a:ext uri="{9D8B030D-6E8A-4147-A177-3AD203B41FA5}">
-                      <a16:colId xmlns:a16="http://schemas.microsoft.com/office/drawing/2014/main" xmlns="" val="1313235057"/>
+                      <a16:colId xmlns="" xmlns:a16="http://schemas.microsoft.com/office/drawing/2014/main" val="1313235057"/>
                     </a:ext>
                   </a:extLst>
                 </a:gridCol>
                 <a:gridCol w="2508718">
                   <a:extLst>
                     <a:ext uri="{9D8B030D-6E8A-4147-A177-3AD203B41FA5}">
-                      <a16:colId xmlns:a16="http://schemas.microsoft.com/office/drawing/2014/main" xmlns="" val="3498442498"/>
+                      <a16:colId xmlns="" xmlns:a16="http://schemas.microsoft.com/office/drawing/2014/main" val="3498442498"/>
                     </a:ext>
                   </a:extLst>
                 </a:gridCol>
                 <a:gridCol w="3597777">
                   <a:extLst>
                     <a:ext uri="{9D8B030D-6E8A-4147-A177-3AD203B41FA5}">
-                      <a16:colId xmlns:a16="http://schemas.microsoft.com/office/drawing/2014/main" xmlns="" val="2798367762"/>
+                      <a16:colId xmlns="" xmlns:a16="http://schemas.microsoft.com/office/drawing/2014/main" val="2798367762"/>
                     </a:ext>
                   </a:extLst>
                 </a:gridCol>
@@ -17933,7 +17913,7 @@
                 </a:tc>
                 <a:extLst>
                   <a:ext uri="{0D108BD9-81ED-4DB2-BD59-A6C34878D82A}">
-                    <a16:rowId xmlns:a16="http://schemas.microsoft.com/office/drawing/2014/main" xmlns="" val="43767920"/>
+                    <a16:rowId xmlns="" xmlns:a16="http://schemas.microsoft.com/office/drawing/2014/main" val="43767920"/>
                   </a:ext>
                 </a:extLst>
               </a:tr>
@@ -18182,7 +18162,7 @@
                 </a:tc>
                 <a:extLst>
                   <a:ext uri="{0D108BD9-81ED-4DB2-BD59-A6C34878D82A}">
-                    <a16:rowId xmlns:a16="http://schemas.microsoft.com/office/drawing/2014/main" xmlns="" val="881114521"/>
+                    <a16:rowId xmlns="" xmlns:a16="http://schemas.microsoft.com/office/drawing/2014/main" val="881114521"/>
                   </a:ext>
                 </a:extLst>
               </a:tr>
@@ -20965,7 +20945,7 @@
           <p:cNvPr id="5" name="表格 4">
             <a:extLst>
               <a:ext uri="{FF2B5EF4-FFF2-40B4-BE49-F238E27FC236}">
-                <a16:creationId xmlns:a16="http://schemas.microsoft.com/office/drawing/2014/main" xmlns="" id="{202A9B48-7C02-4B9F-A694-D9D167DDE433}"/>
+                <a16:creationId xmlns="" xmlns:a16="http://schemas.microsoft.com/office/drawing/2014/main" id="{202A9B48-7C02-4B9F-A694-D9D167DDE433}"/>
               </a:ext>
             </a:extLst>
           </p:cNvPr>
@@ -20992,21 +20972,21 @@
                 <a:gridCol w="1728799">
                   <a:extLst>
                     <a:ext uri="{9D8B030D-6E8A-4147-A177-3AD203B41FA5}">
-                      <a16:colId xmlns:a16="http://schemas.microsoft.com/office/drawing/2014/main" xmlns="" val="1313235057"/>
+                      <a16:colId xmlns="" xmlns:a16="http://schemas.microsoft.com/office/drawing/2014/main" val="1313235057"/>
                     </a:ext>
                   </a:extLst>
                 </a:gridCol>
                 <a:gridCol w="2508718">
                   <a:extLst>
                     <a:ext uri="{9D8B030D-6E8A-4147-A177-3AD203B41FA5}">
-                      <a16:colId xmlns:a16="http://schemas.microsoft.com/office/drawing/2014/main" xmlns="" val="3498442498"/>
+                      <a16:colId xmlns="" xmlns:a16="http://schemas.microsoft.com/office/drawing/2014/main" val="3498442498"/>
                     </a:ext>
                   </a:extLst>
                 </a:gridCol>
                 <a:gridCol w="3597777">
                   <a:extLst>
                     <a:ext uri="{9D8B030D-6E8A-4147-A177-3AD203B41FA5}">
-                      <a16:colId xmlns:a16="http://schemas.microsoft.com/office/drawing/2014/main" xmlns="" val="2798367762"/>
+                      <a16:colId xmlns="" xmlns:a16="http://schemas.microsoft.com/office/drawing/2014/main" val="2798367762"/>
                     </a:ext>
                   </a:extLst>
                 </a:gridCol>
@@ -21188,7 +21168,7 @@
                 </a:tc>
                 <a:extLst>
                   <a:ext uri="{0D108BD9-81ED-4DB2-BD59-A6C34878D82A}">
-                    <a16:rowId xmlns:a16="http://schemas.microsoft.com/office/drawing/2014/main" xmlns="" val="43767920"/>
+                    <a16:rowId xmlns="" xmlns:a16="http://schemas.microsoft.com/office/drawing/2014/main" val="43767920"/>
                   </a:ext>
                 </a:extLst>
               </a:tr>
@@ -21493,7 +21473,7 @@
                 </a:tc>
                 <a:extLst>
                   <a:ext uri="{0D108BD9-81ED-4DB2-BD59-A6C34878D82A}">
-                    <a16:rowId xmlns:a16="http://schemas.microsoft.com/office/drawing/2014/main" xmlns="" val="881114521"/>
+                    <a16:rowId xmlns="" xmlns:a16="http://schemas.microsoft.com/office/drawing/2014/main" val="881114521"/>
                   </a:ext>
                 </a:extLst>
               </a:tr>
@@ -23445,13 +23425,7 @@
               <a:rPr lang="zh-TW" altLang="en-US" sz="1600" dirty="0" smtClean="0">
                 <a:latin typeface="+mn-ea"/>
               </a:rPr>
-              <a:t>作為輸入與</a:t>
-            </a:r>
-            <a:r>
-              <a:rPr lang="zh-TW" altLang="en-US" sz="1600" dirty="0" smtClean="0">
-                <a:latin typeface="+mn-ea"/>
-              </a:rPr>
-              <a:t>輸出</a:t>
+              <a:t>作為輸入與輸出</a:t>
             </a:r>
             <a:endParaRPr lang="en-US" altLang="zh-TW" sz="1600" dirty="0" smtClean="0">
               <a:latin typeface="+mn-ea"/>

--- a/論文/論文初審.pptx
+++ b/論文/論文初審.pptx
@@ -5,10 +5,10 @@
     <p:sldMasterId id="2147483648" r:id="rId1"/>
   </p:sldMasterIdLst>
   <p:notesMasterIdLst>
-    <p:notesMasterId r:id="rId49"/>
+    <p:notesMasterId r:id="rId50"/>
   </p:notesMasterIdLst>
   <p:handoutMasterIdLst>
-    <p:handoutMasterId r:id="rId50"/>
+    <p:handoutMasterId r:id="rId51"/>
   </p:handoutMasterIdLst>
   <p:sldIdLst>
     <p:sldId id="256" r:id="rId2"/>
@@ -49,15 +49,16 @@
     <p:sldId id="395" r:id="rId37"/>
     <p:sldId id="396" r:id="rId38"/>
     <p:sldId id="397" r:id="rId39"/>
-    <p:sldId id="404" r:id="rId40"/>
-    <p:sldId id="356" r:id="rId41"/>
-    <p:sldId id="398" r:id="rId42"/>
-    <p:sldId id="399" r:id="rId43"/>
-    <p:sldId id="400" r:id="rId44"/>
-    <p:sldId id="401" r:id="rId45"/>
-    <p:sldId id="402" r:id="rId46"/>
-    <p:sldId id="403" r:id="rId47"/>
-    <p:sldId id="288" r:id="rId48"/>
+    <p:sldId id="407" r:id="rId40"/>
+    <p:sldId id="404" r:id="rId41"/>
+    <p:sldId id="356" r:id="rId42"/>
+    <p:sldId id="398" r:id="rId43"/>
+    <p:sldId id="399" r:id="rId44"/>
+    <p:sldId id="400" r:id="rId45"/>
+    <p:sldId id="401" r:id="rId46"/>
+    <p:sldId id="402" r:id="rId47"/>
+    <p:sldId id="403" r:id="rId48"/>
+    <p:sldId id="288" r:id="rId49"/>
   </p:sldIdLst>
   <p:sldSz cx="9144000" cy="5143500" type="screen16x9"/>
   <p:notesSz cx="6858000" cy="9144000"/>
@@ -7358,7 +7359,117 @@
           <a:bodyPr/>
           <a:lstStyle/>
           <a:p>
-            <a:endParaRPr lang="zh-CN" altLang="en-US"/>
+            <a:r>
+              <a:rPr lang="zh-TW" altLang="zh-TW" sz="900" kern="1200" dirty="0" smtClean="0">
+                <a:solidFill>
+                  <a:schemeClr val="tx1"/>
+                </a:solidFill>
+                <a:effectLst/>
+                <a:latin typeface="+mn-lt"/>
+                <a:ea typeface="+mn-ea"/>
+                <a:cs typeface="+mn-cs"/>
+              </a:rPr>
+              <a:t>後會訓練出一套具有語義分割資料集以及加入引導影像濾波層的</a:t>
+            </a:r>
+            <a:r>
+              <a:rPr lang="en-US" altLang="zh-TW" sz="900" kern="1200" dirty="0" smtClean="0">
+                <a:solidFill>
+                  <a:schemeClr val="tx1"/>
+                </a:solidFill>
+                <a:effectLst/>
+                <a:latin typeface="+mn-lt"/>
+                <a:ea typeface="+mn-ea"/>
+                <a:cs typeface="+mn-cs"/>
+              </a:rPr>
+              <a:t>pix2pix</a:t>
+            </a:r>
+            <a:r>
+              <a:rPr lang="zh-TW" altLang="zh-TW" sz="900" kern="1200" dirty="0" smtClean="0">
+                <a:solidFill>
+                  <a:schemeClr val="tx1"/>
+                </a:solidFill>
+                <a:effectLst/>
+                <a:latin typeface="+mn-lt"/>
+                <a:ea typeface="+mn-ea"/>
+                <a:cs typeface="+mn-cs"/>
+              </a:rPr>
+              <a:t>訓練模型，接著會各訓練一套未訓練語義分割資料集但有加入引導影像濾波層的模型、有訓練語義分割資料集但未加入引導影像濾波層的模型以及未訓練語義分割也未加入引導影像濾波層的模型，並對四種模型的生成結果進行比較，觀察有加入語義分割資料集以及在</a:t>
+            </a:r>
+            <a:r>
+              <a:rPr lang="en-US" altLang="zh-TW" sz="900" kern="1200" dirty="0" smtClean="0">
+                <a:solidFill>
+                  <a:schemeClr val="tx1"/>
+                </a:solidFill>
+                <a:effectLst/>
+                <a:latin typeface="+mn-lt"/>
+                <a:ea typeface="+mn-ea"/>
+                <a:cs typeface="+mn-cs"/>
+              </a:rPr>
+              <a:t>pix2pix</a:t>
+            </a:r>
+            <a:r>
+              <a:rPr lang="zh-TW" altLang="zh-TW" sz="900" kern="1200" dirty="0" smtClean="0">
+                <a:solidFill>
+                  <a:schemeClr val="tx1"/>
+                </a:solidFill>
+                <a:effectLst/>
+                <a:latin typeface="+mn-lt"/>
+                <a:ea typeface="+mn-ea"/>
+                <a:cs typeface="+mn-cs"/>
+              </a:rPr>
+              <a:t>中加入引導影像濾波層與其他模型相比，是否會有更好的結果。</a:t>
+            </a:r>
+          </a:p>
+          <a:p>
+            <a:r>
+              <a:rPr lang="en-US" altLang="zh-TW" sz="900" i="1" kern="1200" dirty="0" smtClean="0">
+                <a:solidFill>
+                  <a:schemeClr val="tx1"/>
+                </a:solidFill>
+                <a:effectLst/>
+                <a:latin typeface="+mn-lt"/>
+                <a:ea typeface="+mn-ea"/>
+                <a:cs typeface="+mn-cs"/>
+              </a:rPr>
+              <a:t> </a:t>
+            </a:r>
+            <a:endParaRPr lang="zh-TW" altLang="zh-TW" sz="900" kern="1200" smtClean="0">
+              <a:solidFill>
+                <a:schemeClr val="tx1"/>
+              </a:solidFill>
+              <a:effectLst/>
+              <a:latin typeface="+mn-lt"/>
+              <a:ea typeface="+mn-ea"/>
+              <a:cs typeface="+mn-cs"/>
+            </a:endParaRPr>
+          </a:p>
+          <a:p>
+            <a:pPr marL="0" marR="0" lvl="0" indent="0" algn="l" defTabSz="685800" rtl="0" eaLnBrk="1" fontAlgn="auto" latinLnBrk="0" hangingPunct="1">
+              <a:lnSpc>
+                <a:spcPct val="100000"/>
+              </a:lnSpc>
+              <a:spcBef>
+                <a:spcPts val="0"/>
+              </a:spcBef>
+              <a:spcAft>
+                <a:spcPts val="0"/>
+              </a:spcAft>
+              <a:buClrTx/>
+              <a:buSzTx/>
+              <a:buFontTx/>
+              <a:buNone/>
+              <a:tabLst/>
+              <a:defRPr/>
+            </a:pPr>
+            <a:endParaRPr lang="zh-TW" altLang="zh-TW" sz="900" kern="1200" dirty="0">
+              <a:solidFill>
+                <a:schemeClr val="tx1"/>
+              </a:solidFill>
+              <a:effectLst/>
+              <a:latin typeface="+mn-lt"/>
+              <a:ea typeface="+mn-ea"/>
+              <a:cs typeface="+mn-cs"/>
+            </a:endParaRPr>
           </a:p>
         </p:txBody>
       </p:sp>
@@ -7388,7 +7499,7 @@
     </p:spTree>
     <p:extLst>
       <p:ext uri="{BB962C8B-B14F-4D97-AF65-F5344CB8AC3E}">
-        <p14:creationId xmlns:p14="http://schemas.microsoft.com/office/powerpoint/2010/main" val="3435951630"/>
+        <p14:creationId xmlns:p14="http://schemas.microsoft.com/office/powerpoint/2010/main" val="3700640069"/>
       </p:ext>
     </p:extLst>
   </p:cSld>
@@ -7469,10 +7580,20 @@
                 <a:ea typeface="+mn-ea"/>
                 <a:cs typeface="+mn-cs"/>
               </a:rPr>
-              <a:t>室內設計的概念起源於美國，於經濟發展的需求演化而來，原本人們蓋建築物的目的只是為求居住，而之後慢慢延伸出使用者的需求或為了更改內部環境而開始考量室內設計。後來室內裝潢逐漸延伸出考慮到生活品質、居住品質、心理層面、視覺等因素，使人類能在生活、起居、心理、視覺等各方面得到無比的滿足，現在每個人住的家裡，成長過程都扮演著重要的腳色，因此室內設計在現今的社會上已成了無法缺少的一塊產業。裝潢前都有通過室內設計來設計出滿足各種層面需求的家，而家的安定，對每個人的生活或是</a:t>
-            </a:r>
-          </a:p>
-          <a:p>
+              <a:t>室內設計的概念起源於美國，於經濟發展的需求演化而來，原本人們蓋建築物的目的只是為求居住，而之後慢慢延伸出使用者的需求或為了更改內部環境而開始考量室內設計。後來室內裝潢逐漸延伸出考慮到生活品質、居住品質、心理層面、視覺等因素，使人類能在生活、起居、心理、視覺等各方面得到無比的滿足，現在每個人住的家裡，成長過程都扮演著重要的腳色，因此室內設計在現今的社會上已成了無法缺少的一塊產業</a:t>
+            </a:r>
+            <a:r>
+              <a:rPr lang="zh-TW" altLang="zh-TW" sz="900" kern="1200" dirty="0" smtClean="0">
+                <a:solidFill>
+                  <a:schemeClr val="tx1"/>
+                </a:solidFill>
+                <a:effectLst/>
+                <a:latin typeface="+mn-lt"/>
+                <a:ea typeface="+mn-ea"/>
+                <a:cs typeface="+mn-cs"/>
+              </a:rPr>
+              <a:t>。</a:t>
+            </a:r>
             <a:endParaRPr lang="zh-TW" altLang="zh-TW" sz="900" kern="1200" dirty="0">
               <a:solidFill>
                 <a:schemeClr val="tx1"/>
@@ -7565,7 +7686,7 @@
           <a:bodyPr/>
           <a:lstStyle/>
           <a:p>
-            <a:endParaRPr lang="zh-CN" altLang="en-US" dirty="0"/>
+            <a:endParaRPr lang="zh-CN" altLang="en-US"/>
           </a:p>
         </p:txBody>
       </p:sp>
@@ -7595,7 +7716,7 @@
     </p:spTree>
     <p:extLst>
       <p:ext uri="{BB962C8B-B14F-4D97-AF65-F5344CB8AC3E}">
-        <p14:creationId xmlns:p14="http://schemas.microsoft.com/office/powerpoint/2010/main" val="3048201022"/>
+        <p14:creationId xmlns:p14="http://schemas.microsoft.com/office/powerpoint/2010/main" val="3435951630"/>
       </p:ext>
     </p:extLst>
   </p:cSld>
@@ -7679,7 +7800,7 @@
     </p:spTree>
     <p:extLst>
       <p:ext uri="{BB962C8B-B14F-4D97-AF65-F5344CB8AC3E}">
-        <p14:creationId xmlns:p14="http://schemas.microsoft.com/office/powerpoint/2010/main" val="2419958076"/>
+        <p14:creationId xmlns:p14="http://schemas.microsoft.com/office/powerpoint/2010/main" val="3048201022"/>
       </p:ext>
     </p:extLst>
   </p:cSld>
@@ -7763,7 +7884,7 @@
     </p:spTree>
     <p:extLst>
       <p:ext uri="{BB962C8B-B14F-4D97-AF65-F5344CB8AC3E}">
-        <p14:creationId xmlns:p14="http://schemas.microsoft.com/office/powerpoint/2010/main" val="279701853"/>
+        <p14:creationId xmlns:p14="http://schemas.microsoft.com/office/powerpoint/2010/main" val="2419958076"/>
       </p:ext>
     </p:extLst>
   </p:cSld>
@@ -7847,7 +7968,7 @@
     </p:spTree>
     <p:extLst>
       <p:ext uri="{BB962C8B-B14F-4D97-AF65-F5344CB8AC3E}">
-        <p14:creationId xmlns:p14="http://schemas.microsoft.com/office/powerpoint/2010/main" val="162343320"/>
+        <p14:creationId xmlns:p14="http://schemas.microsoft.com/office/powerpoint/2010/main" val="279701853"/>
       </p:ext>
     </p:extLst>
   </p:cSld>
@@ -7931,7 +8052,7 @@
     </p:spTree>
     <p:extLst>
       <p:ext uri="{BB962C8B-B14F-4D97-AF65-F5344CB8AC3E}">
-        <p14:creationId xmlns:p14="http://schemas.microsoft.com/office/powerpoint/2010/main" val="2094422196"/>
+        <p14:creationId xmlns:p14="http://schemas.microsoft.com/office/powerpoint/2010/main" val="162343320"/>
       </p:ext>
     </p:extLst>
   </p:cSld>
@@ -8015,7 +8136,7 @@
     </p:spTree>
     <p:extLst>
       <p:ext uri="{BB962C8B-B14F-4D97-AF65-F5344CB8AC3E}">
-        <p14:creationId xmlns:p14="http://schemas.microsoft.com/office/powerpoint/2010/main" val="764569687"/>
+        <p14:creationId xmlns:p14="http://schemas.microsoft.com/office/powerpoint/2010/main" val="2094422196"/>
       </p:ext>
     </p:extLst>
   </p:cSld>
@@ -8099,7 +8220,7 @@
     </p:spTree>
     <p:extLst>
       <p:ext uri="{BB962C8B-B14F-4D97-AF65-F5344CB8AC3E}">
-        <p14:creationId xmlns:p14="http://schemas.microsoft.com/office/powerpoint/2010/main" val="2637513336"/>
+        <p14:creationId xmlns:p14="http://schemas.microsoft.com/office/powerpoint/2010/main" val="764569687"/>
       </p:ext>
     </p:extLst>
   </p:cSld>
@@ -8153,7 +8274,7 @@
           <a:bodyPr/>
           <a:lstStyle/>
           <a:p>
-            <a:endParaRPr lang="zh-CN" altLang="en-US"/>
+            <a:endParaRPr lang="zh-CN" altLang="en-US" dirty="0"/>
           </a:p>
         </p:txBody>
       </p:sp>
@@ -8175,6 +8296,90 @@
             <a:fld id="{A6837353-30EB-4A48-80EB-173D804AEFBD}" type="slidenum">
               <a:rPr lang="zh-CN" altLang="en-US" smtClean="0"/>
               <a:t>47</a:t>
+            </a:fld>
+            <a:endParaRPr lang="zh-CN" altLang="en-US"/>
+          </a:p>
+        </p:txBody>
+      </p:sp>
+    </p:spTree>
+    <p:extLst>
+      <p:ext uri="{BB962C8B-B14F-4D97-AF65-F5344CB8AC3E}">
+        <p14:creationId xmlns:p14="http://schemas.microsoft.com/office/powerpoint/2010/main" val="2637513336"/>
+      </p:ext>
+    </p:extLst>
+  </p:cSld>
+  <p:clrMapOvr>
+    <a:masterClrMapping/>
+  </p:clrMapOvr>
+</p:notes>
+</file>
+
+<file path=ppt/notesSlides/notesSlide48.xml><?xml version="1.0" encoding="utf-8"?>
+<p:notes xmlns:a="http://schemas.openxmlformats.org/drawingml/2006/main" xmlns:r="http://schemas.openxmlformats.org/officeDocument/2006/relationships" xmlns:p="http://schemas.openxmlformats.org/presentationml/2006/main">
+  <p:cSld>
+    <p:spTree>
+      <p:nvGrpSpPr>
+        <p:cNvPr id="1" name=""/>
+        <p:cNvGrpSpPr/>
+        <p:nvPr/>
+      </p:nvGrpSpPr>
+      <p:grpSpPr>
+        <a:xfrm>
+          <a:off x="0" y="0"/>
+          <a:ext cx="0" cy="0"/>
+          <a:chOff x="0" y="0"/>
+          <a:chExt cx="0" cy="0"/>
+        </a:xfrm>
+      </p:grpSpPr>
+      <p:sp>
+        <p:nvSpPr>
+          <p:cNvPr id="2" name="幻灯片图像占位符 1"/>
+          <p:cNvSpPr>
+            <a:spLocks noGrp="1" noRot="1" noChangeAspect="1"/>
+          </p:cNvSpPr>
+          <p:nvPr>
+            <p:ph type="sldImg"/>
+          </p:nvPr>
+        </p:nvSpPr>
+        <p:spPr/>
+      </p:sp>
+      <p:sp>
+        <p:nvSpPr>
+          <p:cNvPr id="3" name="备注占位符 2"/>
+          <p:cNvSpPr>
+            <a:spLocks noGrp="1"/>
+          </p:cNvSpPr>
+          <p:nvPr>
+            <p:ph type="body" idx="1"/>
+          </p:nvPr>
+        </p:nvSpPr>
+        <p:spPr/>
+        <p:txBody>
+          <a:bodyPr/>
+          <a:lstStyle/>
+          <a:p>
+            <a:endParaRPr lang="zh-CN" altLang="en-US"/>
+          </a:p>
+        </p:txBody>
+      </p:sp>
+      <p:sp>
+        <p:nvSpPr>
+          <p:cNvPr id="4" name="灯片编号占位符 3"/>
+          <p:cNvSpPr>
+            <a:spLocks noGrp="1"/>
+          </p:cNvSpPr>
+          <p:nvPr>
+            <p:ph type="sldNum" sz="quarter" idx="10"/>
+          </p:nvPr>
+        </p:nvSpPr>
+        <p:spPr/>
+        <p:txBody>
+          <a:bodyPr/>
+          <a:lstStyle/>
+          <a:p>
+            <a:fld id="{A6837353-30EB-4A48-80EB-173D804AEFBD}" type="slidenum">
+              <a:rPr lang="zh-CN" altLang="en-US" smtClean="0"/>
+              <a:t>48</a:t>
             </a:fld>
             <a:endParaRPr lang="zh-CN" altLang="en-US"/>
           </a:p>
@@ -9047,7 +9252,19 @@
                 <a:ea typeface="+mn-ea"/>
                 <a:cs typeface="+mn-cs"/>
               </a:rPr>
-              <a:t>像，而這是用生成對抗網路這項技術來完成得，</a:t>
+              <a:t>像，而這是</a:t>
+            </a:r>
+            <a:r>
+              <a:rPr lang="zh-TW" altLang="en-US" sz="900" kern="1200" dirty="0" smtClean="0">
+                <a:solidFill>
+                  <a:schemeClr val="tx1"/>
+                </a:solidFill>
+                <a:effectLst/>
+                <a:latin typeface="+mn-lt"/>
+                <a:ea typeface="+mn-ea"/>
+                <a:cs typeface="+mn-cs"/>
+              </a:rPr>
+              <a:t>用生成對抗網路來完成的，</a:t>
             </a:r>
             <a:r>
               <a:rPr lang="zh-TW" altLang="zh-TW" sz="900" kern="1200" dirty="0" smtClean="0">
@@ -9059,7 +9276,19 @@
                 <a:ea typeface="+mn-ea"/>
                 <a:cs typeface="+mn-cs"/>
               </a:rPr>
-              <a:t>但市面上</a:t>
+              <a:t>但市面</a:t>
+            </a:r>
+            <a:r>
+              <a:rPr lang="zh-TW" altLang="zh-TW" sz="900" kern="1200" dirty="0" smtClean="0">
+                <a:solidFill>
+                  <a:schemeClr val="tx1"/>
+                </a:solidFill>
+                <a:effectLst/>
+                <a:latin typeface="+mn-lt"/>
+                <a:ea typeface="+mn-ea"/>
+                <a:cs typeface="+mn-cs"/>
+              </a:rPr>
+              <a:t>上</a:t>
             </a:r>
             <a:r>
               <a:rPr lang="zh-TW" altLang="en-US" sz="900" kern="1200" dirty="0" smtClean="0">
@@ -14044,7 +14273,7 @@
           <p:cNvPr id="7" name="表格 5">
             <a:extLst>
               <a:ext uri="{FF2B5EF4-FFF2-40B4-BE49-F238E27FC236}">
-                <a16:creationId xmlns="" xmlns:a16="http://schemas.microsoft.com/office/drawing/2014/main" id="{202A9B48-7C02-4B9F-A694-D9D167DDE433}"/>
+                <a16:creationId xmlns:a16="http://schemas.microsoft.com/office/drawing/2014/main" xmlns="" id="{202A9B48-7C02-4B9F-A694-D9D167DDE433}"/>
               </a:ext>
             </a:extLst>
           </p:cNvPr>
@@ -14071,21 +14300,21 @@
                 <a:gridCol w="1439100">
                   <a:extLst>
                     <a:ext uri="{9D8B030D-6E8A-4147-A177-3AD203B41FA5}">
-                      <a16:colId xmlns="" xmlns:a16="http://schemas.microsoft.com/office/drawing/2014/main" val="1313235057"/>
+                      <a16:colId xmlns:a16="http://schemas.microsoft.com/office/drawing/2014/main" xmlns="" val="1313235057"/>
                     </a:ext>
                   </a:extLst>
                 </a:gridCol>
                 <a:gridCol w="2365537">
                   <a:extLst>
                     <a:ext uri="{9D8B030D-6E8A-4147-A177-3AD203B41FA5}">
-                      <a16:colId xmlns="" xmlns:a16="http://schemas.microsoft.com/office/drawing/2014/main" val="3498442498"/>
+                      <a16:colId xmlns:a16="http://schemas.microsoft.com/office/drawing/2014/main" xmlns="" val="3498442498"/>
                     </a:ext>
                   </a:extLst>
                 </a:gridCol>
                 <a:gridCol w="3597777">
                   <a:extLst>
                     <a:ext uri="{9D8B030D-6E8A-4147-A177-3AD203B41FA5}">
-                      <a16:colId xmlns="" xmlns:a16="http://schemas.microsoft.com/office/drawing/2014/main" val="2798367762"/>
+                      <a16:colId xmlns:a16="http://schemas.microsoft.com/office/drawing/2014/main" xmlns="" val="2798367762"/>
                     </a:ext>
                   </a:extLst>
                 </a:gridCol>
@@ -14237,7 +14466,7 @@
                 </a:tc>
                 <a:extLst>
                   <a:ext uri="{0D108BD9-81ED-4DB2-BD59-A6C34878D82A}">
-                    <a16:rowId xmlns="" xmlns:a16="http://schemas.microsoft.com/office/drawing/2014/main" val="43767920"/>
+                    <a16:rowId xmlns:a16="http://schemas.microsoft.com/office/drawing/2014/main" xmlns="" val="43767920"/>
                   </a:ext>
                 </a:extLst>
               </a:tr>
@@ -14443,7 +14672,7 @@
                 </a:tc>
                 <a:extLst>
                   <a:ext uri="{0D108BD9-81ED-4DB2-BD59-A6C34878D82A}">
-                    <a16:rowId xmlns="" xmlns:a16="http://schemas.microsoft.com/office/drawing/2014/main" val="881114521"/>
+                    <a16:rowId xmlns:a16="http://schemas.microsoft.com/office/drawing/2014/main" xmlns="" val="881114521"/>
                   </a:ext>
                 </a:extLst>
               </a:tr>
@@ -14605,7 +14834,7 @@
                 </a:tc>
                 <a:extLst>
                   <a:ext uri="{0D108BD9-81ED-4DB2-BD59-A6C34878D82A}">
-                    <a16:rowId xmlns="" xmlns:a16="http://schemas.microsoft.com/office/drawing/2014/main" val="3889943358"/>
+                    <a16:rowId xmlns:a16="http://schemas.microsoft.com/office/drawing/2014/main" xmlns="" val="3889943358"/>
                   </a:ext>
                 </a:extLst>
               </a:tr>
@@ -17570,7 +17799,7 @@
           <p:cNvPr id="6" name="表格 5">
             <a:extLst>
               <a:ext uri="{FF2B5EF4-FFF2-40B4-BE49-F238E27FC236}">
-                <a16:creationId xmlns="" xmlns:a16="http://schemas.microsoft.com/office/drawing/2014/main" id="{202A9B48-7C02-4B9F-A694-D9D167DDE433}"/>
+                <a16:creationId xmlns:a16="http://schemas.microsoft.com/office/drawing/2014/main" xmlns="" id="{202A9B48-7C02-4B9F-A694-D9D167DDE433}"/>
               </a:ext>
             </a:extLst>
           </p:cNvPr>
@@ -17597,21 +17826,21 @@
                 <a:gridCol w="1728799">
                   <a:extLst>
                     <a:ext uri="{9D8B030D-6E8A-4147-A177-3AD203B41FA5}">
-                      <a16:colId xmlns="" xmlns:a16="http://schemas.microsoft.com/office/drawing/2014/main" val="1313235057"/>
+                      <a16:colId xmlns:a16="http://schemas.microsoft.com/office/drawing/2014/main" xmlns="" val="1313235057"/>
                     </a:ext>
                   </a:extLst>
                 </a:gridCol>
                 <a:gridCol w="2508718">
                   <a:extLst>
                     <a:ext uri="{9D8B030D-6E8A-4147-A177-3AD203B41FA5}">
-                      <a16:colId xmlns="" xmlns:a16="http://schemas.microsoft.com/office/drawing/2014/main" val="3498442498"/>
+                      <a16:colId xmlns:a16="http://schemas.microsoft.com/office/drawing/2014/main" xmlns="" val="3498442498"/>
                     </a:ext>
                   </a:extLst>
                 </a:gridCol>
                 <a:gridCol w="3597777">
                   <a:extLst>
                     <a:ext uri="{9D8B030D-6E8A-4147-A177-3AD203B41FA5}">
-                      <a16:colId xmlns="" xmlns:a16="http://schemas.microsoft.com/office/drawing/2014/main" val="2798367762"/>
+                      <a16:colId xmlns:a16="http://schemas.microsoft.com/office/drawing/2014/main" xmlns="" val="2798367762"/>
                     </a:ext>
                   </a:extLst>
                 </a:gridCol>
@@ -17913,7 +18142,7 @@
                 </a:tc>
                 <a:extLst>
                   <a:ext uri="{0D108BD9-81ED-4DB2-BD59-A6C34878D82A}">
-                    <a16:rowId xmlns="" xmlns:a16="http://schemas.microsoft.com/office/drawing/2014/main" val="43767920"/>
+                    <a16:rowId xmlns:a16="http://schemas.microsoft.com/office/drawing/2014/main" xmlns="" val="43767920"/>
                   </a:ext>
                 </a:extLst>
               </a:tr>
@@ -18162,7 +18391,7 @@
                 </a:tc>
                 <a:extLst>
                   <a:ext uri="{0D108BD9-81ED-4DB2-BD59-A6C34878D82A}">
-                    <a16:rowId xmlns="" xmlns:a16="http://schemas.microsoft.com/office/drawing/2014/main" val="881114521"/>
+                    <a16:rowId xmlns:a16="http://schemas.microsoft.com/office/drawing/2014/main" xmlns="" val="881114521"/>
                   </a:ext>
                 </a:extLst>
               </a:tr>
@@ -20945,7 +21174,7 @@
           <p:cNvPr id="5" name="表格 4">
             <a:extLst>
               <a:ext uri="{FF2B5EF4-FFF2-40B4-BE49-F238E27FC236}">
-                <a16:creationId xmlns="" xmlns:a16="http://schemas.microsoft.com/office/drawing/2014/main" id="{202A9B48-7C02-4B9F-A694-D9D167DDE433}"/>
+                <a16:creationId xmlns:a16="http://schemas.microsoft.com/office/drawing/2014/main" xmlns="" id="{202A9B48-7C02-4B9F-A694-D9D167DDE433}"/>
               </a:ext>
             </a:extLst>
           </p:cNvPr>
@@ -20972,21 +21201,21 @@
                 <a:gridCol w="1728799">
                   <a:extLst>
                     <a:ext uri="{9D8B030D-6E8A-4147-A177-3AD203B41FA5}">
-                      <a16:colId xmlns="" xmlns:a16="http://schemas.microsoft.com/office/drawing/2014/main" val="1313235057"/>
+                      <a16:colId xmlns:a16="http://schemas.microsoft.com/office/drawing/2014/main" xmlns="" val="1313235057"/>
                     </a:ext>
                   </a:extLst>
                 </a:gridCol>
                 <a:gridCol w="2508718">
                   <a:extLst>
                     <a:ext uri="{9D8B030D-6E8A-4147-A177-3AD203B41FA5}">
-                      <a16:colId xmlns="" xmlns:a16="http://schemas.microsoft.com/office/drawing/2014/main" val="3498442498"/>
+                      <a16:colId xmlns:a16="http://schemas.microsoft.com/office/drawing/2014/main" xmlns="" val="3498442498"/>
                     </a:ext>
                   </a:extLst>
                 </a:gridCol>
                 <a:gridCol w="3597777">
                   <a:extLst>
                     <a:ext uri="{9D8B030D-6E8A-4147-A177-3AD203B41FA5}">
-                      <a16:colId xmlns="" xmlns:a16="http://schemas.microsoft.com/office/drawing/2014/main" val="2798367762"/>
+                      <a16:colId xmlns:a16="http://schemas.microsoft.com/office/drawing/2014/main" xmlns="" val="2798367762"/>
                     </a:ext>
                   </a:extLst>
                 </a:gridCol>
@@ -21168,7 +21397,7 @@
                 </a:tc>
                 <a:extLst>
                   <a:ext uri="{0D108BD9-81ED-4DB2-BD59-A6C34878D82A}">
-                    <a16:rowId xmlns="" xmlns:a16="http://schemas.microsoft.com/office/drawing/2014/main" val="43767920"/>
+                    <a16:rowId xmlns:a16="http://schemas.microsoft.com/office/drawing/2014/main" xmlns="" val="43767920"/>
                   </a:ext>
                 </a:extLst>
               </a:tr>
@@ -21473,7 +21702,7 @@
                 </a:tc>
                 <a:extLst>
                   <a:ext uri="{0D108BD9-81ED-4DB2-BD59-A6C34878D82A}">
-                    <a16:rowId xmlns="" xmlns:a16="http://schemas.microsoft.com/office/drawing/2014/main" val="881114521"/>
+                    <a16:rowId xmlns:a16="http://schemas.microsoft.com/office/drawing/2014/main" xmlns="" val="881114521"/>
                   </a:ext>
                 </a:extLst>
               </a:tr>
@@ -21864,9 +22093,9 @@
       </p:cxnSp>
       <p:pic>
         <p:nvPicPr>
-          <p:cNvPr id="1026" name="Picture 2" descr="系統架構圖"/>
+          <p:cNvPr id="2" name="圖片 1"/>
           <p:cNvPicPr>
-            <a:picLocks noChangeAspect="1" noChangeArrowheads="1"/>
+            <a:picLocks noChangeAspect="1"/>
           </p:cNvPicPr>
           <p:nvPr/>
         </p:nvPicPr>
@@ -21878,42 +22107,18 @@
               </a:ext>
             </a:extLst>
           </a:blip>
-          <a:srcRect/>
           <a:stretch>
             <a:fillRect/>
           </a:stretch>
         </p:blipFill>
-        <p:spPr bwMode="auto">
+        <p:spPr>
           <a:xfrm>
-            <a:off x="2505374" y="1916500"/>
-            <a:ext cx="4098925" cy="2095500"/>
+            <a:off x="2580094" y="1432461"/>
+            <a:ext cx="3949486" cy="3283433"/>
           </a:xfrm>
           <a:prstGeom prst="rect">
             <a:avLst/>
           </a:prstGeom>
-          <a:noFill/>
-          <a:ln>
-            <a:noFill/>
-          </a:ln>
-          <a:extLst>
-            <a:ext uri="{909E8E84-426E-40DD-AFC4-6F175D3DCCD1}">
-              <a14:hiddenFill xmlns:a14="http://schemas.microsoft.com/office/drawing/2010/main">
-                <a:solidFill>
-                  <a:srgbClr val="FFFFFF"/>
-                </a:solidFill>
-              </a14:hiddenFill>
-            </a:ext>
-            <a:ext uri="{91240B29-F687-4F45-9708-019B960494DF}">
-              <a14:hiddenLine xmlns:a14="http://schemas.microsoft.com/office/drawing/2010/main" w="9525">
-                <a:solidFill>
-                  <a:srgbClr val="000000"/>
-                </a:solidFill>
-                <a:miter lim="800000"/>
-                <a:headEnd/>
-                <a:tailEnd/>
-              </a14:hiddenLine>
-            </a:ext>
-          </a:extLst>
         </p:spPr>
       </p:pic>
     </p:spTree>
@@ -24457,60 +24662,65 @@
       </p:grpSpPr>
       <p:sp>
         <p:nvSpPr>
-          <p:cNvPr id="102" name="椭圆 101"/>
-          <p:cNvSpPr/>
+          <p:cNvPr id="20493" name="TextBox 13"/>
+          <p:cNvSpPr txBox="1"/>
           <p:nvPr/>
         </p:nvSpPr>
         <p:spPr>
           <a:xfrm>
-            <a:off x="3819635" y="1089058"/>
-            <a:ext cx="1500028" cy="1500028"/>
+            <a:off x="871788" y="1124684"/>
+            <a:ext cx="8003988" cy="307777"/>
           </a:xfrm>
-          <a:prstGeom prst="ellipse">
+          <a:prstGeom prst="rect">
             <a:avLst/>
           </a:prstGeom>
-          <a:solidFill>
-            <a:srgbClr val="1B4367"/>
-          </a:solidFill>
-          <a:ln>
+          <a:noFill/>
+          <a:ln w="9525">
             <a:noFill/>
+            <a:miter/>
           </a:ln>
         </p:spPr>
-        <p:style>
-          <a:lnRef idx="2">
-            <a:schemeClr val="accent1">
-              <a:shade val="50000"/>
-            </a:schemeClr>
-          </a:lnRef>
-          <a:fillRef idx="1">
-            <a:schemeClr val="accent1"/>
-          </a:fillRef>
-          <a:effectRef idx="0">
-            <a:schemeClr val="accent1"/>
-          </a:effectRef>
-          <a:fontRef idx="minor">
-            <a:schemeClr val="lt1"/>
-          </a:fontRef>
-        </p:style>
         <p:txBody>
-          <a:bodyPr rtlCol="0" anchor="ctr"/>
+          <a:bodyPr wrap="square" lIns="0" tIns="0" rIns="0" bIns="0">
+            <a:spAutoFit/>
+          </a:bodyPr>
           <a:lstStyle/>
           <a:p>
-            <a:pPr algn="ctr"/>
-            <a:endParaRPr lang="zh-CN" altLang="en-US"/>
+            <a:pPr defTabSz="683419">
+              <a:spcBef>
+                <a:spcPct val="20000"/>
+              </a:spcBef>
+            </a:pPr>
+            <a:r>
+              <a:rPr lang="zh-TW" altLang="en-US" sz="2000" b="1" dirty="0" smtClean="0">
+                <a:solidFill>
+                  <a:srgbClr val="1B4367"/>
+                </a:solidFill>
+                <a:cs typeface="+mn-ea"/>
+                <a:sym typeface="+mn-lt"/>
+              </a:rPr>
+              <a:t>模型評估</a:t>
+            </a:r>
+            <a:endParaRPr lang="zh-CN" altLang="en-US" sz="2000" b="1" dirty="0">
+              <a:solidFill>
+                <a:srgbClr val="1B4367"/>
+              </a:solidFill>
+              <a:cs typeface="+mn-ea"/>
+              <a:sym typeface="+mn-lt"/>
+            </a:endParaRPr>
           </a:p>
         </p:txBody>
       </p:sp>
       <p:sp>
         <p:nvSpPr>
-          <p:cNvPr id="103" name="文本框 11"/>
+          <p:cNvPr id="24" name="文本框 15"/>
           <p:cNvSpPr txBox="1"/>
           <p:nvPr/>
         </p:nvSpPr>
         <p:spPr>
           <a:xfrm>
-            <a:off x="2483768" y="2709756"/>
-            <a:ext cx="4171762" cy="592470"/>
+            <a:off x="709386" y="309785"/>
+            <a:ext cx="7690902" cy="330860"/>
           </a:xfrm>
           <a:prstGeom prst="rect">
             <a:avLst/>
@@ -24523,18 +24733,17 @@
           </a:bodyPr>
           <a:lstStyle/>
           <a:p>
-            <a:pPr algn="ctr"/>
-            <a:r>
-              <a:rPr lang="zh-TW" altLang="en-US" sz="3400" b="1" dirty="0">
+            <a:r>
+              <a:rPr lang="zh-TW" altLang="en-US" sz="1700" b="1" dirty="0" smtClean="0">
                 <a:solidFill>
                   <a:srgbClr val="1B4367"/>
                 </a:solidFill>
                 <a:cs typeface="+mn-ea"/>
                 <a:sym typeface="+mn-lt"/>
               </a:rPr>
-              <a:t>參考文獻</a:t>
-            </a:r>
-            <a:endParaRPr lang="zh-CN" altLang="en-US" sz="3400" b="1" dirty="0">
+              <a:t>研究方法</a:t>
+            </a:r>
+            <a:endParaRPr lang="zh-CN" altLang="en-US" sz="1700" b="1" dirty="0">
               <a:solidFill>
                 <a:srgbClr val="1B4367"/>
               </a:solidFill>
@@ -24544,84 +24753,250 @@
           </a:p>
         </p:txBody>
       </p:sp>
-      <p:sp>
-        <p:nvSpPr>
-          <p:cNvPr id="105" name="文本框 11"/>
-          <p:cNvSpPr txBox="1"/>
+      <p:cxnSp>
+        <p:nvCxnSpPr>
+          <p:cNvPr id="26" name="直接连接符 25"/>
+          <p:cNvCxnSpPr/>
           <p:nvPr/>
-        </p:nvSpPr>
+        </p:nvCxnSpPr>
         <p:spPr>
           <a:xfrm>
-            <a:off x="3713476" y="1575042"/>
-            <a:ext cx="1732894" cy="838691"/>
+            <a:off x="774478" y="657417"/>
+            <a:ext cx="480259" cy="0"/>
+          </a:xfrm>
+          <a:prstGeom prst="line">
+            <a:avLst/>
+          </a:prstGeom>
+          <a:ln w="9525">
+            <a:solidFill>
+              <a:srgbClr val="1B4367"/>
+            </a:solidFill>
+          </a:ln>
+        </p:spPr>
+        <p:style>
+          <a:lnRef idx="1">
+            <a:schemeClr val="accent1"/>
+          </a:lnRef>
+          <a:fillRef idx="0">
+            <a:schemeClr val="accent1"/>
+          </a:fillRef>
+          <a:effectRef idx="0">
+            <a:schemeClr val="accent1"/>
+          </a:effectRef>
+          <a:fontRef idx="minor">
+            <a:schemeClr val="tx1"/>
+          </a:fontRef>
+        </p:style>
+      </p:cxnSp>
+      <p:sp>
+        <p:nvSpPr>
+          <p:cNvPr id="19" name="矩形 18"/>
+          <p:cNvSpPr/>
+          <p:nvPr/>
+        </p:nvSpPr>
+        <p:spPr>
+          <a:xfrm>
+            <a:off x="1254737" y="1710469"/>
+            <a:ext cx="7083216" cy="830997"/>
           </a:xfrm>
           <a:prstGeom prst="rect">
             <a:avLst/>
           </a:prstGeom>
-          <a:noFill/>
         </p:spPr>
         <p:txBody>
-          <a:bodyPr wrap="square" lIns="68580" tIns="34290" rIns="68580" bIns="34290" rtlCol="0">
+          <a:bodyPr wrap="square">
             <a:spAutoFit/>
           </a:bodyPr>
           <a:lstStyle/>
           <a:p>
-            <a:pPr algn="ctr">
+            <a:pPr marL="285750" indent="-285750">
               <a:lnSpc>
-                <a:spcPts val="3000"/>
+                <a:spcPct val="150000"/>
+              </a:lnSpc>
+              <a:buFont typeface="Wingdings" panose="05000000000000000000" pitchFamily="2" charset="2"/>
+              <a:buChar char="Ø"/>
+            </a:pPr>
+            <a:r>
+              <a:rPr lang="zh-TW" altLang="en-US" sz="1600" dirty="0" smtClean="0"/>
+              <a:t>訓練網路</a:t>
+            </a:r>
+            <a:r>
+              <a:rPr lang="en-US" altLang="zh-TW" sz="1600" dirty="0" smtClean="0"/>
+              <a:t>:</a:t>
+            </a:r>
+          </a:p>
+          <a:p>
+            <a:pPr>
+              <a:lnSpc>
+                <a:spcPct val="150000"/>
               </a:lnSpc>
             </a:pPr>
             <a:r>
-              <a:rPr lang="en-US" altLang="zh-CN" sz="5400" dirty="0" smtClean="0">
-                <a:solidFill>
-                  <a:schemeClr val="bg1"/>
-                </a:solidFill>
-                <a:cs typeface="+mn-ea"/>
-                <a:sym typeface="+mn-lt"/>
-              </a:rPr>
-              <a:t>0</a:t>
-            </a:r>
-            <a:r>
-              <a:rPr lang="en-US" altLang="zh-TW" sz="5400" dirty="0" smtClean="0">
-                <a:solidFill>
-                  <a:schemeClr val="bg1"/>
-                </a:solidFill>
-                <a:cs typeface="+mn-ea"/>
-                <a:sym typeface="+mn-lt"/>
-              </a:rPr>
-              <a:t>4</a:t>
-            </a:r>
-            <a:endParaRPr lang="zh-CN" altLang="en-US" sz="5400" dirty="0">
-              <a:solidFill>
-                <a:schemeClr val="bg1"/>
-              </a:solidFill>
-              <a:cs typeface="+mn-ea"/>
-              <a:sym typeface="+mn-lt"/>
+              <a:rPr lang="en-US" altLang="zh-TW" sz="1600" dirty="0"/>
+              <a:t>	</a:t>
+            </a:r>
+            <a:r>
+              <a:rPr lang="zh-TW" altLang="en-US" sz="1600" dirty="0" smtClean="0"/>
+              <a:t>具有</a:t>
+            </a:r>
+            <a:r>
+              <a:rPr lang="zh-TW" altLang="zh-TW" sz="1600" dirty="0" smtClean="0"/>
+              <a:t>語義</a:t>
+            </a:r>
+            <a:r>
+              <a:rPr lang="zh-TW" altLang="zh-TW" sz="1600" dirty="0"/>
+              <a:t>分割資料集以及加入引導影像濾波層的</a:t>
+            </a:r>
+            <a:r>
+              <a:rPr lang="en-US" altLang="zh-TW" sz="1600" dirty="0"/>
+              <a:t>pix2pix</a:t>
+            </a:r>
+            <a:r>
+              <a:rPr lang="zh-TW" altLang="zh-TW" sz="1600" dirty="0"/>
+              <a:t>訓練模型</a:t>
+            </a:r>
+            <a:endParaRPr lang="en-US" altLang="zh-TW" sz="1600" dirty="0" smtClean="0">
+              <a:latin typeface="+mn-ea"/>
             </a:endParaRPr>
           </a:p>
-          <a:p>
-            <a:pPr algn="ctr">
+        </p:txBody>
+      </p:sp>
+      <p:sp>
+        <p:nvSpPr>
+          <p:cNvPr id="6" name="矩形 5"/>
+          <p:cNvSpPr/>
+          <p:nvPr/>
+        </p:nvSpPr>
+        <p:spPr>
+          <a:xfrm>
+            <a:off x="1254737" y="2541466"/>
+            <a:ext cx="7083216" cy="1815882"/>
+          </a:xfrm>
+          <a:prstGeom prst="rect">
+            <a:avLst/>
+          </a:prstGeom>
+        </p:spPr>
+        <p:txBody>
+          <a:bodyPr wrap="square">
+            <a:spAutoFit/>
+          </a:bodyPr>
+          <a:lstStyle/>
+          <a:p>
+            <a:pPr marL="285750" indent="-285750">
               <a:lnSpc>
-                <a:spcPts val="3000"/>
+                <a:spcPct val="150000"/>
               </a:lnSpc>
+              <a:buFont typeface="Wingdings" panose="05000000000000000000" pitchFamily="2" charset="2"/>
+              <a:buChar char="Ø"/>
             </a:pPr>
             <a:r>
-              <a:rPr lang="en-US" altLang="zh-CN" sz="2400" dirty="0" smtClean="0">
-                <a:solidFill>
-                  <a:schemeClr val="bg1"/>
-                </a:solidFill>
-                <a:cs typeface="+mn-ea"/>
-                <a:sym typeface="+mn-lt"/>
-              </a:rPr>
-              <a:t>PART </a:t>
-            </a:r>
+              <a:rPr lang="zh-TW" altLang="en-US" sz="1600" dirty="0" smtClean="0"/>
+              <a:t>比較</a:t>
+            </a:r>
+            <a:r>
+              <a:rPr lang="en-US" altLang="zh-TW" sz="1600" dirty="0" smtClean="0"/>
+              <a:t>:</a:t>
+            </a:r>
+          </a:p>
+          <a:p>
+            <a:pPr marL="685800" lvl="1" indent="-342900">
+              <a:lnSpc>
+                <a:spcPct val="150000"/>
+              </a:lnSpc>
+              <a:buFont typeface="+mj-lt"/>
+              <a:buAutoNum type="arabicPeriod"/>
+            </a:pPr>
+            <a:r>
+              <a:rPr lang="zh-TW" altLang="zh-TW" sz="1600" dirty="0" smtClean="0"/>
+              <a:t>加入</a:t>
+            </a:r>
+            <a:r>
+              <a:rPr lang="zh-TW" altLang="zh-TW" sz="1600" dirty="0"/>
+              <a:t>引導影像濾波層的</a:t>
+            </a:r>
+            <a:r>
+              <a:rPr lang="en-US" altLang="zh-TW" sz="1600" dirty="0"/>
+              <a:t>pix2pix</a:t>
+            </a:r>
+            <a:r>
+              <a:rPr lang="zh-TW" altLang="zh-TW" sz="1600" dirty="0"/>
+              <a:t>訓練</a:t>
+            </a:r>
+            <a:r>
+              <a:rPr lang="zh-TW" altLang="zh-TW" sz="1600" dirty="0" smtClean="0"/>
+              <a:t>模型</a:t>
+            </a:r>
+            <a:endParaRPr lang="en-US" altLang="zh-TW" sz="1600" dirty="0" smtClean="0"/>
+          </a:p>
+          <a:p>
+            <a:pPr marL="685800" lvl="1" indent="-342900">
+              <a:lnSpc>
+                <a:spcPct val="150000"/>
+              </a:lnSpc>
+              <a:buFont typeface="+mj-lt"/>
+              <a:buAutoNum type="arabicPeriod"/>
+            </a:pPr>
+            <a:r>
+              <a:rPr lang="zh-TW" altLang="en-US" sz="1600" dirty="0" smtClean="0"/>
+              <a:t>具有</a:t>
+            </a:r>
+            <a:r>
+              <a:rPr lang="zh-TW" altLang="zh-TW" sz="1600" dirty="0"/>
+              <a:t>語義分割資料集</a:t>
+            </a:r>
+            <a:r>
+              <a:rPr lang="zh-TW" altLang="zh-TW" sz="1600" dirty="0" smtClean="0"/>
+              <a:t>的</a:t>
+            </a:r>
+            <a:r>
+              <a:rPr lang="en-US" altLang="zh-TW" sz="1600" dirty="0"/>
+              <a:t>pix2pix</a:t>
+            </a:r>
+            <a:r>
+              <a:rPr lang="zh-TW" altLang="zh-TW" sz="1600" dirty="0"/>
+              <a:t>訓練</a:t>
+            </a:r>
+            <a:r>
+              <a:rPr lang="zh-TW" altLang="zh-TW" sz="1600" dirty="0" smtClean="0"/>
+              <a:t>模型</a:t>
+            </a:r>
+            <a:endParaRPr lang="en-US" altLang="zh-TW" sz="1600" dirty="0" smtClean="0"/>
+          </a:p>
+          <a:p>
+            <a:pPr marL="685800" lvl="1" indent="-342900">
+              <a:lnSpc>
+                <a:spcPct val="150000"/>
+              </a:lnSpc>
+              <a:buFont typeface="+mj-lt"/>
+              <a:buAutoNum type="arabicPeriod"/>
+            </a:pPr>
+            <a:r>
+              <a:rPr lang="en-US" altLang="zh-TW" sz="1600" dirty="0" smtClean="0">
+                <a:latin typeface="+mn-ea"/>
+              </a:rPr>
+              <a:t>pix2pix</a:t>
+            </a:r>
+            <a:r>
+              <a:rPr lang="zh-TW" altLang="en-US" sz="1600" dirty="0" smtClean="0">
+                <a:latin typeface="+mn-ea"/>
+              </a:rPr>
+              <a:t>訓練模型</a:t>
+            </a:r>
+            <a:endParaRPr lang="en-US" altLang="zh-TW" sz="1600" dirty="0">
+              <a:latin typeface="+mn-ea"/>
+            </a:endParaRPr>
+          </a:p>
+          <a:p>
+            <a:endParaRPr lang="en-US" altLang="zh-TW" sz="1600" dirty="0" smtClean="0">
+              <a:latin typeface="+mn-ea"/>
+            </a:endParaRPr>
           </a:p>
         </p:txBody>
       </p:sp>
     </p:spTree>
     <p:extLst>
       <p:ext uri="{BB962C8B-B14F-4D97-AF65-F5344CB8AC3E}">
-        <p14:creationId xmlns:p14="http://schemas.microsoft.com/office/powerpoint/2010/main" val="3720145932"/>
+        <p14:creationId xmlns:p14="http://schemas.microsoft.com/office/powerpoint/2010/main" val="544500369"/>
       </p:ext>
     </p:extLst>
   </p:cSld>
@@ -24702,7 +25077,7 @@
                 <a:cs typeface="+mn-ea"/>
                 <a:sym typeface="+mn-lt"/>
               </a:rPr>
-              <a:t>室內設計發展</a:t>
+              <a:t>室內設計的發展</a:t>
             </a:r>
             <a:endParaRPr lang="zh-CN" altLang="en-US" sz="2000" b="1" dirty="0">
               <a:solidFill>
@@ -24772,19 +25147,31 @@
               <a:rPr lang="zh-TW" altLang="zh-TW" sz="1600" dirty="0" smtClean="0">
                 <a:latin typeface="+mn-ea"/>
               </a:rPr>
-              <a:t>後來室內設計逐漸從</a:t>
+              <a:t>後來室內設計逐漸</a:t>
+            </a:r>
+            <a:r>
+              <a:rPr lang="zh-TW" altLang="zh-TW" sz="1600" dirty="0" smtClean="0">
+                <a:latin typeface="+mn-ea"/>
+              </a:rPr>
+              <a:t>從</a:t>
             </a:r>
             <a:r>
               <a:rPr lang="zh-TW" altLang="en-US" sz="1600" dirty="0" smtClean="0">
                 <a:latin typeface="+mn-ea"/>
               </a:rPr>
-              <a:t>居住</a:t>
+              <a:t>只求居住</a:t>
             </a:r>
             <a:r>
               <a:rPr lang="zh-TW" altLang="zh-TW" sz="1600" dirty="0" smtClean="0">
                 <a:latin typeface="+mn-ea"/>
               </a:rPr>
-              <a:t>，考量環境，延伸出考慮到生活品質、居住品質、心理層面、視覺等因素，使人類能在生活、起居、心理、視覺等各方面得到無比的滿足，因此室內設計在現今的社會上已成了無法缺少的一塊產業。</a:t>
+              <a:t>，延伸</a:t>
+            </a:r>
+            <a:r>
+              <a:rPr lang="zh-TW" altLang="zh-TW" sz="1600" dirty="0" smtClean="0">
+                <a:latin typeface="+mn-ea"/>
+              </a:rPr>
+              <a:t>出考慮到生活品質、居住品質、心理層面、視覺等因素，使人類能在生活、起居、心理、視覺等各方面得到無比的滿足，因此室內設計在現今的社會上已成了無法缺少的一塊產業。</a:t>
             </a:r>
           </a:p>
           <a:p>
@@ -24930,6 +25317,214 @@
       </p:grpSpPr>
       <p:sp>
         <p:nvSpPr>
+          <p:cNvPr id="102" name="椭圆 101"/>
+          <p:cNvSpPr/>
+          <p:nvPr/>
+        </p:nvSpPr>
+        <p:spPr>
+          <a:xfrm>
+            <a:off x="3819635" y="1089058"/>
+            <a:ext cx="1500028" cy="1500028"/>
+          </a:xfrm>
+          <a:prstGeom prst="ellipse">
+            <a:avLst/>
+          </a:prstGeom>
+          <a:solidFill>
+            <a:srgbClr val="1B4367"/>
+          </a:solidFill>
+          <a:ln>
+            <a:noFill/>
+          </a:ln>
+        </p:spPr>
+        <p:style>
+          <a:lnRef idx="2">
+            <a:schemeClr val="accent1">
+              <a:shade val="50000"/>
+            </a:schemeClr>
+          </a:lnRef>
+          <a:fillRef idx="1">
+            <a:schemeClr val="accent1"/>
+          </a:fillRef>
+          <a:effectRef idx="0">
+            <a:schemeClr val="accent1"/>
+          </a:effectRef>
+          <a:fontRef idx="minor">
+            <a:schemeClr val="lt1"/>
+          </a:fontRef>
+        </p:style>
+        <p:txBody>
+          <a:bodyPr rtlCol="0" anchor="ctr"/>
+          <a:lstStyle/>
+          <a:p>
+            <a:pPr algn="ctr"/>
+            <a:endParaRPr lang="zh-CN" altLang="en-US"/>
+          </a:p>
+        </p:txBody>
+      </p:sp>
+      <p:sp>
+        <p:nvSpPr>
+          <p:cNvPr id="103" name="文本框 11"/>
+          <p:cNvSpPr txBox="1"/>
+          <p:nvPr/>
+        </p:nvSpPr>
+        <p:spPr>
+          <a:xfrm>
+            <a:off x="2483768" y="2709756"/>
+            <a:ext cx="4171762" cy="592470"/>
+          </a:xfrm>
+          <a:prstGeom prst="rect">
+            <a:avLst/>
+          </a:prstGeom>
+          <a:noFill/>
+        </p:spPr>
+        <p:txBody>
+          <a:bodyPr wrap="square" lIns="68580" tIns="34290" rIns="68580" bIns="34290" rtlCol="0">
+            <a:spAutoFit/>
+          </a:bodyPr>
+          <a:lstStyle/>
+          <a:p>
+            <a:pPr algn="ctr"/>
+            <a:r>
+              <a:rPr lang="zh-TW" altLang="en-US" sz="3400" b="1" dirty="0">
+                <a:solidFill>
+                  <a:srgbClr val="1B4367"/>
+                </a:solidFill>
+                <a:cs typeface="+mn-ea"/>
+                <a:sym typeface="+mn-lt"/>
+              </a:rPr>
+              <a:t>參考文獻</a:t>
+            </a:r>
+            <a:endParaRPr lang="zh-CN" altLang="en-US" sz="3400" b="1" dirty="0">
+              <a:solidFill>
+                <a:srgbClr val="1B4367"/>
+              </a:solidFill>
+              <a:cs typeface="+mn-ea"/>
+              <a:sym typeface="+mn-lt"/>
+            </a:endParaRPr>
+          </a:p>
+        </p:txBody>
+      </p:sp>
+      <p:sp>
+        <p:nvSpPr>
+          <p:cNvPr id="105" name="文本框 11"/>
+          <p:cNvSpPr txBox="1"/>
+          <p:nvPr/>
+        </p:nvSpPr>
+        <p:spPr>
+          <a:xfrm>
+            <a:off x="3713476" y="1575042"/>
+            <a:ext cx="1732894" cy="838691"/>
+          </a:xfrm>
+          <a:prstGeom prst="rect">
+            <a:avLst/>
+          </a:prstGeom>
+          <a:noFill/>
+        </p:spPr>
+        <p:txBody>
+          <a:bodyPr wrap="square" lIns="68580" tIns="34290" rIns="68580" bIns="34290" rtlCol="0">
+            <a:spAutoFit/>
+          </a:bodyPr>
+          <a:lstStyle/>
+          <a:p>
+            <a:pPr algn="ctr">
+              <a:lnSpc>
+                <a:spcPts val="3000"/>
+              </a:lnSpc>
+            </a:pPr>
+            <a:r>
+              <a:rPr lang="en-US" altLang="zh-CN" sz="5400" dirty="0" smtClean="0">
+                <a:solidFill>
+                  <a:schemeClr val="bg1"/>
+                </a:solidFill>
+                <a:cs typeface="+mn-ea"/>
+                <a:sym typeface="+mn-lt"/>
+              </a:rPr>
+              <a:t>0</a:t>
+            </a:r>
+            <a:r>
+              <a:rPr lang="en-US" altLang="zh-TW" sz="5400" dirty="0" smtClean="0">
+                <a:solidFill>
+                  <a:schemeClr val="bg1"/>
+                </a:solidFill>
+                <a:cs typeface="+mn-ea"/>
+                <a:sym typeface="+mn-lt"/>
+              </a:rPr>
+              <a:t>4</a:t>
+            </a:r>
+            <a:endParaRPr lang="zh-CN" altLang="en-US" sz="5400" dirty="0">
+              <a:solidFill>
+                <a:schemeClr val="bg1"/>
+              </a:solidFill>
+              <a:cs typeface="+mn-ea"/>
+              <a:sym typeface="+mn-lt"/>
+            </a:endParaRPr>
+          </a:p>
+          <a:p>
+            <a:pPr algn="ctr">
+              <a:lnSpc>
+                <a:spcPts val="3000"/>
+              </a:lnSpc>
+            </a:pPr>
+            <a:r>
+              <a:rPr lang="en-US" altLang="zh-CN" sz="2400" dirty="0" smtClean="0">
+                <a:solidFill>
+                  <a:schemeClr val="bg1"/>
+                </a:solidFill>
+                <a:cs typeface="+mn-ea"/>
+                <a:sym typeface="+mn-lt"/>
+              </a:rPr>
+              <a:t>PART </a:t>
+            </a:r>
+          </a:p>
+        </p:txBody>
+      </p:sp>
+    </p:spTree>
+    <p:extLst>
+      <p:ext uri="{BB962C8B-B14F-4D97-AF65-F5344CB8AC3E}">
+        <p14:creationId xmlns:p14="http://schemas.microsoft.com/office/powerpoint/2010/main" val="3720145932"/>
+      </p:ext>
+    </p:extLst>
+  </p:cSld>
+  <p:clrMapOvr>
+    <a:masterClrMapping/>
+  </p:clrMapOvr>
+  <mc:AlternateContent xmlns:mc="http://schemas.openxmlformats.org/markup-compatibility/2006" xmlns:p14="http://schemas.microsoft.com/office/powerpoint/2010/main">
+    <mc:Choice Requires="p14">
+      <p:transition p14:dur="0"/>
+    </mc:Choice>
+    <mc:Fallback xmlns="">
+      <p:transition/>
+    </mc:Fallback>
+  </mc:AlternateContent>
+  <p:timing>
+    <p:tnLst>
+      <p:par>
+        <p:cTn id="1" dur="indefinite" restart="never" nodeType="tmRoot"/>
+      </p:par>
+    </p:tnLst>
+  </p:timing>
+</p:sld>
+</file>
+
+<file path=ppt/slides/slide41.xml><?xml version="1.0" encoding="utf-8"?>
+<p:sld xmlns:a="http://schemas.openxmlformats.org/drawingml/2006/main" xmlns:r="http://schemas.openxmlformats.org/officeDocument/2006/relationships" xmlns:p="http://schemas.openxmlformats.org/presentationml/2006/main">
+  <p:cSld>
+    <p:spTree>
+      <p:nvGrpSpPr>
+        <p:cNvPr id="1" name=""/>
+        <p:cNvGrpSpPr/>
+        <p:nvPr/>
+      </p:nvGrpSpPr>
+      <p:grpSpPr>
+        <a:xfrm>
+          <a:off x="0" y="0"/>
+          <a:ext cx="0" cy="0"/>
+          <a:chOff x="0" y="0"/>
+          <a:chExt cx="0" cy="0"/>
+        </a:xfrm>
+      </p:grpSpPr>
+      <p:sp>
+        <p:nvSpPr>
           <p:cNvPr id="19" name="文本框 15"/>
           <p:cNvSpPr txBox="1"/>
           <p:nvPr/>
@@ -25408,1003 +26003,6 @@
     <p:extLst>
       <p:ext uri="{BB962C8B-B14F-4D97-AF65-F5344CB8AC3E}">
         <p14:creationId xmlns:p14="http://schemas.microsoft.com/office/powerpoint/2010/main" val="1786162794"/>
-      </p:ext>
-    </p:extLst>
-  </p:cSld>
-  <p:clrMapOvr>
-    <a:masterClrMapping/>
-  </p:clrMapOvr>
-  <mc:AlternateContent xmlns:mc="http://schemas.openxmlformats.org/markup-compatibility/2006" xmlns:p14="http://schemas.microsoft.com/office/powerpoint/2010/main">
-    <mc:Choice Requires="p14">
-      <p:transition p14:dur="0"/>
-    </mc:Choice>
-    <mc:Fallback xmlns="">
-      <p:transition/>
-    </mc:Fallback>
-  </mc:AlternateContent>
-  <p:timing>
-    <p:tnLst>
-      <p:par>
-        <p:cTn id="1" dur="indefinite" restart="never" nodeType="tmRoot">
-          <p:childTnLst>
-            <p:seq concurrent="1" nextAc="seek">
-              <p:cTn id="2" dur="indefinite" nodeType="mainSeq">
-                <p:childTnLst>
-                  <p:par>
-                    <p:cTn id="3" fill="hold">
-                      <p:stCondLst>
-                        <p:cond delay="indefinite"/>
-                        <p:cond evt="onBegin" delay="0">
-                          <p:tn val="2"/>
-                        </p:cond>
-                      </p:stCondLst>
-                      <p:childTnLst>
-                        <p:par>
-                          <p:cTn id="4" fill="hold">
-                            <p:stCondLst>
-                              <p:cond delay="0"/>
-                            </p:stCondLst>
-                            <p:childTnLst>
-                              <p:par>
-                                <p:cTn id="5" presetID="41" presetClass="entr" presetSubtype="0" fill="hold" grpId="0" nodeType="afterEffect">
-                                  <p:stCondLst>
-                                    <p:cond delay="0"/>
-                                  </p:stCondLst>
-                                  <p:iterate type="lt">
-                                    <p:tmPct val="10000"/>
-                                  </p:iterate>
-                                  <p:childTnLst>
-                                    <p:set>
-                                      <p:cBhvr>
-                                        <p:cTn id="6" dur="1" fill="hold">
-                                          <p:stCondLst>
-                                            <p:cond delay="0"/>
-                                          </p:stCondLst>
-                                        </p:cTn>
-                                        <p:tgtEl>
-                                          <p:spTgt spid="19"/>
-                                        </p:tgtEl>
-                                        <p:attrNameLst>
-                                          <p:attrName>style.visibility</p:attrName>
-                                        </p:attrNameLst>
-                                      </p:cBhvr>
-                                      <p:to>
-                                        <p:strVal val="visible"/>
-                                      </p:to>
-                                    </p:set>
-                                    <p:anim calcmode="lin" valueType="num">
-                                      <p:cBhvr>
-                                        <p:cTn id="7" dur="500" fill="hold"/>
-                                        <p:tgtEl>
-                                          <p:spTgt spid="19"/>
-                                        </p:tgtEl>
-                                        <p:attrNameLst>
-                                          <p:attrName>ppt_x</p:attrName>
-                                        </p:attrNameLst>
-                                      </p:cBhvr>
-                                      <p:tavLst>
-                                        <p:tav tm="0">
-                                          <p:val>
-                                            <p:strVal val="#ppt_x"/>
-                                          </p:val>
-                                        </p:tav>
-                                        <p:tav tm="50000">
-                                          <p:val>
-                                            <p:strVal val="#ppt_x+.1"/>
-                                          </p:val>
-                                        </p:tav>
-                                        <p:tav tm="100000">
-                                          <p:val>
-                                            <p:strVal val="#ppt_x"/>
-                                          </p:val>
-                                        </p:tav>
-                                      </p:tavLst>
-                                    </p:anim>
-                                    <p:anim calcmode="lin" valueType="num">
-                                      <p:cBhvr>
-                                        <p:cTn id="8" dur="500" fill="hold"/>
-                                        <p:tgtEl>
-                                          <p:spTgt spid="19"/>
-                                        </p:tgtEl>
-                                        <p:attrNameLst>
-                                          <p:attrName>ppt_y</p:attrName>
-                                        </p:attrNameLst>
-                                      </p:cBhvr>
-                                      <p:tavLst>
-                                        <p:tav tm="0">
-                                          <p:val>
-                                            <p:strVal val="#ppt_y"/>
-                                          </p:val>
-                                        </p:tav>
-                                        <p:tav tm="100000">
-                                          <p:val>
-                                            <p:strVal val="#ppt_y"/>
-                                          </p:val>
-                                        </p:tav>
-                                      </p:tavLst>
-                                    </p:anim>
-                                    <p:anim calcmode="lin" valueType="num">
-                                      <p:cBhvr>
-                                        <p:cTn id="9" dur="500" fill="hold"/>
-                                        <p:tgtEl>
-                                          <p:spTgt spid="19"/>
-                                        </p:tgtEl>
-                                        <p:attrNameLst>
-                                          <p:attrName>ppt_h</p:attrName>
-                                        </p:attrNameLst>
-                                      </p:cBhvr>
-                                      <p:tavLst>
-                                        <p:tav tm="0">
-                                          <p:val>
-                                            <p:strVal val="#ppt_h/10"/>
-                                          </p:val>
-                                        </p:tav>
-                                        <p:tav tm="50000">
-                                          <p:val>
-                                            <p:strVal val="#ppt_h+.01"/>
-                                          </p:val>
-                                        </p:tav>
-                                        <p:tav tm="100000">
-                                          <p:val>
-                                            <p:strVal val="#ppt_h"/>
-                                          </p:val>
-                                        </p:tav>
-                                      </p:tavLst>
-                                    </p:anim>
-                                    <p:anim calcmode="lin" valueType="num">
-                                      <p:cBhvr>
-                                        <p:cTn id="10" dur="500" fill="hold"/>
-                                        <p:tgtEl>
-                                          <p:spTgt spid="19"/>
-                                        </p:tgtEl>
-                                        <p:attrNameLst>
-                                          <p:attrName>ppt_w</p:attrName>
-                                        </p:attrNameLst>
-                                      </p:cBhvr>
-                                      <p:tavLst>
-                                        <p:tav tm="0">
-                                          <p:val>
-                                            <p:strVal val="#ppt_w/10"/>
-                                          </p:val>
-                                        </p:tav>
-                                        <p:tav tm="50000">
-                                          <p:val>
-                                            <p:strVal val="#ppt_w+.01"/>
-                                          </p:val>
-                                        </p:tav>
-                                        <p:tav tm="100000">
-                                          <p:val>
-                                            <p:strVal val="#ppt_w"/>
-                                          </p:val>
-                                        </p:tav>
-                                      </p:tavLst>
-                                    </p:anim>
-                                    <p:animEffect transition="in" filter="fade">
-                                      <p:cBhvr>
-                                        <p:cTn id="11" dur="500" tmFilter="0,0; .5, 1; 1, 1"/>
-                                        <p:tgtEl>
-                                          <p:spTgt spid="19"/>
-                                        </p:tgtEl>
-                                      </p:cBhvr>
-                                    </p:animEffect>
-                                  </p:childTnLst>
-                                </p:cTn>
-                              </p:par>
-                            </p:childTnLst>
-                          </p:cTn>
-                        </p:par>
-                        <p:par>
-                          <p:cTn id="12" fill="hold">
-                            <p:stCondLst>
-                              <p:cond delay="650"/>
-                            </p:stCondLst>
-                            <p:childTnLst>
-                              <p:par>
-                                <p:cTn id="13" presetID="22" presetClass="entr" presetSubtype="8" fill="hold" nodeType="afterEffect">
-                                  <p:stCondLst>
-                                    <p:cond delay="0"/>
-                                  </p:stCondLst>
-                                  <p:childTnLst>
-                                    <p:set>
-                                      <p:cBhvr>
-                                        <p:cTn id="14" dur="1" fill="hold">
-                                          <p:stCondLst>
-                                            <p:cond delay="0"/>
-                                          </p:stCondLst>
-                                        </p:cTn>
-                                        <p:tgtEl>
-                                          <p:spTgt spid="16"/>
-                                        </p:tgtEl>
-                                        <p:attrNameLst>
-                                          <p:attrName>style.visibility</p:attrName>
-                                        </p:attrNameLst>
-                                      </p:cBhvr>
-                                      <p:to>
-                                        <p:strVal val="visible"/>
-                                      </p:to>
-                                    </p:set>
-                                    <p:animEffect transition="in" filter="wipe(left)">
-                                      <p:cBhvr>
-                                        <p:cTn id="15" dur="300"/>
-                                        <p:tgtEl>
-                                          <p:spTgt spid="16"/>
-                                        </p:tgtEl>
-                                      </p:cBhvr>
-                                    </p:animEffect>
-                                  </p:childTnLst>
-                                </p:cTn>
-                              </p:par>
-                            </p:childTnLst>
-                          </p:cTn>
-                        </p:par>
-                        <p:par>
-                          <p:cTn id="16" fill="hold">
-                            <p:stCondLst>
-                              <p:cond delay="950"/>
-                            </p:stCondLst>
-                            <p:childTnLst>
-                              <p:par>
-                                <p:cTn id="17" presetID="53" presetClass="entr" presetSubtype="528" fill="hold" grpId="0" nodeType="afterEffect">
-                                  <p:stCondLst>
-                                    <p:cond delay="0"/>
-                                  </p:stCondLst>
-                                  <p:childTnLst>
-                                    <p:set>
-                                      <p:cBhvr>
-                                        <p:cTn id="18" dur="1" fill="hold">
-                                          <p:stCondLst>
-                                            <p:cond delay="0"/>
-                                          </p:stCondLst>
-                                        </p:cTn>
-                                        <p:tgtEl>
-                                          <p:spTgt spid="27"/>
-                                        </p:tgtEl>
-                                        <p:attrNameLst>
-                                          <p:attrName>style.visibility</p:attrName>
-                                        </p:attrNameLst>
-                                      </p:cBhvr>
-                                      <p:to>
-                                        <p:strVal val="visible"/>
-                                      </p:to>
-                                    </p:set>
-                                    <p:anim calcmode="lin" valueType="num">
-                                      <p:cBhvr>
-                                        <p:cTn id="19" dur="500" fill="hold"/>
-                                        <p:tgtEl>
-                                          <p:spTgt spid="27"/>
-                                        </p:tgtEl>
-                                        <p:attrNameLst>
-                                          <p:attrName>ppt_w</p:attrName>
-                                        </p:attrNameLst>
-                                      </p:cBhvr>
-                                      <p:tavLst>
-                                        <p:tav tm="0">
-                                          <p:val>
-                                            <p:fltVal val="0"/>
-                                          </p:val>
-                                        </p:tav>
-                                        <p:tav tm="100000">
-                                          <p:val>
-                                            <p:strVal val="#ppt_w"/>
-                                          </p:val>
-                                        </p:tav>
-                                      </p:tavLst>
-                                    </p:anim>
-                                    <p:anim calcmode="lin" valueType="num">
-                                      <p:cBhvr>
-                                        <p:cTn id="20" dur="500" fill="hold"/>
-                                        <p:tgtEl>
-                                          <p:spTgt spid="27"/>
-                                        </p:tgtEl>
-                                        <p:attrNameLst>
-                                          <p:attrName>ppt_h</p:attrName>
-                                        </p:attrNameLst>
-                                      </p:cBhvr>
-                                      <p:tavLst>
-                                        <p:tav tm="0">
-                                          <p:val>
-                                            <p:fltVal val="0"/>
-                                          </p:val>
-                                        </p:tav>
-                                        <p:tav tm="100000">
-                                          <p:val>
-                                            <p:strVal val="#ppt_h"/>
-                                          </p:val>
-                                        </p:tav>
-                                      </p:tavLst>
-                                    </p:anim>
-                                    <p:animEffect transition="in" filter="fade">
-                                      <p:cBhvr>
-                                        <p:cTn id="21" dur="500"/>
-                                        <p:tgtEl>
-                                          <p:spTgt spid="27"/>
-                                        </p:tgtEl>
-                                      </p:cBhvr>
-                                    </p:animEffect>
-                                    <p:anim calcmode="lin" valueType="num">
-                                      <p:cBhvr>
-                                        <p:cTn id="22" dur="500" fill="hold"/>
-                                        <p:tgtEl>
-                                          <p:spTgt spid="27"/>
-                                        </p:tgtEl>
-                                        <p:attrNameLst>
-                                          <p:attrName>ppt_x</p:attrName>
-                                        </p:attrNameLst>
-                                      </p:cBhvr>
-                                      <p:tavLst>
-                                        <p:tav tm="0">
-                                          <p:val>
-                                            <p:fltVal val="0.5"/>
-                                          </p:val>
-                                        </p:tav>
-                                        <p:tav tm="100000">
-                                          <p:val>
-                                            <p:strVal val="#ppt_x"/>
-                                          </p:val>
-                                        </p:tav>
-                                      </p:tavLst>
-                                    </p:anim>
-                                    <p:anim calcmode="lin" valueType="num">
-                                      <p:cBhvr>
-                                        <p:cTn id="23" dur="500" fill="hold"/>
-                                        <p:tgtEl>
-                                          <p:spTgt spid="27"/>
-                                        </p:tgtEl>
-                                        <p:attrNameLst>
-                                          <p:attrName>ppt_y</p:attrName>
-                                        </p:attrNameLst>
-                                      </p:cBhvr>
-                                      <p:tavLst>
-                                        <p:tav tm="0">
-                                          <p:val>
-                                            <p:fltVal val="0.5"/>
-                                          </p:val>
-                                        </p:tav>
-                                        <p:tav tm="100000">
-                                          <p:val>
-                                            <p:strVal val="#ppt_y"/>
-                                          </p:val>
-                                        </p:tav>
-                                      </p:tavLst>
-                                    </p:anim>
-                                  </p:childTnLst>
-                                </p:cTn>
-                              </p:par>
-                            </p:childTnLst>
-                          </p:cTn>
-                        </p:par>
-                        <p:par>
-                          <p:cTn id="24" fill="hold">
-                            <p:stCondLst>
-                              <p:cond delay="1450"/>
-                            </p:stCondLst>
-                            <p:childTnLst>
-                              <p:par>
-                                <p:cTn id="25" presetID="2" presetClass="entr" presetSubtype="2" fill="hold" grpId="0" nodeType="afterEffect">
-                                  <p:stCondLst>
-                                    <p:cond delay="0"/>
-                                  </p:stCondLst>
-                                  <p:childTnLst>
-                                    <p:set>
-                                      <p:cBhvr>
-                                        <p:cTn id="26" dur="1" fill="hold">
-                                          <p:stCondLst>
-                                            <p:cond delay="0"/>
-                                          </p:stCondLst>
-                                        </p:cTn>
-                                        <p:tgtEl>
-                                          <p:spTgt spid="35"/>
-                                        </p:tgtEl>
-                                        <p:attrNameLst>
-                                          <p:attrName>style.visibility</p:attrName>
-                                        </p:attrNameLst>
-                                      </p:cBhvr>
-                                      <p:to>
-                                        <p:strVal val="visible"/>
-                                      </p:to>
-                                    </p:set>
-                                    <p:anim calcmode="lin" valueType="num">
-                                      <p:cBhvr additive="base">
-                                        <p:cTn id="27" dur="500" fill="hold"/>
-                                        <p:tgtEl>
-                                          <p:spTgt spid="35"/>
-                                        </p:tgtEl>
-                                        <p:attrNameLst>
-                                          <p:attrName>ppt_x</p:attrName>
-                                        </p:attrNameLst>
-                                      </p:cBhvr>
-                                      <p:tavLst>
-                                        <p:tav tm="0">
-                                          <p:val>
-                                            <p:strVal val="1+#ppt_w/2"/>
-                                          </p:val>
-                                        </p:tav>
-                                        <p:tav tm="100000">
-                                          <p:val>
-                                            <p:strVal val="#ppt_x"/>
-                                          </p:val>
-                                        </p:tav>
-                                      </p:tavLst>
-                                    </p:anim>
-                                    <p:anim calcmode="lin" valueType="num">
-                                      <p:cBhvr additive="base">
-                                        <p:cTn id="28" dur="500" fill="hold"/>
-                                        <p:tgtEl>
-                                          <p:spTgt spid="35"/>
-                                        </p:tgtEl>
-                                        <p:attrNameLst>
-                                          <p:attrName>ppt_y</p:attrName>
-                                        </p:attrNameLst>
-                                      </p:cBhvr>
-                                      <p:tavLst>
-                                        <p:tav tm="0">
-                                          <p:val>
-                                            <p:strVal val="#ppt_y"/>
-                                          </p:val>
-                                        </p:tav>
-                                        <p:tav tm="100000">
-                                          <p:val>
-                                            <p:strVal val="#ppt_y"/>
-                                          </p:val>
-                                        </p:tav>
-                                      </p:tavLst>
-                                    </p:anim>
-                                  </p:childTnLst>
-                                </p:cTn>
-                              </p:par>
-                            </p:childTnLst>
-                          </p:cTn>
-                        </p:par>
-                      </p:childTnLst>
-                    </p:cTn>
-                  </p:par>
-                </p:childTnLst>
-              </p:cTn>
-              <p:prevCondLst>
-                <p:cond evt="onPrev" delay="0">
-                  <p:tgtEl>
-                    <p:sldTgt/>
-                  </p:tgtEl>
-                </p:cond>
-              </p:prevCondLst>
-              <p:nextCondLst>
-                <p:cond evt="onNext" delay="0">
-                  <p:tgtEl>
-                    <p:sldTgt/>
-                  </p:tgtEl>
-                </p:cond>
-              </p:nextCondLst>
-            </p:seq>
-          </p:childTnLst>
-        </p:cTn>
-      </p:par>
-    </p:tnLst>
-    <p:bldLst>
-      <p:bldP spid="19" grpId="0"/>
-      <p:bldP spid="27" grpId="0"/>
-      <p:bldP spid="35" grpId="0"/>
-    </p:bldLst>
-  </p:timing>
-</p:sld>
-</file>
-
-<file path=ppt/slides/slide41.xml><?xml version="1.0" encoding="utf-8"?>
-<p:sld xmlns:a="http://schemas.openxmlformats.org/drawingml/2006/main" xmlns:r="http://schemas.openxmlformats.org/officeDocument/2006/relationships" xmlns:p="http://schemas.openxmlformats.org/presentationml/2006/main">
-  <p:cSld>
-    <p:spTree>
-      <p:nvGrpSpPr>
-        <p:cNvPr id="1" name=""/>
-        <p:cNvGrpSpPr/>
-        <p:nvPr/>
-      </p:nvGrpSpPr>
-      <p:grpSpPr>
-        <a:xfrm>
-          <a:off x="0" y="0"/>
-          <a:ext cx="0" cy="0"/>
-          <a:chOff x="0" y="0"/>
-          <a:chExt cx="0" cy="0"/>
-        </a:xfrm>
-      </p:grpSpPr>
-      <p:sp>
-        <p:nvSpPr>
-          <p:cNvPr id="19" name="文本框 15"/>
-          <p:cNvSpPr txBox="1"/>
-          <p:nvPr/>
-        </p:nvSpPr>
-        <p:spPr>
-          <a:xfrm>
-            <a:off x="709386" y="309785"/>
-            <a:ext cx="2261711" cy="330860"/>
-          </a:xfrm>
-          <a:prstGeom prst="rect">
-            <a:avLst/>
-          </a:prstGeom>
-          <a:noFill/>
-        </p:spPr>
-        <p:txBody>
-          <a:bodyPr wrap="square" lIns="68580" tIns="34290" rIns="68580" bIns="34290" rtlCol="0">
-            <a:spAutoFit/>
-          </a:bodyPr>
-          <a:lstStyle/>
-          <a:p>
-            <a:r>
-              <a:rPr lang="zh-TW" altLang="en-US" sz="1700" b="1" dirty="0" smtClean="0">
-                <a:solidFill>
-                  <a:srgbClr val="1B4367"/>
-                </a:solidFill>
-                <a:cs typeface="+mn-ea"/>
-                <a:sym typeface="+mn-lt"/>
-              </a:rPr>
-              <a:t>參考文獻</a:t>
-            </a:r>
-            <a:endParaRPr lang="zh-CN" altLang="en-US" sz="1700" b="1" dirty="0">
-              <a:solidFill>
-                <a:srgbClr val="1B4367"/>
-              </a:solidFill>
-              <a:cs typeface="+mn-ea"/>
-              <a:sym typeface="+mn-lt"/>
-            </a:endParaRPr>
-          </a:p>
-        </p:txBody>
-      </p:sp>
-      <p:sp>
-        <p:nvSpPr>
-          <p:cNvPr id="27" name="文本框 31"/>
-          <p:cNvSpPr txBox="1"/>
-          <p:nvPr/>
-        </p:nvSpPr>
-        <p:spPr>
-          <a:xfrm>
-            <a:off x="1254737" y="911124"/>
-            <a:ext cx="2600712" cy="807913"/>
-          </a:xfrm>
-          <a:prstGeom prst="rect">
-            <a:avLst/>
-          </a:prstGeom>
-          <a:noFill/>
-        </p:spPr>
-        <p:txBody>
-          <a:bodyPr wrap="none" lIns="68580" tIns="34290" rIns="68580" bIns="34290" rtlCol="0">
-            <a:spAutoFit/>
-          </a:bodyPr>
-          <a:lstStyle/>
-          <a:p>
-            <a:r>
-              <a:rPr lang="zh-CN" altLang="zh-CN" sz="4800" b="1" dirty="0">
-                <a:solidFill>
-                  <a:srgbClr val="1B4367"/>
-                </a:solidFill>
-              </a:rPr>
-              <a:t>参</a:t>
-            </a:r>
-            <a:r>
-              <a:rPr lang="zh-CN" altLang="zh-CN" sz="4800" b="1" dirty="0" smtClean="0">
-                <a:solidFill>
-                  <a:srgbClr val="1B4367"/>
-                </a:solidFill>
-              </a:rPr>
-              <a:t>考</a:t>
-            </a:r>
-            <a:r>
-              <a:rPr lang="zh-TW" altLang="en-US" sz="4800" b="1" dirty="0">
-                <a:solidFill>
-                  <a:srgbClr val="1B4367"/>
-                </a:solidFill>
-              </a:rPr>
-              <a:t>文獻</a:t>
-            </a:r>
-            <a:endParaRPr lang="zh-CN" altLang="en-US" sz="4800" b="1" dirty="0">
-              <a:solidFill>
-                <a:srgbClr val="1B4367"/>
-              </a:solidFill>
-            </a:endParaRPr>
-          </a:p>
-        </p:txBody>
-      </p:sp>
-      <p:cxnSp>
-        <p:nvCxnSpPr>
-          <p:cNvPr id="16" name="直接连接符 15"/>
-          <p:cNvCxnSpPr/>
-          <p:nvPr/>
-        </p:nvCxnSpPr>
-        <p:spPr>
-          <a:xfrm>
-            <a:off x="774478" y="657417"/>
-            <a:ext cx="480259" cy="0"/>
-          </a:xfrm>
-          <a:prstGeom prst="line">
-            <a:avLst/>
-          </a:prstGeom>
-          <a:ln w="9525">
-            <a:solidFill>
-              <a:srgbClr val="1B4367"/>
-            </a:solidFill>
-          </a:ln>
-        </p:spPr>
-        <p:style>
-          <a:lnRef idx="1">
-            <a:schemeClr val="accent1"/>
-          </a:lnRef>
-          <a:fillRef idx="0">
-            <a:schemeClr val="accent1"/>
-          </a:fillRef>
-          <a:effectRef idx="0">
-            <a:schemeClr val="accent1"/>
-          </a:effectRef>
-          <a:fontRef idx="minor">
-            <a:schemeClr val="tx1"/>
-          </a:fontRef>
-        </p:style>
-      </p:cxnSp>
-      <p:sp>
-        <p:nvSpPr>
-          <p:cNvPr id="35" name="文本框 19"/>
-          <p:cNvSpPr txBox="1"/>
-          <p:nvPr/>
-        </p:nvSpPr>
-        <p:spPr>
-          <a:xfrm>
-            <a:off x="1014607" y="1719037"/>
-            <a:ext cx="7650195" cy="2777683"/>
-          </a:xfrm>
-          <a:prstGeom prst="rect">
-            <a:avLst/>
-          </a:prstGeom>
-          <a:noFill/>
-        </p:spPr>
-        <p:txBody>
-          <a:bodyPr wrap="square" lIns="68580" tIns="34290" rIns="68580" bIns="34290" rtlCol="0">
-            <a:spAutoFit/>
-          </a:bodyPr>
-          <a:lstStyle>
-            <a:defPPr>
-              <a:defRPr lang="zh-CN"/>
-            </a:defPPr>
-            <a:lvl1pPr marL="0" algn="l" defTabSz="914400" rtl="0" eaLnBrk="1" latinLnBrk="0" hangingPunct="1">
-              <a:defRPr sz="1800" kern="1200">
-                <a:solidFill>
-                  <a:schemeClr val="tx1"/>
-                </a:solidFill>
-                <a:latin typeface="+mn-lt"/>
-                <a:ea typeface="+mn-ea"/>
-                <a:cs typeface="+mn-cs"/>
-              </a:defRPr>
-            </a:lvl1pPr>
-            <a:lvl2pPr marL="457200" algn="l" defTabSz="914400" rtl="0" eaLnBrk="1" latinLnBrk="0" hangingPunct="1">
-              <a:defRPr sz="1800" kern="1200">
-                <a:solidFill>
-                  <a:schemeClr val="tx1"/>
-                </a:solidFill>
-                <a:latin typeface="+mn-lt"/>
-                <a:ea typeface="+mn-ea"/>
-                <a:cs typeface="+mn-cs"/>
-              </a:defRPr>
-            </a:lvl2pPr>
-            <a:lvl3pPr marL="914400" algn="l" defTabSz="914400" rtl="0" eaLnBrk="1" latinLnBrk="0" hangingPunct="1">
-              <a:defRPr sz="1800" kern="1200">
-                <a:solidFill>
-                  <a:schemeClr val="tx1"/>
-                </a:solidFill>
-                <a:latin typeface="+mn-lt"/>
-                <a:ea typeface="+mn-ea"/>
-                <a:cs typeface="+mn-cs"/>
-              </a:defRPr>
-            </a:lvl3pPr>
-            <a:lvl4pPr marL="1371600" algn="l" defTabSz="914400" rtl="0" eaLnBrk="1" latinLnBrk="0" hangingPunct="1">
-              <a:defRPr sz="1800" kern="1200">
-                <a:solidFill>
-                  <a:schemeClr val="tx1"/>
-                </a:solidFill>
-                <a:latin typeface="+mn-lt"/>
-                <a:ea typeface="+mn-ea"/>
-                <a:cs typeface="+mn-cs"/>
-              </a:defRPr>
-            </a:lvl4pPr>
-            <a:lvl5pPr marL="1828800" algn="l" defTabSz="914400" rtl="0" eaLnBrk="1" latinLnBrk="0" hangingPunct="1">
-              <a:defRPr sz="1800" kern="1200">
-                <a:solidFill>
-                  <a:schemeClr val="tx1"/>
-                </a:solidFill>
-                <a:latin typeface="+mn-lt"/>
-                <a:ea typeface="+mn-ea"/>
-                <a:cs typeface="+mn-cs"/>
-              </a:defRPr>
-            </a:lvl5pPr>
-            <a:lvl6pPr marL="2286000" algn="l" defTabSz="914400" rtl="0" eaLnBrk="1" latinLnBrk="0" hangingPunct="1">
-              <a:defRPr sz="1800" kern="1200">
-                <a:solidFill>
-                  <a:schemeClr val="tx1"/>
-                </a:solidFill>
-                <a:latin typeface="+mn-lt"/>
-                <a:ea typeface="+mn-ea"/>
-                <a:cs typeface="+mn-cs"/>
-              </a:defRPr>
-            </a:lvl6pPr>
-            <a:lvl7pPr marL="2743200" algn="l" defTabSz="914400" rtl="0" eaLnBrk="1" latinLnBrk="0" hangingPunct="1">
-              <a:defRPr sz="1800" kern="1200">
-                <a:solidFill>
-                  <a:schemeClr val="tx1"/>
-                </a:solidFill>
-                <a:latin typeface="+mn-lt"/>
-                <a:ea typeface="+mn-ea"/>
-                <a:cs typeface="+mn-cs"/>
-              </a:defRPr>
-            </a:lvl7pPr>
-            <a:lvl8pPr marL="3200400" algn="l" defTabSz="914400" rtl="0" eaLnBrk="1" latinLnBrk="0" hangingPunct="1">
-              <a:defRPr sz="1800" kern="1200">
-                <a:solidFill>
-                  <a:schemeClr val="tx1"/>
-                </a:solidFill>
-                <a:latin typeface="+mn-lt"/>
-                <a:ea typeface="+mn-ea"/>
-                <a:cs typeface="+mn-cs"/>
-              </a:defRPr>
-            </a:lvl8pPr>
-            <a:lvl9pPr marL="3657600" algn="l" defTabSz="914400" rtl="0" eaLnBrk="1" latinLnBrk="0" hangingPunct="1">
-              <a:defRPr sz="1800" kern="1200">
-                <a:solidFill>
-                  <a:schemeClr val="tx1"/>
-                </a:solidFill>
-                <a:latin typeface="+mn-lt"/>
-                <a:ea typeface="+mn-ea"/>
-                <a:cs typeface="+mn-cs"/>
-              </a:defRPr>
-            </a:lvl9pPr>
-          </a:lstStyle>
-          <a:p>
-            <a:pPr marL="285750" indent="-285750">
-              <a:buFont typeface="Arial" panose="020B0604020202020204" pitchFamily="34" charset="0"/>
-              <a:buChar char="•"/>
-            </a:pPr>
-            <a:r>
-              <a:rPr lang="en-US" altLang="zh-TW" sz="1600" dirty="0" err="1" smtClean="0">
-                <a:latin typeface="Times New Roman" panose="02020603050405020304" pitchFamily="18" charset="0"/>
-                <a:cs typeface="Times New Roman" panose="02020603050405020304" pitchFamily="18" charset="0"/>
-              </a:rPr>
-              <a:t>FastFCN-github</a:t>
-            </a:r>
-            <a:r>
-              <a:rPr lang="en-US" altLang="zh-TW" sz="1600" dirty="0">
-                <a:latin typeface="Times New Roman" panose="02020603050405020304" pitchFamily="18" charset="0"/>
-                <a:cs typeface="Times New Roman" panose="02020603050405020304" pitchFamily="18" charset="0"/>
-              </a:rPr>
-              <a:t> </a:t>
-            </a:r>
-            <a:r>
-              <a:rPr lang="en-US" altLang="zh-TW" sz="1600" dirty="0" smtClean="0">
-                <a:latin typeface="Times New Roman" panose="02020603050405020304" pitchFamily="18" charset="0"/>
-                <a:cs typeface="Times New Roman" panose="02020603050405020304" pitchFamily="18" charset="0"/>
-              </a:rPr>
-              <a:t>- </a:t>
-            </a:r>
-            <a:r>
-              <a:rPr lang="en-US" altLang="zh-TW" sz="1600" dirty="0" smtClean="0">
-                <a:latin typeface="Times New Roman" panose="02020603050405020304" pitchFamily="18" charset="0"/>
-                <a:cs typeface="Times New Roman" panose="02020603050405020304" pitchFamily="18" charset="0"/>
-                <a:hlinkClick r:id="rId3"/>
-              </a:rPr>
-              <a:t>https</a:t>
-            </a:r>
-            <a:r>
-              <a:rPr lang="en-US" altLang="zh-TW" sz="1600" dirty="0">
-                <a:latin typeface="Times New Roman" panose="02020603050405020304" pitchFamily="18" charset="0"/>
-                <a:cs typeface="Times New Roman" panose="02020603050405020304" pitchFamily="18" charset="0"/>
-                <a:hlinkClick r:id="rId3"/>
-              </a:rPr>
-              <a:t>://github.com/wuhuikai/FastFCN</a:t>
-            </a:r>
-            <a:endParaRPr lang="zh-TW" altLang="zh-TW" sz="1600" dirty="0">
-              <a:latin typeface="Times New Roman" panose="02020603050405020304" pitchFamily="18" charset="0"/>
-              <a:cs typeface="Times New Roman" panose="02020603050405020304" pitchFamily="18" charset="0"/>
-            </a:endParaRPr>
-          </a:p>
-          <a:p>
-            <a:pPr marL="285750" indent="-285750">
-              <a:buFont typeface="Arial" panose="020B0604020202020204" pitchFamily="34" charset="0"/>
-              <a:buChar char="•"/>
-            </a:pPr>
-            <a:r>
-              <a:rPr lang="en-US" altLang="zh-TW" sz="1600" dirty="0" err="1">
-                <a:latin typeface="Times New Roman" panose="02020603050405020304" pitchFamily="18" charset="0"/>
-                <a:cs typeface="Times New Roman" panose="02020603050405020304" pitchFamily="18" charset="0"/>
-              </a:rPr>
-              <a:t>Goodfellow</a:t>
-            </a:r>
-            <a:r>
-              <a:rPr lang="en-US" altLang="zh-TW" sz="1600" dirty="0">
-                <a:latin typeface="Times New Roman" panose="02020603050405020304" pitchFamily="18" charset="0"/>
-                <a:cs typeface="Times New Roman" panose="02020603050405020304" pitchFamily="18" charset="0"/>
-              </a:rPr>
-              <a:t>, I., </a:t>
-            </a:r>
-            <a:r>
-              <a:rPr lang="en-US" altLang="zh-TW" sz="1600" dirty="0" err="1">
-                <a:latin typeface="Times New Roman" panose="02020603050405020304" pitchFamily="18" charset="0"/>
-                <a:cs typeface="Times New Roman" panose="02020603050405020304" pitchFamily="18" charset="0"/>
-              </a:rPr>
-              <a:t>Pouget-Abadie</a:t>
-            </a:r>
-            <a:r>
-              <a:rPr lang="en-US" altLang="zh-TW" sz="1600" dirty="0">
-                <a:latin typeface="Times New Roman" panose="02020603050405020304" pitchFamily="18" charset="0"/>
-                <a:cs typeface="Times New Roman" panose="02020603050405020304" pitchFamily="18" charset="0"/>
-              </a:rPr>
-              <a:t>, J., Mirza, M., Xu, B., </a:t>
-            </a:r>
-            <a:r>
-              <a:rPr lang="en-US" altLang="zh-TW" sz="1600" dirty="0" err="1">
-                <a:latin typeface="Times New Roman" panose="02020603050405020304" pitchFamily="18" charset="0"/>
-                <a:cs typeface="Times New Roman" panose="02020603050405020304" pitchFamily="18" charset="0"/>
-              </a:rPr>
-              <a:t>Warde</a:t>
-            </a:r>
-            <a:r>
-              <a:rPr lang="en-US" altLang="zh-TW" sz="1600" dirty="0">
-                <a:latin typeface="Times New Roman" panose="02020603050405020304" pitchFamily="18" charset="0"/>
-                <a:cs typeface="Times New Roman" panose="02020603050405020304" pitchFamily="18" charset="0"/>
-              </a:rPr>
-              <a:t>-Farley, D., </a:t>
-            </a:r>
-            <a:r>
-              <a:rPr lang="en-US" altLang="zh-TW" sz="1600" dirty="0" err="1">
-                <a:latin typeface="Times New Roman" panose="02020603050405020304" pitchFamily="18" charset="0"/>
-                <a:cs typeface="Times New Roman" panose="02020603050405020304" pitchFamily="18" charset="0"/>
-              </a:rPr>
-              <a:t>Ozair</a:t>
-            </a:r>
-            <a:r>
-              <a:rPr lang="en-US" altLang="zh-TW" sz="1600" dirty="0">
-                <a:latin typeface="Times New Roman" panose="02020603050405020304" pitchFamily="18" charset="0"/>
-                <a:cs typeface="Times New Roman" panose="02020603050405020304" pitchFamily="18" charset="0"/>
-              </a:rPr>
-              <a:t>, S., ... &amp; </a:t>
-            </a:r>
-            <a:r>
-              <a:rPr lang="en-US" altLang="zh-TW" sz="1600" dirty="0" err="1">
-                <a:latin typeface="Times New Roman" panose="02020603050405020304" pitchFamily="18" charset="0"/>
-                <a:cs typeface="Times New Roman" panose="02020603050405020304" pitchFamily="18" charset="0"/>
-              </a:rPr>
-              <a:t>Bengio</a:t>
-            </a:r>
-            <a:r>
-              <a:rPr lang="en-US" altLang="zh-TW" sz="1600" dirty="0">
-                <a:latin typeface="Times New Roman" panose="02020603050405020304" pitchFamily="18" charset="0"/>
-                <a:cs typeface="Times New Roman" panose="02020603050405020304" pitchFamily="18" charset="0"/>
-              </a:rPr>
-              <a:t>, Y. (2014). Generative adversarial nets. Advances in neural information processing systems, 27.</a:t>
-            </a:r>
-            <a:endParaRPr lang="zh-TW" altLang="zh-TW" sz="1600" dirty="0">
-              <a:latin typeface="Times New Roman" panose="02020603050405020304" pitchFamily="18" charset="0"/>
-              <a:cs typeface="Times New Roman" panose="02020603050405020304" pitchFamily="18" charset="0"/>
-            </a:endParaRPr>
-          </a:p>
-          <a:p>
-            <a:pPr marL="285750" indent="-285750">
-              <a:buFont typeface="Arial" panose="020B0604020202020204" pitchFamily="34" charset="0"/>
-              <a:buChar char="•"/>
-            </a:pPr>
-            <a:r>
-              <a:rPr lang="en-US" altLang="zh-TW" sz="1600" dirty="0">
-                <a:latin typeface="Times New Roman" panose="02020603050405020304" pitchFamily="18" charset="0"/>
-                <a:cs typeface="Times New Roman" panose="02020603050405020304" pitchFamily="18" charset="0"/>
-              </a:rPr>
-              <a:t>He, K., Sun, J., &amp; Tang, X. (2012). Guided image filtering. IEEE transactions on pattern analysis and machine intelligence, 35(6), 1397-1409.</a:t>
-            </a:r>
-            <a:endParaRPr lang="zh-TW" altLang="zh-TW" sz="1600" dirty="0">
-              <a:latin typeface="Times New Roman" panose="02020603050405020304" pitchFamily="18" charset="0"/>
-              <a:cs typeface="Times New Roman" panose="02020603050405020304" pitchFamily="18" charset="0"/>
-            </a:endParaRPr>
-          </a:p>
-          <a:p>
-            <a:pPr marL="285750" indent="-285750">
-              <a:buFont typeface="Arial" panose="020B0604020202020204" pitchFamily="34" charset="0"/>
-              <a:buChar char="•"/>
-            </a:pPr>
-            <a:r>
-              <a:rPr lang="en-US" altLang="zh-TW" sz="1600" dirty="0">
-                <a:latin typeface="Times New Roman" panose="02020603050405020304" pitchFamily="18" charset="0"/>
-                <a:cs typeface="Times New Roman" panose="02020603050405020304" pitchFamily="18" charset="0"/>
-              </a:rPr>
-              <a:t>He, K., </a:t>
-            </a:r>
-            <a:r>
-              <a:rPr lang="en-US" altLang="zh-TW" sz="1600" dirty="0" err="1">
-                <a:latin typeface="Times New Roman" panose="02020603050405020304" pitchFamily="18" charset="0"/>
-                <a:cs typeface="Times New Roman" panose="02020603050405020304" pitchFamily="18" charset="0"/>
-              </a:rPr>
-              <a:t>Gkioxari</a:t>
-            </a:r>
-            <a:r>
-              <a:rPr lang="en-US" altLang="zh-TW" sz="1600" dirty="0">
-                <a:latin typeface="Times New Roman" panose="02020603050405020304" pitchFamily="18" charset="0"/>
-                <a:cs typeface="Times New Roman" panose="02020603050405020304" pitchFamily="18" charset="0"/>
-              </a:rPr>
-              <a:t>, G., </a:t>
-            </a:r>
-            <a:r>
-              <a:rPr lang="en-US" altLang="zh-TW" sz="1600" dirty="0" err="1">
-                <a:latin typeface="Times New Roman" panose="02020603050405020304" pitchFamily="18" charset="0"/>
-                <a:cs typeface="Times New Roman" panose="02020603050405020304" pitchFamily="18" charset="0"/>
-              </a:rPr>
-              <a:t>Dollár</a:t>
-            </a:r>
-            <a:r>
-              <a:rPr lang="en-US" altLang="zh-TW" sz="1600" dirty="0">
-                <a:latin typeface="Times New Roman" panose="02020603050405020304" pitchFamily="18" charset="0"/>
-                <a:cs typeface="Times New Roman" panose="02020603050405020304" pitchFamily="18" charset="0"/>
-              </a:rPr>
-              <a:t>, P., &amp; </a:t>
-            </a:r>
-            <a:r>
-              <a:rPr lang="en-US" altLang="zh-TW" sz="1600" dirty="0" err="1">
-                <a:latin typeface="Times New Roman" panose="02020603050405020304" pitchFamily="18" charset="0"/>
-                <a:cs typeface="Times New Roman" panose="02020603050405020304" pitchFamily="18" charset="0"/>
-              </a:rPr>
-              <a:t>Girshick</a:t>
-            </a:r>
-            <a:r>
-              <a:rPr lang="en-US" altLang="zh-TW" sz="1600" dirty="0">
-                <a:latin typeface="Times New Roman" panose="02020603050405020304" pitchFamily="18" charset="0"/>
-                <a:cs typeface="Times New Roman" panose="02020603050405020304" pitchFamily="18" charset="0"/>
-              </a:rPr>
-              <a:t>, R. (2017). Mask r-</a:t>
-            </a:r>
-            <a:r>
-              <a:rPr lang="en-US" altLang="zh-TW" sz="1600" dirty="0" err="1">
-                <a:latin typeface="Times New Roman" panose="02020603050405020304" pitchFamily="18" charset="0"/>
-                <a:cs typeface="Times New Roman" panose="02020603050405020304" pitchFamily="18" charset="0"/>
-              </a:rPr>
-              <a:t>cnn</a:t>
-            </a:r>
-            <a:r>
-              <a:rPr lang="en-US" altLang="zh-TW" sz="1600" dirty="0">
-                <a:latin typeface="Times New Roman" panose="02020603050405020304" pitchFamily="18" charset="0"/>
-                <a:cs typeface="Times New Roman" panose="02020603050405020304" pitchFamily="18" charset="0"/>
-              </a:rPr>
-              <a:t>. In Proceedings of the IEEE international conference on computer vision (pp. 2961-2969).</a:t>
-            </a:r>
-            <a:endParaRPr lang="zh-TW" altLang="zh-TW" sz="1600" dirty="0">
-              <a:latin typeface="Times New Roman" panose="02020603050405020304" pitchFamily="18" charset="0"/>
-              <a:cs typeface="Times New Roman" panose="02020603050405020304" pitchFamily="18" charset="0"/>
-            </a:endParaRPr>
-          </a:p>
-          <a:p>
-            <a:pPr marL="285750" indent="-285750">
-              <a:buFont typeface="Arial" panose="020B0604020202020204" pitchFamily="34" charset="0"/>
-              <a:buChar char="•"/>
-            </a:pPr>
-            <a:r>
-              <a:rPr lang="en-US" altLang="zh-TW" sz="1600" dirty="0">
-                <a:latin typeface="Times New Roman" panose="02020603050405020304" pitchFamily="18" charset="0"/>
-                <a:cs typeface="Times New Roman" panose="02020603050405020304" pitchFamily="18" charset="0"/>
-              </a:rPr>
-              <a:t>Isola, P., Zhu, J. Y., Zhou, T., &amp; </a:t>
-            </a:r>
-            <a:r>
-              <a:rPr lang="en-US" altLang="zh-TW" sz="1600" dirty="0" err="1">
-                <a:latin typeface="Times New Roman" panose="02020603050405020304" pitchFamily="18" charset="0"/>
-                <a:cs typeface="Times New Roman" panose="02020603050405020304" pitchFamily="18" charset="0"/>
-              </a:rPr>
-              <a:t>Efros</a:t>
-            </a:r>
-            <a:r>
-              <a:rPr lang="en-US" altLang="zh-TW" sz="1600" dirty="0">
-                <a:latin typeface="Times New Roman" panose="02020603050405020304" pitchFamily="18" charset="0"/>
-                <a:cs typeface="Times New Roman" panose="02020603050405020304" pitchFamily="18" charset="0"/>
-              </a:rPr>
-              <a:t>, A. A. (2017). Image-to-image translation with conditional adversarial networks. In Proceedings of the IEEE conference on computer vision and pattern recognition (pp. 1125-1134).</a:t>
-            </a:r>
-            <a:endParaRPr lang="zh-TW" altLang="zh-TW" sz="1600" dirty="0">
-              <a:latin typeface="Times New Roman" panose="02020603050405020304" pitchFamily="18" charset="0"/>
-              <a:cs typeface="Times New Roman" panose="02020603050405020304" pitchFamily="18" charset="0"/>
-            </a:endParaRPr>
-          </a:p>
-        </p:txBody>
-      </p:sp>
-    </p:spTree>
-    <p:extLst>
-      <p:ext uri="{BB962C8B-B14F-4D97-AF65-F5344CB8AC3E}">
-        <p14:creationId xmlns:p14="http://schemas.microsoft.com/office/powerpoint/2010/main" val="2959698421"/>
       </p:ext>
     </p:extLst>
   </p:cSld>
@@ -27042,7 +26640,7 @@
         <p:spPr>
           <a:xfrm>
             <a:off x="1014607" y="1719037"/>
-            <a:ext cx="7650195" cy="3270126"/>
+            <a:ext cx="7650195" cy="2777683"/>
           </a:xfrm>
           <a:prstGeom prst="rect">
             <a:avLst/>
@@ -27154,22 +26752,46 @@
               <a:buChar char="•"/>
             </a:pPr>
             <a:r>
-              <a:rPr lang="en-US" altLang="zh-TW" sz="1600" dirty="0" err="1"/>
-              <a:t>Karara</a:t>
-            </a:r>
-            <a:r>
-              <a:rPr lang="en-US" altLang="zh-TW" sz="1600" dirty="0"/>
-              <a:t>, G., Hajji, R., &amp; </a:t>
-            </a:r>
-            <a:r>
-              <a:rPr lang="en-US" altLang="zh-TW" sz="1600" dirty="0" err="1"/>
-              <a:t>Poux</a:t>
-            </a:r>
-            <a:r>
-              <a:rPr lang="en-US" altLang="zh-TW" sz="1600" dirty="0"/>
-              <a:t>, F. (2021). 3D Point Cloud Semantic Augmentation: Instance Segmentation of 360° Panoramas by Deep Learning Techniques. Remote Sensing, 13(18), 3647.</a:t>
-            </a:r>
-            <a:endParaRPr lang="zh-TW" altLang="zh-TW" sz="1600" dirty="0"/>
+              <a:rPr lang="en-US" altLang="zh-TW" sz="1600" dirty="0" err="1" smtClean="0">
+                <a:latin typeface="Times New Roman" panose="02020603050405020304" pitchFamily="18" charset="0"/>
+                <a:cs typeface="Times New Roman" panose="02020603050405020304" pitchFamily="18" charset="0"/>
+              </a:rPr>
+              <a:t>FastFCN-github</a:t>
+            </a:r>
+            <a:r>
+              <a:rPr lang="en-US" altLang="zh-TW" sz="1600" dirty="0">
+                <a:latin typeface="Times New Roman" panose="02020603050405020304" pitchFamily="18" charset="0"/>
+                <a:cs typeface="Times New Roman" panose="02020603050405020304" pitchFamily="18" charset="0"/>
+              </a:rPr>
+              <a:t> </a:t>
+            </a:r>
+            <a:r>
+              <a:rPr lang="en-US" altLang="zh-TW" sz="1600" dirty="0" smtClean="0">
+                <a:latin typeface="Times New Roman" panose="02020603050405020304" pitchFamily="18" charset="0"/>
+                <a:cs typeface="Times New Roman" panose="02020603050405020304" pitchFamily="18" charset="0"/>
+              </a:rPr>
+              <a:t>- </a:t>
+            </a:r>
+            <a:r>
+              <a:rPr lang="en-US" altLang="zh-TW" sz="1600" dirty="0" smtClean="0">
+                <a:latin typeface="Times New Roman" panose="02020603050405020304" pitchFamily="18" charset="0"/>
+                <a:cs typeface="Times New Roman" panose="02020603050405020304" pitchFamily="18" charset="0"/>
+                <a:hlinkClick r:id="rId3"/>
+              </a:rPr>
+              <a:t>https</a:t>
+            </a:r>
+            <a:r>
+              <a:rPr lang="en-US" altLang="zh-TW" sz="1600" dirty="0">
+                <a:latin typeface="Times New Roman" panose="02020603050405020304" pitchFamily="18" charset="0"/>
+                <a:cs typeface="Times New Roman" panose="02020603050405020304" pitchFamily="18" charset="0"/>
+                <a:hlinkClick r:id="rId3"/>
+              </a:rPr>
+              <a:t>://github.com/wuhuikai/FastFCN</a:t>
+            </a:r>
+            <a:endParaRPr lang="zh-TW" altLang="zh-TW" sz="1600" dirty="0">
+              <a:latin typeface="Times New Roman" panose="02020603050405020304" pitchFamily="18" charset="0"/>
+              <a:cs typeface="Times New Roman" panose="02020603050405020304" pitchFamily="18" charset="0"/>
+            </a:endParaRPr>
           </a:p>
           <a:p>
             <a:pPr marL="285750" indent="-285750">
@@ -27177,10 +26799,79 @@
               <a:buChar char="•"/>
             </a:pPr>
             <a:r>
-              <a:rPr lang="en-US" altLang="zh-TW" sz="1600" dirty="0"/>
-              <a:t>Li, G., Ma, B., He, S., Ren, X., &amp; Liu, Q. (2020). Automatic tunnel crack detection based on u-net and a convolutional neural network with alternately updated clique. Sensors, 20(3), 717.</a:t>
-            </a:r>
-            <a:endParaRPr lang="zh-TW" altLang="zh-TW" sz="1600" dirty="0"/>
+              <a:rPr lang="en-US" altLang="zh-TW" sz="1600" dirty="0" err="1">
+                <a:latin typeface="Times New Roman" panose="02020603050405020304" pitchFamily="18" charset="0"/>
+                <a:cs typeface="Times New Roman" panose="02020603050405020304" pitchFamily="18" charset="0"/>
+              </a:rPr>
+              <a:t>Goodfellow</a:t>
+            </a:r>
+            <a:r>
+              <a:rPr lang="en-US" altLang="zh-TW" sz="1600" dirty="0">
+                <a:latin typeface="Times New Roman" panose="02020603050405020304" pitchFamily="18" charset="0"/>
+                <a:cs typeface="Times New Roman" panose="02020603050405020304" pitchFamily="18" charset="0"/>
+              </a:rPr>
+              <a:t>, I., </a:t>
+            </a:r>
+            <a:r>
+              <a:rPr lang="en-US" altLang="zh-TW" sz="1600" dirty="0" err="1">
+                <a:latin typeface="Times New Roman" panose="02020603050405020304" pitchFamily="18" charset="0"/>
+                <a:cs typeface="Times New Roman" panose="02020603050405020304" pitchFamily="18" charset="0"/>
+              </a:rPr>
+              <a:t>Pouget-Abadie</a:t>
+            </a:r>
+            <a:r>
+              <a:rPr lang="en-US" altLang="zh-TW" sz="1600" dirty="0">
+                <a:latin typeface="Times New Roman" panose="02020603050405020304" pitchFamily="18" charset="0"/>
+                <a:cs typeface="Times New Roman" panose="02020603050405020304" pitchFamily="18" charset="0"/>
+              </a:rPr>
+              <a:t>, J., Mirza, M., Xu, B., </a:t>
+            </a:r>
+            <a:r>
+              <a:rPr lang="en-US" altLang="zh-TW" sz="1600" dirty="0" err="1">
+                <a:latin typeface="Times New Roman" panose="02020603050405020304" pitchFamily="18" charset="0"/>
+                <a:cs typeface="Times New Roman" panose="02020603050405020304" pitchFamily="18" charset="0"/>
+              </a:rPr>
+              <a:t>Warde</a:t>
+            </a:r>
+            <a:r>
+              <a:rPr lang="en-US" altLang="zh-TW" sz="1600" dirty="0">
+                <a:latin typeface="Times New Roman" panose="02020603050405020304" pitchFamily="18" charset="0"/>
+                <a:cs typeface="Times New Roman" panose="02020603050405020304" pitchFamily="18" charset="0"/>
+              </a:rPr>
+              <a:t>-Farley, D., </a:t>
+            </a:r>
+            <a:r>
+              <a:rPr lang="en-US" altLang="zh-TW" sz="1600" dirty="0" err="1">
+                <a:latin typeface="Times New Roman" panose="02020603050405020304" pitchFamily="18" charset="0"/>
+                <a:cs typeface="Times New Roman" panose="02020603050405020304" pitchFamily="18" charset="0"/>
+              </a:rPr>
+              <a:t>Ozair</a:t>
+            </a:r>
+            <a:r>
+              <a:rPr lang="en-US" altLang="zh-TW" sz="1600" dirty="0">
+                <a:latin typeface="Times New Roman" panose="02020603050405020304" pitchFamily="18" charset="0"/>
+                <a:cs typeface="Times New Roman" panose="02020603050405020304" pitchFamily="18" charset="0"/>
+              </a:rPr>
+              <a:t>, S., ... &amp; </a:t>
+            </a:r>
+            <a:r>
+              <a:rPr lang="en-US" altLang="zh-TW" sz="1600" dirty="0" err="1">
+                <a:latin typeface="Times New Roman" panose="02020603050405020304" pitchFamily="18" charset="0"/>
+                <a:cs typeface="Times New Roman" panose="02020603050405020304" pitchFamily="18" charset="0"/>
+              </a:rPr>
+              <a:t>Bengio</a:t>
+            </a:r>
+            <a:r>
+              <a:rPr lang="en-US" altLang="zh-TW" sz="1600" dirty="0">
+                <a:latin typeface="Times New Roman" panose="02020603050405020304" pitchFamily="18" charset="0"/>
+                <a:cs typeface="Times New Roman" panose="02020603050405020304" pitchFamily="18" charset="0"/>
+              </a:rPr>
+              <a:t>, Y. (2014). Generative adversarial nets. Advances in neural information processing systems, 27.</a:t>
+            </a:r>
+            <a:endParaRPr lang="zh-TW" altLang="zh-TW" sz="1600" dirty="0">
+              <a:latin typeface="Times New Roman" panose="02020603050405020304" pitchFamily="18" charset="0"/>
+              <a:cs typeface="Times New Roman" panose="02020603050405020304" pitchFamily="18" charset="0"/>
+            </a:endParaRPr>
           </a:p>
           <a:p>
             <a:pPr marL="285750" indent="-285750">
@@ -27188,18 +26879,16 @@
               <a:buChar char="•"/>
             </a:pPr>
             <a:r>
-              <a:rPr lang="en-US" altLang="zh-TW" sz="1600" dirty="0"/>
-              <a:t>Long, J., </a:t>
-            </a:r>
-            <a:r>
-              <a:rPr lang="en-US" altLang="zh-TW" sz="1600" dirty="0" err="1"/>
-              <a:t>Shelhamer</a:t>
-            </a:r>
-            <a:r>
-              <a:rPr lang="en-US" altLang="zh-TW" sz="1600" dirty="0"/>
-              <a:t>, E., &amp; Darrell, T. (2015). Fully convolutional networks for semantic segmentation. In Proceedings of the IEEE conference on computer vision and pattern recognition (pp. 3431-3440).</a:t>
-            </a:r>
-            <a:endParaRPr lang="zh-TW" altLang="zh-TW" sz="1600" dirty="0"/>
+              <a:rPr lang="en-US" altLang="zh-TW" sz="1600" dirty="0">
+                <a:latin typeface="Times New Roman" panose="02020603050405020304" pitchFamily="18" charset="0"/>
+                <a:cs typeface="Times New Roman" panose="02020603050405020304" pitchFamily="18" charset="0"/>
+              </a:rPr>
+              <a:t>He, K., Sun, J., &amp; Tang, X. (2012). Guided image filtering. IEEE transactions on pattern analysis and machine intelligence, 35(6), 1397-1409.</a:t>
+            </a:r>
+            <a:endParaRPr lang="zh-TW" altLang="zh-TW" sz="1600" dirty="0">
+              <a:latin typeface="Times New Roman" panose="02020603050405020304" pitchFamily="18" charset="0"/>
+              <a:cs typeface="Times New Roman" panose="02020603050405020304" pitchFamily="18" charset="0"/>
+            </a:endParaRPr>
           </a:p>
           <a:p>
             <a:pPr marL="285750" indent="-285750">
@@ -27207,26 +26896,72 @@
               <a:buChar char="•"/>
             </a:pPr>
             <a:r>
-              <a:rPr lang="en-US" altLang="zh-TW" sz="1600" dirty="0"/>
-              <a:t>Mirza, M., &amp; </a:t>
-            </a:r>
-            <a:r>
-              <a:rPr lang="en-US" altLang="zh-TW" sz="1600" dirty="0" err="1"/>
-              <a:t>Osindero</a:t>
-            </a:r>
-            <a:r>
-              <a:rPr lang="en-US" altLang="zh-TW" sz="1600" dirty="0"/>
-              <a:t>, S. (2014). Conditional generative adversarial nets. </a:t>
-            </a:r>
-            <a:r>
-              <a:rPr lang="en-US" altLang="zh-TW" sz="1600" dirty="0" err="1"/>
-              <a:t>arXiv</a:t>
-            </a:r>
-            <a:r>
-              <a:rPr lang="en-US" altLang="zh-TW" sz="1600" dirty="0"/>
-              <a:t> preprint arXiv:1411.1784.</a:t>
-            </a:r>
-            <a:endParaRPr lang="zh-TW" altLang="zh-TW" sz="1600" dirty="0"/>
+              <a:rPr lang="en-US" altLang="zh-TW" sz="1600" dirty="0">
+                <a:latin typeface="Times New Roman" panose="02020603050405020304" pitchFamily="18" charset="0"/>
+                <a:cs typeface="Times New Roman" panose="02020603050405020304" pitchFamily="18" charset="0"/>
+              </a:rPr>
+              <a:t>He, K., </a:t>
+            </a:r>
+            <a:r>
+              <a:rPr lang="en-US" altLang="zh-TW" sz="1600" dirty="0" err="1">
+                <a:latin typeface="Times New Roman" panose="02020603050405020304" pitchFamily="18" charset="0"/>
+                <a:cs typeface="Times New Roman" panose="02020603050405020304" pitchFamily="18" charset="0"/>
+              </a:rPr>
+              <a:t>Gkioxari</a:t>
+            </a:r>
+            <a:r>
+              <a:rPr lang="en-US" altLang="zh-TW" sz="1600" dirty="0">
+                <a:latin typeface="Times New Roman" panose="02020603050405020304" pitchFamily="18" charset="0"/>
+                <a:cs typeface="Times New Roman" panose="02020603050405020304" pitchFamily="18" charset="0"/>
+              </a:rPr>
+              <a:t>, G., </a:t>
+            </a:r>
+            <a:r>
+              <a:rPr lang="en-US" altLang="zh-TW" sz="1600" dirty="0" err="1">
+                <a:latin typeface="Times New Roman" panose="02020603050405020304" pitchFamily="18" charset="0"/>
+                <a:cs typeface="Times New Roman" panose="02020603050405020304" pitchFamily="18" charset="0"/>
+              </a:rPr>
+              <a:t>Dollár</a:t>
+            </a:r>
+            <a:r>
+              <a:rPr lang="en-US" altLang="zh-TW" sz="1600" dirty="0">
+                <a:latin typeface="Times New Roman" panose="02020603050405020304" pitchFamily="18" charset="0"/>
+                <a:cs typeface="Times New Roman" panose="02020603050405020304" pitchFamily="18" charset="0"/>
+              </a:rPr>
+              <a:t>, P., &amp; </a:t>
+            </a:r>
+            <a:r>
+              <a:rPr lang="en-US" altLang="zh-TW" sz="1600" dirty="0" err="1">
+                <a:latin typeface="Times New Roman" panose="02020603050405020304" pitchFamily="18" charset="0"/>
+                <a:cs typeface="Times New Roman" panose="02020603050405020304" pitchFamily="18" charset="0"/>
+              </a:rPr>
+              <a:t>Girshick</a:t>
+            </a:r>
+            <a:r>
+              <a:rPr lang="en-US" altLang="zh-TW" sz="1600" dirty="0">
+                <a:latin typeface="Times New Roman" panose="02020603050405020304" pitchFamily="18" charset="0"/>
+                <a:cs typeface="Times New Roman" panose="02020603050405020304" pitchFamily="18" charset="0"/>
+              </a:rPr>
+              <a:t>, R. (2017). Mask r-</a:t>
+            </a:r>
+            <a:r>
+              <a:rPr lang="en-US" altLang="zh-TW" sz="1600" dirty="0" err="1">
+                <a:latin typeface="Times New Roman" panose="02020603050405020304" pitchFamily="18" charset="0"/>
+                <a:cs typeface="Times New Roman" panose="02020603050405020304" pitchFamily="18" charset="0"/>
+              </a:rPr>
+              <a:t>cnn</a:t>
+            </a:r>
+            <a:r>
+              <a:rPr lang="en-US" altLang="zh-TW" sz="1600" dirty="0">
+                <a:latin typeface="Times New Roman" panose="02020603050405020304" pitchFamily="18" charset="0"/>
+                <a:cs typeface="Times New Roman" panose="02020603050405020304" pitchFamily="18" charset="0"/>
+              </a:rPr>
+              <a:t>. In Proceedings of the IEEE international conference on computer vision (pp. 2961-2969).</a:t>
+            </a:r>
+            <a:endParaRPr lang="zh-TW" altLang="zh-TW" sz="1600" dirty="0">
+              <a:latin typeface="Times New Roman" panose="02020603050405020304" pitchFamily="18" charset="0"/>
+              <a:cs typeface="Times New Roman" panose="02020603050405020304" pitchFamily="18" charset="0"/>
+            </a:endParaRPr>
           </a:p>
           <a:p>
             <a:pPr marL="285750" indent="-285750">
@@ -27234,17 +26969,37 @@
               <a:buChar char="•"/>
             </a:pPr>
             <a:r>
-              <a:rPr lang="en-US" altLang="zh-TW" sz="1600" dirty="0"/>
-              <a:t>Morgenstern, O., &amp; Von Neumann, J. (1953). Theory of games and economic behavior. Princeton university press.</a:t>
-            </a:r>
-            <a:endParaRPr lang="zh-TW" altLang="zh-TW" sz="1600" dirty="0"/>
+              <a:rPr lang="en-US" altLang="zh-TW" sz="1600" dirty="0">
+                <a:latin typeface="Times New Roman" panose="02020603050405020304" pitchFamily="18" charset="0"/>
+                <a:cs typeface="Times New Roman" panose="02020603050405020304" pitchFamily="18" charset="0"/>
+              </a:rPr>
+              <a:t>Isola, P., Zhu, J. Y., Zhou, T., &amp; </a:t>
+            </a:r>
+            <a:r>
+              <a:rPr lang="en-US" altLang="zh-TW" sz="1600" dirty="0" err="1">
+                <a:latin typeface="Times New Roman" panose="02020603050405020304" pitchFamily="18" charset="0"/>
+                <a:cs typeface="Times New Roman" panose="02020603050405020304" pitchFamily="18" charset="0"/>
+              </a:rPr>
+              <a:t>Efros</a:t>
+            </a:r>
+            <a:r>
+              <a:rPr lang="en-US" altLang="zh-TW" sz="1600" dirty="0">
+                <a:latin typeface="Times New Roman" panose="02020603050405020304" pitchFamily="18" charset="0"/>
+                <a:cs typeface="Times New Roman" panose="02020603050405020304" pitchFamily="18" charset="0"/>
+              </a:rPr>
+              <a:t>, A. A. (2017). Image-to-image translation with conditional adversarial networks. In Proceedings of the IEEE conference on computer vision and pattern recognition (pp. 1125-1134).</a:t>
+            </a:r>
+            <a:endParaRPr lang="zh-TW" altLang="zh-TW" sz="1600" dirty="0">
+              <a:latin typeface="Times New Roman" panose="02020603050405020304" pitchFamily="18" charset="0"/>
+              <a:cs typeface="Times New Roman" panose="02020603050405020304" pitchFamily="18" charset="0"/>
+            </a:endParaRPr>
           </a:p>
         </p:txBody>
       </p:sp>
     </p:spTree>
     <p:extLst>
       <p:ext uri="{BB962C8B-B14F-4D97-AF65-F5344CB8AC3E}">
-        <p14:creationId xmlns:p14="http://schemas.microsoft.com/office/powerpoint/2010/main" val="3015687039"/>
+        <p14:creationId xmlns:p14="http://schemas.microsoft.com/office/powerpoint/2010/main" val="2959698421"/>
       </p:ext>
     </p:extLst>
   </p:cSld>
@@ -27882,7 +27637,7 @@
         <p:spPr>
           <a:xfrm>
             <a:off x="1014607" y="1719037"/>
-            <a:ext cx="7650195" cy="2777683"/>
+            <a:ext cx="7650195" cy="3270126"/>
           </a:xfrm>
           <a:prstGeom prst="rect">
             <a:avLst/>
@@ -27994,51 +27749,22 @@
               <a:buChar char="•"/>
             </a:pPr>
             <a:r>
-              <a:rPr lang="en-US" altLang="zh-TW" sz="1600" dirty="0" err="1">
-                <a:latin typeface="Times New Roman" panose="02020603050405020304" pitchFamily="18" charset="0"/>
-                <a:cs typeface="Times New Roman" panose="02020603050405020304" pitchFamily="18" charset="0"/>
-              </a:rPr>
-              <a:t>Ronneberger</a:t>
-            </a:r>
-            <a:r>
-              <a:rPr lang="en-US" altLang="zh-TW" sz="1600" dirty="0">
-                <a:latin typeface="Times New Roman" panose="02020603050405020304" pitchFamily="18" charset="0"/>
-                <a:cs typeface="Times New Roman" panose="02020603050405020304" pitchFamily="18" charset="0"/>
-              </a:rPr>
-              <a:t>, O., Fischer, P., &amp; </a:t>
-            </a:r>
-            <a:r>
-              <a:rPr lang="en-US" altLang="zh-TW" sz="1600" dirty="0" err="1">
-                <a:latin typeface="Times New Roman" panose="02020603050405020304" pitchFamily="18" charset="0"/>
-                <a:cs typeface="Times New Roman" panose="02020603050405020304" pitchFamily="18" charset="0"/>
-              </a:rPr>
-              <a:t>Brox</a:t>
-            </a:r>
-            <a:r>
-              <a:rPr lang="en-US" altLang="zh-TW" sz="1600" dirty="0">
-                <a:latin typeface="Times New Roman" panose="02020603050405020304" pitchFamily="18" charset="0"/>
-                <a:cs typeface="Times New Roman" panose="02020603050405020304" pitchFamily="18" charset="0"/>
-              </a:rPr>
-              <a:t>, T. (2015, October). U-net: Convolutional networks for biomedical image segmentation. In </a:t>
-            </a:r>
-            <a:r>
-              <a:rPr lang="en-US" altLang="zh-TW" sz="1600" i="1" dirty="0">
-                <a:latin typeface="Times New Roman" panose="02020603050405020304" pitchFamily="18" charset="0"/>
-                <a:cs typeface="Times New Roman" panose="02020603050405020304" pitchFamily="18" charset="0"/>
-              </a:rPr>
-              <a:t>International Conference on Medical image computing and computer-assisted intervention</a:t>
-            </a:r>
-            <a:r>
-              <a:rPr lang="en-US" altLang="zh-TW" sz="1600" dirty="0">
-                <a:latin typeface="Times New Roman" panose="02020603050405020304" pitchFamily="18" charset="0"/>
-                <a:cs typeface="Times New Roman" panose="02020603050405020304" pitchFamily="18" charset="0"/>
-              </a:rPr>
-              <a:t> (pp. 234-241). Springer, Cham.</a:t>
-            </a:r>
-            <a:endParaRPr lang="zh-TW" altLang="zh-TW" sz="1600" dirty="0">
-              <a:latin typeface="Times New Roman" panose="02020603050405020304" pitchFamily="18" charset="0"/>
-              <a:cs typeface="Times New Roman" panose="02020603050405020304" pitchFamily="18" charset="0"/>
-            </a:endParaRPr>
+              <a:rPr lang="en-US" altLang="zh-TW" sz="1600" dirty="0" err="1"/>
+              <a:t>Karara</a:t>
+            </a:r>
+            <a:r>
+              <a:rPr lang="en-US" altLang="zh-TW" sz="1600" dirty="0"/>
+              <a:t>, G., Hajji, R., &amp; </a:t>
+            </a:r>
+            <a:r>
+              <a:rPr lang="en-US" altLang="zh-TW" sz="1600" dirty="0" err="1"/>
+              <a:t>Poux</a:t>
+            </a:r>
+            <a:r>
+              <a:rPr lang="en-US" altLang="zh-TW" sz="1600" dirty="0"/>
+              <a:t>, F. (2021). 3D Point Cloud Semantic Augmentation: Instance Segmentation of 360° Panoramas by Deep Learning Techniques. Remote Sensing, 13(18), 3647.</a:t>
+            </a:r>
+            <a:endParaRPr lang="zh-TW" altLang="zh-TW" sz="1600" dirty="0"/>
           </a:p>
           <a:p>
             <a:pPr marL="285750" indent="-285750">
@@ -28046,23 +27772,10 @@
               <a:buChar char="•"/>
             </a:pPr>
             <a:r>
-              <a:rPr lang="en-US" altLang="zh-TW" sz="1600" dirty="0" err="1">
-                <a:latin typeface="Times New Roman" panose="02020603050405020304" pitchFamily="18" charset="0"/>
-                <a:cs typeface="Times New Roman" panose="02020603050405020304" pitchFamily="18" charset="0"/>
-              </a:rPr>
-              <a:t>Weng</a:t>
-            </a:r>
-            <a:r>
-              <a:rPr lang="en-US" altLang="zh-TW" sz="1600" dirty="0">
-                <a:latin typeface="Times New Roman" panose="02020603050405020304" pitchFamily="18" charset="0"/>
-                <a:cs typeface="Times New Roman" panose="02020603050405020304" pitchFamily="18" charset="0"/>
-              </a:rPr>
-              <a:t>, W., &amp; Zhu, X. (2015). Convolutional Networks for Biomedical Image Segmentation. IEEE Access.</a:t>
-            </a:r>
-            <a:endParaRPr lang="zh-TW" altLang="zh-TW" sz="1600" dirty="0">
-              <a:latin typeface="Times New Roman" panose="02020603050405020304" pitchFamily="18" charset="0"/>
-              <a:cs typeface="Times New Roman" panose="02020603050405020304" pitchFamily="18" charset="0"/>
-            </a:endParaRPr>
+              <a:rPr lang="en-US" altLang="zh-TW" sz="1600" dirty="0"/>
+              <a:t>Li, G., Ma, B., He, S., Ren, X., &amp; Liu, Q. (2020). Automatic tunnel crack detection based on u-net and a convolutional neural network with alternately updated clique. Sensors, 20(3), 717.</a:t>
+            </a:r>
+            <a:endParaRPr lang="zh-TW" altLang="zh-TW" sz="1600" dirty="0"/>
           </a:p>
           <a:p>
             <a:pPr marL="285750" indent="-285750">
@@ -28070,44 +27783,18 @@
               <a:buChar char="•"/>
             </a:pPr>
             <a:r>
-              <a:rPr lang="en-US" altLang="zh-TW" sz="1600" dirty="0">
-                <a:latin typeface="Times New Roman" panose="02020603050405020304" pitchFamily="18" charset="0"/>
-                <a:cs typeface="Times New Roman" panose="02020603050405020304" pitchFamily="18" charset="0"/>
-              </a:rPr>
-              <a:t>Wu, H., Zhang, J., Huang, K., Liang, K., &amp; Yu, Y. (2019). </a:t>
-            </a:r>
-            <a:r>
-              <a:rPr lang="en-US" altLang="zh-TW" sz="1600" dirty="0" err="1">
-                <a:latin typeface="Times New Roman" panose="02020603050405020304" pitchFamily="18" charset="0"/>
-                <a:cs typeface="Times New Roman" panose="02020603050405020304" pitchFamily="18" charset="0"/>
-              </a:rPr>
-              <a:t>Fastfcn</a:t>
-            </a:r>
-            <a:r>
-              <a:rPr lang="en-US" altLang="zh-TW" sz="1600" dirty="0">
-                <a:latin typeface="Times New Roman" panose="02020603050405020304" pitchFamily="18" charset="0"/>
-                <a:cs typeface="Times New Roman" panose="02020603050405020304" pitchFamily="18" charset="0"/>
-              </a:rPr>
-              <a:t>: Rethinking dilated convolution in the backbone for semantic segmentation. </a:t>
-            </a:r>
-            <a:r>
-              <a:rPr lang="en-US" altLang="zh-TW" sz="1600" dirty="0" err="1">
-                <a:latin typeface="Times New Roman" panose="02020603050405020304" pitchFamily="18" charset="0"/>
-                <a:cs typeface="Times New Roman" panose="02020603050405020304" pitchFamily="18" charset="0"/>
-              </a:rPr>
-              <a:t>arXiv</a:t>
-            </a:r>
-            <a:r>
-              <a:rPr lang="en-US" altLang="zh-TW" sz="1600" dirty="0">
-                <a:latin typeface="Times New Roman" panose="02020603050405020304" pitchFamily="18" charset="0"/>
-                <a:cs typeface="Times New Roman" panose="02020603050405020304" pitchFamily="18" charset="0"/>
-              </a:rPr>
-              <a:t> preprint arXiv:1903.11816.</a:t>
-            </a:r>
-            <a:endParaRPr lang="zh-TW" altLang="zh-TW" sz="1600" dirty="0">
-              <a:latin typeface="Times New Roman" panose="02020603050405020304" pitchFamily="18" charset="0"/>
-              <a:cs typeface="Times New Roman" panose="02020603050405020304" pitchFamily="18" charset="0"/>
-            </a:endParaRPr>
+              <a:rPr lang="en-US" altLang="zh-TW" sz="1600" dirty="0"/>
+              <a:t>Long, J., </a:t>
+            </a:r>
+            <a:r>
+              <a:rPr lang="en-US" altLang="zh-TW" sz="1600" dirty="0" err="1"/>
+              <a:t>Shelhamer</a:t>
+            </a:r>
+            <a:r>
+              <a:rPr lang="en-US" altLang="zh-TW" sz="1600" dirty="0"/>
+              <a:t>, E., &amp; Darrell, T. (2015). Fully convolutional networks for semantic segmentation. In Proceedings of the IEEE conference on computer vision and pattern recognition (pp. 3431-3440).</a:t>
+            </a:r>
+            <a:endParaRPr lang="zh-TW" altLang="zh-TW" sz="1600" dirty="0"/>
           </a:p>
           <a:p>
             <a:pPr marL="285750" indent="-285750">
@@ -28115,58 +27802,44 @@
               <a:buChar char="•"/>
             </a:pPr>
             <a:r>
-              <a:rPr lang="en-US" altLang="zh-TW" sz="1600" dirty="0" err="1">
-                <a:latin typeface="Times New Roman" panose="02020603050405020304" pitchFamily="18" charset="0"/>
-                <a:cs typeface="Times New Roman" panose="02020603050405020304" pitchFamily="18" charset="0"/>
-              </a:rPr>
-              <a:t>Xie</a:t>
-            </a:r>
-            <a:r>
-              <a:rPr lang="en-US" altLang="zh-TW" sz="1600" dirty="0">
-                <a:latin typeface="Times New Roman" panose="02020603050405020304" pitchFamily="18" charset="0"/>
-                <a:cs typeface="Times New Roman" panose="02020603050405020304" pitchFamily="18" charset="0"/>
-              </a:rPr>
-              <a:t>, C., Wang, Z., Chen, H., Ma, X., Xing, W., Zhao, L., ... &amp; Lin, Z. (2021). Image Style Transfer Algorithm Based on Semantic Segmentation. </a:t>
-            </a:r>
-            <a:r>
-              <a:rPr lang="en-US" altLang="zh-TW" sz="1600" i="1" dirty="0">
-                <a:latin typeface="Times New Roman" panose="02020603050405020304" pitchFamily="18" charset="0"/>
-                <a:cs typeface="Times New Roman" panose="02020603050405020304" pitchFamily="18" charset="0"/>
-              </a:rPr>
-              <a:t>IEEE Access</a:t>
-            </a:r>
-            <a:r>
-              <a:rPr lang="en-US" altLang="zh-TW" sz="1600" dirty="0">
-                <a:latin typeface="Times New Roman" panose="02020603050405020304" pitchFamily="18" charset="0"/>
-                <a:cs typeface="Times New Roman" panose="02020603050405020304" pitchFamily="18" charset="0"/>
-              </a:rPr>
-              <a:t>, </a:t>
-            </a:r>
-            <a:r>
-              <a:rPr lang="en-US" altLang="zh-TW" sz="1600" i="1" dirty="0">
-                <a:latin typeface="Times New Roman" panose="02020603050405020304" pitchFamily="18" charset="0"/>
-                <a:cs typeface="Times New Roman" panose="02020603050405020304" pitchFamily="18" charset="0"/>
-              </a:rPr>
-              <a:t>9</a:t>
-            </a:r>
-            <a:r>
-              <a:rPr lang="en-US" altLang="zh-TW" sz="1600" dirty="0">
-                <a:latin typeface="Times New Roman" panose="02020603050405020304" pitchFamily="18" charset="0"/>
-                <a:cs typeface="Times New Roman" panose="02020603050405020304" pitchFamily="18" charset="0"/>
-              </a:rPr>
-              <a:t>, 54518-54529.</a:t>
-            </a:r>
-            <a:endParaRPr lang="zh-TW" altLang="zh-TW" sz="1600" dirty="0">
-              <a:latin typeface="Times New Roman" panose="02020603050405020304" pitchFamily="18" charset="0"/>
-              <a:cs typeface="Times New Roman" panose="02020603050405020304" pitchFamily="18" charset="0"/>
-            </a:endParaRPr>
+              <a:rPr lang="en-US" altLang="zh-TW" sz="1600" dirty="0"/>
+              <a:t>Mirza, M., &amp; </a:t>
+            </a:r>
+            <a:r>
+              <a:rPr lang="en-US" altLang="zh-TW" sz="1600" dirty="0" err="1"/>
+              <a:t>Osindero</a:t>
+            </a:r>
+            <a:r>
+              <a:rPr lang="en-US" altLang="zh-TW" sz="1600" dirty="0"/>
+              <a:t>, S. (2014). Conditional generative adversarial nets. </a:t>
+            </a:r>
+            <a:r>
+              <a:rPr lang="en-US" altLang="zh-TW" sz="1600" dirty="0" err="1"/>
+              <a:t>arXiv</a:t>
+            </a:r>
+            <a:r>
+              <a:rPr lang="en-US" altLang="zh-TW" sz="1600" dirty="0"/>
+              <a:t> preprint arXiv:1411.1784.</a:t>
+            </a:r>
+            <a:endParaRPr lang="zh-TW" altLang="zh-TW" sz="1600" dirty="0"/>
+          </a:p>
+          <a:p>
+            <a:pPr marL="285750" indent="-285750">
+              <a:buFont typeface="Arial" panose="020B0604020202020204" pitchFamily="34" charset="0"/>
+              <a:buChar char="•"/>
+            </a:pPr>
+            <a:r>
+              <a:rPr lang="en-US" altLang="zh-TW" sz="1600" dirty="0"/>
+              <a:t>Morgenstern, O., &amp; Von Neumann, J. (1953). Theory of games and economic behavior. Princeton university press.</a:t>
+            </a:r>
+            <a:endParaRPr lang="zh-TW" altLang="zh-TW" sz="1600" dirty="0"/>
           </a:p>
         </p:txBody>
       </p:sp>
     </p:spTree>
     <p:extLst>
       <p:ext uri="{BB962C8B-B14F-4D97-AF65-F5344CB8AC3E}">
-        <p14:creationId xmlns:p14="http://schemas.microsoft.com/office/powerpoint/2010/main" val="1945947501"/>
+        <p14:creationId xmlns:p14="http://schemas.microsoft.com/office/powerpoint/2010/main" val="3015687039"/>
       </p:ext>
     </p:extLst>
   </p:cSld>
@@ -28916,11 +28589,46 @@
               <a:buChar char="•"/>
             </a:pPr>
             <a:r>
+              <a:rPr lang="en-US" altLang="zh-TW" sz="1600" dirty="0" err="1">
+                <a:latin typeface="Times New Roman" panose="02020603050405020304" pitchFamily="18" charset="0"/>
+                <a:cs typeface="Times New Roman" panose="02020603050405020304" pitchFamily="18" charset="0"/>
+              </a:rPr>
+              <a:t>Ronneberger</a:t>
+            </a:r>
+            <a:r>
               <a:rPr lang="en-US" altLang="zh-TW" sz="1600" dirty="0">
                 <a:latin typeface="Times New Roman" panose="02020603050405020304" pitchFamily="18" charset="0"/>
                 <a:cs typeface="Times New Roman" panose="02020603050405020304" pitchFamily="18" charset="0"/>
               </a:rPr>
-              <a:t>Xu, Y., Wang, K., Yang, K., Sun, D., &amp; Fu, J. (2019, September). Semantic segmentation of panoramic images using a synthetic dataset. In Artificial Intelligence and Machine Learning in Defense Applications (Vol. 11169, p. 111690B). </a:t>
+              <a:t>, O., Fischer, P., &amp; </a:t>
+            </a:r>
+            <a:r>
+              <a:rPr lang="en-US" altLang="zh-TW" sz="1600" dirty="0" err="1">
+                <a:latin typeface="Times New Roman" panose="02020603050405020304" pitchFamily="18" charset="0"/>
+                <a:cs typeface="Times New Roman" panose="02020603050405020304" pitchFamily="18" charset="0"/>
+              </a:rPr>
+              <a:t>Brox</a:t>
+            </a:r>
+            <a:r>
+              <a:rPr lang="en-US" altLang="zh-TW" sz="1600" dirty="0">
+                <a:latin typeface="Times New Roman" panose="02020603050405020304" pitchFamily="18" charset="0"/>
+                <a:cs typeface="Times New Roman" panose="02020603050405020304" pitchFamily="18" charset="0"/>
+              </a:rPr>
+              <a:t>, T. (2015, October). U-net: Convolutional networks for biomedical image segmentation. In </a:t>
+            </a:r>
+            <a:r>
+              <a:rPr lang="en-US" altLang="zh-TW" sz="1600" i="1" dirty="0">
+                <a:latin typeface="Times New Roman" panose="02020603050405020304" pitchFamily="18" charset="0"/>
+                <a:cs typeface="Times New Roman" panose="02020603050405020304" pitchFamily="18" charset="0"/>
+              </a:rPr>
+              <a:t>International Conference on Medical image computing and computer-assisted intervention</a:t>
+            </a:r>
+            <a:r>
+              <a:rPr lang="en-US" altLang="zh-TW" sz="1600" dirty="0">
+                <a:latin typeface="Times New Roman" panose="02020603050405020304" pitchFamily="18" charset="0"/>
+                <a:cs typeface="Times New Roman" panose="02020603050405020304" pitchFamily="18" charset="0"/>
+              </a:rPr>
+              <a:t> (pp. 234-241). Springer, Cham.</a:t>
             </a:r>
             <a:endParaRPr lang="zh-TW" altLang="zh-TW" sz="1600" dirty="0">
               <a:latin typeface="Times New Roman" panose="02020603050405020304" pitchFamily="18" charset="0"/>
@@ -28933,11 +28641,18 @@
               <a:buChar char="•"/>
             </a:pPr>
             <a:r>
+              <a:rPr lang="en-US" altLang="zh-TW" sz="1600" dirty="0" err="1">
+                <a:latin typeface="Times New Roman" panose="02020603050405020304" pitchFamily="18" charset="0"/>
+                <a:cs typeface="Times New Roman" panose="02020603050405020304" pitchFamily="18" charset="0"/>
+              </a:rPr>
+              <a:t>Weng</a:t>
+            </a:r>
+            <a:r>
               <a:rPr lang="en-US" altLang="zh-TW" sz="1600" dirty="0">
                 <a:latin typeface="Times New Roman" panose="02020603050405020304" pitchFamily="18" charset="0"/>
                 <a:cs typeface="Times New Roman" panose="02020603050405020304" pitchFamily="18" charset="0"/>
               </a:rPr>
-              <a:t>International Society for Optics and Photonics.</a:t>
+              <a:t>, W., &amp; Zhu, X. (2015). Convolutional Networks for Biomedical Image Segmentation. IEEE Access.</a:t>
             </a:r>
             <a:endParaRPr lang="zh-TW" altLang="zh-TW" sz="1600" dirty="0">
               <a:latin typeface="Times New Roman" panose="02020603050405020304" pitchFamily="18" charset="0"/>
@@ -28954,21 +28669,35 @@
                 <a:latin typeface="Times New Roman" panose="02020603050405020304" pitchFamily="18" charset="0"/>
                 <a:cs typeface="Times New Roman" panose="02020603050405020304" pitchFamily="18" charset="0"/>
               </a:rPr>
-              <a:t>Zhu, J. Y., Park, T., Isola, P., &amp; </a:t>
+              <a:t>Wu, H., Zhang, J., Huang, K., Liang, K., &amp; Yu, Y. (2019). </a:t>
             </a:r>
             <a:r>
               <a:rPr lang="en-US" altLang="zh-TW" sz="1600" dirty="0" err="1">
                 <a:latin typeface="Times New Roman" panose="02020603050405020304" pitchFamily="18" charset="0"/>
                 <a:cs typeface="Times New Roman" panose="02020603050405020304" pitchFamily="18" charset="0"/>
               </a:rPr>
-              <a:t>Efros</a:t>
+              <a:t>Fastfcn</a:t>
             </a:r>
             <a:r>
               <a:rPr lang="en-US" altLang="zh-TW" sz="1600" dirty="0">
                 <a:latin typeface="Times New Roman" panose="02020603050405020304" pitchFamily="18" charset="0"/>
                 <a:cs typeface="Times New Roman" panose="02020603050405020304" pitchFamily="18" charset="0"/>
               </a:rPr>
-              <a:t>, A. A. (2017). Unpaired image-to-image translation using cycle-consistent adversarial networks. In Proceedings of the IEEE international conference on computer vision (pp. 2223-2232).</a:t>
+              <a:t>: Rethinking dilated convolution in the backbone for semantic segmentation. </a:t>
+            </a:r>
+            <a:r>
+              <a:rPr lang="en-US" altLang="zh-TW" sz="1600" dirty="0" err="1">
+                <a:latin typeface="Times New Roman" panose="02020603050405020304" pitchFamily="18" charset="0"/>
+                <a:cs typeface="Times New Roman" panose="02020603050405020304" pitchFamily="18" charset="0"/>
+              </a:rPr>
+              <a:t>arXiv</a:t>
+            </a:r>
+            <a:r>
+              <a:rPr lang="en-US" altLang="zh-TW" sz="1600" dirty="0">
+                <a:latin typeface="Times New Roman" panose="02020603050405020304" pitchFamily="18" charset="0"/>
+                <a:cs typeface="Times New Roman" panose="02020603050405020304" pitchFamily="18" charset="0"/>
+              </a:rPr>
+              <a:t> preprint arXiv:1903.11816.</a:t>
             </a:r>
             <a:endParaRPr lang="zh-TW" altLang="zh-TW" sz="1600" dirty="0">
               <a:latin typeface="Times New Roman" panose="02020603050405020304" pitchFamily="18" charset="0"/>
@@ -28981,47 +28710,58 @@
               <a:buChar char="•"/>
             </a:pPr>
             <a:r>
+              <a:rPr lang="en-US" altLang="zh-TW" sz="1600" dirty="0" err="1">
+                <a:latin typeface="Times New Roman" panose="02020603050405020304" pitchFamily="18" charset="0"/>
+                <a:cs typeface="Times New Roman" panose="02020603050405020304" pitchFamily="18" charset="0"/>
+              </a:rPr>
+              <a:t>Xie</a:t>
+            </a:r>
+            <a:r>
               <a:rPr lang="en-US" altLang="zh-TW" sz="1600" dirty="0">
                 <a:latin typeface="Times New Roman" panose="02020603050405020304" pitchFamily="18" charset="0"/>
                 <a:cs typeface="Times New Roman" panose="02020603050405020304" pitchFamily="18" charset="0"/>
               </a:rPr>
-              <a:t>Zhang, H., Xu, T., Li, H., Zhang, S., Wang, X., Huang, X., &amp; Metaxas, D. N. (2017). </a:t>
-            </a:r>
-            <a:r>
-              <a:rPr lang="en-US" altLang="zh-TW" sz="1600" dirty="0" err="1">
+              <a:t>, C., Wang, Z., Chen, H., Ma, X., Xing, W., Zhao, L., ... &amp; Lin, Z. (2021). Image Style Transfer Algorithm Based on Semantic Segmentation. </a:t>
+            </a:r>
+            <a:r>
+              <a:rPr lang="en-US" altLang="zh-TW" sz="1600" i="1" dirty="0">
                 <a:latin typeface="Times New Roman" panose="02020603050405020304" pitchFamily="18" charset="0"/>
                 <a:cs typeface="Times New Roman" panose="02020603050405020304" pitchFamily="18" charset="0"/>
               </a:rPr>
-              <a:t>Stackgan</a:t>
+              <a:t>IEEE Access</a:t>
             </a:r>
             <a:r>
               <a:rPr lang="en-US" altLang="zh-TW" sz="1600" dirty="0">
                 <a:latin typeface="Times New Roman" panose="02020603050405020304" pitchFamily="18" charset="0"/>
                 <a:cs typeface="Times New Roman" panose="02020603050405020304" pitchFamily="18" charset="0"/>
               </a:rPr>
-              <a:t>: Text to photo-realistic image synthesis with stacked generative adversarial networks. In </a:t>
-            </a:r>
-            <a:r>
-              <a:rPr lang="zh-TW" altLang="zh-TW" sz="1600" i="1" dirty="0">
+              <a:t>, </a:t>
+            </a:r>
+            <a:r>
+              <a:rPr lang="en-US" altLang="zh-TW" sz="1600" i="1" dirty="0">
                 <a:latin typeface="Times New Roman" panose="02020603050405020304" pitchFamily="18" charset="0"/>
                 <a:cs typeface="Times New Roman" panose="02020603050405020304" pitchFamily="18" charset="0"/>
               </a:rPr>
-              <a:t>Proceedings of the IEEE international conference on computer vision</a:t>
-            </a:r>
-            <a:r>
-              <a:rPr lang="zh-TW" altLang="zh-TW" sz="1600" dirty="0">
+              <a:t>9</a:t>
+            </a:r>
+            <a:r>
+              <a:rPr lang="en-US" altLang="zh-TW" sz="1600" dirty="0">
                 <a:latin typeface="Times New Roman" panose="02020603050405020304" pitchFamily="18" charset="0"/>
                 <a:cs typeface="Times New Roman" panose="02020603050405020304" pitchFamily="18" charset="0"/>
               </a:rPr>
-              <a:t> (pp. 5907-5915).</a:t>
-            </a:r>
+              <a:t>, 54518-54529.</a:t>
+            </a:r>
+            <a:endParaRPr lang="zh-TW" altLang="zh-TW" sz="1600" dirty="0">
+              <a:latin typeface="Times New Roman" panose="02020603050405020304" pitchFamily="18" charset="0"/>
+              <a:cs typeface="Times New Roman" panose="02020603050405020304" pitchFamily="18" charset="0"/>
+            </a:endParaRPr>
           </a:p>
         </p:txBody>
       </p:sp>
     </p:spTree>
     <p:extLst>
       <p:ext uri="{BB962C8B-B14F-4D97-AF65-F5344CB8AC3E}">
-        <p14:creationId xmlns:p14="http://schemas.microsoft.com/office/powerpoint/2010/main" val="4008572673"/>
+        <p14:creationId xmlns:p14="http://schemas.microsoft.com/office/powerpoint/2010/main" val="1945947501"/>
       </p:ext>
     </p:extLst>
   </p:cSld>
@@ -29659,7 +29399,7 @@
         <p:spPr>
           <a:xfrm>
             <a:off x="1014607" y="1719037"/>
-            <a:ext cx="7650195" cy="3331681"/>
+            <a:ext cx="7650195" cy="2777683"/>
           </a:xfrm>
           <a:prstGeom prst="rect">
             <a:avLst/>
@@ -29771,64 +29511,15 @@
               <a:buChar char="•"/>
             </a:pPr>
             <a:r>
-              <a:rPr lang="zh-TW" altLang="zh-TW" sz="1600" dirty="0">
-                <a:latin typeface="標楷體" panose="03000509000000000000" pitchFamily="65" charset="-120"/>
-                <a:ea typeface="標楷體" panose="03000509000000000000" pitchFamily="65" charset="-120"/>
-              </a:rPr>
-              <a:t>于佩琴</a:t>
-            </a:r>
-            <a:r>
               <a:rPr lang="en-US" altLang="zh-TW" sz="1600" dirty="0">
-                <a:latin typeface="標楷體" panose="03000509000000000000" pitchFamily="65" charset="-120"/>
-                <a:ea typeface="標楷體" panose="03000509000000000000" pitchFamily="65" charset="-120"/>
-              </a:rPr>
-              <a:t>. (2014). </a:t>
-            </a:r>
-            <a:r>
-              <a:rPr lang="zh-TW" altLang="zh-TW" sz="1600" dirty="0">
-                <a:latin typeface="標楷體" panose="03000509000000000000" pitchFamily="65" charset="-120"/>
-                <a:ea typeface="標楷體" panose="03000509000000000000" pitchFamily="65" charset="-120"/>
-              </a:rPr>
-              <a:t>室內設計的本質性</a:t>
-            </a:r>
-            <a:r>
-              <a:rPr lang="en-US" altLang="zh-TW" sz="1600" dirty="0">
-                <a:latin typeface="標楷體" panose="03000509000000000000" pitchFamily="65" charset="-120"/>
-                <a:ea typeface="標楷體" panose="03000509000000000000" pitchFamily="65" charset="-120"/>
-              </a:rPr>
-              <a:t>: </a:t>
-            </a:r>
-            <a:r>
-              <a:rPr lang="zh-TW" altLang="zh-TW" sz="1600" dirty="0">
-                <a:latin typeface="標楷體" panose="03000509000000000000" pitchFamily="65" charset="-120"/>
-                <a:ea typeface="標楷體" panose="03000509000000000000" pitchFamily="65" charset="-120"/>
-              </a:rPr>
-              <a:t>室內空間居家性之探討</a:t>
-            </a:r>
-            <a:r>
-              <a:rPr lang="en-US" altLang="zh-TW" sz="1600" dirty="0">
-                <a:latin typeface="標楷體" panose="03000509000000000000" pitchFamily="65" charset="-120"/>
-                <a:ea typeface="標楷體" panose="03000509000000000000" pitchFamily="65" charset="-120"/>
-              </a:rPr>
-              <a:t>. </a:t>
-            </a:r>
-            <a:r>
-              <a:rPr lang="zh-TW" altLang="zh-TW" sz="1600" dirty="0">
-                <a:latin typeface="標楷體" panose="03000509000000000000" pitchFamily="65" charset="-120"/>
-                <a:ea typeface="標楷體" panose="03000509000000000000" pitchFamily="65" charset="-120"/>
-              </a:rPr>
-              <a:t>中原大學室內設計研究所學位論文</a:t>
-            </a:r>
-            <a:r>
-              <a:rPr lang="en-US" altLang="zh-TW" sz="1600" dirty="0">
-                <a:latin typeface="標楷體" panose="03000509000000000000" pitchFamily="65" charset="-120"/>
-                <a:ea typeface="標楷體" panose="03000509000000000000" pitchFamily="65" charset="-120"/>
-              </a:rPr>
-              <a:t>, 1-83.</a:t>
+                <a:latin typeface="Times New Roman" panose="02020603050405020304" pitchFamily="18" charset="0"/>
+                <a:cs typeface="Times New Roman" panose="02020603050405020304" pitchFamily="18" charset="0"/>
+              </a:rPr>
+              <a:t>Xu, Y., Wang, K., Yang, K., Sun, D., &amp; Fu, J. (2019, September). Semantic segmentation of panoramic images using a synthetic dataset. In Artificial Intelligence and Machine Learning in Defense Applications (Vol. 11169, p. 111690B). </a:t>
             </a:r>
             <a:endParaRPr lang="zh-TW" altLang="zh-TW" sz="1600" dirty="0">
-              <a:latin typeface="標楷體" panose="03000509000000000000" pitchFamily="65" charset="-120"/>
-              <a:ea typeface="標楷體" panose="03000509000000000000" pitchFamily="65" charset="-120"/>
+              <a:latin typeface="Times New Roman" panose="02020603050405020304" pitchFamily="18" charset="0"/>
+              <a:cs typeface="Times New Roman" panose="02020603050405020304" pitchFamily="18" charset="0"/>
             </a:endParaRPr>
           </a:p>
           <a:p>
@@ -29837,92 +29528,15 @@
               <a:buChar char="•"/>
             </a:pPr>
             <a:r>
-              <a:rPr lang="zh-TW" altLang="zh-TW" sz="1600" dirty="0">
-                <a:latin typeface="標楷體" panose="03000509000000000000" pitchFamily="65" charset="-120"/>
-                <a:ea typeface="標楷體" panose="03000509000000000000" pitchFamily="65" charset="-120"/>
-              </a:rPr>
-              <a:t>宋杰</a:t>
-            </a:r>
-            <a:r>
               <a:rPr lang="en-US" altLang="zh-TW" sz="1600" dirty="0">
-                <a:latin typeface="標楷體" panose="03000509000000000000" pitchFamily="65" charset="-120"/>
-                <a:ea typeface="標楷體" panose="03000509000000000000" pitchFamily="65" charset="-120"/>
-              </a:rPr>
-              <a:t>, </a:t>
-            </a:r>
-            <a:r>
-              <a:rPr lang="zh-TW" altLang="zh-TW" sz="1600" dirty="0">
-                <a:latin typeface="標楷體" panose="03000509000000000000" pitchFamily="65" charset="-120"/>
-                <a:ea typeface="標楷體" panose="03000509000000000000" pitchFamily="65" charset="-120"/>
-              </a:rPr>
-              <a:t>肖亮</a:t>
-            </a:r>
-            <a:r>
-              <a:rPr lang="en-US" altLang="zh-TW" sz="1600" dirty="0">
-                <a:latin typeface="標楷體" panose="03000509000000000000" pitchFamily="65" charset="-120"/>
-                <a:ea typeface="標楷體" panose="03000509000000000000" pitchFamily="65" charset="-120"/>
-              </a:rPr>
-              <a:t>, </a:t>
-            </a:r>
-            <a:r>
-              <a:rPr lang="zh-TW" altLang="zh-TW" sz="1600" dirty="0">
-                <a:latin typeface="標楷體" panose="03000509000000000000" pitchFamily="65" charset="-120"/>
-                <a:ea typeface="標楷體" panose="03000509000000000000" pitchFamily="65" charset="-120"/>
-              </a:rPr>
-              <a:t>练智超</a:t>
-            </a:r>
-            <a:r>
-              <a:rPr lang="en-US" altLang="zh-TW" sz="1600" dirty="0">
-                <a:latin typeface="標楷體" panose="03000509000000000000" pitchFamily="65" charset="-120"/>
-                <a:ea typeface="標楷體" panose="03000509000000000000" pitchFamily="65" charset="-120"/>
-              </a:rPr>
-              <a:t>, </a:t>
-            </a:r>
-            <a:r>
-              <a:rPr lang="zh-TW" altLang="zh-TW" sz="1600" dirty="0">
-                <a:latin typeface="標楷體" panose="03000509000000000000" pitchFamily="65" charset="-120"/>
-                <a:ea typeface="標楷體" panose="03000509000000000000" pitchFamily="65" charset="-120"/>
-              </a:rPr>
-              <a:t>蔡子贇</a:t>
-            </a:r>
-            <a:r>
-              <a:rPr lang="en-US" altLang="zh-TW" sz="1600" dirty="0">
-                <a:latin typeface="標楷體" panose="03000509000000000000" pitchFamily="65" charset="-120"/>
-                <a:ea typeface="標楷體" panose="03000509000000000000" pitchFamily="65" charset="-120"/>
-              </a:rPr>
-              <a:t>, &amp; </a:t>
-            </a:r>
-            <a:r>
-              <a:rPr lang="zh-TW" altLang="zh-TW" sz="1600" dirty="0">
-                <a:latin typeface="標楷體" panose="03000509000000000000" pitchFamily="65" charset="-120"/>
-                <a:ea typeface="標楷體" panose="03000509000000000000" pitchFamily="65" charset="-120"/>
-              </a:rPr>
-              <a:t>蒋国平</a:t>
-            </a:r>
-            <a:r>
-              <a:rPr lang="en-US" altLang="zh-TW" sz="1600" dirty="0">
-                <a:latin typeface="標楷體" panose="03000509000000000000" pitchFamily="65" charset="-120"/>
-                <a:ea typeface="標楷體" panose="03000509000000000000" pitchFamily="65" charset="-120"/>
-              </a:rPr>
-              <a:t>. (2021). </a:t>
-            </a:r>
-            <a:r>
-              <a:rPr lang="zh-TW" altLang="zh-TW" sz="1600" dirty="0">
-                <a:latin typeface="標楷體" panose="03000509000000000000" pitchFamily="65" charset="-120"/>
-                <a:ea typeface="標楷體" panose="03000509000000000000" pitchFamily="65" charset="-120"/>
-              </a:rPr>
-              <a:t>基于深度学习的数字病理图像分割综述与展望</a:t>
-            </a:r>
-            <a:r>
-              <a:rPr lang="en-US" altLang="zh-TW" sz="1600" dirty="0">
-                <a:latin typeface="標楷體" panose="03000509000000000000" pitchFamily="65" charset="-120"/>
-                <a:ea typeface="標楷體" panose="03000509000000000000" pitchFamily="65" charset="-120"/>
-              </a:rPr>
-              <a:t>. Journal of Software, 32(5).</a:t>
+                <a:latin typeface="Times New Roman" panose="02020603050405020304" pitchFamily="18" charset="0"/>
+                <a:cs typeface="Times New Roman" panose="02020603050405020304" pitchFamily="18" charset="0"/>
+              </a:rPr>
+              <a:t>International Society for Optics and Photonics.</a:t>
             </a:r>
             <a:endParaRPr lang="zh-TW" altLang="zh-TW" sz="1600" dirty="0">
-              <a:latin typeface="標楷體" panose="03000509000000000000" pitchFamily="65" charset="-120"/>
-              <a:ea typeface="標楷體" panose="03000509000000000000" pitchFamily="65" charset="-120"/>
+              <a:latin typeface="Times New Roman" panose="02020603050405020304" pitchFamily="18" charset="0"/>
+              <a:cs typeface="Times New Roman" panose="02020603050405020304" pitchFamily="18" charset="0"/>
             </a:endParaRPr>
           </a:p>
           <a:p>
@@ -29931,26 +29545,30 @@
               <a:buChar char="•"/>
             </a:pPr>
             <a:r>
-              <a:rPr lang="zh-TW" altLang="zh-TW" sz="1600" dirty="0">
-                <a:latin typeface="標楷體" panose="03000509000000000000" pitchFamily="65" charset="-120"/>
-                <a:ea typeface="標楷體" panose="03000509000000000000" pitchFamily="65" charset="-120"/>
-              </a:rPr>
-              <a:t>冷翊</a:t>
-            </a:r>
-            <a:r>
               <a:rPr lang="en-US" altLang="zh-TW" sz="1600" dirty="0">
-                <a:latin typeface="標楷體" panose="03000509000000000000" pitchFamily="65" charset="-120"/>
-                <a:ea typeface="標楷體" panose="03000509000000000000" pitchFamily="65" charset="-120"/>
-              </a:rPr>
-              <a:t>(2016)</a:t>
-            </a:r>
-            <a:r>
-              <a:rPr lang="zh-TW" altLang="zh-TW" sz="1600" dirty="0">
-                <a:latin typeface="標楷體" panose="03000509000000000000" pitchFamily="65" charset="-120"/>
-                <a:ea typeface="標楷體" panose="03000509000000000000" pitchFamily="65" charset="-120"/>
-              </a:rPr>
-              <a:t>。以三維電腦繪圖為核心的室內設計流程及表現之研究。南華大學藝術與設計學院創意產品設計學系。</a:t>
-            </a:r>
+                <a:latin typeface="Times New Roman" panose="02020603050405020304" pitchFamily="18" charset="0"/>
+                <a:cs typeface="Times New Roman" panose="02020603050405020304" pitchFamily="18" charset="0"/>
+              </a:rPr>
+              <a:t>Zhu, J. Y., Park, T., Isola, P., &amp; </a:t>
+            </a:r>
+            <a:r>
+              <a:rPr lang="en-US" altLang="zh-TW" sz="1600" dirty="0" err="1">
+                <a:latin typeface="Times New Roman" panose="02020603050405020304" pitchFamily="18" charset="0"/>
+                <a:cs typeface="Times New Roman" panose="02020603050405020304" pitchFamily="18" charset="0"/>
+              </a:rPr>
+              <a:t>Efros</a:t>
+            </a:r>
+            <a:r>
+              <a:rPr lang="en-US" altLang="zh-TW" sz="1600" dirty="0">
+                <a:latin typeface="Times New Roman" panose="02020603050405020304" pitchFamily="18" charset="0"/>
+                <a:cs typeface="Times New Roman" panose="02020603050405020304" pitchFamily="18" charset="0"/>
+              </a:rPr>
+              <a:t>, A. A. (2017). Unpaired image-to-image translation using cycle-consistent adversarial networks. In Proceedings of the IEEE international conference on computer vision (pp. 2223-2232).</a:t>
+            </a:r>
+            <a:endParaRPr lang="zh-TW" altLang="zh-TW" sz="1600" dirty="0">
+              <a:latin typeface="Times New Roman" panose="02020603050405020304" pitchFamily="18" charset="0"/>
+              <a:cs typeface="Times New Roman" panose="02020603050405020304" pitchFamily="18" charset="0"/>
+            </a:endParaRPr>
           </a:p>
           <a:p>
             <a:pPr marL="285750" indent="-285750">
@@ -29958,153 +29576,47 @@
               <a:buChar char="•"/>
             </a:pPr>
             <a:r>
+              <a:rPr lang="en-US" altLang="zh-TW" sz="1600" dirty="0">
+                <a:latin typeface="Times New Roman" panose="02020603050405020304" pitchFamily="18" charset="0"/>
+                <a:cs typeface="Times New Roman" panose="02020603050405020304" pitchFamily="18" charset="0"/>
+              </a:rPr>
+              <a:t>Zhang, H., Xu, T., Li, H., Zhang, S., Wang, X., Huang, X., &amp; Metaxas, D. N. (2017). </a:t>
+            </a:r>
+            <a:r>
+              <a:rPr lang="en-US" altLang="zh-TW" sz="1600" dirty="0" err="1">
+                <a:latin typeface="Times New Roman" panose="02020603050405020304" pitchFamily="18" charset="0"/>
+                <a:cs typeface="Times New Roman" panose="02020603050405020304" pitchFamily="18" charset="0"/>
+              </a:rPr>
+              <a:t>Stackgan</a:t>
+            </a:r>
+            <a:r>
+              <a:rPr lang="en-US" altLang="zh-TW" sz="1600" dirty="0">
+                <a:latin typeface="Times New Roman" panose="02020603050405020304" pitchFamily="18" charset="0"/>
+                <a:cs typeface="Times New Roman" panose="02020603050405020304" pitchFamily="18" charset="0"/>
+              </a:rPr>
+              <a:t>: Text to photo-realistic image synthesis with stacked generative adversarial networks. In </a:t>
+            </a:r>
+            <a:r>
+              <a:rPr lang="zh-TW" altLang="zh-TW" sz="1600" i="1" dirty="0">
+                <a:latin typeface="Times New Roman" panose="02020603050405020304" pitchFamily="18" charset="0"/>
+                <a:cs typeface="Times New Roman" panose="02020603050405020304" pitchFamily="18" charset="0"/>
+              </a:rPr>
+              <a:t>Proceedings of the IEEE international conference on computer vision</a:t>
+            </a:r>
+            <a:r>
               <a:rPr lang="zh-TW" altLang="zh-TW" sz="1600" dirty="0">
-                <a:latin typeface="標楷體" panose="03000509000000000000" pitchFamily="65" charset="-120"/>
-                <a:ea typeface="標楷體" panose="03000509000000000000" pitchFamily="65" charset="-120"/>
-              </a:rPr>
-              <a:t>林庭生</a:t>
-            </a:r>
-            <a:r>
-              <a:rPr lang="en-US" altLang="zh-TW" sz="1600" dirty="0">
-                <a:latin typeface="標楷體" panose="03000509000000000000" pitchFamily="65" charset="-120"/>
-                <a:ea typeface="標楷體" panose="03000509000000000000" pitchFamily="65" charset="-120"/>
-              </a:rPr>
-              <a:t>(2021)</a:t>
-            </a:r>
-            <a:r>
-              <a:rPr lang="zh-TW" altLang="zh-TW" sz="1600" dirty="0">
-                <a:latin typeface="標楷體" panose="03000509000000000000" pitchFamily="65" charset="-120"/>
-                <a:ea typeface="標楷體" panose="03000509000000000000" pitchFamily="65" charset="-120"/>
-              </a:rPr>
-              <a:t>。以</a:t>
-            </a:r>
-            <a:r>
-              <a:rPr lang="en-US" altLang="zh-TW" sz="1600" dirty="0">
-                <a:latin typeface="標楷體" panose="03000509000000000000" pitchFamily="65" charset="-120"/>
-                <a:ea typeface="標楷體" panose="03000509000000000000" pitchFamily="65" charset="-120"/>
-              </a:rPr>
-              <a:t>Pix2Pix</a:t>
-            </a:r>
-            <a:r>
-              <a:rPr lang="zh-TW" altLang="zh-TW" sz="1600" dirty="0">
-                <a:latin typeface="標楷體" panose="03000509000000000000" pitchFamily="65" charset="-120"/>
-                <a:ea typeface="標楷體" panose="03000509000000000000" pitchFamily="65" charset="-120"/>
-              </a:rPr>
-              <a:t>與超解析度成像網路為基礎之金門老照片修復研究。國立金門大學資訊科技與應用碩士班</a:t>
-            </a:r>
-          </a:p>
-          <a:p>
-            <a:pPr marL="285750" indent="-285750">
-              <a:buFont typeface="Arial" panose="020B0604020202020204" pitchFamily="34" charset="0"/>
-              <a:buChar char="•"/>
-            </a:pPr>
-            <a:r>
-              <a:rPr lang="zh-TW" altLang="zh-TW" sz="1600" dirty="0">
-                <a:latin typeface="標楷體" panose="03000509000000000000" pitchFamily="65" charset="-120"/>
-                <a:ea typeface="標楷體" panose="03000509000000000000" pitchFamily="65" charset="-120"/>
-              </a:rPr>
-              <a:t>施旻岳（</a:t>
-            </a:r>
-            <a:r>
-              <a:rPr lang="en-US" altLang="zh-TW" sz="1600" dirty="0">
-                <a:latin typeface="標楷體" panose="03000509000000000000" pitchFamily="65" charset="-120"/>
-                <a:ea typeface="標楷體" panose="03000509000000000000" pitchFamily="65" charset="-120"/>
-              </a:rPr>
-              <a:t>2021</a:t>
-            </a:r>
-            <a:r>
-              <a:rPr lang="zh-TW" altLang="zh-TW" sz="1600" dirty="0">
-                <a:latin typeface="標楷體" panose="03000509000000000000" pitchFamily="65" charset="-120"/>
-                <a:ea typeface="標楷體" panose="03000509000000000000" pitchFamily="65" charset="-120"/>
-              </a:rPr>
-              <a:t>）。以生成對抗網路為基礎之閩式建築風格轉換研究（碩士論文）。國立金門大學資訊科技與應用碩士班。</a:t>
-            </a:r>
-          </a:p>
-          <a:p>
-            <a:pPr marL="285750" indent="-285750">
-              <a:buFont typeface="Arial" panose="020B0604020202020204" pitchFamily="34" charset="0"/>
-              <a:buChar char="•"/>
-            </a:pPr>
-            <a:r>
-              <a:rPr lang="zh-TW" altLang="zh-TW" sz="1600" dirty="0">
-                <a:latin typeface="標楷體" panose="03000509000000000000" pitchFamily="65" charset="-120"/>
-                <a:ea typeface="標楷體" panose="03000509000000000000" pitchFamily="65" charset="-120"/>
-              </a:rPr>
-              <a:t>張榮傑</a:t>
-            </a:r>
-            <a:r>
-              <a:rPr lang="en-US" altLang="zh-TW" sz="1600" dirty="0">
-                <a:latin typeface="標楷體" panose="03000509000000000000" pitchFamily="65" charset="-120"/>
-                <a:ea typeface="標楷體" panose="03000509000000000000" pitchFamily="65" charset="-120"/>
-              </a:rPr>
-              <a:t>(2015)</a:t>
-            </a:r>
-            <a:r>
-              <a:rPr lang="zh-TW" altLang="zh-TW" sz="1600" dirty="0">
-                <a:latin typeface="標楷體" panose="03000509000000000000" pitchFamily="65" charset="-120"/>
-                <a:ea typeface="標楷體" panose="03000509000000000000" pitchFamily="65" charset="-120"/>
-              </a:rPr>
-              <a:t>。基於語義分割之影片風格轉換。國立交通大學多媒體工程研究所</a:t>
-            </a:r>
-          </a:p>
-          <a:p>
-            <a:pPr marL="285750" indent="-285750">
-              <a:buFont typeface="Arial" panose="020B0604020202020204" pitchFamily="34" charset="0"/>
-              <a:buChar char="•"/>
-            </a:pPr>
-            <a:r>
-              <a:rPr lang="zh-TW" altLang="zh-TW" sz="1600" dirty="0">
-                <a:latin typeface="標楷體" panose="03000509000000000000" pitchFamily="65" charset="-120"/>
-                <a:ea typeface="標楷體" panose="03000509000000000000" pitchFamily="65" charset="-120"/>
-              </a:rPr>
-              <a:t>張峻瑋</a:t>
-            </a:r>
-            <a:r>
-              <a:rPr lang="en-US" altLang="zh-TW" sz="1600" dirty="0">
-                <a:latin typeface="標楷體" panose="03000509000000000000" pitchFamily="65" charset="-120"/>
-                <a:ea typeface="標楷體" panose="03000509000000000000" pitchFamily="65" charset="-120"/>
-              </a:rPr>
-              <a:t>. (2019). 3D </a:t>
-            </a:r>
-            <a:r>
-              <a:rPr lang="zh-TW" altLang="zh-TW" sz="1600" dirty="0">
-                <a:latin typeface="標楷體" panose="03000509000000000000" pitchFamily="65" charset="-120"/>
-                <a:ea typeface="標楷體" panose="03000509000000000000" pitchFamily="65" charset="-120"/>
-              </a:rPr>
-              <a:t>效果圖擬真度影響設計發展之視覺思考研究</a:t>
-            </a:r>
-            <a:r>
-              <a:rPr lang="en-US" altLang="zh-TW" sz="1600" dirty="0">
-                <a:latin typeface="標楷體" panose="03000509000000000000" pitchFamily="65" charset="-120"/>
-                <a:ea typeface="標楷體" panose="03000509000000000000" pitchFamily="65" charset="-120"/>
-              </a:rPr>
-              <a:t>. </a:t>
-            </a:r>
-            <a:r>
-              <a:rPr lang="zh-TW" altLang="zh-TW" sz="1600" dirty="0">
-                <a:latin typeface="標楷體" panose="03000509000000000000" pitchFamily="65" charset="-120"/>
-                <a:ea typeface="標楷體" panose="03000509000000000000" pitchFamily="65" charset="-120"/>
-              </a:rPr>
-              <a:t>中原大學室內設計研究所學位論文</a:t>
-            </a:r>
-            <a:r>
-              <a:rPr lang="en-US" altLang="zh-TW" sz="1600" dirty="0">
-                <a:latin typeface="標楷體" panose="03000509000000000000" pitchFamily="65" charset="-120"/>
-                <a:ea typeface="標楷體" panose="03000509000000000000" pitchFamily="65" charset="-120"/>
-              </a:rPr>
-              <a:t>, 1-184.</a:t>
-            </a:r>
-            <a:endParaRPr lang="zh-TW" altLang="zh-TW" sz="1600" dirty="0">
-              <a:latin typeface="標楷體" panose="03000509000000000000" pitchFamily="65" charset="-120"/>
-              <a:ea typeface="標楷體" panose="03000509000000000000" pitchFamily="65" charset="-120"/>
-            </a:endParaRPr>
+                <a:latin typeface="Times New Roman" panose="02020603050405020304" pitchFamily="18" charset="0"/>
+                <a:cs typeface="Times New Roman" panose="02020603050405020304" pitchFamily="18" charset="0"/>
+              </a:rPr>
+              <a:t> (pp. 5907-5915).</a:t>
+            </a:r>
           </a:p>
         </p:txBody>
       </p:sp>
     </p:spTree>
     <p:extLst>
       <p:ext uri="{BB962C8B-B14F-4D97-AF65-F5344CB8AC3E}">
-        <p14:creationId xmlns:p14="http://schemas.microsoft.com/office/powerpoint/2010/main" val="4198365523"/>
+        <p14:creationId xmlns:p14="http://schemas.microsoft.com/office/powerpoint/2010/main" val="4008572673"/>
       </p:ext>
     </p:extLst>
   </p:cSld>
@@ -30742,6 +30254,1089 @@
         <p:spPr>
           <a:xfrm>
             <a:off x="1014607" y="1719037"/>
+            <a:ext cx="7650195" cy="3331681"/>
+          </a:xfrm>
+          <a:prstGeom prst="rect">
+            <a:avLst/>
+          </a:prstGeom>
+          <a:noFill/>
+        </p:spPr>
+        <p:txBody>
+          <a:bodyPr wrap="square" lIns="68580" tIns="34290" rIns="68580" bIns="34290" rtlCol="0">
+            <a:spAutoFit/>
+          </a:bodyPr>
+          <a:lstStyle>
+            <a:defPPr>
+              <a:defRPr lang="zh-CN"/>
+            </a:defPPr>
+            <a:lvl1pPr marL="0" algn="l" defTabSz="914400" rtl="0" eaLnBrk="1" latinLnBrk="0" hangingPunct="1">
+              <a:defRPr sz="1800" kern="1200">
+                <a:solidFill>
+                  <a:schemeClr val="tx1"/>
+                </a:solidFill>
+                <a:latin typeface="+mn-lt"/>
+                <a:ea typeface="+mn-ea"/>
+                <a:cs typeface="+mn-cs"/>
+              </a:defRPr>
+            </a:lvl1pPr>
+            <a:lvl2pPr marL="457200" algn="l" defTabSz="914400" rtl="0" eaLnBrk="1" latinLnBrk="0" hangingPunct="1">
+              <a:defRPr sz="1800" kern="1200">
+                <a:solidFill>
+                  <a:schemeClr val="tx1"/>
+                </a:solidFill>
+                <a:latin typeface="+mn-lt"/>
+                <a:ea typeface="+mn-ea"/>
+                <a:cs typeface="+mn-cs"/>
+              </a:defRPr>
+            </a:lvl2pPr>
+            <a:lvl3pPr marL="914400" algn="l" defTabSz="914400" rtl="0" eaLnBrk="1" latinLnBrk="0" hangingPunct="1">
+              <a:defRPr sz="1800" kern="1200">
+                <a:solidFill>
+                  <a:schemeClr val="tx1"/>
+                </a:solidFill>
+                <a:latin typeface="+mn-lt"/>
+                <a:ea typeface="+mn-ea"/>
+                <a:cs typeface="+mn-cs"/>
+              </a:defRPr>
+            </a:lvl3pPr>
+            <a:lvl4pPr marL="1371600" algn="l" defTabSz="914400" rtl="0" eaLnBrk="1" latinLnBrk="0" hangingPunct="1">
+              <a:defRPr sz="1800" kern="1200">
+                <a:solidFill>
+                  <a:schemeClr val="tx1"/>
+                </a:solidFill>
+                <a:latin typeface="+mn-lt"/>
+                <a:ea typeface="+mn-ea"/>
+                <a:cs typeface="+mn-cs"/>
+              </a:defRPr>
+            </a:lvl4pPr>
+            <a:lvl5pPr marL="1828800" algn="l" defTabSz="914400" rtl="0" eaLnBrk="1" latinLnBrk="0" hangingPunct="1">
+              <a:defRPr sz="1800" kern="1200">
+                <a:solidFill>
+                  <a:schemeClr val="tx1"/>
+                </a:solidFill>
+                <a:latin typeface="+mn-lt"/>
+                <a:ea typeface="+mn-ea"/>
+                <a:cs typeface="+mn-cs"/>
+              </a:defRPr>
+            </a:lvl5pPr>
+            <a:lvl6pPr marL="2286000" algn="l" defTabSz="914400" rtl="0" eaLnBrk="1" latinLnBrk="0" hangingPunct="1">
+              <a:defRPr sz="1800" kern="1200">
+                <a:solidFill>
+                  <a:schemeClr val="tx1"/>
+                </a:solidFill>
+                <a:latin typeface="+mn-lt"/>
+                <a:ea typeface="+mn-ea"/>
+                <a:cs typeface="+mn-cs"/>
+              </a:defRPr>
+            </a:lvl6pPr>
+            <a:lvl7pPr marL="2743200" algn="l" defTabSz="914400" rtl="0" eaLnBrk="1" latinLnBrk="0" hangingPunct="1">
+              <a:defRPr sz="1800" kern="1200">
+                <a:solidFill>
+                  <a:schemeClr val="tx1"/>
+                </a:solidFill>
+                <a:latin typeface="+mn-lt"/>
+                <a:ea typeface="+mn-ea"/>
+                <a:cs typeface="+mn-cs"/>
+              </a:defRPr>
+            </a:lvl7pPr>
+            <a:lvl8pPr marL="3200400" algn="l" defTabSz="914400" rtl="0" eaLnBrk="1" latinLnBrk="0" hangingPunct="1">
+              <a:defRPr sz="1800" kern="1200">
+                <a:solidFill>
+                  <a:schemeClr val="tx1"/>
+                </a:solidFill>
+                <a:latin typeface="+mn-lt"/>
+                <a:ea typeface="+mn-ea"/>
+                <a:cs typeface="+mn-cs"/>
+              </a:defRPr>
+            </a:lvl8pPr>
+            <a:lvl9pPr marL="3657600" algn="l" defTabSz="914400" rtl="0" eaLnBrk="1" latinLnBrk="0" hangingPunct="1">
+              <a:defRPr sz="1800" kern="1200">
+                <a:solidFill>
+                  <a:schemeClr val="tx1"/>
+                </a:solidFill>
+                <a:latin typeface="+mn-lt"/>
+                <a:ea typeface="+mn-ea"/>
+                <a:cs typeface="+mn-cs"/>
+              </a:defRPr>
+            </a:lvl9pPr>
+          </a:lstStyle>
+          <a:p>
+            <a:pPr marL="285750" indent="-285750">
+              <a:buFont typeface="Arial" panose="020B0604020202020204" pitchFamily="34" charset="0"/>
+              <a:buChar char="•"/>
+            </a:pPr>
+            <a:r>
+              <a:rPr lang="zh-TW" altLang="zh-TW" sz="1600" dirty="0">
+                <a:latin typeface="標楷體" panose="03000509000000000000" pitchFamily="65" charset="-120"/>
+                <a:ea typeface="標楷體" panose="03000509000000000000" pitchFamily="65" charset="-120"/>
+              </a:rPr>
+              <a:t>于佩琴</a:t>
+            </a:r>
+            <a:r>
+              <a:rPr lang="en-US" altLang="zh-TW" sz="1600" dirty="0">
+                <a:latin typeface="標楷體" panose="03000509000000000000" pitchFamily="65" charset="-120"/>
+                <a:ea typeface="標楷體" panose="03000509000000000000" pitchFamily="65" charset="-120"/>
+              </a:rPr>
+              <a:t>. (2014). </a:t>
+            </a:r>
+            <a:r>
+              <a:rPr lang="zh-TW" altLang="zh-TW" sz="1600" dirty="0">
+                <a:latin typeface="標楷體" panose="03000509000000000000" pitchFamily="65" charset="-120"/>
+                <a:ea typeface="標楷體" panose="03000509000000000000" pitchFamily="65" charset="-120"/>
+              </a:rPr>
+              <a:t>室內設計的本質性</a:t>
+            </a:r>
+            <a:r>
+              <a:rPr lang="en-US" altLang="zh-TW" sz="1600" dirty="0">
+                <a:latin typeface="標楷體" panose="03000509000000000000" pitchFamily="65" charset="-120"/>
+                <a:ea typeface="標楷體" panose="03000509000000000000" pitchFamily="65" charset="-120"/>
+              </a:rPr>
+              <a:t>: </a:t>
+            </a:r>
+            <a:r>
+              <a:rPr lang="zh-TW" altLang="zh-TW" sz="1600" dirty="0">
+                <a:latin typeface="標楷體" panose="03000509000000000000" pitchFamily="65" charset="-120"/>
+                <a:ea typeface="標楷體" panose="03000509000000000000" pitchFamily="65" charset="-120"/>
+              </a:rPr>
+              <a:t>室內空間居家性之探討</a:t>
+            </a:r>
+            <a:r>
+              <a:rPr lang="en-US" altLang="zh-TW" sz="1600" dirty="0">
+                <a:latin typeface="標楷體" panose="03000509000000000000" pitchFamily="65" charset="-120"/>
+                <a:ea typeface="標楷體" panose="03000509000000000000" pitchFamily="65" charset="-120"/>
+              </a:rPr>
+              <a:t>. </a:t>
+            </a:r>
+            <a:r>
+              <a:rPr lang="zh-TW" altLang="zh-TW" sz="1600" dirty="0">
+                <a:latin typeface="標楷體" panose="03000509000000000000" pitchFamily="65" charset="-120"/>
+                <a:ea typeface="標楷體" panose="03000509000000000000" pitchFamily="65" charset="-120"/>
+              </a:rPr>
+              <a:t>中原大學室內設計研究所學位論文</a:t>
+            </a:r>
+            <a:r>
+              <a:rPr lang="en-US" altLang="zh-TW" sz="1600" dirty="0">
+                <a:latin typeface="標楷體" panose="03000509000000000000" pitchFamily="65" charset="-120"/>
+                <a:ea typeface="標楷體" panose="03000509000000000000" pitchFamily="65" charset="-120"/>
+              </a:rPr>
+              <a:t>, 1-83.</a:t>
+            </a:r>
+            <a:endParaRPr lang="zh-TW" altLang="zh-TW" sz="1600" dirty="0">
+              <a:latin typeface="標楷體" panose="03000509000000000000" pitchFamily="65" charset="-120"/>
+              <a:ea typeface="標楷體" panose="03000509000000000000" pitchFamily="65" charset="-120"/>
+            </a:endParaRPr>
+          </a:p>
+          <a:p>
+            <a:pPr marL="285750" indent="-285750">
+              <a:buFont typeface="Arial" panose="020B0604020202020204" pitchFamily="34" charset="0"/>
+              <a:buChar char="•"/>
+            </a:pPr>
+            <a:r>
+              <a:rPr lang="zh-TW" altLang="zh-TW" sz="1600" dirty="0">
+                <a:latin typeface="標楷體" panose="03000509000000000000" pitchFamily="65" charset="-120"/>
+                <a:ea typeface="標楷體" panose="03000509000000000000" pitchFamily="65" charset="-120"/>
+              </a:rPr>
+              <a:t>宋杰</a:t>
+            </a:r>
+            <a:r>
+              <a:rPr lang="en-US" altLang="zh-TW" sz="1600" dirty="0">
+                <a:latin typeface="標楷體" panose="03000509000000000000" pitchFamily="65" charset="-120"/>
+                <a:ea typeface="標楷體" panose="03000509000000000000" pitchFamily="65" charset="-120"/>
+              </a:rPr>
+              <a:t>, </a:t>
+            </a:r>
+            <a:r>
+              <a:rPr lang="zh-TW" altLang="zh-TW" sz="1600" dirty="0">
+                <a:latin typeface="標楷體" panose="03000509000000000000" pitchFamily="65" charset="-120"/>
+                <a:ea typeface="標楷體" panose="03000509000000000000" pitchFamily="65" charset="-120"/>
+              </a:rPr>
+              <a:t>肖亮</a:t>
+            </a:r>
+            <a:r>
+              <a:rPr lang="en-US" altLang="zh-TW" sz="1600" dirty="0">
+                <a:latin typeface="標楷體" panose="03000509000000000000" pitchFamily="65" charset="-120"/>
+                <a:ea typeface="標楷體" panose="03000509000000000000" pitchFamily="65" charset="-120"/>
+              </a:rPr>
+              <a:t>, </a:t>
+            </a:r>
+            <a:r>
+              <a:rPr lang="zh-TW" altLang="zh-TW" sz="1600" dirty="0">
+                <a:latin typeface="標楷體" panose="03000509000000000000" pitchFamily="65" charset="-120"/>
+                <a:ea typeface="標楷體" panose="03000509000000000000" pitchFamily="65" charset="-120"/>
+              </a:rPr>
+              <a:t>练智超</a:t>
+            </a:r>
+            <a:r>
+              <a:rPr lang="en-US" altLang="zh-TW" sz="1600" dirty="0">
+                <a:latin typeface="標楷體" panose="03000509000000000000" pitchFamily="65" charset="-120"/>
+                <a:ea typeface="標楷體" panose="03000509000000000000" pitchFamily="65" charset="-120"/>
+              </a:rPr>
+              <a:t>, </a:t>
+            </a:r>
+            <a:r>
+              <a:rPr lang="zh-TW" altLang="zh-TW" sz="1600" dirty="0">
+                <a:latin typeface="標楷體" panose="03000509000000000000" pitchFamily="65" charset="-120"/>
+                <a:ea typeface="標楷體" panose="03000509000000000000" pitchFamily="65" charset="-120"/>
+              </a:rPr>
+              <a:t>蔡子贇</a:t>
+            </a:r>
+            <a:r>
+              <a:rPr lang="en-US" altLang="zh-TW" sz="1600" dirty="0">
+                <a:latin typeface="標楷體" panose="03000509000000000000" pitchFamily="65" charset="-120"/>
+                <a:ea typeface="標楷體" panose="03000509000000000000" pitchFamily="65" charset="-120"/>
+              </a:rPr>
+              <a:t>, &amp; </a:t>
+            </a:r>
+            <a:r>
+              <a:rPr lang="zh-TW" altLang="zh-TW" sz="1600" dirty="0">
+                <a:latin typeface="標楷體" panose="03000509000000000000" pitchFamily="65" charset="-120"/>
+                <a:ea typeface="標楷體" panose="03000509000000000000" pitchFamily="65" charset="-120"/>
+              </a:rPr>
+              <a:t>蒋国平</a:t>
+            </a:r>
+            <a:r>
+              <a:rPr lang="en-US" altLang="zh-TW" sz="1600" dirty="0">
+                <a:latin typeface="標楷體" panose="03000509000000000000" pitchFamily="65" charset="-120"/>
+                <a:ea typeface="標楷體" panose="03000509000000000000" pitchFamily="65" charset="-120"/>
+              </a:rPr>
+              <a:t>. (2021). </a:t>
+            </a:r>
+            <a:r>
+              <a:rPr lang="zh-TW" altLang="zh-TW" sz="1600" dirty="0">
+                <a:latin typeface="標楷體" panose="03000509000000000000" pitchFamily="65" charset="-120"/>
+                <a:ea typeface="標楷體" panose="03000509000000000000" pitchFamily="65" charset="-120"/>
+              </a:rPr>
+              <a:t>基于深度学习的数字病理图像分割综述与展望</a:t>
+            </a:r>
+            <a:r>
+              <a:rPr lang="en-US" altLang="zh-TW" sz="1600" dirty="0">
+                <a:latin typeface="標楷體" panose="03000509000000000000" pitchFamily="65" charset="-120"/>
+                <a:ea typeface="標楷體" panose="03000509000000000000" pitchFamily="65" charset="-120"/>
+              </a:rPr>
+              <a:t>. Journal of Software, 32(5).</a:t>
+            </a:r>
+            <a:endParaRPr lang="zh-TW" altLang="zh-TW" sz="1600" dirty="0">
+              <a:latin typeface="標楷體" panose="03000509000000000000" pitchFamily="65" charset="-120"/>
+              <a:ea typeface="標楷體" panose="03000509000000000000" pitchFamily="65" charset="-120"/>
+            </a:endParaRPr>
+          </a:p>
+          <a:p>
+            <a:pPr marL="285750" indent="-285750">
+              <a:buFont typeface="Arial" panose="020B0604020202020204" pitchFamily="34" charset="0"/>
+              <a:buChar char="•"/>
+            </a:pPr>
+            <a:r>
+              <a:rPr lang="zh-TW" altLang="zh-TW" sz="1600" dirty="0">
+                <a:latin typeface="標楷體" panose="03000509000000000000" pitchFamily="65" charset="-120"/>
+                <a:ea typeface="標楷體" panose="03000509000000000000" pitchFamily="65" charset="-120"/>
+              </a:rPr>
+              <a:t>冷翊</a:t>
+            </a:r>
+            <a:r>
+              <a:rPr lang="en-US" altLang="zh-TW" sz="1600" dirty="0">
+                <a:latin typeface="標楷體" panose="03000509000000000000" pitchFamily="65" charset="-120"/>
+                <a:ea typeface="標楷體" panose="03000509000000000000" pitchFamily="65" charset="-120"/>
+              </a:rPr>
+              <a:t>(2016)</a:t>
+            </a:r>
+            <a:r>
+              <a:rPr lang="zh-TW" altLang="zh-TW" sz="1600" dirty="0">
+                <a:latin typeface="標楷體" panose="03000509000000000000" pitchFamily="65" charset="-120"/>
+                <a:ea typeface="標楷體" panose="03000509000000000000" pitchFamily="65" charset="-120"/>
+              </a:rPr>
+              <a:t>。以三維電腦繪圖為核心的室內設計流程及表現之研究。南華大學藝術與設計學院創意產品設計學系。</a:t>
+            </a:r>
+          </a:p>
+          <a:p>
+            <a:pPr marL="285750" indent="-285750">
+              <a:buFont typeface="Arial" panose="020B0604020202020204" pitchFamily="34" charset="0"/>
+              <a:buChar char="•"/>
+            </a:pPr>
+            <a:r>
+              <a:rPr lang="zh-TW" altLang="zh-TW" sz="1600" dirty="0">
+                <a:latin typeface="標楷體" panose="03000509000000000000" pitchFamily="65" charset="-120"/>
+                <a:ea typeface="標楷體" panose="03000509000000000000" pitchFamily="65" charset="-120"/>
+              </a:rPr>
+              <a:t>林庭生</a:t>
+            </a:r>
+            <a:r>
+              <a:rPr lang="en-US" altLang="zh-TW" sz="1600" dirty="0">
+                <a:latin typeface="標楷體" panose="03000509000000000000" pitchFamily="65" charset="-120"/>
+                <a:ea typeface="標楷體" panose="03000509000000000000" pitchFamily="65" charset="-120"/>
+              </a:rPr>
+              <a:t>(2021)</a:t>
+            </a:r>
+            <a:r>
+              <a:rPr lang="zh-TW" altLang="zh-TW" sz="1600" dirty="0">
+                <a:latin typeface="標楷體" panose="03000509000000000000" pitchFamily="65" charset="-120"/>
+                <a:ea typeface="標楷體" panose="03000509000000000000" pitchFamily="65" charset="-120"/>
+              </a:rPr>
+              <a:t>。以</a:t>
+            </a:r>
+            <a:r>
+              <a:rPr lang="en-US" altLang="zh-TW" sz="1600" dirty="0">
+                <a:latin typeface="標楷體" panose="03000509000000000000" pitchFamily="65" charset="-120"/>
+                <a:ea typeface="標楷體" panose="03000509000000000000" pitchFamily="65" charset="-120"/>
+              </a:rPr>
+              <a:t>Pix2Pix</a:t>
+            </a:r>
+            <a:r>
+              <a:rPr lang="zh-TW" altLang="zh-TW" sz="1600" dirty="0">
+                <a:latin typeface="標楷體" panose="03000509000000000000" pitchFamily="65" charset="-120"/>
+                <a:ea typeface="標楷體" panose="03000509000000000000" pitchFamily="65" charset="-120"/>
+              </a:rPr>
+              <a:t>與超解析度成像網路為基礎之金門老照片修復研究。國立金門大學資訊科技與應用碩士班</a:t>
+            </a:r>
+          </a:p>
+          <a:p>
+            <a:pPr marL="285750" indent="-285750">
+              <a:buFont typeface="Arial" panose="020B0604020202020204" pitchFamily="34" charset="0"/>
+              <a:buChar char="•"/>
+            </a:pPr>
+            <a:r>
+              <a:rPr lang="zh-TW" altLang="zh-TW" sz="1600" dirty="0">
+                <a:latin typeface="標楷體" panose="03000509000000000000" pitchFamily="65" charset="-120"/>
+                <a:ea typeface="標楷體" panose="03000509000000000000" pitchFamily="65" charset="-120"/>
+              </a:rPr>
+              <a:t>施旻岳（</a:t>
+            </a:r>
+            <a:r>
+              <a:rPr lang="en-US" altLang="zh-TW" sz="1600" dirty="0">
+                <a:latin typeface="標楷體" panose="03000509000000000000" pitchFamily="65" charset="-120"/>
+                <a:ea typeface="標楷體" panose="03000509000000000000" pitchFamily="65" charset="-120"/>
+              </a:rPr>
+              <a:t>2021</a:t>
+            </a:r>
+            <a:r>
+              <a:rPr lang="zh-TW" altLang="zh-TW" sz="1600" dirty="0">
+                <a:latin typeface="標楷體" panose="03000509000000000000" pitchFamily="65" charset="-120"/>
+                <a:ea typeface="標楷體" panose="03000509000000000000" pitchFamily="65" charset="-120"/>
+              </a:rPr>
+              <a:t>）。以生成對抗網路為基礎之閩式建築風格轉換研究（碩士論文）。國立金門大學資訊科技與應用碩士班。</a:t>
+            </a:r>
+          </a:p>
+          <a:p>
+            <a:pPr marL="285750" indent="-285750">
+              <a:buFont typeface="Arial" panose="020B0604020202020204" pitchFamily="34" charset="0"/>
+              <a:buChar char="•"/>
+            </a:pPr>
+            <a:r>
+              <a:rPr lang="zh-TW" altLang="zh-TW" sz="1600" dirty="0">
+                <a:latin typeface="標楷體" panose="03000509000000000000" pitchFamily="65" charset="-120"/>
+                <a:ea typeface="標楷體" panose="03000509000000000000" pitchFamily="65" charset="-120"/>
+              </a:rPr>
+              <a:t>張榮傑</a:t>
+            </a:r>
+            <a:r>
+              <a:rPr lang="en-US" altLang="zh-TW" sz="1600" dirty="0">
+                <a:latin typeface="標楷體" panose="03000509000000000000" pitchFamily="65" charset="-120"/>
+                <a:ea typeface="標楷體" panose="03000509000000000000" pitchFamily="65" charset="-120"/>
+              </a:rPr>
+              <a:t>(2015)</a:t>
+            </a:r>
+            <a:r>
+              <a:rPr lang="zh-TW" altLang="zh-TW" sz="1600" dirty="0">
+                <a:latin typeface="標楷體" panose="03000509000000000000" pitchFamily="65" charset="-120"/>
+                <a:ea typeface="標楷體" panose="03000509000000000000" pitchFamily="65" charset="-120"/>
+              </a:rPr>
+              <a:t>。基於語義分割之影片風格轉換。國立交通大學多媒體工程研究所</a:t>
+            </a:r>
+          </a:p>
+          <a:p>
+            <a:pPr marL="285750" indent="-285750">
+              <a:buFont typeface="Arial" panose="020B0604020202020204" pitchFamily="34" charset="0"/>
+              <a:buChar char="•"/>
+            </a:pPr>
+            <a:r>
+              <a:rPr lang="zh-TW" altLang="zh-TW" sz="1600" dirty="0">
+                <a:latin typeface="標楷體" panose="03000509000000000000" pitchFamily="65" charset="-120"/>
+                <a:ea typeface="標楷體" panose="03000509000000000000" pitchFamily="65" charset="-120"/>
+              </a:rPr>
+              <a:t>張峻瑋</a:t>
+            </a:r>
+            <a:r>
+              <a:rPr lang="en-US" altLang="zh-TW" sz="1600" dirty="0">
+                <a:latin typeface="標楷體" panose="03000509000000000000" pitchFamily="65" charset="-120"/>
+                <a:ea typeface="標楷體" panose="03000509000000000000" pitchFamily="65" charset="-120"/>
+              </a:rPr>
+              <a:t>. (2019). 3D </a:t>
+            </a:r>
+            <a:r>
+              <a:rPr lang="zh-TW" altLang="zh-TW" sz="1600" dirty="0">
+                <a:latin typeface="標楷體" panose="03000509000000000000" pitchFamily="65" charset="-120"/>
+                <a:ea typeface="標楷體" panose="03000509000000000000" pitchFamily="65" charset="-120"/>
+              </a:rPr>
+              <a:t>效果圖擬真度影響設計發展之視覺思考研究</a:t>
+            </a:r>
+            <a:r>
+              <a:rPr lang="en-US" altLang="zh-TW" sz="1600" dirty="0">
+                <a:latin typeface="標楷體" panose="03000509000000000000" pitchFamily="65" charset="-120"/>
+                <a:ea typeface="標楷體" panose="03000509000000000000" pitchFamily="65" charset="-120"/>
+              </a:rPr>
+              <a:t>. </a:t>
+            </a:r>
+            <a:r>
+              <a:rPr lang="zh-TW" altLang="zh-TW" sz="1600" dirty="0">
+                <a:latin typeface="標楷體" panose="03000509000000000000" pitchFamily="65" charset="-120"/>
+                <a:ea typeface="標楷體" panose="03000509000000000000" pitchFamily="65" charset="-120"/>
+              </a:rPr>
+              <a:t>中原大學室內設計研究所學位論文</a:t>
+            </a:r>
+            <a:r>
+              <a:rPr lang="en-US" altLang="zh-TW" sz="1600" dirty="0">
+                <a:latin typeface="標楷體" panose="03000509000000000000" pitchFamily="65" charset="-120"/>
+                <a:ea typeface="標楷體" panose="03000509000000000000" pitchFamily="65" charset="-120"/>
+              </a:rPr>
+              <a:t>, 1-184.</a:t>
+            </a:r>
+            <a:endParaRPr lang="zh-TW" altLang="zh-TW" sz="1600" dirty="0">
+              <a:latin typeface="標楷體" panose="03000509000000000000" pitchFamily="65" charset="-120"/>
+              <a:ea typeface="標楷體" panose="03000509000000000000" pitchFamily="65" charset="-120"/>
+            </a:endParaRPr>
+          </a:p>
+        </p:txBody>
+      </p:sp>
+    </p:spTree>
+    <p:extLst>
+      <p:ext uri="{BB962C8B-B14F-4D97-AF65-F5344CB8AC3E}">
+        <p14:creationId xmlns:p14="http://schemas.microsoft.com/office/powerpoint/2010/main" val="4198365523"/>
+      </p:ext>
+    </p:extLst>
+  </p:cSld>
+  <p:clrMapOvr>
+    <a:masterClrMapping/>
+  </p:clrMapOvr>
+  <mc:AlternateContent xmlns:mc="http://schemas.openxmlformats.org/markup-compatibility/2006" xmlns:p14="http://schemas.microsoft.com/office/powerpoint/2010/main">
+    <mc:Choice Requires="p14">
+      <p:transition p14:dur="0"/>
+    </mc:Choice>
+    <mc:Fallback xmlns="">
+      <p:transition/>
+    </mc:Fallback>
+  </mc:AlternateContent>
+  <p:timing>
+    <p:tnLst>
+      <p:par>
+        <p:cTn id="1" dur="indefinite" restart="never" nodeType="tmRoot">
+          <p:childTnLst>
+            <p:seq concurrent="1" nextAc="seek">
+              <p:cTn id="2" dur="indefinite" nodeType="mainSeq">
+                <p:childTnLst>
+                  <p:par>
+                    <p:cTn id="3" fill="hold">
+                      <p:stCondLst>
+                        <p:cond delay="indefinite"/>
+                        <p:cond evt="onBegin" delay="0">
+                          <p:tn val="2"/>
+                        </p:cond>
+                      </p:stCondLst>
+                      <p:childTnLst>
+                        <p:par>
+                          <p:cTn id="4" fill="hold">
+                            <p:stCondLst>
+                              <p:cond delay="0"/>
+                            </p:stCondLst>
+                            <p:childTnLst>
+                              <p:par>
+                                <p:cTn id="5" presetID="41" presetClass="entr" presetSubtype="0" fill="hold" grpId="0" nodeType="afterEffect">
+                                  <p:stCondLst>
+                                    <p:cond delay="0"/>
+                                  </p:stCondLst>
+                                  <p:iterate type="lt">
+                                    <p:tmPct val="10000"/>
+                                  </p:iterate>
+                                  <p:childTnLst>
+                                    <p:set>
+                                      <p:cBhvr>
+                                        <p:cTn id="6" dur="1" fill="hold">
+                                          <p:stCondLst>
+                                            <p:cond delay="0"/>
+                                          </p:stCondLst>
+                                        </p:cTn>
+                                        <p:tgtEl>
+                                          <p:spTgt spid="19"/>
+                                        </p:tgtEl>
+                                        <p:attrNameLst>
+                                          <p:attrName>style.visibility</p:attrName>
+                                        </p:attrNameLst>
+                                      </p:cBhvr>
+                                      <p:to>
+                                        <p:strVal val="visible"/>
+                                      </p:to>
+                                    </p:set>
+                                    <p:anim calcmode="lin" valueType="num">
+                                      <p:cBhvr>
+                                        <p:cTn id="7" dur="500" fill="hold"/>
+                                        <p:tgtEl>
+                                          <p:spTgt spid="19"/>
+                                        </p:tgtEl>
+                                        <p:attrNameLst>
+                                          <p:attrName>ppt_x</p:attrName>
+                                        </p:attrNameLst>
+                                      </p:cBhvr>
+                                      <p:tavLst>
+                                        <p:tav tm="0">
+                                          <p:val>
+                                            <p:strVal val="#ppt_x"/>
+                                          </p:val>
+                                        </p:tav>
+                                        <p:tav tm="50000">
+                                          <p:val>
+                                            <p:strVal val="#ppt_x+.1"/>
+                                          </p:val>
+                                        </p:tav>
+                                        <p:tav tm="100000">
+                                          <p:val>
+                                            <p:strVal val="#ppt_x"/>
+                                          </p:val>
+                                        </p:tav>
+                                      </p:tavLst>
+                                    </p:anim>
+                                    <p:anim calcmode="lin" valueType="num">
+                                      <p:cBhvr>
+                                        <p:cTn id="8" dur="500" fill="hold"/>
+                                        <p:tgtEl>
+                                          <p:spTgt spid="19"/>
+                                        </p:tgtEl>
+                                        <p:attrNameLst>
+                                          <p:attrName>ppt_y</p:attrName>
+                                        </p:attrNameLst>
+                                      </p:cBhvr>
+                                      <p:tavLst>
+                                        <p:tav tm="0">
+                                          <p:val>
+                                            <p:strVal val="#ppt_y"/>
+                                          </p:val>
+                                        </p:tav>
+                                        <p:tav tm="100000">
+                                          <p:val>
+                                            <p:strVal val="#ppt_y"/>
+                                          </p:val>
+                                        </p:tav>
+                                      </p:tavLst>
+                                    </p:anim>
+                                    <p:anim calcmode="lin" valueType="num">
+                                      <p:cBhvr>
+                                        <p:cTn id="9" dur="500" fill="hold"/>
+                                        <p:tgtEl>
+                                          <p:spTgt spid="19"/>
+                                        </p:tgtEl>
+                                        <p:attrNameLst>
+                                          <p:attrName>ppt_h</p:attrName>
+                                        </p:attrNameLst>
+                                      </p:cBhvr>
+                                      <p:tavLst>
+                                        <p:tav tm="0">
+                                          <p:val>
+                                            <p:strVal val="#ppt_h/10"/>
+                                          </p:val>
+                                        </p:tav>
+                                        <p:tav tm="50000">
+                                          <p:val>
+                                            <p:strVal val="#ppt_h+.01"/>
+                                          </p:val>
+                                        </p:tav>
+                                        <p:tav tm="100000">
+                                          <p:val>
+                                            <p:strVal val="#ppt_h"/>
+                                          </p:val>
+                                        </p:tav>
+                                      </p:tavLst>
+                                    </p:anim>
+                                    <p:anim calcmode="lin" valueType="num">
+                                      <p:cBhvr>
+                                        <p:cTn id="10" dur="500" fill="hold"/>
+                                        <p:tgtEl>
+                                          <p:spTgt spid="19"/>
+                                        </p:tgtEl>
+                                        <p:attrNameLst>
+                                          <p:attrName>ppt_w</p:attrName>
+                                        </p:attrNameLst>
+                                      </p:cBhvr>
+                                      <p:tavLst>
+                                        <p:tav tm="0">
+                                          <p:val>
+                                            <p:strVal val="#ppt_w/10"/>
+                                          </p:val>
+                                        </p:tav>
+                                        <p:tav tm="50000">
+                                          <p:val>
+                                            <p:strVal val="#ppt_w+.01"/>
+                                          </p:val>
+                                        </p:tav>
+                                        <p:tav tm="100000">
+                                          <p:val>
+                                            <p:strVal val="#ppt_w"/>
+                                          </p:val>
+                                        </p:tav>
+                                      </p:tavLst>
+                                    </p:anim>
+                                    <p:animEffect transition="in" filter="fade">
+                                      <p:cBhvr>
+                                        <p:cTn id="11" dur="500" tmFilter="0,0; .5, 1; 1, 1"/>
+                                        <p:tgtEl>
+                                          <p:spTgt spid="19"/>
+                                        </p:tgtEl>
+                                      </p:cBhvr>
+                                    </p:animEffect>
+                                  </p:childTnLst>
+                                </p:cTn>
+                              </p:par>
+                            </p:childTnLst>
+                          </p:cTn>
+                        </p:par>
+                        <p:par>
+                          <p:cTn id="12" fill="hold">
+                            <p:stCondLst>
+                              <p:cond delay="650"/>
+                            </p:stCondLst>
+                            <p:childTnLst>
+                              <p:par>
+                                <p:cTn id="13" presetID="22" presetClass="entr" presetSubtype="8" fill="hold" nodeType="afterEffect">
+                                  <p:stCondLst>
+                                    <p:cond delay="0"/>
+                                  </p:stCondLst>
+                                  <p:childTnLst>
+                                    <p:set>
+                                      <p:cBhvr>
+                                        <p:cTn id="14" dur="1" fill="hold">
+                                          <p:stCondLst>
+                                            <p:cond delay="0"/>
+                                          </p:stCondLst>
+                                        </p:cTn>
+                                        <p:tgtEl>
+                                          <p:spTgt spid="16"/>
+                                        </p:tgtEl>
+                                        <p:attrNameLst>
+                                          <p:attrName>style.visibility</p:attrName>
+                                        </p:attrNameLst>
+                                      </p:cBhvr>
+                                      <p:to>
+                                        <p:strVal val="visible"/>
+                                      </p:to>
+                                    </p:set>
+                                    <p:animEffect transition="in" filter="wipe(left)">
+                                      <p:cBhvr>
+                                        <p:cTn id="15" dur="300"/>
+                                        <p:tgtEl>
+                                          <p:spTgt spid="16"/>
+                                        </p:tgtEl>
+                                      </p:cBhvr>
+                                    </p:animEffect>
+                                  </p:childTnLst>
+                                </p:cTn>
+                              </p:par>
+                            </p:childTnLst>
+                          </p:cTn>
+                        </p:par>
+                        <p:par>
+                          <p:cTn id="16" fill="hold">
+                            <p:stCondLst>
+                              <p:cond delay="950"/>
+                            </p:stCondLst>
+                            <p:childTnLst>
+                              <p:par>
+                                <p:cTn id="17" presetID="53" presetClass="entr" presetSubtype="528" fill="hold" grpId="0" nodeType="afterEffect">
+                                  <p:stCondLst>
+                                    <p:cond delay="0"/>
+                                  </p:stCondLst>
+                                  <p:childTnLst>
+                                    <p:set>
+                                      <p:cBhvr>
+                                        <p:cTn id="18" dur="1" fill="hold">
+                                          <p:stCondLst>
+                                            <p:cond delay="0"/>
+                                          </p:stCondLst>
+                                        </p:cTn>
+                                        <p:tgtEl>
+                                          <p:spTgt spid="27"/>
+                                        </p:tgtEl>
+                                        <p:attrNameLst>
+                                          <p:attrName>style.visibility</p:attrName>
+                                        </p:attrNameLst>
+                                      </p:cBhvr>
+                                      <p:to>
+                                        <p:strVal val="visible"/>
+                                      </p:to>
+                                    </p:set>
+                                    <p:anim calcmode="lin" valueType="num">
+                                      <p:cBhvr>
+                                        <p:cTn id="19" dur="500" fill="hold"/>
+                                        <p:tgtEl>
+                                          <p:spTgt spid="27"/>
+                                        </p:tgtEl>
+                                        <p:attrNameLst>
+                                          <p:attrName>ppt_w</p:attrName>
+                                        </p:attrNameLst>
+                                      </p:cBhvr>
+                                      <p:tavLst>
+                                        <p:tav tm="0">
+                                          <p:val>
+                                            <p:fltVal val="0"/>
+                                          </p:val>
+                                        </p:tav>
+                                        <p:tav tm="100000">
+                                          <p:val>
+                                            <p:strVal val="#ppt_w"/>
+                                          </p:val>
+                                        </p:tav>
+                                      </p:tavLst>
+                                    </p:anim>
+                                    <p:anim calcmode="lin" valueType="num">
+                                      <p:cBhvr>
+                                        <p:cTn id="20" dur="500" fill="hold"/>
+                                        <p:tgtEl>
+                                          <p:spTgt spid="27"/>
+                                        </p:tgtEl>
+                                        <p:attrNameLst>
+                                          <p:attrName>ppt_h</p:attrName>
+                                        </p:attrNameLst>
+                                      </p:cBhvr>
+                                      <p:tavLst>
+                                        <p:tav tm="0">
+                                          <p:val>
+                                            <p:fltVal val="0"/>
+                                          </p:val>
+                                        </p:tav>
+                                        <p:tav tm="100000">
+                                          <p:val>
+                                            <p:strVal val="#ppt_h"/>
+                                          </p:val>
+                                        </p:tav>
+                                      </p:tavLst>
+                                    </p:anim>
+                                    <p:animEffect transition="in" filter="fade">
+                                      <p:cBhvr>
+                                        <p:cTn id="21" dur="500"/>
+                                        <p:tgtEl>
+                                          <p:spTgt spid="27"/>
+                                        </p:tgtEl>
+                                      </p:cBhvr>
+                                    </p:animEffect>
+                                    <p:anim calcmode="lin" valueType="num">
+                                      <p:cBhvr>
+                                        <p:cTn id="22" dur="500" fill="hold"/>
+                                        <p:tgtEl>
+                                          <p:spTgt spid="27"/>
+                                        </p:tgtEl>
+                                        <p:attrNameLst>
+                                          <p:attrName>ppt_x</p:attrName>
+                                        </p:attrNameLst>
+                                      </p:cBhvr>
+                                      <p:tavLst>
+                                        <p:tav tm="0">
+                                          <p:val>
+                                            <p:fltVal val="0.5"/>
+                                          </p:val>
+                                        </p:tav>
+                                        <p:tav tm="100000">
+                                          <p:val>
+                                            <p:strVal val="#ppt_x"/>
+                                          </p:val>
+                                        </p:tav>
+                                      </p:tavLst>
+                                    </p:anim>
+                                    <p:anim calcmode="lin" valueType="num">
+                                      <p:cBhvr>
+                                        <p:cTn id="23" dur="500" fill="hold"/>
+                                        <p:tgtEl>
+                                          <p:spTgt spid="27"/>
+                                        </p:tgtEl>
+                                        <p:attrNameLst>
+                                          <p:attrName>ppt_y</p:attrName>
+                                        </p:attrNameLst>
+                                      </p:cBhvr>
+                                      <p:tavLst>
+                                        <p:tav tm="0">
+                                          <p:val>
+                                            <p:fltVal val="0.5"/>
+                                          </p:val>
+                                        </p:tav>
+                                        <p:tav tm="100000">
+                                          <p:val>
+                                            <p:strVal val="#ppt_y"/>
+                                          </p:val>
+                                        </p:tav>
+                                      </p:tavLst>
+                                    </p:anim>
+                                  </p:childTnLst>
+                                </p:cTn>
+                              </p:par>
+                            </p:childTnLst>
+                          </p:cTn>
+                        </p:par>
+                        <p:par>
+                          <p:cTn id="24" fill="hold">
+                            <p:stCondLst>
+                              <p:cond delay="1450"/>
+                            </p:stCondLst>
+                            <p:childTnLst>
+                              <p:par>
+                                <p:cTn id="25" presetID="2" presetClass="entr" presetSubtype="2" fill="hold" grpId="0" nodeType="afterEffect">
+                                  <p:stCondLst>
+                                    <p:cond delay="0"/>
+                                  </p:stCondLst>
+                                  <p:childTnLst>
+                                    <p:set>
+                                      <p:cBhvr>
+                                        <p:cTn id="26" dur="1" fill="hold">
+                                          <p:stCondLst>
+                                            <p:cond delay="0"/>
+                                          </p:stCondLst>
+                                        </p:cTn>
+                                        <p:tgtEl>
+                                          <p:spTgt spid="35"/>
+                                        </p:tgtEl>
+                                        <p:attrNameLst>
+                                          <p:attrName>style.visibility</p:attrName>
+                                        </p:attrNameLst>
+                                      </p:cBhvr>
+                                      <p:to>
+                                        <p:strVal val="visible"/>
+                                      </p:to>
+                                    </p:set>
+                                    <p:anim calcmode="lin" valueType="num">
+                                      <p:cBhvr additive="base">
+                                        <p:cTn id="27" dur="500" fill="hold"/>
+                                        <p:tgtEl>
+                                          <p:spTgt spid="35"/>
+                                        </p:tgtEl>
+                                        <p:attrNameLst>
+                                          <p:attrName>ppt_x</p:attrName>
+                                        </p:attrNameLst>
+                                      </p:cBhvr>
+                                      <p:tavLst>
+                                        <p:tav tm="0">
+                                          <p:val>
+                                            <p:strVal val="1+#ppt_w/2"/>
+                                          </p:val>
+                                        </p:tav>
+                                        <p:tav tm="100000">
+                                          <p:val>
+                                            <p:strVal val="#ppt_x"/>
+                                          </p:val>
+                                        </p:tav>
+                                      </p:tavLst>
+                                    </p:anim>
+                                    <p:anim calcmode="lin" valueType="num">
+                                      <p:cBhvr additive="base">
+                                        <p:cTn id="28" dur="500" fill="hold"/>
+                                        <p:tgtEl>
+                                          <p:spTgt spid="35"/>
+                                        </p:tgtEl>
+                                        <p:attrNameLst>
+                                          <p:attrName>ppt_y</p:attrName>
+                                        </p:attrNameLst>
+                                      </p:cBhvr>
+                                      <p:tavLst>
+                                        <p:tav tm="0">
+                                          <p:val>
+                                            <p:strVal val="#ppt_y"/>
+                                          </p:val>
+                                        </p:tav>
+                                        <p:tav tm="100000">
+                                          <p:val>
+                                            <p:strVal val="#ppt_y"/>
+                                          </p:val>
+                                        </p:tav>
+                                      </p:tavLst>
+                                    </p:anim>
+                                  </p:childTnLst>
+                                </p:cTn>
+                              </p:par>
+                            </p:childTnLst>
+                          </p:cTn>
+                        </p:par>
+                      </p:childTnLst>
+                    </p:cTn>
+                  </p:par>
+                </p:childTnLst>
+              </p:cTn>
+              <p:prevCondLst>
+                <p:cond evt="onPrev" delay="0">
+                  <p:tgtEl>
+                    <p:sldTgt/>
+                  </p:tgtEl>
+                </p:cond>
+              </p:prevCondLst>
+              <p:nextCondLst>
+                <p:cond evt="onNext" delay="0">
+                  <p:tgtEl>
+                    <p:sldTgt/>
+                  </p:tgtEl>
+                </p:cond>
+              </p:nextCondLst>
+            </p:seq>
+          </p:childTnLst>
+        </p:cTn>
+      </p:par>
+    </p:tnLst>
+    <p:bldLst>
+      <p:bldP spid="19" grpId="0"/>
+      <p:bldP spid="27" grpId="0"/>
+      <p:bldP spid="35" grpId="0"/>
+    </p:bldLst>
+  </p:timing>
+</p:sld>
+</file>
+
+<file path=ppt/slides/slide47.xml><?xml version="1.0" encoding="utf-8"?>
+<p:sld xmlns:a="http://schemas.openxmlformats.org/drawingml/2006/main" xmlns:r="http://schemas.openxmlformats.org/officeDocument/2006/relationships" xmlns:p="http://schemas.openxmlformats.org/presentationml/2006/main">
+  <p:cSld>
+    <p:spTree>
+      <p:nvGrpSpPr>
+        <p:cNvPr id="1" name=""/>
+        <p:cNvGrpSpPr/>
+        <p:nvPr/>
+      </p:nvGrpSpPr>
+      <p:grpSpPr>
+        <a:xfrm>
+          <a:off x="0" y="0"/>
+          <a:ext cx="0" cy="0"/>
+          <a:chOff x="0" y="0"/>
+          <a:chExt cx="0" cy="0"/>
+        </a:xfrm>
+      </p:grpSpPr>
+      <p:sp>
+        <p:nvSpPr>
+          <p:cNvPr id="19" name="文本框 15"/>
+          <p:cNvSpPr txBox="1"/>
+          <p:nvPr/>
+        </p:nvSpPr>
+        <p:spPr>
+          <a:xfrm>
+            <a:off x="709386" y="309785"/>
+            <a:ext cx="2261711" cy="330860"/>
+          </a:xfrm>
+          <a:prstGeom prst="rect">
+            <a:avLst/>
+          </a:prstGeom>
+          <a:noFill/>
+        </p:spPr>
+        <p:txBody>
+          <a:bodyPr wrap="square" lIns="68580" tIns="34290" rIns="68580" bIns="34290" rtlCol="0">
+            <a:spAutoFit/>
+          </a:bodyPr>
+          <a:lstStyle/>
+          <a:p>
+            <a:r>
+              <a:rPr lang="zh-TW" altLang="en-US" sz="1700" b="1" dirty="0" smtClean="0">
+                <a:solidFill>
+                  <a:srgbClr val="1B4367"/>
+                </a:solidFill>
+                <a:cs typeface="+mn-ea"/>
+                <a:sym typeface="+mn-lt"/>
+              </a:rPr>
+              <a:t>參考文獻</a:t>
+            </a:r>
+            <a:endParaRPr lang="zh-CN" altLang="en-US" sz="1700" b="1" dirty="0">
+              <a:solidFill>
+                <a:srgbClr val="1B4367"/>
+              </a:solidFill>
+              <a:cs typeface="+mn-ea"/>
+              <a:sym typeface="+mn-lt"/>
+            </a:endParaRPr>
+          </a:p>
+        </p:txBody>
+      </p:sp>
+      <p:sp>
+        <p:nvSpPr>
+          <p:cNvPr id="27" name="文本框 31"/>
+          <p:cNvSpPr txBox="1"/>
+          <p:nvPr/>
+        </p:nvSpPr>
+        <p:spPr>
+          <a:xfrm>
+            <a:off x="1254737" y="911124"/>
+            <a:ext cx="2600712" cy="807913"/>
+          </a:xfrm>
+          <a:prstGeom prst="rect">
+            <a:avLst/>
+          </a:prstGeom>
+          <a:noFill/>
+        </p:spPr>
+        <p:txBody>
+          <a:bodyPr wrap="none" lIns="68580" tIns="34290" rIns="68580" bIns="34290" rtlCol="0">
+            <a:spAutoFit/>
+          </a:bodyPr>
+          <a:lstStyle/>
+          <a:p>
+            <a:r>
+              <a:rPr lang="zh-CN" altLang="zh-CN" sz="4800" b="1" dirty="0">
+                <a:solidFill>
+                  <a:srgbClr val="1B4367"/>
+                </a:solidFill>
+              </a:rPr>
+              <a:t>参</a:t>
+            </a:r>
+            <a:r>
+              <a:rPr lang="zh-CN" altLang="zh-CN" sz="4800" b="1" dirty="0" smtClean="0">
+                <a:solidFill>
+                  <a:srgbClr val="1B4367"/>
+                </a:solidFill>
+              </a:rPr>
+              <a:t>考</a:t>
+            </a:r>
+            <a:r>
+              <a:rPr lang="zh-TW" altLang="en-US" sz="4800" b="1" dirty="0">
+                <a:solidFill>
+                  <a:srgbClr val="1B4367"/>
+                </a:solidFill>
+              </a:rPr>
+              <a:t>文獻</a:t>
+            </a:r>
+            <a:endParaRPr lang="zh-CN" altLang="en-US" sz="4800" b="1" dirty="0">
+              <a:solidFill>
+                <a:srgbClr val="1B4367"/>
+              </a:solidFill>
+            </a:endParaRPr>
+          </a:p>
+        </p:txBody>
+      </p:sp>
+      <p:cxnSp>
+        <p:nvCxnSpPr>
+          <p:cNvPr id="16" name="直接连接符 15"/>
+          <p:cNvCxnSpPr/>
+          <p:nvPr/>
+        </p:nvCxnSpPr>
+        <p:spPr>
+          <a:xfrm>
+            <a:off x="774478" y="657417"/>
+            <a:ext cx="480259" cy="0"/>
+          </a:xfrm>
+          <a:prstGeom prst="line">
+            <a:avLst/>
+          </a:prstGeom>
+          <a:ln w="9525">
+            <a:solidFill>
+              <a:srgbClr val="1B4367"/>
+            </a:solidFill>
+          </a:ln>
+        </p:spPr>
+        <p:style>
+          <a:lnRef idx="1">
+            <a:schemeClr val="accent1"/>
+          </a:lnRef>
+          <a:fillRef idx="0">
+            <a:schemeClr val="accent1"/>
+          </a:fillRef>
+          <a:effectRef idx="0">
+            <a:schemeClr val="accent1"/>
+          </a:effectRef>
+          <a:fontRef idx="minor">
+            <a:schemeClr val="tx1"/>
+          </a:fontRef>
+        </p:style>
+      </p:cxnSp>
+      <p:sp>
+        <p:nvSpPr>
+          <p:cNvPr id="35" name="文本框 19"/>
+          <p:cNvSpPr txBox="1"/>
+          <p:nvPr/>
+        </p:nvSpPr>
+        <p:spPr>
+          <a:xfrm>
+            <a:off x="1014607" y="1719037"/>
             <a:ext cx="7650195" cy="2039020"/>
           </a:xfrm>
           <a:prstGeom prst="rect">
@@ -31512,7 +32107,7 @@
 </p:sld>
 </file>
 
-<file path=ppt/slides/slide47.xml><?xml version="1.0" encoding="utf-8"?>
+<file path=ppt/slides/slide48.xml><?xml version="1.0" encoding="utf-8"?>
 <p:sld xmlns:a="http://schemas.openxmlformats.org/drawingml/2006/main" xmlns:r="http://schemas.openxmlformats.org/officeDocument/2006/relationships" xmlns:p="http://schemas.openxmlformats.org/presentationml/2006/main">
   <p:cSld>
     <p:bg>
@@ -31751,14 +32346,14 @@
       </p:grpSpPr>
       <p:sp>
         <p:nvSpPr>
-          <p:cNvPr id="20493" name="TextBox 13"/>
+          <p:cNvPr id="20494" name="TextBox 13"/>
           <p:cNvSpPr txBox="1"/>
           <p:nvPr/>
         </p:nvSpPr>
         <p:spPr>
           <a:xfrm>
-            <a:off x="871788" y="1124684"/>
-            <a:ext cx="2249364" cy="307777"/>
+            <a:off x="871788" y="1636699"/>
+            <a:ext cx="7162740" cy="1477328"/>
           </a:xfrm>
           <a:prstGeom prst="rect">
             <a:avLst/>
@@ -31775,57 +32370,13 @@
           </a:bodyPr>
           <a:lstStyle/>
           <a:p>
-            <a:pPr defTabSz="683419">
-              <a:spcBef>
-                <a:spcPct val="20000"/>
-              </a:spcBef>
+            <a:pPr marL="285750" indent="-285750">
+              <a:lnSpc>
+                <a:spcPct val="150000"/>
+              </a:lnSpc>
+              <a:buFont typeface="Arial" panose="020B0604020202020204" pitchFamily="34" charset="0"/>
+              <a:buChar char="•"/>
             </a:pPr>
-            <a:r>
-              <a:rPr lang="zh-TW" altLang="en-US" sz="2000" b="1" dirty="0" smtClean="0">
-                <a:solidFill>
-                  <a:srgbClr val="1B4367"/>
-                </a:solidFill>
-                <a:cs typeface="+mn-ea"/>
-                <a:sym typeface="+mn-lt"/>
-              </a:rPr>
-              <a:t>三維模型</a:t>
-            </a:r>
-            <a:endParaRPr lang="zh-CN" altLang="en-US" sz="2000" b="1" dirty="0">
-              <a:solidFill>
-                <a:srgbClr val="1B4367"/>
-              </a:solidFill>
-              <a:cs typeface="+mn-ea"/>
-              <a:sym typeface="+mn-lt"/>
-            </a:endParaRPr>
-          </a:p>
-        </p:txBody>
-      </p:sp>
-      <p:sp>
-        <p:nvSpPr>
-          <p:cNvPr id="20494" name="TextBox 13"/>
-          <p:cNvSpPr txBox="1"/>
-          <p:nvPr/>
-        </p:nvSpPr>
-        <p:spPr>
-          <a:xfrm>
-            <a:off x="871788" y="1636699"/>
-            <a:ext cx="7162740" cy="984885"/>
-          </a:xfrm>
-          <a:prstGeom prst="rect">
-            <a:avLst/>
-          </a:prstGeom>
-          <a:noFill/>
-          <a:ln w="9525">
-            <a:noFill/>
-            <a:miter/>
-          </a:ln>
-        </p:spPr>
-        <p:txBody>
-          <a:bodyPr wrap="square" lIns="0" tIns="0" rIns="0" bIns="0">
-            <a:spAutoFit/>
-          </a:bodyPr>
-          <a:lstStyle/>
-          <a:p>
             <a:r>
               <a:rPr lang="zh-TW" altLang="zh-TW" sz="1600" dirty="0">
                 <a:latin typeface="+mn-ea"/>
@@ -31845,25 +32396,37 @@
               <a:t>設計圖、透視圖、等方式進行設計</a:t>
             </a:r>
             <a:r>
-              <a:rPr lang="zh-TW" altLang="en-US" sz="1600" dirty="0">
+              <a:rPr lang="zh-TW" altLang="en-US" sz="1600" dirty="0" smtClean="0">
                 <a:latin typeface="+mn-ea"/>
               </a:rPr>
               <a:t>表現</a:t>
             </a:r>
-          </a:p>
-          <a:p>
             <a:endParaRPr lang="en-US" altLang="zh-TW" sz="1600" dirty="0" smtClean="0">
               <a:latin typeface="微軟正黑體" panose="020B0604030504040204" pitchFamily="34" charset="-120"/>
               <a:ea typeface="微軟正黑體" panose="020B0604030504040204" pitchFamily="34" charset="-120"/>
             </a:endParaRPr>
           </a:p>
           <a:p>
+            <a:pPr marL="285750" indent="-285750">
+              <a:lnSpc>
+                <a:spcPct val="150000"/>
+              </a:lnSpc>
+              <a:buFont typeface="Arial" panose="020B0604020202020204" pitchFamily="34" charset="0"/>
+              <a:buChar char="•"/>
+            </a:pPr>
             <a:r>
               <a:rPr lang="zh-TW" altLang="en-US" sz="1600" dirty="0" smtClean="0">
                 <a:latin typeface="微軟正黑體" panose="020B0604030504040204" pitchFamily="34" charset="-120"/>
                 <a:ea typeface="微軟正黑體" panose="020B0604030504040204" pitchFamily="34" charset="-120"/>
               </a:rPr>
-              <a:t>三維模型，也稱作</a:t>
+              <a:t>現今則利用三</a:t>
+            </a:r>
+            <a:r>
+              <a:rPr lang="zh-TW" altLang="en-US" sz="1600" dirty="0" smtClean="0">
+                <a:latin typeface="微軟正黑體" panose="020B0604030504040204" pitchFamily="34" charset="-120"/>
+                <a:ea typeface="微軟正黑體" panose="020B0604030504040204" pitchFamily="34" charset="-120"/>
+              </a:rPr>
+              <a:t>維模型，也稱作</a:t>
             </a:r>
             <a:r>
               <a:rPr lang="en-US" altLang="zh-TW" sz="1600" dirty="0" smtClean="0">
@@ -31877,8 +32440,21 @@
                 <a:latin typeface="微軟正黑體" panose="020B0604030504040204" pitchFamily="34" charset="-120"/>
                 <a:ea typeface="微軟正黑體" panose="020B0604030504040204" pitchFamily="34" charset="-120"/>
               </a:rPr>
-              <a:t>模型</a:t>
-            </a:r>
+              <a:t>模型進行表現</a:t>
+            </a:r>
+            <a:endParaRPr lang="en-US" altLang="zh-TW" sz="1600" dirty="0" smtClean="0">
+              <a:latin typeface="微軟正黑體" panose="020B0604030504040204" pitchFamily="34" charset="-120"/>
+              <a:ea typeface="微軟正黑體" panose="020B0604030504040204" pitchFamily="34" charset="-120"/>
+            </a:endParaRPr>
+          </a:p>
+          <a:p>
+            <a:pPr marL="285750" indent="-285750">
+              <a:lnSpc>
+                <a:spcPct val="150000"/>
+              </a:lnSpc>
+              <a:buFont typeface="Arial" panose="020B0604020202020204" pitchFamily="34" charset="0"/>
+              <a:buChar char="•"/>
+            </a:pPr>
             <a:r>
               <a:rPr lang="zh-TW" altLang="en-US" sz="1600" dirty="0" smtClean="0">
                 <a:solidFill>
@@ -31890,7 +32466,20 @@
                 <a:cs typeface="+mn-ea"/>
                 <a:sym typeface="+mn-lt"/>
               </a:rPr>
-              <a:t>，至今已有大量繪圖軟體能輕鬆製作</a:t>
+              <a:t>至今</a:t>
+            </a:r>
+            <a:r>
+              <a:rPr lang="zh-TW" altLang="en-US" sz="1600" dirty="0" smtClean="0">
+                <a:solidFill>
+                  <a:schemeClr val="tx1">
+                    <a:lumMod val="75000"/>
+                    <a:lumOff val="25000"/>
+                  </a:schemeClr>
+                </a:solidFill>
+                <a:cs typeface="+mn-ea"/>
+                <a:sym typeface="+mn-lt"/>
+              </a:rPr>
+              <a:t>已有大量繪圖軟體能輕鬆製作</a:t>
             </a:r>
             <a:r>
               <a:rPr lang="en-US" altLang="zh-TW" sz="1600" dirty="0" smtClean="0">
@@ -31930,6 +32519,13 @@
             </a:endParaRPr>
           </a:p>
           <a:p>
+            <a:pPr marL="285750" indent="-285750">
+              <a:lnSpc>
+                <a:spcPct val="150000"/>
+              </a:lnSpc>
+              <a:buFont typeface="Arial" panose="020B0604020202020204" pitchFamily="34" charset="0"/>
+              <a:buChar char="•"/>
+            </a:pPr>
             <a:r>
               <a:rPr lang="zh-TW" altLang="en-US" sz="1600" dirty="0" smtClean="0">
                 <a:solidFill>
@@ -32237,6 +32833,57 @@
                   <a:lumMod val="75000"/>
                   <a:lumOff val="25000"/>
                 </a:schemeClr>
+              </a:solidFill>
+              <a:cs typeface="+mn-ea"/>
+              <a:sym typeface="+mn-lt"/>
+            </a:endParaRPr>
+          </a:p>
+        </p:txBody>
+      </p:sp>
+      <p:sp>
+        <p:nvSpPr>
+          <p:cNvPr id="8" name="TextBox 13"/>
+          <p:cNvSpPr txBox="1"/>
+          <p:nvPr/>
+        </p:nvSpPr>
+        <p:spPr>
+          <a:xfrm>
+            <a:off x="871788" y="1124684"/>
+            <a:ext cx="2249364" cy="307777"/>
+          </a:xfrm>
+          <a:prstGeom prst="rect">
+            <a:avLst/>
+          </a:prstGeom>
+          <a:noFill/>
+          <a:ln w="9525">
+            <a:noFill/>
+            <a:miter/>
+          </a:ln>
+        </p:spPr>
+        <p:txBody>
+          <a:bodyPr wrap="square" lIns="0" tIns="0" rIns="0" bIns="0">
+            <a:spAutoFit/>
+          </a:bodyPr>
+          <a:lstStyle/>
+          <a:p>
+            <a:pPr defTabSz="683419">
+              <a:spcBef>
+                <a:spcPct val="20000"/>
+              </a:spcBef>
+            </a:pPr>
+            <a:r>
+              <a:rPr lang="zh-TW" altLang="en-US" sz="2000" b="1" dirty="0" smtClean="0">
+                <a:solidFill>
+                  <a:srgbClr val="1B4367"/>
+                </a:solidFill>
+                <a:cs typeface="+mn-ea"/>
+                <a:sym typeface="+mn-lt"/>
+              </a:rPr>
+              <a:t>室內設計的發展</a:t>
+            </a:r>
+            <a:endParaRPr lang="zh-CN" altLang="en-US" sz="2000" b="1" dirty="0">
+              <a:solidFill>
+                <a:srgbClr val="1B4367"/>
               </a:solidFill>
               <a:cs typeface="+mn-ea"/>
               <a:sym typeface="+mn-lt"/>

--- a/論文/論文初審.pptx
+++ b/論文/論文初審.pptx
@@ -258,7 +258,7 @@
           <a:p>
             <a:fld id="{0F9B84EA-7D68-4D60-9CB1-D50884785D1C}" type="datetimeFigureOut">
               <a:rPr lang="zh-CN" altLang="en-US" smtClean="0"/>
-              <a:t>2022/1/10</a:t>
+              <a:t>2022/1/11</a:t>
             </a:fld>
             <a:endParaRPr lang="zh-CN" altLang="en-US"/>
           </a:p>
@@ -423,7 +423,7 @@
           <a:p>
             <a:fld id="{D2A48B96-639E-45A3-A0BA-2464DFDB1FAA}" type="datetimeFigureOut">
               <a:rPr lang="zh-CN" altLang="en-US" smtClean="0"/>
-              <a:t>2022/1/10</a:t>
+              <a:t>2022/1/11</a:t>
             </a:fld>
             <a:endParaRPr lang="zh-CN" altLang="en-US"/>
           </a:p>
@@ -7580,19 +7580,7 @@
                 <a:ea typeface="+mn-ea"/>
                 <a:cs typeface="+mn-cs"/>
               </a:rPr>
-              <a:t>室內設計的概念起源於美國，於經濟發展的需求演化而來，原本人們蓋建築物的目的只是為求居住，而之後慢慢延伸出使用者的需求或為了更改內部環境而開始考量室內設計。後來室內裝潢逐漸延伸出考慮到生活品質、居住品質、心理層面、視覺等因素，使人類能在生活、起居、心理、視覺等各方面得到無比的滿足，現在每個人住的家裡，成長過程都扮演著重要的腳色，因此室內設計在現今的社會上已成了無法缺少的一塊產業</a:t>
-            </a:r>
-            <a:r>
-              <a:rPr lang="zh-TW" altLang="zh-TW" sz="900" kern="1200" dirty="0" smtClean="0">
-                <a:solidFill>
-                  <a:schemeClr val="tx1"/>
-                </a:solidFill>
-                <a:effectLst/>
-                <a:latin typeface="+mn-lt"/>
-                <a:ea typeface="+mn-ea"/>
-                <a:cs typeface="+mn-cs"/>
-              </a:rPr>
-              <a:t>。</a:t>
+              <a:t>室內設計的概念起源於美國，於經濟發展的需求演化而來，原本人們蓋建築物的目的只是為求居住，而之後慢慢延伸出使用者的需求或為了更改內部環境而開始考量室內設計。後來室內裝潢逐漸延伸出考慮到生活品質、居住品質、心理層面、視覺等因素，使人類能在生活、起居、心理、視覺等各方面得到無比的滿足，現在每個人住的家裡，成長過程都扮演著重要的腳色，因此室內設計在現今的社會上已成了無法缺少的一塊產業。</a:t>
             </a:r>
             <a:endParaRPr lang="zh-TW" altLang="zh-TW" sz="900" kern="1200" dirty="0">
               <a:solidFill>
@@ -9252,10 +9240,10 @@
                 <a:ea typeface="+mn-ea"/>
                 <a:cs typeface="+mn-cs"/>
               </a:rPr>
-              <a:t>像，而這是</a:t>
-            </a:r>
-            <a:r>
-              <a:rPr lang="zh-TW" altLang="en-US" sz="900" kern="1200" dirty="0" smtClean="0">
+              <a:t>像，而這是用生成對抗網路來完成的，</a:t>
+            </a:r>
+            <a:r>
+              <a:rPr lang="zh-TW" altLang="zh-TW" sz="900" kern="1200" dirty="0" smtClean="0">
                 <a:solidFill>
                   <a:schemeClr val="tx1"/>
                 </a:solidFill>
@@ -9264,31 +9252,7 @@
                 <a:ea typeface="+mn-ea"/>
                 <a:cs typeface="+mn-cs"/>
               </a:rPr>
-              <a:t>用生成對抗網路來完成的，</a:t>
-            </a:r>
-            <a:r>
-              <a:rPr lang="zh-TW" altLang="zh-TW" sz="900" kern="1200" dirty="0" smtClean="0">
-                <a:solidFill>
-                  <a:schemeClr val="tx1"/>
-                </a:solidFill>
-                <a:effectLst/>
-                <a:latin typeface="+mn-lt"/>
-                <a:ea typeface="+mn-ea"/>
-                <a:cs typeface="+mn-cs"/>
-              </a:rPr>
-              <a:t>但市面</a:t>
-            </a:r>
-            <a:r>
-              <a:rPr lang="zh-TW" altLang="zh-TW" sz="900" kern="1200" dirty="0" smtClean="0">
-                <a:solidFill>
-                  <a:schemeClr val="tx1"/>
-                </a:solidFill>
-                <a:effectLst/>
-                <a:latin typeface="+mn-lt"/>
-                <a:ea typeface="+mn-ea"/>
-                <a:cs typeface="+mn-cs"/>
-              </a:rPr>
-              <a:t>上</a:t>
+              <a:t>但市面上</a:t>
             </a:r>
             <a:r>
               <a:rPr lang="zh-TW" altLang="en-US" sz="900" kern="1200" dirty="0" smtClean="0">
@@ -9975,7 +9939,7 @@
           <a:p>
             <a:fld id="{82F288E0-7875-42C4-84C8-98DBBD3BF4D2}" type="datetimeFigureOut">
               <a:rPr lang="zh-CN" altLang="en-US" smtClean="0"/>
-              <a:t>2022/1/10</a:t>
+              <a:t>2022/1/11</a:t>
             </a:fld>
             <a:endParaRPr lang="zh-CN" altLang="en-US"/>
           </a:p>
@@ -10129,7 +10093,7 @@
           <a:p>
             <a:fld id="{82F288E0-7875-42C4-84C8-98DBBD3BF4D2}" type="datetimeFigureOut">
               <a:rPr lang="zh-CN" altLang="en-US" smtClean="0"/>
-              <a:t>2022/1/10</a:t>
+              <a:t>2022/1/11</a:t>
             </a:fld>
             <a:endParaRPr lang="zh-CN" altLang="en-US"/>
           </a:p>
@@ -10416,7 +10380,7 @@
           <a:p>
             <a:fld id="{82F288E0-7875-42C4-84C8-98DBBD3BF4D2}" type="datetimeFigureOut">
               <a:rPr lang="zh-CN" altLang="en-US" smtClean="0"/>
-              <a:t>2022/1/10</a:t>
+              <a:t>2022/1/11</a:t>
             </a:fld>
             <a:endParaRPr lang="zh-CN" altLang="en-US"/>
           </a:p>
@@ -10650,7 +10614,7 @@
           <a:p>
             <a:fld id="{82F288E0-7875-42C4-84C8-98DBBD3BF4D2}" type="datetimeFigureOut">
               <a:rPr lang="zh-CN" altLang="en-US" smtClean="0"/>
-              <a:t>2022/1/10</a:t>
+              <a:t>2022/1/11</a:t>
             </a:fld>
             <a:endParaRPr lang="zh-CN" altLang="en-US"/>
           </a:p>
@@ -11012,7 +10976,7 @@
           <a:p>
             <a:fld id="{82F288E0-7875-42C4-84C8-98DBBD3BF4D2}" type="datetimeFigureOut">
               <a:rPr lang="zh-CN" altLang="en-US" smtClean="0"/>
-              <a:t>2022/1/10</a:t>
+              <a:t>2022/1/11</a:t>
             </a:fld>
             <a:endParaRPr lang="zh-CN" altLang="en-US"/>
           </a:p>
@@ -11125,7 +11089,7 @@
           <a:p>
             <a:fld id="{82F288E0-7875-42C4-84C8-98DBBD3BF4D2}" type="datetimeFigureOut">
               <a:rPr lang="zh-CN" altLang="en-US" smtClean="0"/>
-              <a:t>2022/1/10</a:t>
+              <a:t>2022/1/11</a:t>
             </a:fld>
             <a:endParaRPr lang="zh-CN" altLang="en-US"/>
           </a:p>
@@ -11215,7 +11179,7 @@
           <a:p>
             <a:fld id="{82F288E0-7875-42C4-84C8-98DBBD3BF4D2}" type="datetimeFigureOut">
               <a:rPr lang="zh-CN" altLang="en-US" smtClean="0"/>
-              <a:t>2022/1/10</a:t>
+              <a:t>2022/1/11</a:t>
             </a:fld>
             <a:endParaRPr lang="zh-CN" altLang="en-US"/>
           </a:p>
@@ -11463,7 +11427,7 @@
           <a:p>
             <a:fld id="{82F288E0-7875-42C4-84C8-98DBBD3BF4D2}" type="datetimeFigureOut">
               <a:rPr lang="zh-CN" altLang="en-US" smtClean="0"/>
-              <a:t>2022/1/10</a:t>
+              <a:t>2022/1/11</a:t>
             </a:fld>
             <a:endParaRPr lang="zh-CN" altLang="en-US"/>
           </a:p>
@@ -11638,7 +11602,7 @@
           <a:p>
             <a:fld id="{82F288E0-7875-42C4-84C8-98DBBD3BF4D2}" type="datetimeFigureOut">
               <a:rPr lang="zh-CN" altLang="en-US" smtClean="0"/>
-              <a:t>2022/1/10</a:t>
+              <a:t>2022/1/11</a:t>
             </a:fld>
             <a:endParaRPr lang="zh-CN" altLang="en-US"/>
           </a:p>
@@ -11851,7 +11815,7 @@
           <a:p>
             <a:fld id="{82F288E0-7875-42C4-84C8-98DBBD3BF4D2}" type="datetimeFigureOut">
               <a:rPr lang="zh-CN" altLang="en-US" smtClean="0"/>
-              <a:t>2022/1/10</a:t>
+              <a:t>2022/1/11</a:t>
             </a:fld>
             <a:endParaRPr lang="zh-CN" altLang="en-US"/>
           </a:p>
@@ -12473,7 +12437,7 @@
               <a:t>廖秀莉 </a:t>
             </a:r>
             <a:r>
-              <a:rPr lang="zh-TW" altLang="en-US" sz="1200" dirty="0" smtClean="0">
+              <a:rPr lang="zh-TW" altLang="en-US" sz="1200" dirty="0">
                 <a:solidFill>
                   <a:schemeClr val="tx1">
                     <a:lumMod val="75000"/>
@@ -12483,7 +12447,7 @@
                 <a:cs typeface="+mn-ea"/>
                 <a:sym typeface="+mn-lt"/>
               </a:rPr>
-              <a:t>教授</a:t>
+              <a:t>博士</a:t>
             </a:r>
             <a:endParaRPr lang="zh-CN" altLang="en-US" sz="1200" dirty="0">
               <a:solidFill>
@@ -14273,7 +14237,7 @@
           <p:cNvPr id="7" name="表格 5">
             <a:extLst>
               <a:ext uri="{FF2B5EF4-FFF2-40B4-BE49-F238E27FC236}">
-                <a16:creationId xmlns:a16="http://schemas.microsoft.com/office/drawing/2014/main" xmlns="" id="{202A9B48-7C02-4B9F-A694-D9D167DDE433}"/>
+                <a16:creationId xmlns="" xmlns:a16="http://schemas.microsoft.com/office/drawing/2014/main" id="{202A9B48-7C02-4B9F-A694-D9D167DDE433}"/>
               </a:ext>
             </a:extLst>
           </p:cNvPr>
@@ -14300,21 +14264,21 @@
                 <a:gridCol w="1439100">
                   <a:extLst>
                     <a:ext uri="{9D8B030D-6E8A-4147-A177-3AD203B41FA5}">
-                      <a16:colId xmlns:a16="http://schemas.microsoft.com/office/drawing/2014/main" xmlns="" val="1313235057"/>
+                      <a16:colId xmlns="" xmlns:a16="http://schemas.microsoft.com/office/drawing/2014/main" val="1313235057"/>
                     </a:ext>
                   </a:extLst>
                 </a:gridCol>
                 <a:gridCol w="2365537">
                   <a:extLst>
                     <a:ext uri="{9D8B030D-6E8A-4147-A177-3AD203B41FA5}">
-                      <a16:colId xmlns:a16="http://schemas.microsoft.com/office/drawing/2014/main" xmlns="" val="3498442498"/>
+                      <a16:colId xmlns="" xmlns:a16="http://schemas.microsoft.com/office/drawing/2014/main" val="3498442498"/>
                     </a:ext>
                   </a:extLst>
                 </a:gridCol>
                 <a:gridCol w="3597777">
                   <a:extLst>
                     <a:ext uri="{9D8B030D-6E8A-4147-A177-3AD203B41FA5}">
-                      <a16:colId xmlns:a16="http://schemas.microsoft.com/office/drawing/2014/main" xmlns="" val="2798367762"/>
+                      <a16:colId xmlns="" xmlns:a16="http://schemas.microsoft.com/office/drawing/2014/main" val="2798367762"/>
                     </a:ext>
                   </a:extLst>
                 </a:gridCol>
@@ -14466,7 +14430,7 @@
                 </a:tc>
                 <a:extLst>
                   <a:ext uri="{0D108BD9-81ED-4DB2-BD59-A6C34878D82A}">
-                    <a16:rowId xmlns:a16="http://schemas.microsoft.com/office/drawing/2014/main" xmlns="" val="43767920"/>
+                    <a16:rowId xmlns="" xmlns:a16="http://schemas.microsoft.com/office/drawing/2014/main" val="43767920"/>
                   </a:ext>
                 </a:extLst>
               </a:tr>
@@ -14672,7 +14636,7 @@
                 </a:tc>
                 <a:extLst>
                   <a:ext uri="{0D108BD9-81ED-4DB2-BD59-A6C34878D82A}">
-                    <a16:rowId xmlns:a16="http://schemas.microsoft.com/office/drawing/2014/main" xmlns="" val="881114521"/>
+                    <a16:rowId xmlns="" xmlns:a16="http://schemas.microsoft.com/office/drawing/2014/main" val="881114521"/>
                   </a:ext>
                 </a:extLst>
               </a:tr>
@@ -14834,7 +14798,7 @@
                 </a:tc>
                 <a:extLst>
                   <a:ext uri="{0D108BD9-81ED-4DB2-BD59-A6C34878D82A}">
-                    <a16:rowId xmlns:a16="http://schemas.microsoft.com/office/drawing/2014/main" xmlns="" val="3889943358"/>
+                    <a16:rowId xmlns="" xmlns:a16="http://schemas.microsoft.com/office/drawing/2014/main" val="3889943358"/>
                   </a:ext>
                 </a:extLst>
               </a:tr>
@@ -17799,7 +17763,7 @@
           <p:cNvPr id="6" name="表格 5">
             <a:extLst>
               <a:ext uri="{FF2B5EF4-FFF2-40B4-BE49-F238E27FC236}">
-                <a16:creationId xmlns:a16="http://schemas.microsoft.com/office/drawing/2014/main" xmlns="" id="{202A9B48-7C02-4B9F-A694-D9D167DDE433}"/>
+                <a16:creationId xmlns="" xmlns:a16="http://schemas.microsoft.com/office/drawing/2014/main" id="{202A9B48-7C02-4B9F-A694-D9D167DDE433}"/>
               </a:ext>
             </a:extLst>
           </p:cNvPr>
@@ -17826,21 +17790,21 @@
                 <a:gridCol w="1728799">
                   <a:extLst>
                     <a:ext uri="{9D8B030D-6E8A-4147-A177-3AD203B41FA5}">
-                      <a16:colId xmlns:a16="http://schemas.microsoft.com/office/drawing/2014/main" xmlns="" val="1313235057"/>
+                      <a16:colId xmlns="" xmlns:a16="http://schemas.microsoft.com/office/drawing/2014/main" val="1313235057"/>
                     </a:ext>
                   </a:extLst>
                 </a:gridCol>
                 <a:gridCol w="2508718">
                   <a:extLst>
                     <a:ext uri="{9D8B030D-6E8A-4147-A177-3AD203B41FA5}">
-                      <a16:colId xmlns:a16="http://schemas.microsoft.com/office/drawing/2014/main" xmlns="" val="3498442498"/>
+                      <a16:colId xmlns="" xmlns:a16="http://schemas.microsoft.com/office/drawing/2014/main" val="3498442498"/>
                     </a:ext>
                   </a:extLst>
                 </a:gridCol>
                 <a:gridCol w="3597777">
                   <a:extLst>
                     <a:ext uri="{9D8B030D-6E8A-4147-A177-3AD203B41FA5}">
-                      <a16:colId xmlns:a16="http://schemas.microsoft.com/office/drawing/2014/main" xmlns="" val="2798367762"/>
+                      <a16:colId xmlns="" xmlns:a16="http://schemas.microsoft.com/office/drawing/2014/main" val="2798367762"/>
                     </a:ext>
                   </a:extLst>
                 </a:gridCol>
@@ -18142,7 +18106,7 @@
                 </a:tc>
                 <a:extLst>
                   <a:ext uri="{0D108BD9-81ED-4DB2-BD59-A6C34878D82A}">
-                    <a16:rowId xmlns:a16="http://schemas.microsoft.com/office/drawing/2014/main" xmlns="" val="43767920"/>
+                    <a16:rowId xmlns="" xmlns:a16="http://schemas.microsoft.com/office/drawing/2014/main" val="43767920"/>
                   </a:ext>
                 </a:extLst>
               </a:tr>
@@ -18391,7 +18355,7 @@
                 </a:tc>
                 <a:extLst>
                   <a:ext uri="{0D108BD9-81ED-4DB2-BD59-A6C34878D82A}">
-                    <a16:rowId xmlns:a16="http://schemas.microsoft.com/office/drawing/2014/main" xmlns="" val="881114521"/>
+                    <a16:rowId xmlns="" xmlns:a16="http://schemas.microsoft.com/office/drawing/2014/main" val="881114521"/>
                   </a:ext>
                 </a:extLst>
               </a:tr>
@@ -21174,7 +21138,7 @@
           <p:cNvPr id="5" name="表格 4">
             <a:extLst>
               <a:ext uri="{FF2B5EF4-FFF2-40B4-BE49-F238E27FC236}">
-                <a16:creationId xmlns:a16="http://schemas.microsoft.com/office/drawing/2014/main" xmlns="" id="{202A9B48-7C02-4B9F-A694-D9D167DDE433}"/>
+                <a16:creationId xmlns="" xmlns:a16="http://schemas.microsoft.com/office/drawing/2014/main" id="{202A9B48-7C02-4B9F-A694-D9D167DDE433}"/>
               </a:ext>
             </a:extLst>
           </p:cNvPr>
@@ -21201,21 +21165,21 @@
                 <a:gridCol w="1728799">
                   <a:extLst>
                     <a:ext uri="{9D8B030D-6E8A-4147-A177-3AD203B41FA5}">
-                      <a16:colId xmlns:a16="http://schemas.microsoft.com/office/drawing/2014/main" xmlns="" val="1313235057"/>
+                      <a16:colId xmlns="" xmlns:a16="http://schemas.microsoft.com/office/drawing/2014/main" val="1313235057"/>
                     </a:ext>
                   </a:extLst>
                 </a:gridCol>
                 <a:gridCol w="2508718">
                   <a:extLst>
                     <a:ext uri="{9D8B030D-6E8A-4147-A177-3AD203B41FA5}">
-                      <a16:colId xmlns:a16="http://schemas.microsoft.com/office/drawing/2014/main" xmlns="" val="3498442498"/>
+                      <a16:colId xmlns="" xmlns:a16="http://schemas.microsoft.com/office/drawing/2014/main" val="3498442498"/>
                     </a:ext>
                   </a:extLst>
                 </a:gridCol>
                 <a:gridCol w="3597777">
                   <a:extLst>
                     <a:ext uri="{9D8B030D-6E8A-4147-A177-3AD203B41FA5}">
-                      <a16:colId xmlns:a16="http://schemas.microsoft.com/office/drawing/2014/main" xmlns="" val="2798367762"/>
+                      <a16:colId xmlns="" xmlns:a16="http://schemas.microsoft.com/office/drawing/2014/main" val="2798367762"/>
                     </a:ext>
                   </a:extLst>
                 </a:gridCol>
@@ -21397,7 +21361,7 @@
                 </a:tc>
                 <a:extLst>
                   <a:ext uri="{0D108BD9-81ED-4DB2-BD59-A6C34878D82A}">
-                    <a16:rowId xmlns:a16="http://schemas.microsoft.com/office/drawing/2014/main" xmlns="" val="43767920"/>
+                    <a16:rowId xmlns="" xmlns:a16="http://schemas.microsoft.com/office/drawing/2014/main" val="43767920"/>
                   </a:ext>
                 </a:extLst>
               </a:tr>
@@ -21702,7 +21666,7 @@
                 </a:tc>
                 <a:extLst>
                   <a:ext uri="{0D108BD9-81ED-4DB2-BD59-A6C34878D82A}">
-                    <a16:rowId xmlns:a16="http://schemas.microsoft.com/office/drawing/2014/main" xmlns="" val="881114521"/>
+                    <a16:rowId xmlns="" xmlns:a16="http://schemas.microsoft.com/office/drawing/2014/main" val="881114521"/>
                   </a:ext>
                 </a:extLst>
               </a:tr>
@@ -25147,31 +25111,19 @@
               <a:rPr lang="zh-TW" altLang="zh-TW" sz="1600" dirty="0" smtClean="0">
                 <a:latin typeface="+mn-ea"/>
               </a:rPr>
-              <a:t>後來室內設計逐漸</a:t>
+              <a:t>後來室內設計逐漸從</a:t>
+            </a:r>
+            <a:r>
+              <a:rPr lang="zh-TW" altLang="en-US" sz="1600" dirty="0" smtClean="0">
+                <a:latin typeface="+mn-ea"/>
+              </a:rPr>
+              <a:t>只求居住</a:t>
             </a:r>
             <a:r>
               <a:rPr lang="zh-TW" altLang="zh-TW" sz="1600" dirty="0" smtClean="0">
                 <a:latin typeface="+mn-ea"/>
               </a:rPr>
-              <a:t>從</a:t>
-            </a:r>
-            <a:r>
-              <a:rPr lang="zh-TW" altLang="en-US" sz="1600" dirty="0" smtClean="0">
-                <a:latin typeface="+mn-ea"/>
-              </a:rPr>
-              <a:t>只求居住</a:t>
-            </a:r>
-            <a:r>
-              <a:rPr lang="zh-TW" altLang="zh-TW" sz="1600" dirty="0" smtClean="0">
-                <a:latin typeface="+mn-ea"/>
-              </a:rPr>
-              <a:t>，延伸</a:t>
-            </a:r>
-            <a:r>
-              <a:rPr lang="zh-TW" altLang="zh-TW" sz="1600" dirty="0" smtClean="0">
-                <a:latin typeface="+mn-ea"/>
-              </a:rPr>
-              <a:t>出考慮到生活品質、居住品質、心理層面、視覺等因素，使人類能在生活、起居、心理、視覺等各方面得到無比的滿足，因此室內設計在現今的社會上已成了無法缺少的一塊產業。</a:t>
+              <a:t>，延伸出考慮到生活品質、居住品質、心理層面、視覺等因素，使人類能在生活、起居、心理、視覺等各方面得到無比的滿足，因此室內設計在現今的社會上已成了無法缺少的一塊產業。</a:t>
             </a:r>
           </a:p>
           <a:p>
@@ -32419,14 +32371,7 @@
                 <a:latin typeface="微軟正黑體" panose="020B0604030504040204" pitchFamily="34" charset="-120"/>
                 <a:ea typeface="微軟正黑體" panose="020B0604030504040204" pitchFamily="34" charset="-120"/>
               </a:rPr>
-              <a:t>現今則利用三</a:t>
-            </a:r>
-            <a:r>
-              <a:rPr lang="zh-TW" altLang="en-US" sz="1600" dirty="0" smtClean="0">
-                <a:latin typeface="微軟正黑體" panose="020B0604030504040204" pitchFamily="34" charset="-120"/>
-                <a:ea typeface="微軟正黑體" panose="020B0604030504040204" pitchFamily="34" charset="-120"/>
-              </a:rPr>
-              <a:t>維模型，也稱作</a:t>
+              <a:t>現今則利用三維模型，也稱作</a:t>
             </a:r>
             <a:r>
               <a:rPr lang="en-US" altLang="zh-TW" sz="1600" dirty="0" smtClean="0">
@@ -32466,20 +32411,7 @@
                 <a:cs typeface="+mn-ea"/>
                 <a:sym typeface="+mn-lt"/>
               </a:rPr>
-              <a:t>至今</a:t>
-            </a:r>
-            <a:r>
-              <a:rPr lang="zh-TW" altLang="en-US" sz="1600" dirty="0" smtClean="0">
-                <a:solidFill>
-                  <a:schemeClr val="tx1">
-                    <a:lumMod val="75000"/>
-                    <a:lumOff val="25000"/>
-                  </a:schemeClr>
-                </a:solidFill>
-                <a:cs typeface="+mn-ea"/>
-                <a:sym typeface="+mn-lt"/>
-              </a:rPr>
-              <a:t>已有大量繪圖軟體能輕鬆製作</a:t>
+              <a:t>至今已有大量繪圖軟體能輕鬆製作</a:t>
             </a:r>
             <a:r>
               <a:rPr lang="en-US" altLang="zh-TW" sz="1600" dirty="0" smtClean="0">

--- a/論文/論文初審.pptx
+++ b/論文/論文初審.pptx
@@ -19,7 +19,7 @@
     <p:sldId id="296" r:id="rId7"/>
     <p:sldId id="295" r:id="rId8"/>
     <p:sldId id="301" r:id="rId9"/>
-    <p:sldId id="304" r:id="rId10"/>
+    <p:sldId id="408" r:id="rId10"/>
     <p:sldId id="303" r:id="rId11"/>
     <p:sldId id="285" r:id="rId12"/>
     <p:sldId id="406" r:id="rId13"/>
@@ -9798,7 +9798,7 @@
     </p:spTree>
     <p:extLst>
       <p:ext uri="{BB962C8B-B14F-4D97-AF65-F5344CB8AC3E}">
-        <p14:creationId xmlns:p14="http://schemas.microsoft.com/office/powerpoint/2010/main" val="917460584"/>
+        <p14:creationId xmlns:p14="http://schemas.microsoft.com/office/powerpoint/2010/main" val="1480039401"/>
       </p:ext>
     </p:extLst>
   </p:cSld>
@@ -14237,7 +14237,7 @@
           <p:cNvPr id="7" name="表格 5">
             <a:extLst>
               <a:ext uri="{FF2B5EF4-FFF2-40B4-BE49-F238E27FC236}">
-                <a16:creationId xmlns="" xmlns:a16="http://schemas.microsoft.com/office/drawing/2014/main" id="{202A9B48-7C02-4B9F-A694-D9D167DDE433}"/>
+                <a16:creationId xmlns:a16="http://schemas.microsoft.com/office/drawing/2014/main" xmlns="" id="{202A9B48-7C02-4B9F-A694-D9D167DDE433}"/>
               </a:ext>
             </a:extLst>
           </p:cNvPr>
@@ -14264,21 +14264,21 @@
                 <a:gridCol w="1439100">
                   <a:extLst>
                     <a:ext uri="{9D8B030D-6E8A-4147-A177-3AD203B41FA5}">
-                      <a16:colId xmlns="" xmlns:a16="http://schemas.microsoft.com/office/drawing/2014/main" val="1313235057"/>
+                      <a16:colId xmlns:a16="http://schemas.microsoft.com/office/drawing/2014/main" xmlns="" val="1313235057"/>
                     </a:ext>
                   </a:extLst>
                 </a:gridCol>
                 <a:gridCol w="2365537">
                   <a:extLst>
                     <a:ext uri="{9D8B030D-6E8A-4147-A177-3AD203B41FA5}">
-                      <a16:colId xmlns="" xmlns:a16="http://schemas.microsoft.com/office/drawing/2014/main" val="3498442498"/>
+                      <a16:colId xmlns:a16="http://schemas.microsoft.com/office/drawing/2014/main" xmlns="" val="3498442498"/>
                     </a:ext>
                   </a:extLst>
                 </a:gridCol>
                 <a:gridCol w="3597777">
                   <a:extLst>
                     <a:ext uri="{9D8B030D-6E8A-4147-A177-3AD203B41FA5}">
-                      <a16:colId xmlns="" xmlns:a16="http://schemas.microsoft.com/office/drawing/2014/main" val="2798367762"/>
+                      <a16:colId xmlns:a16="http://schemas.microsoft.com/office/drawing/2014/main" xmlns="" val="2798367762"/>
                     </a:ext>
                   </a:extLst>
                 </a:gridCol>
@@ -14430,7 +14430,7 @@
                 </a:tc>
                 <a:extLst>
                   <a:ext uri="{0D108BD9-81ED-4DB2-BD59-A6C34878D82A}">
-                    <a16:rowId xmlns="" xmlns:a16="http://schemas.microsoft.com/office/drawing/2014/main" val="43767920"/>
+                    <a16:rowId xmlns:a16="http://schemas.microsoft.com/office/drawing/2014/main" xmlns="" val="43767920"/>
                   </a:ext>
                 </a:extLst>
               </a:tr>
@@ -14636,7 +14636,7 @@
                 </a:tc>
                 <a:extLst>
                   <a:ext uri="{0D108BD9-81ED-4DB2-BD59-A6C34878D82A}">
-                    <a16:rowId xmlns="" xmlns:a16="http://schemas.microsoft.com/office/drawing/2014/main" val="881114521"/>
+                    <a16:rowId xmlns:a16="http://schemas.microsoft.com/office/drawing/2014/main" xmlns="" val="881114521"/>
                   </a:ext>
                 </a:extLst>
               </a:tr>
@@ -14798,7 +14798,7 @@
                 </a:tc>
                 <a:extLst>
                   <a:ext uri="{0D108BD9-81ED-4DB2-BD59-A6C34878D82A}">
-                    <a16:rowId xmlns="" xmlns:a16="http://schemas.microsoft.com/office/drawing/2014/main" val="3889943358"/>
+                    <a16:rowId xmlns:a16="http://schemas.microsoft.com/office/drawing/2014/main" xmlns="" val="3889943358"/>
                   </a:ext>
                 </a:extLst>
               </a:tr>
@@ -17763,7 +17763,7 @@
           <p:cNvPr id="6" name="表格 5">
             <a:extLst>
               <a:ext uri="{FF2B5EF4-FFF2-40B4-BE49-F238E27FC236}">
-                <a16:creationId xmlns="" xmlns:a16="http://schemas.microsoft.com/office/drawing/2014/main" id="{202A9B48-7C02-4B9F-A694-D9D167DDE433}"/>
+                <a16:creationId xmlns:a16="http://schemas.microsoft.com/office/drawing/2014/main" xmlns="" id="{202A9B48-7C02-4B9F-A694-D9D167DDE433}"/>
               </a:ext>
             </a:extLst>
           </p:cNvPr>
@@ -17790,21 +17790,21 @@
                 <a:gridCol w="1728799">
                   <a:extLst>
                     <a:ext uri="{9D8B030D-6E8A-4147-A177-3AD203B41FA5}">
-                      <a16:colId xmlns="" xmlns:a16="http://schemas.microsoft.com/office/drawing/2014/main" val="1313235057"/>
+                      <a16:colId xmlns:a16="http://schemas.microsoft.com/office/drawing/2014/main" xmlns="" val="1313235057"/>
                     </a:ext>
                   </a:extLst>
                 </a:gridCol>
                 <a:gridCol w="2508718">
                   <a:extLst>
                     <a:ext uri="{9D8B030D-6E8A-4147-A177-3AD203B41FA5}">
-                      <a16:colId xmlns="" xmlns:a16="http://schemas.microsoft.com/office/drawing/2014/main" val="3498442498"/>
+                      <a16:colId xmlns:a16="http://schemas.microsoft.com/office/drawing/2014/main" xmlns="" val="3498442498"/>
                     </a:ext>
                   </a:extLst>
                 </a:gridCol>
                 <a:gridCol w="3597777">
                   <a:extLst>
                     <a:ext uri="{9D8B030D-6E8A-4147-A177-3AD203B41FA5}">
-                      <a16:colId xmlns="" xmlns:a16="http://schemas.microsoft.com/office/drawing/2014/main" val="2798367762"/>
+                      <a16:colId xmlns:a16="http://schemas.microsoft.com/office/drawing/2014/main" xmlns="" val="2798367762"/>
                     </a:ext>
                   </a:extLst>
                 </a:gridCol>
@@ -18106,7 +18106,7 @@
                 </a:tc>
                 <a:extLst>
                   <a:ext uri="{0D108BD9-81ED-4DB2-BD59-A6C34878D82A}">
-                    <a16:rowId xmlns="" xmlns:a16="http://schemas.microsoft.com/office/drawing/2014/main" val="43767920"/>
+                    <a16:rowId xmlns:a16="http://schemas.microsoft.com/office/drawing/2014/main" xmlns="" val="43767920"/>
                   </a:ext>
                 </a:extLst>
               </a:tr>
@@ -18355,7 +18355,7 @@
                 </a:tc>
                 <a:extLst>
                   <a:ext uri="{0D108BD9-81ED-4DB2-BD59-A6C34878D82A}">
-                    <a16:rowId xmlns="" xmlns:a16="http://schemas.microsoft.com/office/drawing/2014/main" val="881114521"/>
+                    <a16:rowId xmlns:a16="http://schemas.microsoft.com/office/drawing/2014/main" xmlns="" val="881114521"/>
                   </a:ext>
                 </a:extLst>
               </a:tr>
@@ -21138,7 +21138,7 @@
           <p:cNvPr id="5" name="表格 4">
             <a:extLst>
               <a:ext uri="{FF2B5EF4-FFF2-40B4-BE49-F238E27FC236}">
-                <a16:creationId xmlns="" xmlns:a16="http://schemas.microsoft.com/office/drawing/2014/main" id="{202A9B48-7C02-4B9F-A694-D9D167DDE433}"/>
+                <a16:creationId xmlns:a16="http://schemas.microsoft.com/office/drawing/2014/main" xmlns="" id="{202A9B48-7C02-4B9F-A694-D9D167DDE433}"/>
               </a:ext>
             </a:extLst>
           </p:cNvPr>
@@ -21165,21 +21165,21 @@
                 <a:gridCol w="1728799">
                   <a:extLst>
                     <a:ext uri="{9D8B030D-6E8A-4147-A177-3AD203B41FA5}">
-                      <a16:colId xmlns="" xmlns:a16="http://schemas.microsoft.com/office/drawing/2014/main" val="1313235057"/>
+                      <a16:colId xmlns:a16="http://schemas.microsoft.com/office/drawing/2014/main" xmlns="" val="1313235057"/>
                     </a:ext>
                   </a:extLst>
                 </a:gridCol>
                 <a:gridCol w="2508718">
                   <a:extLst>
                     <a:ext uri="{9D8B030D-6E8A-4147-A177-3AD203B41FA5}">
-                      <a16:colId xmlns="" xmlns:a16="http://schemas.microsoft.com/office/drawing/2014/main" val="3498442498"/>
+                      <a16:colId xmlns:a16="http://schemas.microsoft.com/office/drawing/2014/main" xmlns="" val="3498442498"/>
                     </a:ext>
                   </a:extLst>
                 </a:gridCol>
                 <a:gridCol w="3597777">
                   <a:extLst>
                     <a:ext uri="{9D8B030D-6E8A-4147-A177-3AD203B41FA5}">
-                      <a16:colId xmlns="" xmlns:a16="http://schemas.microsoft.com/office/drawing/2014/main" val="2798367762"/>
+                      <a16:colId xmlns:a16="http://schemas.microsoft.com/office/drawing/2014/main" xmlns="" val="2798367762"/>
                     </a:ext>
                   </a:extLst>
                 </a:gridCol>
@@ -21361,7 +21361,7 @@
                 </a:tc>
                 <a:extLst>
                   <a:ext uri="{0D108BD9-81ED-4DB2-BD59-A6C34878D82A}">
-                    <a16:rowId xmlns="" xmlns:a16="http://schemas.microsoft.com/office/drawing/2014/main" val="43767920"/>
+                    <a16:rowId xmlns:a16="http://schemas.microsoft.com/office/drawing/2014/main" xmlns="" val="43767920"/>
                   </a:ext>
                 </a:extLst>
               </a:tr>
@@ -21666,7 +21666,7 @@
                 </a:tc>
                 <a:extLst>
                   <a:ext uri="{0D108BD9-81ED-4DB2-BD59-A6C34878D82A}">
-                    <a16:rowId xmlns="" xmlns:a16="http://schemas.microsoft.com/office/drawing/2014/main" val="881114521"/>
+                    <a16:rowId xmlns:a16="http://schemas.microsoft.com/office/drawing/2014/main" xmlns="" val="881114521"/>
                   </a:ext>
                 </a:extLst>
               </a:tr>
@@ -33955,8 +33955,8 @@
         </p:nvSpPr>
         <p:spPr>
           <a:xfrm>
-            <a:off x="774479" y="1256218"/>
-            <a:ext cx="7784306" cy="923330"/>
+            <a:off x="774479" y="1629448"/>
+            <a:ext cx="7784306" cy="738664"/>
           </a:xfrm>
           <a:prstGeom prst="rect">
             <a:avLst/>
@@ -33973,8 +33973,12 @@
           </a:bodyPr>
           <a:lstStyle/>
           <a:p>
-            <a:r>
-              <a:rPr lang="zh-TW" altLang="zh-TW" sz="2000" dirty="0"/>
+            <a:pPr marL="285750" indent="-285750">
+              <a:buFont typeface="Wingdings" panose="05000000000000000000" pitchFamily="2" charset="2"/>
+              <a:buChar char="Ø"/>
+            </a:pPr>
+            <a:r>
+              <a:rPr lang="zh-TW" altLang="zh-TW" sz="1600" dirty="0"/>
               <a:t>最後希望透過本研究訓練出來的模型，能夠快速地將三維模型轉換為真實照片，解決時間、技術以及金錢問題以滿足客戶需求，讓沒有設計能力的人也能得到所需的照片。</a:t>
             </a:r>
           </a:p>
@@ -33988,7 +33992,7 @@
         </p:nvGrpSpPr>
         <p:grpSpPr>
           <a:xfrm>
-            <a:off x="929456" y="2493122"/>
+            <a:off x="937845" y="2525594"/>
             <a:ext cx="6629025" cy="1861292"/>
             <a:chOff x="426116" y="2407641"/>
             <a:chExt cx="8503653" cy="2232000"/>
@@ -34110,12 +34114,50 @@
               <a:t>(</a:t>
             </a:r>
             <a:r>
-              <a:rPr lang="zh-TW" altLang="en-US" sz="1600" smtClean="0"/>
+              <a:rPr lang="zh-TW" altLang="en-US" sz="1600" dirty="0" smtClean="0"/>
               <a:t>右</a:t>
             </a:r>
             <a:r>
-              <a:rPr lang="en-US" altLang="zh-TW" sz="1600" smtClean="0"/>
+              <a:rPr lang="en-US" altLang="zh-TW" sz="1600" dirty="0" smtClean="0"/>
               <a:t>)</a:t>
+            </a:r>
+            <a:endParaRPr lang="zh-TW" altLang="zh-TW" sz="1600" dirty="0"/>
+          </a:p>
+        </p:txBody>
+      </p:sp>
+      <p:sp>
+        <p:nvSpPr>
+          <p:cNvPr id="10" name="TextBox 13"/>
+          <p:cNvSpPr txBox="1"/>
+          <p:nvPr/>
+        </p:nvSpPr>
+        <p:spPr>
+          <a:xfrm>
+            <a:off x="774479" y="1173208"/>
+            <a:ext cx="7784306" cy="246221"/>
+          </a:xfrm>
+          <a:prstGeom prst="rect">
+            <a:avLst/>
+          </a:prstGeom>
+          <a:noFill/>
+          <a:ln w="9525">
+            <a:noFill/>
+            <a:miter/>
+          </a:ln>
+        </p:spPr>
+        <p:txBody>
+          <a:bodyPr wrap="square" lIns="0" tIns="0" rIns="0" bIns="0">
+            <a:spAutoFit/>
+          </a:bodyPr>
+          <a:lstStyle/>
+          <a:p>
+            <a:pPr marL="285750" indent="-285750">
+              <a:buFont typeface="Wingdings" panose="05000000000000000000" pitchFamily="2" charset="2"/>
+              <a:buChar char="Ø"/>
+            </a:pPr>
+            <a:r>
+              <a:rPr lang="zh-TW" altLang="en-US" sz="1600" dirty="0" smtClean="0"/>
+              <a:t>語義分割與影像濾波對圖片生成是否會有好的效果</a:t>
             </a:r>
             <a:endParaRPr lang="zh-TW" altLang="zh-TW" sz="1600" dirty="0"/>
           </a:p>
@@ -34124,7 +34166,7 @@
     </p:spTree>
     <p:extLst>
       <p:ext uri="{BB962C8B-B14F-4D97-AF65-F5344CB8AC3E}">
-        <p14:creationId xmlns:p14="http://schemas.microsoft.com/office/powerpoint/2010/main" val="534954020"/>
+        <p14:creationId xmlns:p14="http://schemas.microsoft.com/office/powerpoint/2010/main" val="3075231813"/>
       </p:ext>
     </p:extLst>
   </p:cSld>

--- a/論文/論文初審.pptx
+++ b/論文/論文初審.pptx
@@ -260,7 +260,7 @@
           <a:p>
             <a:fld id="{0F9B84EA-7D68-4D60-9CB1-D50884785D1C}" type="datetimeFigureOut">
               <a:rPr lang="zh-CN" altLang="en-US" smtClean="0"/>
-              <a:t>2022/1/11</a:t>
+              <a:t>2022/1/12</a:t>
             </a:fld>
             <a:endParaRPr lang="zh-CN" altLang="en-US"/>
           </a:p>
@@ -425,7 +425,7 @@
           <a:p>
             <a:fld id="{D2A48B96-639E-45A3-A0BA-2464DFDB1FAA}" type="datetimeFigureOut">
               <a:rPr lang="zh-CN" altLang="en-US" smtClean="0"/>
-              <a:t>2022/1/11</a:t>
+              <a:t>2022/1/12</a:t>
             </a:fld>
             <a:endParaRPr lang="zh-CN" altLang="en-US"/>
           </a:p>
@@ -896,31 +896,7 @@
                 <a:ea typeface="+mn-ea"/>
                 <a:cs typeface="+mn-cs"/>
               </a:rPr>
-              <a:t>最後</a:t>
-            </a:r>
-            <a:r>
-              <a:rPr lang="zh-TW" altLang="zh-TW" sz="900" kern="1200" dirty="0" smtClean="0">
-                <a:solidFill>
-                  <a:schemeClr val="tx1"/>
-                </a:solidFill>
-                <a:effectLst/>
-                <a:latin typeface="+mn-lt"/>
-                <a:ea typeface="+mn-ea"/>
-                <a:cs typeface="+mn-cs"/>
-              </a:rPr>
-              <a:t>希望透過本研究訓練出來的模型，能夠快速地將三維模型轉換為真實照片，解決時間、技術以及金錢問題以滿足客戶需求，讓沒有設計能力的人也能得到所需的</a:t>
-            </a:r>
-            <a:r>
-              <a:rPr lang="zh-TW" altLang="zh-TW" sz="900" kern="1200" dirty="0" smtClean="0">
-                <a:solidFill>
-                  <a:schemeClr val="tx1"/>
-                </a:solidFill>
-                <a:effectLst/>
-                <a:latin typeface="+mn-lt"/>
-                <a:ea typeface="+mn-ea"/>
-                <a:cs typeface="+mn-cs"/>
-              </a:rPr>
-              <a:t>照片</a:t>
+              <a:t>最後希望透過本研究訓練出來的模型，能夠快速地將三維模型轉換為真實照片，解決時間、技術以及金錢問題以滿足客戶需求，讓沒有設計能力的人也能得到所需的照片</a:t>
             </a:r>
             <a:endParaRPr lang="en-US" altLang="zh-TW" sz="900" kern="1200" dirty="0" smtClean="0">
               <a:solidFill>
@@ -1065,11 +1041,7 @@
             </a:pPr>
             <a:r>
               <a:rPr lang="en-US" altLang="zh-TW" sz="900" dirty="0" smtClean="0"/>
-              <a:t>C</a:t>
-            </a:r>
-            <a:r>
-              <a:rPr lang="en-US" altLang="zh-TW" sz="900" dirty="0" smtClean="0"/>
-              <a:t>.</a:t>
+              <a:t>C.</a:t>
             </a:r>
             <a:r>
               <a:rPr lang="zh-TW" altLang="en-US" sz="900" dirty="0" smtClean="0"/>
@@ -1831,11 +1803,7 @@
             </a:pPr>
             <a:r>
               <a:rPr lang="zh-TW" altLang="en-US" dirty="0" smtClean="0"/>
-              <a:t>由於卷積會將整張圖片掃過一遍並對每格像素進行計算，但此方式會造成計算耗 能消耗過大，為了解決此問題也因此有池化層的出現。</a:t>
-            </a:r>
-            <a:r>
-              <a:rPr lang="zh-TW" altLang="en-US" dirty="0" smtClean="0"/>
-              <a:t>池化層 </a:t>
+              <a:t>由於卷積會將整張圖片掃過一遍並對每格像素進行計算，但此方式會造成計算耗 能消耗過大，為了解決此問題也因此有池化層的出現。池化層 </a:t>
             </a:r>
             <a:r>
               <a:rPr lang="en-US" altLang="zh-TW" dirty="0" smtClean="0"/>
@@ -3515,29 +3483,8 @@
                 <a:ea typeface="+mn-ea"/>
                 <a:cs typeface="+mn-cs"/>
               </a:rPr>
-              <a:t>做為第一次的輸入接著生成圖片，再將生成出來的圖片輸入到判別器</a:t>
-            </a:r>
-            <a:r>
-              <a:rPr lang="zh-TW" altLang="zh-TW" sz="900" kern="1200" dirty="0" smtClean="0">
-                <a:solidFill>
-                  <a:schemeClr val="tx1"/>
-                </a:solidFill>
-                <a:effectLst/>
-                <a:latin typeface="+mn-lt"/>
-                <a:ea typeface="+mn-ea"/>
-                <a:cs typeface="+mn-cs"/>
-              </a:rPr>
-              <a:t>。</a:t>
-            </a:r>
-            <a:endParaRPr lang="zh-TW" altLang="zh-TW" sz="900" kern="1200" dirty="0" smtClean="0">
-              <a:solidFill>
-                <a:schemeClr val="tx1"/>
-              </a:solidFill>
-              <a:effectLst/>
-              <a:latin typeface="+mn-lt"/>
-              <a:ea typeface="+mn-ea"/>
-              <a:cs typeface="+mn-cs"/>
-            </a:endParaRPr>
+              <a:t>做為第一次的輸入接著生成圖片，再將生成出來的圖片輸入到判別器。</a:t>
+            </a:r>
           </a:p>
           <a:p>
             <a:endParaRPr lang="zh-TW" altLang="zh-TW" sz="900" kern="1200" dirty="0">
@@ -6308,10 +6255,10 @@
                 <a:ea typeface="+mn-ea"/>
                 <a:cs typeface="+mn-cs"/>
               </a:rPr>
-              <a:t>三維模型與對應真實照片的蒐集方式</a:t>
-            </a:r>
-            <a:r>
-              <a:rPr lang="zh-TW" altLang="zh-TW" sz="900" kern="1200" dirty="0" smtClean="0">
+              <a:t>三維模型與對應真實照片的蒐集方式，</a:t>
+            </a:r>
+            <a:r>
+              <a:rPr lang="zh-TW" altLang="en-US" sz="900" kern="1200" dirty="0" smtClean="0">
                 <a:solidFill>
                   <a:schemeClr val="tx1"/>
                 </a:solidFill>
@@ -6320,10 +6267,10 @@
                 <a:ea typeface="+mn-ea"/>
                 <a:cs typeface="+mn-cs"/>
               </a:rPr>
-              <a:t>，</a:t>
-            </a:r>
-            <a:r>
-              <a:rPr lang="zh-TW" altLang="en-US" sz="900" kern="1200" dirty="0" smtClean="0">
+              <a:t>將蒐集後的照片進行語義分割的處理，</a:t>
+            </a:r>
+            <a:r>
+              <a:rPr lang="zh-TW" altLang="zh-TW" sz="900" kern="1200" dirty="0" smtClean="0">
                 <a:solidFill>
                   <a:schemeClr val="tx1"/>
                 </a:solidFill>
@@ -6332,10 +6279,10 @@
                 <a:ea typeface="+mn-ea"/>
                 <a:cs typeface="+mn-cs"/>
               </a:rPr>
-              <a:t>將蒐集後的照片進行語義分割的處理，</a:t>
-            </a:r>
-            <a:r>
-              <a:rPr lang="zh-TW" altLang="zh-TW" sz="900" kern="1200" dirty="0" smtClean="0">
+              <a:t>語義分割為增強資料及強化細節的運用，</a:t>
+            </a:r>
+            <a:r>
+              <a:rPr lang="zh-TW" altLang="en-US" sz="900" kern="1200" dirty="0" smtClean="0">
                 <a:solidFill>
                   <a:schemeClr val="tx1"/>
                 </a:solidFill>
@@ -6344,10 +6291,10 @@
                 <a:ea typeface="+mn-ea"/>
                 <a:cs typeface="+mn-cs"/>
               </a:rPr>
-              <a:t>語義</a:t>
-            </a:r>
-            <a:r>
-              <a:rPr lang="zh-TW" altLang="zh-TW" sz="900" kern="1200" dirty="0" smtClean="0">
+              <a:t>再將處理完的照片丟入模型進行圖像轉換，圖像轉換使用生成對抗網路的</a:t>
+            </a:r>
+            <a:r>
+              <a:rPr lang="en-US" altLang="zh-TW" sz="900" kern="1200" dirty="0" smtClean="0">
                 <a:solidFill>
                   <a:schemeClr val="tx1"/>
                 </a:solidFill>
@@ -6356,10 +6303,10 @@
                 <a:ea typeface="+mn-ea"/>
                 <a:cs typeface="+mn-cs"/>
               </a:rPr>
-              <a:t>分割為增強資料及強化細節的運用</a:t>
-            </a:r>
-            <a:r>
-              <a:rPr lang="zh-TW" altLang="zh-TW" sz="900" kern="1200" dirty="0" smtClean="0">
+              <a:t>pix2pix</a:t>
+            </a:r>
+            <a:r>
+              <a:rPr lang="zh-TW" altLang="en-US" sz="900" kern="1200" dirty="0" smtClean="0">
                 <a:solidFill>
                   <a:schemeClr val="tx1"/>
                 </a:solidFill>
@@ -6368,10 +6315,10 @@
                 <a:ea typeface="+mn-ea"/>
                 <a:cs typeface="+mn-cs"/>
               </a:rPr>
-              <a:t>，</a:t>
-            </a:r>
-            <a:r>
-              <a:rPr lang="zh-TW" altLang="en-US" sz="900" kern="1200" dirty="0" smtClean="0">
+              <a:t>並加入</a:t>
+            </a:r>
+            <a:r>
+              <a:rPr lang="zh-TW" altLang="zh-TW" sz="900" kern="1200" dirty="0" smtClean="0">
                 <a:solidFill>
                   <a:schemeClr val="tx1"/>
                 </a:solidFill>
@@ -6380,67 +6327,7 @@
                 <a:ea typeface="+mn-ea"/>
                 <a:cs typeface="+mn-cs"/>
               </a:rPr>
-              <a:t>再將處理完的照片丟入模型進行圖像轉換，圖像</a:t>
-            </a:r>
-            <a:r>
-              <a:rPr lang="zh-TW" altLang="en-US" sz="900" kern="1200" dirty="0" smtClean="0">
-                <a:solidFill>
-                  <a:schemeClr val="tx1"/>
-                </a:solidFill>
-                <a:effectLst/>
-                <a:latin typeface="+mn-lt"/>
-                <a:ea typeface="+mn-ea"/>
-                <a:cs typeface="+mn-cs"/>
-              </a:rPr>
-              <a:t>轉換使用生成對抗網路的</a:t>
-            </a:r>
-            <a:r>
-              <a:rPr lang="en-US" altLang="zh-TW" sz="900" kern="1200" dirty="0" smtClean="0">
-                <a:solidFill>
-                  <a:schemeClr val="tx1"/>
-                </a:solidFill>
-                <a:effectLst/>
-                <a:latin typeface="+mn-lt"/>
-                <a:ea typeface="+mn-ea"/>
-                <a:cs typeface="+mn-cs"/>
-              </a:rPr>
-              <a:t>pix2pix</a:t>
-            </a:r>
-            <a:r>
-              <a:rPr lang="zh-TW" altLang="en-US" sz="900" kern="1200" dirty="0" smtClean="0">
-                <a:solidFill>
-                  <a:schemeClr val="tx1"/>
-                </a:solidFill>
-                <a:effectLst/>
-                <a:latin typeface="+mn-lt"/>
-                <a:ea typeface="+mn-ea"/>
-                <a:cs typeface="+mn-cs"/>
-              </a:rPr>
-              <a:t>並加入</a:t>
-            </a:r>
-            <a:r>
-              <a:rPr lang="zh-TW" altLang="zh-TW" sz="900" kern="1200" dirty="0" smtClean="0">
-                <a:solidFill>
-                  <a:schemeClr val="tx1"/>
-                </a:solidFill>
-                <a:effectLst/>
-                <a:latin typeface="+mn-lt"/>
-                <a:ea typeface="+mn-ea"/>
-                <a:cs typeface="+mn-cs"/>
-              </a:rPr>
-              <a:t>影像濾波</a:t>
-            </a:r>
-            <a:r>
-              <a:rPr lang="zh-TW" altLang="zh-TW" sz="900" kern="1200" dirty="0" smtClean="0">
-                <a:solidFill>
-                  <a:schemeClr val="tx1"/>
-                </a:solidFill>
-                <a:effectLst/>
-                <a:latin typeface="+mn-lt"/>
-                <a:ea typeface="+mn-ea"/>
-                <a:cs typeface="+mn-cs"/>
-              </a:rPr>
-              <a:t>層</a:t>
+              <a:t>影像濾波層</a:t>
             </a:r>
             <a:r>
               <a:rPr lang="zh-TW" altLang="en-US" sz="900" kern="1200" dirty="0" smtClean="0">
@@ -7071,13 +6958,7 @@
               <a:rPr lang="zh-TW" altLang="en-US" sz="900" dirty="0" smtClean="0">
                 <a:latin typeface="+mn-ea"/>
               </a:rPr>
-              <a:t>作為輸入與</a:t>
-            </a:r>
-            <a:r>
-              <a:rPr lang="zh-TW" altLang="en-US" sz="900" dirty="0" smtClean="0">
-                <a:latin typeface="+mn-ea"/>
-              </a:rPr>
-              <a:t>輸出</a:t>
+              <a:t>作為輸入與輸出</a:t>
             </a:r>
             <a:endParaRPr lang="en-US" altLang="zh-TW" sz="900" dirty="0" smtClean="0">
               <a:latin typeface="+mn-ea"/>
@@ -7544,19 +7425,7 @@
                 <a:ea typeface="+mn-ea"/>
                 <a:cs typeface="+mn-cs"/>
               </a:rPr>
-              <a:t>進行訓練，</a:t>
-            </a:r>
-            <a:r>
-              <a:rPr lang="zh-TW" altLang="en-US" sz="900" kern="1200" dirty="0" smtClean="0">
-                <a:solidFill>
-                  <a:schemeClr val="tx1"/>
-                </a:solidFill>
-                <a:effectLst/>
-                <a:latin typeface="+mn-lt"/>
-                <a:ea typeface="+mn-ea"/>
-                <a:cs typeface="+mn-cs"/>
-              </a:rPr>
-              <a:t>正則化係數以</a:t>
+              <a:t>進行訓練，正則化係數以</a:t>
             </a:r>
             <a:r>
               <a:rPr lang="en-US" altLang="zh-TW" sz="900" kern="1200" dirty="0" smtClean="0">
@@ -7999,19 +7868,7 @@
                 <a:ea typeface="+mn-ea"/>
                 <a:cs typeface="+mn-cs"/>
               </a:rPr>
-              <a:t>室內設計的概念起源於美國，於經濟發展的需求演化而來，原本人們蓋建築物的目的只是為求居住，而之後慢慢延伸出使用者的需求或為了更改內部環境而開始考量室內設計。後來室內裝潢逐漸延伸出考慮到生活品質、居住品質、心理層面、視覺等因素，使人類能在生活、起居、心理、視覺等各方面得到無比的滿足</a:t>
-            </a:r>
-            <a:r>
-              <a:rPr lang="zh-TW" altLang="zh-TW" sz="900" kern="1200" dirty="0" smtClean="0">
-                <a:solidFill>
-                  <a:schemeClr val="tx1"/>
-                </a:solidFill>
-                <a:effectLst/>
-                <a:latin typeface="+mn-lt"/>
-                <a:ea typeface="+mn-ea"/>
-                <a:cs typeface="+mn-cs"/>
-              </a:rPr>
-              <a:t>，</a:t>
+              <a:t>室內設計的概念起源於美國，於經濟發展的需求演化而來，原本人們蓋建築物的目的只是為求居住，而之後慢慢延伸出使用者的需求或為了更改內部環境而開始考量室內設計。後來室內裝潢逐漸延伸出考慮到生活品質、居住品質、心理層面、視覺等因素，使人類能在生活、起居、心理、視覺等各方面得到無比的滿足，</a:t>
             </a:r>
             <a:r>
               <a:rPr lang="zh-TW" altLang="en-US" dirty="0" smtClean="0"/>
@@ -9354,19 +9211,7 @@
                 <a:ea typeface="+mn-ea"/>
                 <a:cs typeface="+mn-cs"/>
               </a:rPr>
-              <a:t>也</a:t>
-            </a:r>
-            <a:r>
-              <a:rPr lang="zh-TW" altLang="zh-TW" sz="900" kern="1200" dirty="0" smtClean="0">
-                <a:solidFill>
-                  <a:schemeClr val="tx1"/>
-                </a:solidFill>
-                <a:effectLst/>
-                <a:latin typeface="+mn-lt"/>
-                <a:ea typeface="+mn-ea"/>
-                <a:cs typeface="+mn-cs"/>
-              </a:rPr>
-              <a:t>因為</a:t>
+              <a:t>也因為</a:t>
             </a:r>
             <a:r>
               <a:rPr lang="en-US" altLang="zh-TW" sz="900" kern="1200" dirty="0" smtClean="0">
@@ -9850,67 +9695,7 @@
                 <a:ea typeface="+mn-ea"/>
                 <a:cs typeface="+mn-cs"/>
               </a:rPr>
-              <a:t>，</a:t>
-            </a:r>
-            <a:r>
-              <a:rPr lang="zh-TW" altLang="en-US" sz="900" kern="1200" dirty="0" smtClean="0">
-                <a:solidFill>
-                  <a:schemeClr val="tx1"/>
-                </a:solidFill>
-                <a:effectLst/>
-                <a:latin typeface="+mn-lt"/>
-                <a:ea typeface="+mn-ea"/>
-                <a:cs typeface="+mn-cs"/>
-              </a:rPr>
-              <a:t>而這是</a:t>
-            </a:r>
-            <a:r>
-              <a:rPr lang="zh-TW" altLang="en-US" sz="900" kern="1200" dirty="0" smtClean="0">
-                <a:solidFill>
-                  <a:schemeClr val="tx1"/>
-                </a:solidFill>
-                <a:effectLst/>
-                <a:latin typeface="+mn-lt"/>
-                <a:ea typeface="+mn-ea"/>
-                <a:cs typeface="+mn-cs"/>
-              </a:rPr>
-              <a:t>用人工智慧中的生成</a:t>
-            </a:r>
-            <a:r>
-              <a:rPr lang="zh-TW" altLang="en-US" sz="900" kern="1200" dirty="0" smtClean="0">
-                <a:solidFill>
-                  <a:schemeClr val="tx1"/>
-                </a:solidFill>
-                <a:effectLst/>
-                <a:latin typeface="+mn-lt"/>
-                <a:ea typeface="+mn-ea"/>
-                <a:cs typeface="+mn-cs"/>
-              </a:rPr>
-              <a:t>對抗</a:t>
-            </a:r>
-            <a:r>
-              <a:rPr lang="zh-TW" altLang="en-US" sz="900" kern="1200" dirty="0" smtClean="0">
-                <a:solidFill>
-                  <a:schemeClr val="tx1"/>
-                </a:solidFill>
-                <a:effectLst/>
-                <a:latin typeface="+mn-lt"/>
-                <a:ea typeface="+mn-ea"/>
-                <a:cs typeface="+mn-cs"/>
-              </a:rPr>
-              <a:t>網路這項技術來</a:t>
-            </a:r>
-            <a:r>
-              <a:rPr lang="zh-TW" altLang="en-US" sz="900" kern="1200" dirty="0" smtClean="0">
-                <a:solidFill>
-                  <a:schemeClr val="tx1"/>
-                </a:solidFill>
-                <a:effectLst/>
-                <a:latin typeface="+mn-lt"/>
-                <a:ea typeface="+mn-ea"/>
-                <a:cs typeface="+mn-cs"/>
-              </a:rPr>
-              <a:t>完成的，</a:t>
+              <a:t>，而這是用人工智慧中的生成對抗網路這項技術來完成的，</a:t>
             </a:r>
             <a:r>
               <a:rPr lang="zh-TW" altLang="zh-TW" sz="900" kern="1200" dirty="0" smtClean="0">
@@ -10658,7 +10443,7 @@
           <a:p>
             <a:fld id="{82F288E0-7875-42C4-84C8-98DBBD3BF4D2}" type="datetimeFigureOut">
               <a:rPr lang="zh-CN" altLang="en-US" smtClean="0"/>
-              <a:t>2022/1/11</a:t>
+              <a:t>2022/1/12</a:t>
             </a:fld>
             <a:endParaRPr lang="zh-CN" altLang="en-US"/>
           </a:p>
@@ -10812,7 +10597,7 @@
           <a:p>
             <a:fld id="{82F288E0-7875-42C4-84C8-98DBBD3BF4D2}" type="datetimeFigureOut">
               <a:rPr lang="zh-CN" altLang="en-US" smtClean="0"/>
-              <a:t>2022/1/11</a:t>
+              <a:t>2022/1/12</a:t>
             </a:fld>
             <a:endParaRPr lang="zh-CN" altLang="en-US"/>
           </a:p>
@@ -11099,7 +10884,7 @@
           <a:p>
             <a:fld id="{82F288E0-7875-42C4-84C8-98DBBD3BF4D2}" type="datetimeFigureOut">
               <a:rPr lang="zh-CN" altLang="en-US" smtClean="0"/>
-              <a:t>2022/1/11</a:t>
+              <a:t>2022/1/12</a:t>
             </a:fld>
             <a:endParaRPr lang="zh-CN" altLang="en-US"/>
           </a:p>
@@ -11333,7 +11118,7 @@
           <a:p>
             <a:fld id="{82F288E0-7875-42C4-84C8-98DBBD3BF4D2}" type="datetimeFigureOut">
               <a:rPr lang="zh-CN" altLang="en-US" smtClean="0"/>
-              <a:t>2022/1/11</a:t>
+              <a:t>2022/1/12</a:t>
             </a:fld>
             <a:endParaRPr lang="zh-CN" altLang="en-US"/>
           </a:p>
@@ -11695,7 +11480,7 @@
           <a:p>
             <a:fld id="{82F288E0-7875-42C4-84C8-98DBBD3BF4D2}" type="datetimeFigureOut">
               <a:rPr lang="zh-CN" altLang="en-US" smtClean="0"/>
-              <a:t>2022/1/11</a:t>
+              <a:t>2022/1/12</a:t>
             </a:fld>
             <a:endParaRPr lang="zh-CN" altLang="en-US"/>
           </a:p>
@@ -11808,7 +11593,7 @@
           <a:p>
             <a:fld id="{82F288E0-7875-42C4-84C8-98DBBD3BF4D2}" type="datetimeFigureOut">
               <a:rPr lang="zh-CN" altLang="en-US" smtClean="0"/>
-              <a:t>2022/1/11</a:t>
+              <a:t>2022/1/12</a:t>
             </a:fld>
             <a:endParaRPr lang="zh-CN" altLang="en-US"/>
           </a:p>
@@ -11898,7 +11683,7 @@
           <a:p>
             <a:fld id="{82F288E0-7875-42C4-84C8-98DBBD3BF4D2}" type="datetimeFigureOut">
               <a:rPr lang="zh-CN" altLang="en-US" smtClean="0"/>
-              <a:t>2022/1/11</a:t>
+              <a:t>2022/1/12</a:t>
             </a:fld>
             <a:endParaRPr lang="zh-CN" altLang="en-US"/>
           </a:p>
@@ -12146,7 +11931,7 @@
           <a:p>
             <a:fld id="{82F288E0-7875-42C4-84C8-98DBBD3BF4D2}" type="datetimeFigureOut">
               <a:rPr lang="zh-CN" altLang="en-US" smtClean="0"/>
-              <a:t>2022/1/11</a:t>
+              <a:t>2022/1/12</a:t>
             </a:fld>
             <a:endParaRPr lang="zh-CN" altLang="en-US"/>
           </a:p>
@@ -12321,7 +12106,7 @@
           <a:p>
             <a:fld id="{82F288E0-7875-42C4-84C8-98DBBD3BF4D2}" type="datetimeFigureOut">
               <a:rPr lang="zh-CN" altLang="en-US" smtClean="0"/>
-              <a:t>2022/1/11</a:t>
+              <a:t>2022/1/12</a:t>
             </a:fld>
             <a:endParaRPr lang="zh-CN" altLang="en-US"/>
           </a:p>
@@ -12534,7 +12319,7 @@
           <a:p>
             <a:fld id="{82F288E0-7875-42C4-84C8-98DBBD3BF4D2}" type="datetimeFigureOut">
               <a:rPr lang="zh-CN" altLang="en-US" smtClean="0"/>
-              <a:t>2022/1/11</a:t>
+              <a:t>2022/1/12</a:t>
             </a:fld>
             <a:endParaRPr lang="zh-CN" altLang="en-US"/>
           </a:p>
@@ -13043,6 +12828,7 @@
                     <a:lumOff val="25000"/>
                   </a:schemeClr>
                 </a:solidFill>
+                <a:latin typeface="+mn-ea"/>
                 <a:cs typeface="+mn-ea"/>
                 <a:sym typeface="+mn-lt"/>
               </a:rPr>
@@ -13056,6 +12842,7 @@
                     <a:lumOff val="25000"/>
                   </a:schemeClr>
                 </a:solidFill>
+                <a:latin typeface="+mn-ea"/>
                 <a:cs typeface="+mn-ea"/>
                 <a:sym typeface="+mn-lt"/>
               </a:rPr>
@@ -13069,6 +12856,7 @@
                     <a:lumOff val="25000"/>
                   </a:schemeClr>
                 </a:solidFill>
+                <a:latin typeface="+mn-ea"/>
                 <a:cs typeface="+mn-ea"/>
                 <a:sym typeface="+mn-lt"/>
               </a:rPr>
@@ -13081,6 +12869,7 @@
                   <a:lumOff val="25000"/>
                 </a:schemeClr>
               </a:solidFill>
+              <a:latin typeface="+mn-ea"/>
               <a:cs typeface="+mn-ea"/>
               <a:sym typeface="+mn-lt"/>
             </a:endParaRPr>
@@ -13094,6 +12883,7 @@
                   <a:lumOff val="25000"/>
                 </a:schemeClr>
               </a:solidFill>
+              <a:latin typeface="+mn-ea"/>
               <a:cs typeface="+mn-ea"/>
               <a:sym typeface="+mn-lt"/>
             </a:endParaRPr>
@@ -13108,6 +12898,7 @@
                     <a:lumOff val="25000"/>
                   </a:schemeClr>
                 </a:solidFill>
+                <a:latin typeface="+mn-ea"/>
                 <a:cs typeface="+mn-ea"/>
                 <a:sym typeface="+mn-lt"/>
               </a:rPr>
@@ -13121,10 +12912,11 @@
                     <a:lumOff val="25000"/>
                   </a:schemeClr>
                 </a:solidFill>
+                <a:latin typeface="+mn-ea"/>
                 <a:cs typeface="+mn-ea"/>
                 <a:sym typeface="+mn-lt"/>
               </a:rPr>
-              <a:t>教授</a:t>
+              <a:t>教授：廖秀莉 </a:t>
             </a:r>
             <a:r>
               <a:rPr lang="zh-TW" altLang="en-US" sz="1600" dirty="0">
@@ -13134,32 +12926,7 @@
                     <a:lumOff val="25000"/>
                   </a:schemeClr>
                 </a:solidFill>
-                <a:cs typeface="+mn-ea"/>
-                <a:sym typeface="+mn-lt"/>
-              </a:rPr>
-              <a:t>：</a:t>
-            </a:r>
-            <a:r>
-              <a:rPr lang="zh-TW" altLang="en-US" sz="1600" dirty="0" smtClean="0">
-                <a:solidFill>
-                  <a:schemeClr val="tx1">
-                    <a:lumMod val="75000"/>
-                    <a:lumOff val="25000"/>
-                  </a:schemeClr>
-                </a:solidFill>
-                <a:cs typeface="+mn-ea"/>
-                <a:sym typeface="+mn-lt"/>
-              </a:rPr>
-              <a:t>廖秀莉 </a:t>
-            </a:r>
-            <a:r>
-              <a:rPr lang="zh-TW" altLang="en-US" sz="1600" dirty="0">
-                <a:solidFill>
-                  <a:schemeClr val="tx1">
-                    <a:lumMod val="75000"/>
-                    <a:lumOff val="25000"/>
-                  </a:schemeClr>
-                </a:solidFill>
+                <a:latin typeface="+mn-ea"/>
                 <a:cs typeface="+mn-ea"/>
                 <a:sym typeface="+mn-lt"/>
               </a:rPr>
@@ -13172,6 +12939,7 @@
                   <a:lumOff val="25000"/>
                 </a:schemeClr>
               </a:solidFill>
+              <a:latin typeface="+mn-ea"/>
               <a:cs typeface="+mn-ea"/>
               <a:sym typeface="+mn-lt"/>
             </a:endParaRPr>
@@ -13883,11 +13651,7 @@
             </a:r>
             <a:r>
               <a:rPr lang="zh-TW" altLang="en-US" sz="2000" dirty="0" smtClean="0"/>
-              <a:t>將</a:t>
-            </a:r>
-            <a:r>
-              <a:rPr lang="zh-TW" altLang="en-US" sz="2000" dirty="0" smtClean="0"/>
-              <a:t>室內設計</a:t>
+              <a:t>將室內設計</a:t>
             </a:r>
             <a:r>
               <a:rPr lang="zh-TW" altLang="en-US" sz="2000" dirty="0"/>
@@ -13895,11 +13659,7 @@
             </a:r>
             <a:r>
               <a:rPr lang="zh-TW" altLang="en-US" sz="2000" dirty="0" smtClean="0"/>
-              <a:t>轉換</a:t>
-            </a:r>
-            <a:r>
-              <a:rPr lang="zh-TW" altLang="en-US" sz="2000" dirty="0" smtClean="0"/>
-              <a:t>為真實照片是否有好的效果</a:t>
+              <a:t>轉換為真實照片是否有好的效果</a:t>
             </a:r>
             <a:endParaRPr lang="en-US" altLang="zh-TW" sz="2000" dirty="0" smtClean="0"/>
           </a:p>
@@ -15046,13 +14806,7 @@
               <a:rPr lang="zh-TW" altLang="en-US" dirty="0" smtClean="0">
                 <a:latin typeface="+mn-ea"/>
               </a:rPr>
-              <a:t>分割為物件偵測中的一個方法。</a:t>
-            </a:r>
-            <a:r>
-              <a:rPr lang="zh-TW" altLang="en-US" dirty="0" smtClean="0">
-                <a:latin typeface="+mn-ea"/>
-              </a:rPr>
-              <a:t>做法</a:t>
+              <a:t>分割為物件偵測中的一個方法。做法</a:t>
             </a:r>
             <a:r>
               <a:rPr lang="zh-TW" altLang="en-US" dirty="0">
@@ -15331,7 +15085,7 @@
         <p:spPr>
           <a:xfrm>
             <a:off x="871788" y="1757587"/>
-            <a:ext cx="7072586" cy="1569660"/>
+            <a:ext cx="7072586" cy="1384995"/>
           </a:xfrm>
           <a:prstGeom prst="rect">
             <a:avLst/>
@@ -15348,31 +15102,31 @@
               <a:buChar char="Ø"/>
             </a:pPr>
             <a:r>
-              <a:rPr lang="zh-TW" altLang="en-US" sz="1600" dirty="0" smtClean="0">
+              <a:rPr lang="zh-TW" altLang="en-US" dirty="0" smtClean="0">
                 <a:latin typeface="+mn-ea"/>
               </a:rPr>
               <a:t>由</a:t>
             </a:r>
             <a:r>
-              <a:rPr lang="fr-FR" altLang="zh-TW" sz="1600" dirty="0">
+              <a:rPr lang="fr-FR" altLang="zh-TW" dirty="0">
                 <a:latin typeface="+mn-ea"/>
               </a:rPr>
               <a:t>J Long et al.(2015)</a:t>
             </a:r>
             <a:r>
-              <a:rPr lang="zh-TW" altLang="en-US" sz="1600" dirty="0" smtClean="0">
+              <a:rPr lang="zh-TW" altLang="en-US" dirty="0" smtClean="0">
                 <a:latin typeface="+mn-ea"/>
                 <a:cs typeface="Times New Roman" panose="02020603050405020304" pitchFamily="18" charset="0"/>
               </a:rPr>
               <a:t>所</a:t>
             </a:r>
             <a:r>
-              <a:rPr lang="zh-TW" altLang="en-US" sz="1600" dirty="0" smtClean="0">
+              <a:rPr lang="zh-TW" altLang="en-US" dirty="0" smtClean="0">
                 <a:latin typeface="+mn-ea"/>
               </a:rPr>
               <a:t>提出。</a:t>
             </a:r>
-            <a:endParaRPr lang="en-US" altLang="zh-TW" sz="1600" dirty="0" smtClean="0">
+            <a:endParaRPr lang="en-US" altLang="zh-TW" dirty="0" smtClean="0">
               <a:latin typeface="+mn-ea"/>
             </a:endParaRPr>
           </a:p>
@@ -15381,7 +15135,7 @@
               <a:buFont typeface="Wingdings" panose="05000000000000000000" pitchFamily="2" charset="2"/>
               <a:buChar char="Ø"/>
             </a:pPr>
-            <a:endParaRPr lang="en-US" altLang="zh-TW" sz="1600" dirty="0">
+            <a:endParaRPr lang="en-US" altLang="zh-TW" dirty="0">
               <a:latin typeface="+mn-ea"/>
             </a:endParaRPr>
           </a:p>
@@ -15391,60 +15145,54 @@
               <a:buChar char="Ø"/>
             </a:pPr>
             <a:r>
-              <a:rPr lang="zh-TW" altLang="en-US" sz="1600" dirty="0" smtClean="0">
+              <a:rPr lang="zh-TW" altLang="en-US" dirty="0" smtClean="0">
                 <a:latin typeface="+mn-ea"/>
               </a:rPr>
-              <a:t>主要</a:t>
-            </a:r>
-            <a:r>
-              <a:rPr lang="zh-TW" altLang="en-US" sz="1600" dirty="0" smtClean="0">
+              <a:t>主要思想為</a:t>
+            </a:r>
+            <a:r>
+              <a:rPr lang="zh-TW" altLang="zh-TW" dirty="0" smtClean="0">
                 <a:latin typeface="+mn-ea"/>
               </a:rPr>
-              <a:t>思想為</a:t>
-            </a:r>
-            <a:r>
-              <a:rPr lang="zh-TW" altLang="zh-TW" sz="1600" dirty="0" smtClean="0">
+              <a:t>將</a:t>
+            </a:r>
+            <a:r>
+              <a:rPr lang="zh-TW" altLang="en-US" dirty="0">
                 <a:latin typeface="+mn-ea"/>
               </a:rPr>
-              <a:t>將</a:t>
-            </a:r>
-            <a:r>
-              <a:rPr lang="zh-TW" altLang="en-US" sz="1600" dirty="0">
+              <a:t>神經網路的</a:t>
+            </a:r>
+            <a:r>
+              <a:rPr lang="zh-TW" altLang="zh-TW" dirty="0">
                 <a:latin typeface="+mn-ea"/>
               </a:rPr>
-              <a:t>神經網路的</a:t>
-            </a:r>
-            <a:r>
-              <a:rPr lang="zh-TW" altLang="zh-TW" sz="1600" dirty="0">
+              <a:t>全連接層替換為卷積層。由於進行語義分割輸入的影像尺寸與輸出的影像尺寸必須為一樣，但卷積層的池化會使圖像尺寸縮小，於是</a:t>
+            </a:r>
+            <a:r>
+              <a:rPr lang="en-US" altLang="zh-TW" dirty="0">
                 <a:latin typeface="+mn-ea"/>
               </a:rPr>
-              <a:t>全連接層替換為卷積層。由於進行語義分割輸入的影像尺寸與輸出的影像尺寸必須為一樣，但卷積層的池化會使圖像尺寸縮小，於是</a:t>
-            </a:r>
-            <a:r>
-              <a:rPr lang="en-US" altLang="zh-TW" sz="1600" dirty="0">
+              <a:t>FCN</a:t>
+            </a:r>
+            <a:r>
+              <a:rPr lang="zh-TW" altLang="zh-TW" dirty="0">
                 <a:latin typeface="+mn-ea"/>
               </a:rPr>
-              <a:t>FCN</a:t>
-            </a:r>
-            <a:r>
-              <a:rPr lang="zh-TW" altLang="zh-TW" sz="1600" dirty="0">
+              <a:t>使用反卷積的操作，對縮小的圖片進行上採</a:t>
+            </a:r>
+            <a:r>
+              <a:rPr lang="zh-TW" altLang="zh-TW" dirty="0" smtClean="0">
                 <a:latin typeface="+mn-ea"/>
               </a:rPr>
-              <a:t>使用反卷積的操作，對縮小的圖片進行上採</a:t>
-            </a:r>
-            <a:r>
-              <a:rPr lang="zh-TW" altLang="zh-TW" sz="1600" dirty="0" smtClean="0">
+              <a:t>樣，</a:t>
+            </a:r>
+            <a:r>
+              <a:rPr lang="zh-TW" altLang="zh-TW" dirty="0">
                 <a:latin typeface="+mn-ea"/>
               </a:rPr>
-              <a:t>樣，</a:t>
-            </a:r>
-            <a:r>
-              <a:rPr lang="zh-TW" altLang="zh-TW" sz="1600" dirty="0">
-                <a:latin typeface="+mn-ea"/>
-              </a:rPr>
               <a:t>直到與原來的輸入為相同的大小，簡單來說就是把池化後縮小的尺寸再放大回去</a:t>
             </a:r>
-            <a:endParaRPr lang="zh-TW" altLang="en-US" sz="1600" dirty="0">
+            <a:endParaRPr lang="zh-TW" altLang="en-US" dirty="0">
               <a:latin typeface="+mn-ea"/>
             </a:endParaRPr>
           </a:p>
@@ -15628,7 +15376,7 @@
           <p:cNvPr id="7" name="表格 5">
             <a:extLst>
               <a:ext uri="{FF2B5EF4-FFF2-40B4-BE49-F238E27FC236}">
-                <a16:creationId xmlns="" xmlns:a16="http://schemas.microsoft.com/office/drawing/2014/main" id="{202A9B48-7C02-4B9F-A694-D9D167DDE433}"/>
+                <a16:creationId xmlns:a16="http://schemas.microsoft.com/office/drawing/2014/main" xmlns="" id="{202A9B48-7C02-4B9F-A694-D9D167DDE433}"/>
               </a:ext>
             </a:extLst>
           </p:cNvPr>
@@ -15638,7 +15386,7 @@
           <p:nvPr>
             <p:extLst>
               <p:ext uri="{D42A27DB-BD31-4B8C-83A1-F6EECF244321}">
-                <p14:modId xmlns:p14="http://schemas.microsoft.com/office/powerpoint/2010/main" val="2597913960"/>
+                <p14:modId xmlns:p14="http://schemas.microsoft.com/office/powerpoint/2010/main" val="1735673140"/>
               </p:ext>
             </p:extLst>
           </p:nvPr>
@@ -15655,21 +15403,21 @@
                 <a:gridCol w="1439100">
                   <a:extLst>
                     <a:ext uri="{9D8B030D-6E8A-4147-A177-3AD203B41FA5}">
-                      <a16:colId xmlns="" xmlns:a16="http://schemas.microsoft.com/office/drawing/2014/main" val="1313235057"/>
+                      <a16:colId xmlns:a16="http://schemas.microsoft.com/office/drawing/2014/main" xmlns="" val="1313235057"/>
                     </a:ext>
                   </a:extLst>
                 </a:gridCol>
                 <a:gridCol w="2365537">
                   <a:extLst>
                     <a:ext uri="{9D8B030D-6E8A-4147-A177-3AD203B41FA5}">
-                      <a16:colId xmlns="" xmlns:a16="http://schemas.microsoft.com/office/drawing/2014/main" val="3498442498"/>
+                      <a16:colId xmlns:a16="http://schemas.microsoft.com/office/drawing/2014/main" xmlns="" val="3498442498"/>
                     </a:ext>
                   </a:extLst>
                 </a:gridCol>
                 <a:gridCol w="3597777">
                   <a:extLst>
                     <a:ext uri="{9D8B030D-6E8A-4147-A177-3AD203B41FA5}">
-                      <a16:colId xmlns="" xmlns:a16="http://schemas.microsoft.com/office/drawing/2014/main" val="2798367762"/>
+                      <a16:colId xmlns:a16="http://schemas.microsoft.com/office/drawing/2014/main" xmlns="" val="2798367762"/>
                     </a:ext>
                   </a:extLst>
                 </a:gridCol>
@@ -15821,7 +15569,7 @@
                 </a:tc>
                 <a:extLst>
                   <a:ext uri="{0D108BD9-81ED-4DB2-BD59-A6C34878D82A}">
-                    <a16:rowId xmlns="" xmlns:a16="http://schemas.microsoft.com/office/drawing/2014/main" val="43767920"/>
+                    <a16:rowId xmlns:a16="http://schemas.microsoft.com/office/drawing/2014/main" xmlns="" val="43767920"/>
                   </a:ext>
                 </a:extLst>
               </a:tr>
@@ -16027,7 +15775,7 @@
                 </a:tc>
                 <a:extLst>
                   <a:ext uri="{0D108BD9-81ED-4DB2-BD59-A6C34878D82A}">
-                    <a16:rowId xmlns="" xmlns:a16="http://schemas.microsoft.com/office/drawing/2014/main" val="881114521"/>
+                    <a16:rowId xmlns:a16="http://schemas.microsoft.com/office/drawing/2014/main" xmlns="" val="881114521"/>
                   </a:ext>
                 </a:extLst>
               </a:tr>
@@ -16189,7 +15937,7 @@
                 </a:tc>
                 <a:extLst>
                   <a:ext uri="{0D108BD9-81ED-4DB2-BD59-A6C34878D82A}">
-                    <a16:rowId xmlns="" xmlns:a16="http://schemas.microsoft.com/office/drawing/2014/main" val="3889943358"/>
+                    <a16:rowId xmlns:a16="http://schemas.microsoft.com/office/drawing/2014/main" xmlns="" val="3889943358"/>
                   </a:ext>
                 </a:extLst>
               </a:tr>
@@ -16302,7 +16050,7 @@
         <p:spPr>
           <a:xfrm>
             <a:off x="871788" y="1824167"/>
-            <a:ext cx="7162740" cy="1477328"/>
+            <a:ext cx="4027383" cy="1292662"/>
           </a:xfrm>
           <a:prstGeom prst="rect">
             <a:avLst/>
@@ -16320,85 +16068,85 @@
           <a:lstStyle/>
           <a:p>
             <a:r>
-              <a:rPr lang="zh-TW" altLang="en-US" sz="1600" dirty="0" smtClean="0">
+              <a:rPr lang="zh-TW" altLang="en-US" dirty="0" smtClean="0">
                 <a:latin typeface="+mn-ea"/>
               </a:rPr>
               <a:t>由 </a:t>
             </a:r>
             <a:r>
-              <a:rPr lang="en-US" altLang="zh-TW" sz="1600" dirty="0">
+              <a:rPr lang="en-US" altLang="zh-TW" dirty="0">
                 <a:latin typeface="+mn-ea"/>
               </a:rPr>
               <a:t>Ian </a:t>
             </a:r>
             <a:r>
-              <a:rPr lang="en-US" altLang="zh-TW" sz="1600" dirty="0" err="1" smtClean="0">
+              <a:rPr lang="en-US" altLang="zh-TW" dirty="0" err="1" smtClean="0">
                 <a:latin typeface="+mn-ea"/>
               </a:rPr>
               <a:t>Goodfellow</a:t>
             </a:r>
             <a:r>
-              <a:rPr lang="en-US" altLang="zh-TW" sz="1600" dirty="0" smtClean="0">
+              <a:rPr lang="en-US" altLang="zh-TW" dirty="0" smtClean="0">
                 <a:latin typeface="+mn-ea"/>
               </a:rPr>
               <a:t>(2014)</a:t>
             </a:r>
             <a:r>
-              <a:rPr lang="zh-TW" altLang="en-US" sz="1600" dirty="0" smtClean="0">
+              <a:rPr lang="zh-TW" altLang="en-US" dirty="0" smtClean="0">
                 <a:latin typeface="+mn-ea"/>
               </a:rPr>
               <a:t>所提出</a:t>
             </a:r>
-            <a:endParaRPr lang="en-US" altLang="zh-TW" sz="1600" dirty="0" smtClean="0">
+            <a:endParaRPr lang="en-US" altLang="zh-TW" dirty="0" smtClean="0">
               <a:latin typeface="+mn-ea"/>
             </a:endParaRPr>
           </a:p>
           <a:p>
             <a:r>
-              <a:rPr lang="zh-TW" altLang="en-US" sz="1600" dirty="0" smtClean="0">
+              <a:rPr lang="zh-TW" altLang="en-US" dirty="0" smtClean="0">
                 <a:latin typeface="+mn-ea"/>
               </a:rPr>
               <a:t>簡稱</a:t>
             </a:r>
             <a:r>
-              <a:rPr lang="en-US" altLang="zh-TW" sz="1600" b="1" dirty="0" smtClean="0">
+              <a:rPr lang="en-US" altLang="zh-TW" b="1" dirty="0" smtClean="0">
                 <a:latin typeface="+mn-ea"/>
               </a:rPr>
               <a:t>GAN</a:t>
             </a:r>
             <a:r>
-              <a:rPr lang="en-US" altLang="zh-TW" sz="1600" dirty="0" smtClean="0">
+              <a:rPr lang="en-US" altLang="zh-TW" dirty="0" smtClean="0">
                 <a:latin typeface="+mn-ea"/>
               </a:rPr>
               <a:t>(Generative </a:t>
             </a:r>
             <a:r>
-              <a:rPr lang="en-US" altLang="zh-TW" sz="1600" dirty="0">
+              <a:rPr lang="en-US" altLang="zh-TW" dirty="0">
                 <a:latin typeface="+mn-ea"/>
               </a:rPr>
               <a:t>Adversarial </a:t>
             </a:r>
             <a:r>
-              <a:rPr lang="en-US" altLang="zh-TW" sz="1600" dirty="0" smtClean="0">
+              <a:rPr lang="en-US" altLang="zh-TW" dirty="0" smtClean="0">
                 <a:latin typeface="+mn-ea"/>
               </a:rPr>
               <a:t>Network)</a:t>
             </a:r>
           </a:p>
           <a:p>
-            <a:endParaRPr lang="en-US" altLang="zh-TW" sz="1600" dirty="0" smtClean="0">
+            <a:endParaRPr lang="en-US" altLang="zh-TW" dirty="0" smtClean="0">
               <a:latin typeface="+mn-ea"/>
             </a:endParaRPr>
           </a:p>
           <a:p>
             <a:r>
-              <a:rPr lang="zh-TW" altLang="en-US" sz="1600" dirty="0" smtClean="0">
+              <a:rPr lang="zh-TW" altLang="en-US" dirty="0" smtClean="0">
                 <a:latin typeface="+mn-ea"/>
               </a:rPr>
               <a:t>基本架構</a:t>
             </a:r>
             <a:r>
-              <a:rPr lang="en-US" altLang="zh-TW" sz="1600" dirty="0" smtClean="0">
+              <a:rPr lang="en-US" altLang="zh-TW" dirty="0" smtClean="0">
                 <a:latin typeface="+mn-ea"/>
               </a:rPr>
               <a:t>:</a:t>
@@ -16406,13 +16154,13 @@
           </a:p>
           <a:p>
             <a:r>
-              <a:rPr lang="zh-TW" altLang="en-US" sz="1600" dirty="0" smtClean="0">
+              <a:rPr lang="zh-TW" altLang="en-US" dirty="0" smtClean="0">
                 <a:latin typeface="+mn-ea"/>
               </a:rPr>
               <a:t>生成器</a:t>
             </a:r>
             <a:r>
-              <a:rPr lang="en-US" altLang="zh-TW" sz="1600" dirty="0" smtClean="0">
+              <a:rPr lang="en-US" altLang="zh-TW" dirty="0" smtClean="0">
                 <a:latin typeface="+mn-ea"/>
               </a:rPr>
               <a:t>(Generator)</a:t>
@@ -16420,18 +16168,18 @@
           </a:p>
           <a:p>
             <a:r>
-              <a:rPr lang="zh-TW" altLang="en-US" sz="1600" dirty="0" smtClean="0">
+              <a:rPr lang="zh-TW" altLang="en-US" dirty="0" smtClean="0">
                 <a:latin typeface="+mn-ea"/>
               </a:rPr>
               <a:t>判別器</a:t>
             </a:r>
             <a:r>
-              <a:rPr lang="en-US" altLang="zh-TW" sz="1600" dirty="0" smtClean="0">
+              <a:rPr lang="en-US" altLang="zh-TW" dirty="0" smtClean="0">
                 <a:latin typeface="+mn-ea"/>
               </a:rPr>
               <a:t>(Discriminator)</a:t>
             </a:r>
-            <a:endParaRPr lang="zh-TW" altLang="zh-TW" sz="1600" dirty="0">
+            <a:endParaRPr lang="zh-TW" altLang="zh-TW" dirty="0">
               <a:latin typeface="+mn-ea"/>
             </a:endParaRPr>
           </a:p>
@@ -17733,7 +17481,7 @@
         <p:spPr>
           <a:xfrm>
             <a:off x="1014607" y="1715061"/>
-            <a:ext cx="7162740" cy="984885"/>
+            <a:ext cx="7162740" cy="861774"/>
           </a:xfrm>
           <a:prstGeom prst="rect">
             <a:avLst/>
@@ -17755,29 +17503,29 @@
               <a:buChar char="Ø"/>
             </a:pPr>
             <a:r>
-              <a:rPr lang="zh-TW" altLang="zh-TW" sz="1600" dirty="0"/>
+              <a:rPr lang="zh-TW" altLang="zh-TW" dirty="0"/>
               <a:t>生成器由潛在空間取樣隨機數列</a:t>
             </a:r>
             <a:r>
-              <a:rPr lang="en-US" altLang="zh-TW" sz="1600" dirty="0"/>
+              <a:rPr lang="en-US" altLang="zh-TW" dirty="0"/>
               <a:t>z</a:t>
             </a:r>
             <a:r>
-              <a:rPr lang="zh-TW" altLang="zh-TW" sz="1600" dirty="0"/>
+              <a:rPr lang="zh-TW" altLang="zh-TW" dirty="0"/>
               <a:t>做為第一次的輸入接著生成圖片，再將生成出來的圖片輸入到判別</a:t>
             </a:r>
             <a:r>
-              <a:rPr lang="zh-TW" altLang="zh-TW" sz="1600" dirty="0" smtClean="0"/>
+              <a:rPr lang="zh-TW" altLang="zh-TW" dirty="0" smtClean="0"/>
               <a:t>器</a:t>
             </a:r>
-            <a:endParaRPr lang="en-US" altLang="zh-TW" sz="1600" dirty="0"/>
+            <a:endParaRPr lang="en-US" altLang="zh-TW" dirty="0"/>
           </a:p>
           <a:p>
             <a:pPr marL="285750" indent="-285750">
               <a:buFont typeface="Wingdings" panose="05000000000000000000" pitchFamily="2" charset="2"/>
               <a:buChar char="Ø"/>
             </a:pPr>
-            <a:endParaRPr lang="en-US" altLang="zh-TW" sz="1600" dirty="0" smtClean="0"/>
+            <a:endParaRPr lang="en-US" altLang="zh-TW" dirty="0" smtClean="0"/>
           </a:p>
           <a:p>
             <a:pPr marL="285750" indent="-285750">
@@ -17785,26 +17533,26 @@
               <a:buChar char="Ø"/>
             </a:pPr>
             <a:r>
-              <a:rPr lang="zh-TW" altLang="en-US" sz="1600" dirty="0"/>
+              <a:rPr lang="zh-TW" altLang="en-US" dirty="0"/>
               <a:t>生成</a:t>
             </a:r>
             <a:r>
-              <a:rPr lang="zh-TW" altLang="en-US" sz="1600" dirty="0" smtClean="0"/>
+              <a:rPr lang="zh-TW" altLang="en-US" dirty="0" smtClean="0"/>
               <a:t>器使用自動編碼器</a:t>
             </a:r>
             <a:r>
-              <a:rPr lang="en-US" altLang="zh-TW" sz="1600" dirty="0" smtClean="0"/>
+              <a:rPr lang="en-US" altLang="zh-TW" dirty="0" smtClean="0"/>
               <a:t>(</a:t>
             </a:r>
             <a:r>
-              <a:rPr lang="en-US" altLang="zh-TW" sz="1600" dirty="0" err="1"/>
+              <a:rPr lang="en-US" altLang="zh-TW" dirty="0" err="1"/>
               <a:t>Autoencoder</a:t>
             </a:r>
             <a:r>
-              <a:rPr lang="en-US" altLang="zh-TW" sz="1600" dirty="0" smtClean="0"/>
+              <a:rPr lang="en-US" altLang="zh-TW" dirty="0" smtClean="0"/>
               <a:t>)</a:t>
             </a:r>
-            <a:endParaRPr lang="zh-TW" altLang="zh-TW" sz="1600" dirty="0"/>
+            <a:endParaRPr lang="zh-TW" altLang="zh-TW" dirty="0"/>
           </a:p>
         </p:txBody>
       </p:sp>
@@ -17990,7 +17738,7 @@
         <p:spPr>
           <a:xfrm>
             <a:off x="1014607" y="1715061"/>
-            <a:ext cx="7162740" cy="1231106"/>
+            <a:ext cx="7162740" cy="1077218"/>
           </a:xfrm>
           <a:prstGeom prst="rect">
             <a:avLst/>
@@ -18012,37 +17760,37 @@
               <a:buChar char="Ø"/>
             </a:pPr>
             <a:r>
-              <a:rPr lang="zh-TW" altLang="zh-TW" sz="1600" dirty="0"/>
+              <a:rPr lang="zh-TW" altLang="zh-TW" dirty="0"/>
               <a:t>由編碼器</a:t>
             </a:r>
             <a:r>
-              <a:rPr lang="en-US" altLang="zh-TW" sz="1600" dirty="0"/>
+              <a:rPr lang="en-US" altLang="zh-TW" dirty="0"/>
               <a:t>(encoder)</a:t>
             </a:r>
             <a:r>
-              <a:rPr lang="zh-TW" altLang="zh-TW" sz="1600" dirty="0"/>
+              <a:rPr lang="zh-TW" altLang="zh-TW" dirty="0"/>
               <a:t>與解碼器</a:t>
             </a:r>
             <a:r>
-              <a:rPr lang="en-US" altLang="zh-TW" sz="1600" dirty="0"/>
+              <a:rPr lang="en-US" altLang="zh-TW" dirty="0"/>
               <a:t>(decoder)</a:t>
             </a:r>
             <a:r>
-              <a:rPr lang="zh-TW" altLang="zh-TW" sz="1600" dirty="0"/>
+              <a:rPr lang="zh-TW" altLang="zh-TW" dirty="0"/>
               <a:t>所</a:t>
             </a:r>
             <a:r>
-              <a:rPr lang="zh-TW" altLang="zh-TW" sz="1600" dirty="0" smtClean="0"/>
+              <a:rPr lang="zh-TW" altLang="zh-TW" dirty="0" smtClean="0"/>
               <a:t>組成</a:t>
             </a:r>
-            <a:endParaRPr lang="en-US" altLang="zh-TW" sz="1600" dirty="0" smtClean="0"/>
+            <a:endParaRPr lang="en-US" altLang="zh-TW" dirty="0" smtClean="0"/>
           </a:p>
           <a:p>
             <a:pPr marL="285750" indent="-285750">
               <a:buFont typeface="Wingdings" panose="05000000000000000000" pitchFamily="2" charset="2"/>
               <a:buChar char="Ø"/>
             </a:pPr>
-            <a:endParaRPr lang="en-US" altLang="zh-TW" sz="1600" dirty="0"/>
+            <a:endParaRPr lang="en-US" altLang="zh-TW" dirty="0"/>
           </a:p>
           <a:p>
             <a:pPr marL="285750" indent="-285750">
@@ -18050,25 +17798,25 @@
               <a:buChar char="Ø"/>
             </a:pPr>
             <a:r>
-              <a:rPr lang="zh-TW" altLang="en-US" sz="1600" dirty="0" smtClean="0"/>
+              <a:rPr lang="zh-TW" altLang="en-US" dirty="0" smtClean="0"/>
               <a:t>編碼器</a:t>
             </a:r>
             <a:r>
-              <a:rPr lang="en-US" altLang="zh-TW" sz="1600" dirty="0" smtClean="0"/>
+              <a:rPr lang="en-US" altLang="zh-TW" dirty="0" smtClean="0"/>
               <a:t>:</a:t>
             </a:r>
             <a:r>
-              <a:rPr lang="zh-TW" altLang="en-US" sz="1600" dirty="0" smtClean="0"/>
+              <a:rPr lang="zh-TW" altLang="en-US" dirty="0" smtClean="0"/>
               <a:t>將高維資料壓縮為低維資料</a:t>
             </a:r>
-            <a:endParaRPr lang="en-US" altLang="zh-TW" sz="1600" dirty="0" smtClean="0"/>
+            <a:endParaRPr lang="en-US" altLang="zh-TW" dirty="0" smtClean="0"/>
           </a:p>
           <a:p>
             <a:pPr marL="285750" indent="-285750">
               <a:buFont typeface="Wingdings" panose="05000000000000000000" pitchFamily="2" charset="2"/>
               <a:buChar char="Ø"/>
             </a:pPr>
-            <a:endParaRPr lang="en-US" altLang="zh-TW" sz="1600" dirty="0"/>
+            <a:endParaRPr lang="en-US" altLang="zh-TW" dirty="0"/>
           </a:p>
           <a:p>
             <a:pPr marL="285750" indent="-285750">
@@ -18076,18 +17824,18 @@
               <a:buChar char="Ø"/>
             </a:pPr>
             <a:r>
-              <a:rPr lang="zh-TW" altLang="en-US" sz="1600" dirty="0" smtClean="0"/>
+              <a:rPr lang="zh-TW" altLang="en-US" dirty="0" smtClean="0"/>
               <a:t>解碼器</a:t>
             </a:r>
             <a:r>
-              <a:rPr lang="en-US" altLang="zh-TW" sz="1600" dirty="0" smtClean="0"/>
+              <a:rPr lang="en-US" altLang="zh-TW" dirty="0" smtClean="0"/>
               <a:t>:</a:t>
             </a:r>
             <a:r>
-              <a:rPr lang="zh-TW" altLang="en-US" sz="1600" dirty="0" smtClean="0"/>
+              <a:rPr lang="zh-TW" altLang="en-US" dirty="0" smtClean="0"/>
               <a:t>將低維度資料解壓縮回原始維度</a:t>
             </a:r>
-            <a:endParaRPr lang="zh-TW" altLang="zh-TW" sz="1600" dirty="0"/>
+            <a:endParaRPr lang="zh-TW" altLang="zh-TW" dirty="0"/>
           </a:p>
         </p:txBody>
       </p:sp>
@@ -18342,7 +18090,7 @@
         <p:spPr>
           <a:xfrm>
             <a:off x="1014607" y="1715061"/>
-            <a:ext cx="7162740" cy="1477328"/>
+            <a:ext cx="7162740" cy="1077218"/>
           </a:xfrm>
           <a:prstGeom prst="rect">
             <a:avLst/>
@@ -18364,19 +18112,19 @@
               <a:buChar char="Ø"/>
             </a:pPr>
             <a:r>
-              <a:rPr lang="zh-TW" altLang="en-US" sz="1600" dirty="0" smtClean="0"/>
+              <a:rPr lang="zh-TW" altLang="en-US" dirty="0" smtClean="0"/>
               <a:t>為一個任意的神經網路，對於圖片的判別通常使用</a:t>
             </a:r>
             <a:r>
-              <a:rPr lang="zh-TW" altLang="en-US" sz="1600" dirty="0"/>
+              <a:rPr lang="zh-TW" altLang="en-US" dirty="0"/>
               <a:t>卷</a:t>
             </a:r>
             <a:r>
-              <a:rPr lang="zh-TW" altLang="en-US" sz="1600" dirty="0" smtClean="0"/>
+              <a:rPr lang="zh-TW" altLang="en-US" dirty="0" smtClean="0"/>
               <a:t>積神經網路</a:t>
             </a:r>
             <a:r>
-              <a:rPr lang="en-US" altLang="zh-TW" sz="1600" dirty="0" smtClean="0"/>
+              <a:rPr lang="en-US" altLang="zh-TW" dirty="0" smtClean="0"/>
               <a:t>(CNN)</a:t>
             </a:r>
           </a:p>
@@ -18385,7 +18133,7 @@
               <a:buFont typeface="Wingdings" panose="05000000000000000000" pitchFamily="2" charset="2"/>
               <a:buChar char="Ø"/>
             </a:pPr>
-            <a:endParaRPr lang="en-US" altLang="zh-TW" sz="1600" dirty="0"/>
+            <a:endParaRPr lang="en-US" altLang="zh-TW" dirty="0"/>
           </a:p>
           <a:p>
             <a:pPr marL="285750" indent="-285750">
@@ -18393,33 +18141,33 @@
               <a:buChar char="Ø"/>
             </a:pPr>
             <a:r>
-              <a:rPr lang="zh-TW" altLang="zh-TW" sz="1600" dirty="0" smtClean="0"/>
+              <a:rPr lang="zh-TW" altLang="zh-TW" dirty="0" smtClean="0"/>
               <a:t>判別</a:t>
             </a:r>
             <a:r>
-              <a:rPr lang="zh-TW" altLang="zh-TW" sz="1600" dirty="0"/>
+              <a:rPr lang="zh-TW" altLang="zh-TW" dirty="0"/>
               <a:t>器會回傳一個</a:t>
             </a:r>
             <a:r>
-              <a:rPr lang="zh-TW" altLang="zh-TW" sz="1600" dirty="0" smtClean="0"/>
+              <a:rPr lang="zh-TW" altLang="zh-TW" dirty="0" smtClean="0"/>
               <a:t>分數給</a:t>
             </a:r>
             <a:r>
-              <a:rPr lang="zh-TW" altLang="zh-TW" sz="1600" dirty="0"/>
+              <a:rPr lang="zh-TW" altLang="zh-TW" dirty="0"/>
               <a:t>生成器，分數越大代表輸入的假圖片越接近真實的照片，生成器接收到分數之後調整參數繼續改良生成圖片，再輸入至判別器回傳</a:t>
             </a:r>
             <a:r>
-              <a:rPr lang="zh-TW" altLang="zh-TW" sz="1600" dirty="0" smtClean="0"/>
+              <a:rPr lang="zh-TW" altLang="zh-TW" dirty="0" smtClean="0"/>
               <a:t>結果</a:t>
             </a:r>
-            <a:endParaRPr lang="en-US" altLang="zh-TW" sz="1600" dirty="0" smtClean="0"/>
+            <a:endParaRPr lang="en-US" altLang="zh-TW" dirty="0" smtClean="0"/>
           </a:p>
           <a:p>
             <a:pPr marL="285750" indent="-285750">
               <a:buFont typeface="Wingdings" panose="05000000000000000000" pitchFamily="2" charset="2"/>
               <a:buChar char="Ø"/>
             </a:pPr>
-            <a:endParaRPr lang="en-US" altLang="zh-TW" sz="1600" dirty="0" smtClean="0"/>
+            <a:endParaRPr lang="en-US" altLang="zh-TW" dirty="0" smtClean="0"/>
           </a:p>
         </p:txBody>
       </p:sp>
@@ -18725,7 +18473,7 @@
         <p:spPr>
           <a:xfrm>
             <a:off x="1014607" y="1715061"/>
-            <a:ext cx="7162740" cy="1477328"/>
+            <a:ext cx="7162740" cy="1508105"/>
           </a:xfrm>
           <a:prstGeom prst="rect">
             <a:avLst/>
@@ -18747,21 +18495,21 @@
               <a:buChar char="Ø"/>
             </a:pPr>
             <a:r>
-              <a:rPr lang="en-US" altLang="zh-TW" sz="1600" dirty="0" smtClean="0"/>
+              <a:rPr lang="en-US" altLang="zh-TW" dirty="0" smtClean="0"/>
               <a:t>Mirza Mehdi(2014)</a:t>
             </a:r>
             <a:r>
-              <a:rPr lang="zh-TW" altLang="zh-TW" sz="1600" dirty="0" smtClean="0"/>
+              <a:rPr lang="zh-TW" altLang="zh-TW" dirty="0" smtClean="0"/>
               <a:t>等人所提出</a:t>
             </a:r>
-            <a:endParaRPr lang="en-US" altLang="zh-TW" sz="1600" dirty="0" smtClean="0"/>
+            <a:endParaRPr lang="en-US" altLang="zh-TW" dirty="0" smtClean="0"/>
           </a:p>
           <a:p>
             <a:pPr marL="285750" indent="-285750">
               <a:buFont typeface="Wingdings" panose="05000000000000000000" pitchFamily="2" charset="2"/>
               <a:buChar char="Ø"/>
             </a:pPr>
-            <a:endParaRPr lang="en-US" altLang="zh-TW" sz="1600" dirty="0" smtClean="0"/>
+            <a:endParaRPr lang="en-US" altLang="zh-TW" dirty="0" smtClean="0"/>
           </a:p>
           <a:p>
             <a:pPr marL="285750" indent="-285750">
@@ -18769,76 +18517,79 @@
               <a:buChar char="Ø"/>
             </a:pPr>
             <a:r>
-              <a:rPr lang="zh-TW" altLang="zh-TW" sz="1600" dirty="0"/>
+              <a:rPr lang="zh-TW" altLang="zh-TW" dirty="0"/>
               <a:t>條件式生成對抗網路能夠在</a:t>
             </a:r>
             <a:r>
-              <a:rPr lang="en-US" altLang="zh-TW" sz="1600" dirty="0"/>
+              <a:rPr lang="en-US" altLang="zh-TW" dirty="0"/>
               <a:t>GAN</a:t>
             </a:r>
             <a:r>
-              <a:rPr lang="zh-TW" altLang="zh-TW" sz="1600" dirty="0"/>
+              <a:rPr lang="zh-TW" altLang="zh-TW" dirty="0"/>
               <a:t>訓練時加上一</a:t>
             </a:r>
             <a:r>
-              <a:rPr lang="zh-TW" altLang="zh-TW" sz="1600" dirty="0" smtClean="0"/>
+              <a:rPr lang="zh-TW" altLang="zh-TW" dirty="0" smtClean="0"/>
               <a:t>組</a:t>
             </a:r>
             <a:r>
-              <a:rPr lang="zh-TW" altLang="en-US" sz="1600" dirty="0" smtClean="0"/>
+              <a:rPr lang="zh-TW" altLang="en-US" dirty="0" smtClean="0"/>
               <a:t>輔助</a:t>
             </a:r>
             <a:r>
-              <a:rPr lang="zh-TW" altLang="zh-TW" sz="1600" dirty="0" smtClean="0"/>
+              <a:rPr lang="zh-TW" altLang="zh-TW" dirty="0" smtClean="0"/>
               <a:t>條件</a:t>
             </a:r>
-            <a:endParaRPr lang="en-US" altLang="zh-TW" sz="1600" dirty="0" smtClean="0"/>
+            <a:endParaRPr lang="en-US" altLang="zh-TW" dirty="0" smtClean="0"/>
           </a:p>
           <a:p>
             <a:pPr marL="285750" indent="-285750">
               <a:buFont typeface="Wingdings" panose="05000000000000000000" pitchFamily="2" charset="2"/>
               <a:buChar char="Ø"/>
             </a:pPr>
-            <a:endParaRPr lang="en-US" altLang="zh-TW" sz="1600" dirty="0" smtClean="0"/>
+            <a:endParaRPr lang="en-US" altLang="zh-TW" dirty="0" smtClean="0"/>
           </a:p>
           <a:p>
             <a:pPr marL="285750" indent="-285750">
+              <a:lnSpc>
+                <a:spcPct val="150000"/>
+              </a:lnSpc>
               <a:buFont typeface="Wingdings" panose="05000000000000000000" pitchFamily="2" charset="2"/>
               <a:buChar char="Ø"/>
             </a:pPr>
             <a:r>
-              <a:rPr lang="zh-TW" altLang="zh-TW" sz="1600" dirty="0" smtClean="0"/>
+              <a:rPr lang="zh-TW" altLang="zh-TW" dirty="0" smtClean="0"/>
               <a:t>判別器要</a:t>
             </a:r>
             <a:r>
-              <a:rPr lang="zh-TW" altLang="zh-TW" sz="1600" dirty="0"/>
+              <a:rPr lang="zh-TW" altLang="zh-TW" dirty="0"/>
               <a:t>判別輸入圖片的真實度以及圖片與輔助</a:t>
             </a:r>
             <a:r>
-              <a:rPr lang="zh-TW" altLang="zh-TW" sz="1600" dirty="0" smtClean="0"/>
+              <a:rPr lang="zh-TW" altLang="zh-TW" dirty="0" smtClean="0"/>
               <a:t>條件是否</a:t>
             </a:r>
             <a:r>
-              <a:rPr lang="zh-TW" altLang="zh-TW" sz="1600" dirty="0"/>
+              <a:rPr lang="zh-TW" altLang="zh-TW" dirty="0"/>
               <a:t>湊成一對，如果同時達到此目標那判別器的回傳</a:t>
             </a:r>
             <a:r>
-              <a:rPr lang="zh-TW" altLang="zh-TW" sz="1600" dirty="0" smtClean="0"/>
+              <a:rPr lang="zh-TW" altLang="zh-TW" dirty="0" smtClean="0"/>
               <a:t>分數</a:t>
             </a:r>
             <a:r>
-              <a:rPr lang="zh-TW" altLang="en-US" sz="1600" dirty="0" smtClean="0"/>
+              <a:rPr lang="zh-TW" altLang="en-US" dirty="0" smtClean="0"/>
               <a:t>才</a:t>
             </a:r>
             <a:r>
-              <a:rPr lang="zh-TW" altLang="zh-TW" sz="1600" dirty="0" smtClean="0"/>
+              <a:rPr lang="zh-TW" altLang="zh-TW" dirty="0" smtClean="0"/>
               <a:t>會</a:t>
             </a:r>
             <a:r>
-              <a:rPr lang="zh-TW" altLang="zh-TW" sz="1600" dirty="0"/>
+              <a:rPr lang="zh-TW" altLang="zh-TW" dirty="0"/>
               <a:t>越高。</a:t>
             </a:r>
-            <a:endParaRPr lang="en-US" altLang="zh-TW" sz="1600" dirty="0" smtClean="0"/>
+            <a:endParaRPr lang="en-US" altLang="zh-TW" dirty="0" smtClean="0"/>
           </a:p>
         </p:txBody>
       </p:sp>
@@ -19154,7 +18905,7 @@
           <p:cNvPr id="6" name="表格 5">
             <a:extLst>
               <a:ext uri="{FF2B5EF4-FFF2-40B4-BE49-F238E27FC236}">
-                <a16:creationId xmlns="" xmlns:a16="http://schemas.microsoft.com/office/drawing/2014/main" id="{202A9B48-7C02-4B9F-A694-D9D167DDE433}"/>
+                <a16:creationId xmlns:a16="http://schemas.microsoft.com/office/drawing/2014/main" xmlns="" id="{202A9B48-7C02-4B9F-A694-D9D167DDE433}"/>
               </a:ext>
             </a:extLst>
           </p:cNvPr>
@@ -19164,7 +18915,7 @@
           <p:nvPr>
             <p:extLst>
               <p:ext uri="{D42A27DB-BD31-4B8C-83A1-F6EECF244321}">
-                <p14:modId xmlns:p14="http://schemas.microsoft.com/office/powerpoint/2010/main" val="1408307891"/>
+                <p14:modId xmlns:p14="http://schemas.microsoft.com/office/powerpoint/2010/main" val="2125741223"/>
               </p:ext>
             </p:extLst>
           </p:nvPr>
@@ -19181,21 +18932,21 @@
                 <a:gridCol w="1728799">
                   <a:extLst>
                     <a:ext uri="{9D8B030D-6E8A-4147-A177-3AD203B41FA5}">
-                      <a16:colId xmlns="" xmlns:a16="http://schemas.microsoft.com/office/drawing/2014/main" val="1313235057"/>
+                      <a16:colId xmlns:a16="http://schemas.microsoft.com/office/drawing/2014/main" xmlns="" val="1313235057"/>
                     </a:ext>
                   </a:extLst>
                 </a:gridCol>
                 <a:gridCol w="2508718">
                   <a:extLst>
                     <a:ext uri="{9D8B030D-6E8A-4147-A177-3AD203B41FA5}">
-                      <a16:colId xmlns="" xmlns:a16="http://schemas.microsoft.com/office/drawing/2014/main" val="3498442498"/>
+                      <a16:colId xmlns:a16="http://schemas.microsoft.com/office/drawing/2014/main" xmlns="" val="3498442498"/>
                     </a:ext>
                   </a:extLst>
                 </a:gridCol>
                 <a:gridCol w="3597777">
                   <a:extLst>
                     <a:ext uri="{9D8B030D-6E8A-4147-A177-3AD203B41FA5}">
-                      <a16:colId xmlns="" xmlns:a16="http://schemas.microsoft.com/office/drawing/2014/main" val="2798367762"/>
+                      <a16:colId xmlns:a16="http://schemas.microsoft.com/office/drawing/2014/main" xmlns="" val="2798367762"/>
                     </a:ext>
                   </a:extLst>
                 </a:gridCol>
@@ -19207,7 +18958,7 @@
                     <a:lstStyle/>
                     <a:p>
                       <a:r>
-                        <a:rPr lang="en-US" altLang="zh-TW" sz="1200" b="0" cap="none" spc="0" baseline="0" dirty="0" err="1" smtClean="0">
+                        <a:rPr lang="en-US" altLang="zh-TW" sz="1400" b="0" cap="none" spc="0" baseline="0" dirty="0" err="1" smtClean="0">
                           <a:ln>
                             <a:noFill/>
                           </a:ln>
@@ -19222,7 +18973,7 @@
                         <a:t>Grigory</a:t>
                       </a:r>
                       <a:r>
-                        <a:rPr lang="zh-TW" altLang="en-US" sz="1200" b="0" cap="none" spc="0" baseline="0" dirty="0" smtClean="0">
+                        <a:rPr lang="zh-TW" altLang="en-US" sz="1400" b="0" cap="none" spc="0" baseline="0" dirty="0" smtClean="0">
                           <a:ln>
                             <a:noFill/>
                           </a:ln>
@@ -19237,21 +18988,6 @@
                         <a:t> </a:t>
                       </a:r>
                       <a:r>
-                        <a:rPr lang="en-US" altLang="zh-TW" sz="1200" b="0" cap="none" spc="0" baseline="0" dirty="0" smtClean="0">
-                          <a:ln>
-                            <a:noFill/>
-                          </a:ln>
-                          <a:solidFill>
-                            <a:schemeClr val="tx1"/>
-                          </a:solidFill>
-                          <a:effectLst/>
-                          <a:latin typeface="Times New Roman" panose="02020603050405020304" pitchFamily="18" charset="0"/>
-                          <a:ea typeface="標楷體" panose="03000509000000000000" pitchFamily="65" charset="-120"/>
-                          <a:cs typeface="Times New Roman" panose="02020603050405020304" pitchFamily="18" charset="0"/>
-                        </a:rPr>
-                        <a:t>et al.</a:t>
-                      </a:r>
-                      <a:r>
                         <a:rPr lang="en-US" altLang="zh-TW" sz="1400" b="0" cap="none" spc="0" baseline="0" dirty="0" smtClean="0">
                           <a:ln>
                             <a:noFill/>
@@ -19264,7 +19000,7 @@
                           <a:ea typeface="標楷體" panose="03000509000000000000" pitchFamily="65" charset="-120"/>
                           <a:cs typeface="Times New Roman" panose="02020603050405020304" pitchFamily="18" charset="0"/>
                         </a:rPr>
-                        <a:t>(2021)</a:t>
+                        <a:t>et al.(2021)</a:t>
                       </a:r>
                       <a:endParaRPr lang="zh-TW" altLang="en-US" sz="1400" b="0" cap="none" spc="0" baseline="0" dirty="0">
                         <a:ln>
@@ -19497,7 +19233,7 @@
                 </a:tc>
                 <a:extLst>
                   <a:ext uri="{0D108BD9-81ED-4DB2-BD59-A6C34878D82A}">
-                    <a16:rowId xmlns="" xmlns:a16="http://schemas.microsoft.com/office/drawing/2014/main" val="43767920"/>
+                    <a16:rowId xmlns:a16="http://schemas.microsoft.com/office/drawing/2014/main" xmlns="" val="43767920"/>
                   </a:ext>
                 </a:extLst>
               </a:tr>
@@ -19746,7 +19482,7 @@
                 </a:tc>
                 <a:extLst>
                   <a:ext uri="{0D108BD9-81ED-4DB2-BD59-A6C34878D82A}">
-                    <a16:rowId xmlns="" xmlns:a16="http://schemas.microsoft.com/office/drawing/2014/main" val="881114521"/>
+                    <a16:rowId xmlns:a16="http://schemas.microsoft.com/office/drawing/2014/main" xmlns="" val="881114521"/>
                   </a:ext>
                 </a:extLst>
               </a:tr>
@@ -20364,7 +20100,7 @@
         <p:spPr>
           <a:xfrm>
             <a:off x="1014607" y="1715061"/>
-            <a:ext cx="7162740" cy="1723549"/>
+            <a:ext cx="7162740" cy="1508105"/>
           </a:xfrm>
           <a:prstGeom prst="rect">
             <a:avLst/>
@@ -20386,25 +20122,25 @@
               <a:buChar char="Ø"/>
             </a:pPr>
             <a:r>
-              <a:rPr lang="zh-TW" altLang="en-US" sz="1600" dirty="0" smtClean="0"/>
+              <a:rPr lang="zh-TW" altLang="en-US" dirty="0" smtClean="0"/>
               <a:t>由</a:t>
             </a:r>
             <a:r>
-              <a:rPr lang="en-US" altLang="zh-TW" sz="1600" dirty="0" smtClean="0"/>
+              <a:rPr lang="en-US" altLang="zh-TW" dirty="0" smtClean="0"/>
               <a:t>Isola(2017)</a:t>
             </a:r>
             <a:r>
-              <a:rPr lang="zh-TW" altLang="zh-TW" sz="1600" dirty="0" smtClean="0"/>
+              <a:rPr lang="zh-TW" altLang="zh-TW" dirty="0" smtClean="0"/>
               <a:t>等人所提出</a:t>
             </a:r>
-            <a:endParaRPr lang="en-US" altLang="zh-TW" sz="1600" dirty="0" smtClean="0"/>
+            <a:endParaRPr lang="en-US" altLang="zh-TW" dirty="0" smtClean="0"/>
           </a:p>
           <a:p>
             <a:pPr marL="285750" indent="-285750">
               <a:buFont typeface="Wingdings" panose="05000000000000000000" pitchFamily="2" charset="2"/>
               <a:buChar char="Ø"/>
             </a:pPr>
-            <a:endParaRPr lang="en-US" altLang="zh-TW" sz="1600" dirty="0" smtClean="0"/>
+            <a:endParaRPr lang="en-US" altLang="zh-TW" dirty="0" smtClean="0"/>
           </a:p>
           <a:p>
             <a:pPr marL="285750" indent="-285750">
@@ -20412,33 +20148,33 @@
               <a:buChar char="Ø"/>
             </a:pPr>
             <a:r>
-              <a:rPr lang="zh-TW" altLang="en-US" sz="1600" dirty="0" smtClean="0"/>
+              <a:rPr lang="zh-TW" altLang="en-US" dirty="0" smtClean="0"/>
               <a:t>以</a:t>
             </a:r>
             <a:r>
-              <a:rPr lang="zh-TW" altLang="zh-TW" sz="1600" dirty="0" smtClean="0"/>
+              <a:rPr lang="zh-TW" altLang="zh-TW" dirty="0" smtClean="0"/>
               <a:t>條件</a:t>
             </a:r>
             <a:r>
-              <a:rPr lang="zh-TW" altLang="zh-TW" sz="1600" dirty="0"/>
+              <a:rPr lang="zh-TW" altLang="zh-TW" dirty="0"/>
               <a:t>式生成對抗</a:t>
             </a:r>
             <a:r>
-              <a:rPr lang="zh-TW" altLang="zh-TW" sz="1600" dirty="0" smtClean="0"/>
+              <a:rPr lang="zh-TW" altLang="zh-TW" dirty="0" smtClean="0"/>
               <a:t>網路</a:t>
             </a:r>
             <a:r>
-              <a:rPr lang="zh-TW" altLang="en-US" sz="1600" dirty="0" smtClean="0"/>
+              <a:rPr lang="zh-TW" altLang="en-US" dirty="0" smtClean="0"/>
               <a:t>為基礎，將圖片作為輔助條件</a:t>
             </a:r>
-            <a:endParaRPr lang="en-US" altLang="zh-TW" sz="1600" dirty="0" smtClean="0"/>
+            <a:endParaRPr lang="en-US" altLang="zh-TW" dirty="0" smtClean="0"/>
           </a:p>
           <a:p>
             <a:pPr marL="285750" indent="-285750">
               <a:buFont typeface="Wingdings" panose="05000000000000000000" pitchFamily="2" charset="2"/>
               <a:buChar char="Ø"/>
             </a:pPr>
-            <a:endParaRPr lang="en-US" altLang="zh-TW" sz="1600" dirty="0" smtClean="0"/>
+            <a:endParaRPr lang="en-US" altLang="zh-TW" dirty="0" smtClean="0"/>
           </a:p>
           <a:p>
             <a:pPr marL="285750" indent="-285750">
@@ -20446,15 +20182,15 @@
               <a:buChar char="Ø"/>
             </a:pPr>
             <a:r>
-              <a:rPr lang="zh-TW" altLang="zh-TW" sz="1600" dirty="0"/>
+              <a:rPr lang="zh-TW" altLang="zh-TW" dirty="0"/>
               <a:t>生成</a:t>
             </a:r>
             <a:r>
-              <a:rPr lang="zh-TW" altLang="zh-TW" sz="1600" dirty="0" smtClean="0"/>
+              <a:rPr lang="zh-TW" altLang="zh-TW" dirty="0" smtClean="0"/>
               <a:t>器採用</a:t>
             </a:r>
             <a:r>
-              <a:rPr lang="en-US" altLang="zh-TW" sz="1600" dirty="0" smtClean="0"/>
+              <a:rPr lang="en-US" altLang="zh-TW" dirty="0" smtClean="0"/>
               <a:t>U-net</a:t>
             </a:r>
           </a:p>
@@ -20463,7 +20199,7 @@
               <a:buFont typeface="Wingdings" panose="05000000000000000000" pitchFamily="2" charset="2"/>
               <a:buChar char="Ø"/>
             </a:pPr>
-            <a:endParaRPr lang="en-US" altLang="zh-TW" sz="1600" dirty="0"/>
+            <a:endParaRPr lang="en-US" altLang="zh-TW" dirty="0"/>
           </a:p>
           <a:p>
             <a:pPr marL="285750" indent="-285750">
@@ -20471,18 +20207,18 @@
               <a:buChar char="Ø"/>
             </a:pPr>
             <a:r>
-              <a:rPr lang="zh-TW" altLang="en-US" sz="1600" dirty="0"/>
+              <a:rPr lang="zh-TW" altLang="en-US" dirty="0"/>
               <a:t>判</a:t>
             </a:r>
             <a:r>
-              <a:rPr lang="zh-TW" altLang="en-US" sz="1600" dirty="0" smtClean="0"/>
+              <a:rPr lang="zh-TW" altLang="en-US" dirty="0" smtClean="0"/>
               <a:t>別器採用</a:t>
             </a:r>
             <a:r>
-              <a:rPr lang="en-US" altLang="zh-TW" sz="1600" dirty="0" err="1" smtClean="0"/>
+              <a:rPr lang="en-US" altLang="zh-TW" dirty="0" err="1" smtClean="0"/>
               <a:t>PatchGAN</a:t>
             </a:r>
-            <a:endParaRPr lang="en-US" altLang="zh-TW" sz="1600" dirty="0" smtClean="0"/>
+            <a:endParaRPr lang="en-US" altLang="zh-TW" dirty="0" smtClean="0"/>
           </a:p>
         </p:txBody>
       </p:sp>
@@ -20698,7 +20434,7 @@
         <p:spPr>
           <a:xfrm>
             <a:off x="871787" y="1828919"/>
-            <a:ext cx="7349423" cy="1323439"/>
+            <a:ext cx="7349423" cy="1346907"/>
           </a:xfrm>
           <a:prstGeom prst="rect">
             <a:avLst/>
@@ -20711,6 +20447,9 @@
           <a:lstStyle/>
           <a:p>
             <a:pPr marL="285750" indent="-285750" defTabSz="914400">
+              <a:lnSpc>
+                <a:spcPct val="150000"/>
+              </a:lnSpc>
               <a:buClr>
                 <a:srgbClr val="000000"/>
               </a:buClr>
@@ -20719,129 +20458,129 @@
               <a:defRPr/>
             </a:pPr>
             <a:r>
-              <a:rPr lang="zh-TW" altLang="en-US" sz="1600" dirty="0">
+              <a:rPr lang="zh-TW" altLang="en-US" dirty="0">
                 <a:latin typeface="+mn-ea"/>
                 <a:cs typeface="Times New Roman" panose="02020603050405020304" pitchFamily="18" charset="0"/>
               </a:rPr>
               <a:t>林庭生 </a:t>
             </a:r>
             <a:r>
-              <a:rPr lang="en-US" altLang="zh-TW" sz="1600" dirty="0">
+              <a:rPr lang="en-US" altLang="zh-TW" dirty="0">
                 <a:latin typeface="+mn-ea"/>
                 <a:cs typeface="Times New Roman" panose="02020603050405020304" pitchFamily="18" charset="0"/>
               </a:rPr>
               <a:t>(</a:t>
             </a:r>
             <a:r>
-              <a:rPr lang="en-US" altLang="zh-TW" sz="1600" dirty="0" smtClean="0">
+              <a:rPr lang="en-US" altLang="zh-TW" dirty="0" smtClean="0">
                 <a:latin typeface="+mn-ea"/>
                 <a:cs typeface="Times New Roman" panose="02020603050405020304" pitchFamily="18" charset="0"/>
               </a:rPr>
               <a:t>2021)</a:t>
             </a:r>
             <a:r>
-              <a:rPr lang="zh-TW" altLang="en-US" sz="1600" dirty="0" smtClean="0">
+              <a:rPr lang="zh-TW" altLang="en-US" dirty="0" smtClean="0">
                 <a:latin typeface="+mn-ea"/>
               </a:rPr>
               <a:t>提到</a:t>
             </a:r>
             <a:r>
-              <a:rPr lang="en-US" altLang="zh-TW" sz="1600" dirty="0" smtClean="0">
+              <a:rPr lang="en-US" altLang="zh-TW" dirty="0" smtClean="0">
                 <a:latin typeface="+mn-ea"/>
               </a:rPr>
               <a:t>U-net</a:t>
             </a:r>
             <a:r>
-              <a:rPr lang="zh-TW" altLang="en-US" sz="1600" dirty="0">
+              <a:rPr lang="zh-TW" altLang="en-US" dirty="0">
                 <a:latin typeface="+mn-ea"/>
               </a:rPr>
               <a:t>與傳統的自動編碼器結構相似，不同的點</a:t>
             </a:r>
             <a:r>
-              <a:rPr lang="zh-TW" altLang="en-US" sz="1600" dirty="0" smtClean="0">
+              <a:rPr lang="zh-TW" altLang="en-US" dirty="0" smtClean="0">
                 <a:latin typeface="+mn-ea"/>
               </a:rPr>
               <a:t>是</a:t>
             </a:r>
             <a:r>
-              <a:rPr lang="zh-TW" altLang="en-US" sz="1600" dirty="0">
+              <a:rPr lang="zh-TW" altLang="en-US" dirty="0">
                 <a:latin typeface="+mn-ea"/>
               </a:rPr>
               <a:t>，</a:t>
             </a:r>
             <a:r>
-              <a:rPr lang="en-US" altLang="zh-TW" sz="1600" dirty="0" smtClean="0">
+              <a:rPr lang="en-US" altLang="zh-TW" dirty="0" smtClean="0">
                 <a:latin typeface="+mn-ea"/>
               </a:rPr>
               <a:t>U-net </a:t>
             </a:r>
             <a:r>
-              <a:rPr lang="zh-TW" altLang="en-US" sz="1600" dirty="0">
+              <a:rPr lang="zh-TW" altLang="en-US" dirty="0">
                 <a:latin typeface="+mn-ea"/>
               </a:rPr>
               <a:t>為了使底層的特徵資訊更好的被保留下來，讓解碼器在重建的過程比較不會遺失重要資訊，增加了拼接的概念，將從 </a:t>
             </a:r>
             <a:r>
-              <a:rPr lang="en-US" altLang="zh-TW" sz="1600" dirty="0" err="1">
+              <a:rPr lang="en-US" altLang="zh-TW" dirty="0" err="1">
                 <a:latin typeface="+mn-ea"/>
               </a:rPr>
               <a:t>i</a:t>
             </a:r>
             <a:r>
-              <a:rPr lang="en-US" altLang="zh-TW" sz="1600" dirty="0">
+              <a:rPr lang="en-US" altLang="zh-TW" dirty="0">
                 <a:latin typeface="+mn-ea"/>
               </a:rPr>
               <a:t> </a:t>
             </a:r>
             <a:r>
-              <a:rPr lang="zh-TW" altLang="en-US" sz="1600" dirty="0">
+              <a:rPr lang="zh-TW" altLang="en-US" dirty="0">
                 <a:latin typeface="+mn-ea"/>
               </a:rPr>
               <a:t>層資訊跳過傳輸至 </a:t>
             </a:r>
             <a:r>
-              <a:rPr lang="en-US" altLang="zh-TW" sz="1600" dirty="0">
+              <a:rPr lang="en-US" altLang="zh-TW" dirty="0">
                 <a:latin typeface="+mn-ea"/>
               </a:rPr>
               <a:t>n-</a:t>
             </a:r>
             <a:r>
-              <a:rPr lang="en-US" altLang="zh-TW" sz="1600" dirty="0" err="1">
+              <a:rPr lang="en-US" altLang="zh-TW" dirty="0" err="1">
                 <a:latin typeface="+mn-ea"/>
               </a:rPr>
               <a:t>i</a:t>
             </a:r>
             <a:r>
-              <a:rPr lang="en-US" altLang="zh-TW" sz="1600" dirty="0">
+              <a:rPr lang="en-US" altLang="zh-TW" dirty="0">
                 <a:latin typeface="+mn-ea"/>
               </a:rPr>
               <a:t> </a:t>
             </a:r>
             <a:r>
-              <a:rPr lang="zh-TW" altLang="en-US" sz="1600" dirty="0">
+              <a:rPr lang="zh-TW" altLang="en-US" dirty="0">
                 <a:latin typeface="+mn-ea"/>
               </a:rPr>
               <a:t>層，其中 </a:t>
             </a:r>
             <a:r>
-              <a:rPr lang="en-US" altLang="zh-TW" sz="1600" dirty="0">
+              <a:rPr lang="en-US" altLang="zh-TW" dirty="0">
                 <a:latin typeface="+mn-ea"/>
               </a:rPr>
               <a:t>n </a:t>
             </a:r>
             <a:r>
-              <a:rPr lang="zh-TW" altLang="en-US" sz="1600" dirty="0">
+              <a:rPr lang="zh-TW" altLang="en-US" dirty="0">
                 <a:latin typeface="+mn-ea"/>
               </a:rPr>
               <a:t>是總網路層數，即為每一層反卷積層的輸入都為前一層的輸出加上與該層對稱的卷積層的</a:t>
             </a:r>
             <a:r>
-              <a:rPr lang="zh-TW" altLang="en-US" sz="1600" dirty="0" smtClean="0">
+              <a:rPr lang="zh-TW" altLang="en-US" dirty="0" smtClean="0">
                 <a:latin typeface="+mn-ea"/>
               </a:rPr>
               <a:t>輸出。</a:t>
             </a:r>
-            <a:endParaRPr lang="zh-TW" altLang="en-US" sz="1600" dirty="0">
+            <a:endParaRPr lang="zh-TW" altLang="en-US" dirty="0">
               <a:latin typeface="+mn-ea"/>
             </a:endParaRPr>
           </a:p>
@@ -21286,7 +21025,7 @@
         <p:spPr>
           <a:xfrm>
             <a:off x="871788" y="1899727"/>
-            <a:ext cx="7424924" cy="830997"/>
+            <a:ext cx="7424924" cy="1023742"/>
           </a:xfrm>
           <a:prstGeom prst="rect">
             <a:avLst/>
@@ -21299,6 +21038,9 @@
           <a:lstStyle/>
           <a:p>
             <a:pPr marL="285750" lvl="0" indent="-285750" defTabSz="914400">
+              <a:lnSpc>
+                <a:spcPct val="150000"/>
+              </a:lnSpc>
               <a:buClr>
                 <a:srgbClr val="000000"/>
               </a:buClr>
@@ -21307,34 +21049,34 @@
               <a:defRPr/>
             </a:pPr>
             <a:r>
-              <a:rPr lang="en-US" altLang="zh-TW" sz="1600" dirty="0" err="1" smtClean="0"/>
+              <a:rPr lang="en-US" altLang="zh-TW" dirty="0" err="1" smtClean="0"/>
               <a:t>PatchGAN</a:t>
             </a:r>
             <a:r>
-              <a:rPr lang="en-US" altLang="zh-TW" sz="1600" dirty="0" smtClean="0"/>
+              <a:rPr lang="en-US" altLang="zh-TW" dirty="0" smtClean="0"/>
               <a:t> </a:t>
             </a:r>
             <a:r>
-              <a:rPr lang="zh-TW" altLang="en-US" sz="1600" dirty="0"/>
+              <a:rPr lang="zh-TW" altLang="en-US" dirty="0"/>
               <a:t>指的是判別器的網路架構，由 </a:t>
             </a:r>
             <a:r>
-              <a:rPr lang="en-US" altLang="zh-TW" sz="1600" dirty="0"/>
+              <a:rPr lang="en-US" altLang="zh-TW" dirty="0"/>
               <a:t>Isola(2017) </a:t>
             </a:r>
             <a:r>
-              <a:rPr lang="zh-TW" altLang="en-US" sz="1600" dirty="0"/>
+              <a:rPr lang="zh-TW" altLang="en-US" dirty="0"/>
               <a:t>等人所提出，此判別器會先將圖片切割成多張</a:t>
             </a:r>
             <a:r>
-              <a:rPr lang="en-US" altLang="zh-TW" sz="1600" dirty="0"/>
+              <a:rPr lang="en-US" altLang="zh-TW" dirty="0"/>
               <a:t>N*N</a:t>
             </a:r>
             <a:r>
-              <a:rPr lang="zh-TW" altLang="en-US" sz="1600" dirty="0"/>
+              <a:rPr lang="zh-TW" altLang="en-US" dirty="0"/>
               <a:t>大小的圖片，再分別判斷每一個區域的真假，最後取平均值做為判別器的輸出。</a:t>
             </a:r>
-            <a:endParaRPr lang="zh-TW" altLang="en-US" sz="1600" dirty="0">
+            <a:endParaRPr lang="zh-TW" altLang="en-US" dirty="0">
               <a:latin typeface="+mn-ea"/>
             </a:endParaRPr>
           </a:p>
@@ -21966,7 +21708,7 @@
         <p:spPr>
           <a:xfrm>
             <a:off x="871788" y="1851365"/>
-            <a:ext cx="7528500" cy="1323439"/>
+            <a:ext cx="7528500" cy="1708160"/>
           </a:xfrm>
           <a:prstGeom prst="rect">
             <a:avLst/>
@@ -21979,65 +21721,87 @@
           <a:lstStyle/>
           <a:p>
             <a:pPr marL="285750" indent="-285750">
+              <a:lnSpc>
+                <a:spcPct val="150000"/>
+              </a:lnSpc>
               <a:buFont typeface="Wingdings" panose="05000000000000000000" pitchFamily="2" charset="2"/>
               <a:buChar char="Ø"/>
             </a:pPr>
             <a:r>
-              <a:rPr lang="zh-TW" altLang="en-US" sz="1600" dirty="0" smtClean="0">
+              <a:rPr lang="zh-TW" altLang="en-US" dirty="0" smtClean="0">
                 <a:latin typeface="+mn-ea"/>
               </a:rPr>
               <a:t>由</a:t>
             </a:r>
             <a:r>
-              <a:rPr lang="en-US" altLang="zh-TW" sz="1600" dirty="0" err="1" smtClean="0">
+              <a:rPr lang="en-US" altLang="zh-TW" dirty="0" err="1" smtClean="0">
                 <a:latin typeface="+mn-ea"/>
               </a:rPr>
               <a:t>Kaiming</a:t>
             </a:r>
             <a:r>
-              <a:rPr lang="zh-TW" altLang="en-US" sz="1600" dirty="0" smtClean="0">
+              <a:rPr lang="zh-TW" altLang="en-US" dirty="0" smtClean="0">
                 <a:latin typeface="+mn-ea"/>
               </a:rPr>
               <a:t> </a:t>
             </a:r>
             <a:r>
-              <a:rPr lang="en-US" altLang="zh-TW" sz="1600" dirty="0" smtClean="0">
+              <a:rPr lang="en-US" altLang="zh-TW" dirty="0" smtClean="0">
                 <a:latin typeface="+mn-ea"/>
               </a:rPr>
               <a:t>He</a:t>
             </a:r>
             <a:r>
-              <a:rPr lang="en-US" altLang="zh-TW" sz="1600" dirty="0" smtClean="0">
+              <a:rPr lang="en-US" altLang="zh-TW" dirty="0" smtClean="0">
                 <a:latin typeface="+mn-ea"/>
                 <a:cs typeface="Times New Roman" panose="02020603050405020304" pitchFamily="18" charset="0"/>
               </a:rPr>
               <a:t>(2017)</a:t>
             </a:r>
             <a:r>
-              <a:rPr lang="zh-TW" altLang="en-US" sz="1600" dirty="0" smtClean="0">
+              <a:rPr lang="zh-TW" altLang="en-US" dirty="0" smtClean="0">
                 <a:latin typeface="+mn-ea"/>
                 <a:cs typeface="Times New Roman" panose="02020603050405020304" pitchFamily="18" charset="0"/>
               </a:rPr>
               <a:t>所提出。</a:t>
             </a:r>
             <a:r>
-              <a:rPr lang="zh-TW" altLang="en-US" sz="1600" dirty="0" smtClean="0">
+              <a:rPr lang="zh-TW" altLang="en-US" dirty="0" smtClean="0">
                 <a:latin typeface="+mn-ea"/>
               </a:rPr>
               <a:t>引導</a:t>
             </a:r>
             <a:r>
-              <a:rPr lang="zh-TW" altLang="en-US" sz="1600" dirty="0">
+              <a:rPr lang="zh-TW" altLang="en-US" dirty="0">
                 <a:latin typeface="+mn-ea"/>
               </a:rPr>
-              <a:t>影像濾波器為一種能將影像保持平滑或是銳化的濾波器。</a:t>
-            </a:r>
-            <a:endParaRPr lang="en-US" altLang="zh-TW" sz="1600" dirty="0">
+              <a:t>影像濾波器為一種能將影像保持平滑或是銳化的</a:t>
+            </a:r>
+            <a:r>
+              <a:rPr lang="zh-TW" altLang="en-US" dirty="0" smtClean="0">
+                <a:latin typeface="+mn-ea"/>
+              </a:rPr>
+              <a:t>濾波器。</a:t>
+            </a:r>
+            <a:endParaRPr lang="en-US" altLang="zh-TW" dirty="0" smtClean="0">
               <a:latin typeface="+mn-ea"/>
             </a:endParaRPr>
           </a:p>
           <a:p>
+            <a:pPr>
+              <a:lnSpc>
+                <a:spcPct val="150000"/>
+              </a:lnSpc>
+            </a:pPr>
+            <a:endParaRPr lang="en-US" altLang="zh-TW" dirty="0" smtClean="0">
+              <a:latin typeface="+mn-ea"/>
+            </a:endParaRPr>
+          </a:p>
+          <a:p>
             <a:pPr marL="285750" lvl="0" indent="-285750" defTabSz="914400">
+              <a:lnSpc>
+                <a:spcPct val="150000"/>
+              </a:lnSpc>
               <a:buClr>
                 <a:srgbClr val="000000"/>
               </a:buClr>
@@ -22046,48 +21810,54 @@
               <a:defRPr/>
             </a:pPr>
             <a:r>
-              <a:rPr lang="zh-TW" altLang="en-US" sz="1600" dirty="0">
+              <a:rPr lang="zh-TW" altLang="en-US" dirty="0" smtClean="0">
                 <a:latin typeface="+mn-ea"/>
               </a:rPr>
-              <a:t>引導影像濾波器即為一個需要引導圖的濾波器，引導濾波器的運作方式為通過一張引導圖對初始影像</a:t>
-            </a:r>
-            <a:r>
-              <a:rPr lang="en-US" altLang="zh-TW" sz="1600" dirty="0">
+              <a:t>引導</a:t>
+            </a:r>
+            <a:r>
+              <a:rPr lang="zh-TW" altLang="en-US" dirty="0">
                 <a:latin typeface="+mn-ea"/>
               </a:rPr>
+              <a:t>影像濾波器即為一個需要引導圖的濾波器，引導濾波器的運作方式為通過一張引導圖對初始影像</a:t>
+            </a:r>
+            <a:r>
+              <a:rPr lang="en-US" altLang="zh-TW" dirty="0">
+                <a:latin typeface="+mn-ea"/>
+              </a:rPr>
               <a:t>p(</a:t>
             </a:r>
             <a:r>
-              <a:rPr lang="zh-TW" altLang="en-US" sz="1600" dirty="0">
+              <a:rPr lang="zh-TW" altLang="en-US" dirty="0">
                 <a:latin typeface="+mn-ea"/>
               </a:rPr>
               <a:t>輸入影像</a:t>
             </a:r>
             <a:r>
-              <a:rPr lang="en-US" altLang="zh-TW" sz="1600" dirty="0">
+              <a:rPr lang="en-US" altLang="zh-TW" dirty="0">
                 <a:latin typeface="+mn-ea"/>
               </a:rPr>
               <a:t>)</a:t>
             </a:r>
             <a:r>
-              <a:rPr lang="zh-TW" altLang="en-US" sz="1600" dirty="0">
+              <a:rPr lang="zh-TW" altLang="en-US" dirty="0">
                 <a:latin typeface="+mn-ea"/>
               </a:rPr>
               <a:t>進行濾波的處理，使得最終輸出的影像大致上與初始影像</a:t>
             </a:r>
             <a:r>
-              <a:rPr lang="en-US" altLang="zh-TW" sz="1600" dirty="0">
+              <a:rPr lang="en-US" altLang="zh-TW" dirty="0">
                 <a:latin typeface="+mn-ea"/>
               </a:rPr>
               <a:t>p</a:t>
             </a:r>
             <a:r>
-              <a:rPr lang="zh-TW" altLang="en-US" sz="1600" dirty="0">
+              <a:rPr lang="zh-TW" altLang="en-US" dirty="0">
                 <a:latin typeface="+mn-ea"/>
               </a:rPr>
               <a:t>相似，但紋理部分與引導圖相似。</a:t>
             </a:r>
-            <a:endParaRPr lang="en-US" altLang="zh-TW" sz="1600" dirty="0">
+            <a:endParaRPr lang="en-US" altLang="zh-TW" dirty="0">
               <a:latin typeface="+mn-ea"/>
             </a:endParaRPr>
           </a:p>
@@ -22529,7 +22299,7 @@
           <p:cNvPr id="5" name="表格 4">
             <a:extLst>
               <a:ext uri="{FF2B5EF4-FFF2-40B4-BE49-F238E27FC236}">
-                <a16:creationId xmlns="" xmlns:a16="http://schemas.microsoft.com/office/drawing/2014/main" id="{202A9B48-7C02-4B9F-A694-D9D167DDE433}"/>
+                <a16:creationId xmlns:a16="http://schemas.microsoft.com/office/drawing/2014/main" xmlns="" id="{202A9B48-7C02-4B9F-A694-D9D167DDE433}"/>
               </a:ext>
             </a:extLst>
           </p:cNvPr>
@@ -22539,7 +22309,7 @@
           <p:nvPr>
             <p:extLst>
               <p:ext uri="{D42A27DB-BD31-4B8C-83A1-F6EECF244321}">
-                <p14:modId xmlns:p14="http://schemas.microsoft.com/office/powerpoint/2010/main" val="815518561"/>
+                <p14:modId xmlns:p14="http://schemas.microsoft.com/office/powerpoint/2010/main" val="1113432032"/>
               </p:ext>
             </p:extLst>
           </p:nvPr>
@@ -22556,21 +22326,21 @@
                 <a:gridCol w="1728799">
                   <a:extLst>
                     <a:ext uri="{9D8B030D-6E8A-4147-A177-3AD203B41FA5}">
-                      <a16:colId xmlns="" xmlns:a16="http://schemas.microsoft.com/office/drawing/2014/main" val="1313235057"/>
+                      <a16:colId xmlns:a16="http://schemas.microsoft.com/office/drawing/2014/main" xmlns="" val="1313235057"/>
                     </a:ext>
                   </a:extLst>
                 </a:gridCol>
                 <a:gridCol w="2508718">
                   <a:extLst>
                     <a:ext uri="{9D8B030D-6E8A-4147-A177-3AD203B41FA5}">
-                      <a16:colId xmlns="" xmlns:a16="http://schemas.microsoft.com/office/drawing/2014/main" val="3498442498"/>
+                      <a16:colId xmlns:a16="http://schemas.microsoft.com/office/drawing/2014/main" xmlns="" val="3498442498"/>
                     </a:ext>
                   </a:extLst>
                 </a:gridCol>
                 <a:gridCol w="3597777">
                   <a:extLst>
                     <a:ext uri="{9D8B030D-6E8A-4147-A177-3AD203B41FA5}">
-                      <a16:colId xmlns="" xmlns:a16="http://schemas.microsoft.com/office/drawing/2014/main" val="2798367762"/>
+                      <a16:colId xmlns:a16="http://schemas.microsoft.com/office/drawing/2014/main" xmlns="" val="2798367762"/>
                     </a:ext>
                   </a:extLst>
                 </a:gridCol>
@@ -22752,7 +22522,7 @@
                 </a:tc>
                 <a:extLst>
                   <a:ext uri="{0D108BD9-81ED-4DB2-BD59-A6C34878D82A}">
-                    <a16:rowId xmlns="" xmlns:a16="http://schemas.microsoft.com/office/drawing/2014/main" val="43767920"/>
+                    <a16:rowId xmlns:a16="http://schemas.microsoft.com/office/drawing/2014/main" xmlns="" val="43767920"/>
                   </a:ext>
                 </a:extLst>
               </a:tr>
@@ -23038,21 +22808,7 @@
                           <a:latin typeface="標楷體" panose="03000509000000000000" pitchFamily="65" charset="-120"/>
                           <a:ea typeface="標楷體" panose="03000509000000000000" pitchFamily="65" charset="-120"/>
                         </a:rPr>
-                        <a:t>效果最好</a:t>
-                      </a:r>
-                      <a:r>
-                        <a:rPr lang="zh-TW" altLang="en-US" sz="1400" b="0" cap="none" spc="0" dirty="0" smtClean="0">
-                          <a:ln>
-                            <a:noFill/>
-                          </a:ln>
-                          <a:solidFill>
-                            <a:schemeClr val="tx1"/>
-                          </a:solidFill>
-                          <a:effectLst/>
-                          <a:latin typeface="標楷體" panose="03000509000000000000" pitchFamily="65" charset="-120"/>
-                          <a:ea typeface="標楷體" panose="03000509000000000000" pitchFamily="65" charset="-120"/>
-                        </a:rPr>
-                        <a:t>。由此可知引導影像濾波器對模糊圖片的處理效果非常好，因此此研究將對室內設計照片進行影像濾波的處理。</a:t>
+                        <a:t>效果最好。由此可知引導影像濾波器對模糊圖片的處理效果非常好，因此此研究將對室內設計照片進行影像濾波的處理。</a:t>
                       </a:r>
                       <a:endParaRPr lang="en-US" altLang="zh-TW" sz="1400" b="0" cap="none" spc="0" dirty="0" smtClean="0">
                         <a:ln>
@@ -23071,7 +22827,7 @@
                 </a:tc>
                 <a:extLst>
                   <a:ext uri="{0D108BD9-81ED-4DB2-BD59-A6C34878D82A}">
-                    <a16:rowId xmlns="" xmlns:a16="http://schemas.microsoft.com/office/drawing/2014/main" val="881114521"/>
+                    <a16:rowId xmlns:a16="http://schemas.microsoft.com/office/drawing/2014/main" xmlns="" val="881114521"/>
                   </a:ext>
                 </a:extLst>
               </a:tr>
@@ -23672,7 +23428,7 @@
         <p:spPr>
           <a:xfrm>
             <a:off x="1317072" y="1694576"/>
-            <a:ext cx="7083216" cy="1077218"/>
+            <a:ext cx="7083216" cy="738664"/>
           </a:xfrm>
           <a:prstGeom prst="rect">
             <a:avLst/>
@@ -23689,103 +23445,103 @@
               <a:buChar char="Ø"/>
             </a:pPr>
             <a:r>
-              <a:rPr lang="zh-TW" altLang="zh-TW" sz="1600" dirty="0">
+              <a:rPr lang="zh-TW" altLang="zh-TW" dirty="0">
                 <a:latin typeface="+mn-ea"/>
                 <a:cs typeface="Times New Roman" panose="02020603050405020304" pitchFamily="18" charset="0"/>
               </a:rPr>
               <a:t>以</a:t>
             </a:r>
             <a:r>
-              <a:rPr lang="en-US" altLang="zh-TW" sz="1600" dirty="0">
+              <a:rPr lang="en-US" altLang="zh-TW" dirty="0">
                 <a:latin typeface="+mn-ea"/>
                 <a:cs typeface="Times New Roman" panose="02020603050405020304" pitchFamily="18" charset="0"/>
               </a:rPr>
               <a:t>google</a:t>
             </a:r>
             <a:r>
-              <a:rPr lang="zh-TW" altLang="zh-TW" sz="1600" dirty="0" smtClean="0">
+              <a:rPr lang="zh-TW" altLang="zh-TW" dirty="0" smtClean="0">
                 <a:latin typeface="+mn-ea"/>
                 <a:cs typeface="Times New Roman" panose="02020603050405020304" pitchFamily="18" charset="0"/>
               </a:rPr>
               <a:t>搜尋</a:t>
             </a:r>
             <a:r>
-              <a:rPr lang="en-US" altLang="zh-TW" sz="1600" dirty="0" smtClean="0">
+              <a:rPr lang="en-US" altLang="zh-TW" dirty="0" smtClean="0">
                 <a:latin typeface="+mn-ea"/>
                 <a:cs typeface="Times New Roman" panose="02020603050405020304" pitchFamily="18" charset="0"/>
               </a:rPr>
               <a:t>”</a:t>
             </a:r>
             <a:r>
-              <a:rPr lang="zh-TW" altLang="zh-TW" sz="1600" dirty="0">
+              <a:rPr lang="zh-TW" altLang="zh-TW" dirty="0">
                 <a:latin typeface="+mn-ea"/>
                 <a:cs typeface="Times New Roman" panose="02020603050405020304" pitchFamily="18" charset="0"/>
               </a:rPr>
               <a:t>三維模型</a:t>
             </a:r>
             <a:r>
-              <a:rPr lang="zh-TW" altLang="zh-TW" sz="1600" dirty="0" smtClean="0">
+              <a:rPr lang="zh-TW" altLang="zh-TW" dirty="0" smtClean="0">
                 <a:latin typeface="+mn-ea"/>
                 <a:cs typeface="Times New Roman" panose="02020603050405020304" pitchFamily="18" charset="0"/>
               </a:rPr>
               <a:t>與真實</a:t>
             </a:r>
             <a:r>
-              <a:rPr lang="zh-TW" altLang="zh-TW" sz="1600" dirty="0">
+              <a:rPr lang="zh-TW" altLang="zh-TW" dirty="0">
                 <a:latin typeface="+mn-ea"/>
                 <a:cs typeface="Times New Roman" panose="02020603050405020304" pitchFamily="18" charset="0"/>
               </a:rPr>
               <a:t>照片對比</a:t>
             </a:r>
             <a:r>
-              <a:rPr lang="en-US" altLang="zh-TW" sz="1600" dirty="0">
+              <a:rPr lang="en-US" altLang="zh-TW" dirty="0">
                 <a:latin typeface="+mn-ea"/>
                 <a:cs typeface="Times New Roman" panose="02020603050405020304" pitchFamily="18" charset="0"/>
               </a:rPr>
               <a:t>”</a:t>
             </a:r>
             <a:r>
-              <a:rPr lang="zh-TW" altLang="zh-TW" sz="1600" dirty="0">
+              <a:rPr lang="zh-TW" altLang="zh-TW" dirty="0">
                 <a:latin typeface="+mn-ea"/>
                 <a:cs typeface="Times New Roman" panose="02020603050405020304" pitchFamily="18" charset="0"/>
               </a:rPr>
               <a:t>、</a:t>
             </a:r>
             <a:r>
-              <a:rPr lang="en-US" altLang="zh-TW" sz="1600" dirty="0">
+              <a:rPr lang="en-US" altLang="zh-TW" dirty="0">
                 <a:latin typeface="+mn-ea"/>
                 <a:cs typeface="Times New Roman" panose="02020603050405020304" pitchFamily="18" charset="0"/>
               </a:rPr>
               <a:t>”3D</a:t>
             </a:r>
             <a:r>
-              <a:rPr lang="zh-TW" altLang="zh-TW" sz="1600" dirty="0">
+              <a:rPr lang="zh-TW" altLang="zh-TW" dirty="0">
                 <a:latin typeface="+mn-ea"/>
                 <a:cs typeface="Times New Roman" panose="02020603050405020304" pitchFamily="18" charset="0"/>
               </a:rPr>
               <a:t>模型與真實照片</a:t>
             </a:r>
             <a:r>
-              <a:rPr lang="en-US" altLang="zh-TW" sz="1600" dirty="0">
+              <a:rPr lang="en-US" altLang="zh-TW" dirty="0">
                 <a:latin typeface="+mn-ea"/>
                 <a:cs typeface="Times New Roman" panose="02020603050405020304" pitchFamily="18" charset="0"/>
               </a:rPr>
               <a:t>”</a:t>
             </a:r>
             <a:r>
-              <a:rPr lang="zh-TW" altLang="zh-TW" sz="1600" dirty="0" smtClean="0">
+              <a:rPr lang="zh-TW" altLang="zh-TW" dirty="0" smtClean="0">
                 <a:latin typeface="+mn-ea"/>
                 <a:cs typeface="Times New Roman" panose="02020603050405020304" pitchFamily="18" charset="0"/>
               </a:rPr>
               <a:t>等關鍵字</a:t>
             </a:r>
-            <a:endParaRPr lang="en-US" altLang="zh-TW" sz="1600" dirty="0" smtClean="0">
+            <a:endParaRPr lang="en-US" altLang="zh-TW" dirty="0" smtClean="0">
               <a:latin typeface="+mn-ea"/>
               <a:cs typeface="Times New Roman" panose="02020603050405020304" pitchFamily="18" charset="0"/>
             </a:endParaRPr>
           </a:p>
           <a:p>
-            <a:endParaRPr lang="en-US" altLang="zh-TW" sz="1600" dirty="0" smtClean="0">
+            <a:endParaRPr lang="en-US" altLang="zh-TW" dirty="0" smtClean="0">
               <a:latin typeface="+mn-ea"/>
               <a:cs typeface="Times New Roman" panose="02020603050405020304" pitchFamily="18" charset="0"/>
             </a:endParaRPr>
@@ -23796,55 +23552,55 @@
               <a:buChar char="Ø"/>
             </a:pPr>
             <a:r>
-              <a:rPr lang="zh-TW" altLang="zh-TW" sz="1600" dirty="0" smtClean="0">
+              <a:rPr lang="zh-TW" altLang="zh-TW" dirty="0" smtClean="0">
                 <a:latin typeface="+mn-ea"/>
                 <a:cs typeface="Times New Roman" panose="02020603050405020304" pitchFamily="18" charset="0"/>
               </a:rPr>
               <a:t>與</a:t>
             </a:r>
             <a:r>
-              <a:rPr lang="zh-TW" altLang="zh-TW" sz="1600" dirty="0">
+              <a:rPr lang="zh-TW" altLang="zh-TW" dirty="0">
                 <a:latin typeface="+mn-ea"/>
                 <a:cs typeface="Times New Roman" panose="02020603050405020304" pitchFamily="18" charset="0"/>
               </a:rPr>
               <a:t>桃園市</a:t>
             </a:r>
             <a:r>
-              <a:rPr lang="zh-TW" altLang="zh-TW" sz="1600" dirty="0" smtClean="0">
+              <a:rPr lang="zh-TW" altLang="zh-TW" dirty="0" smtClean="0">
                 <a:latin typeface="+mn-ea"/>
                 <a:cs typeface="Times New Roman" panose="02020603050405020304" pitchFamily="18" charset="0"/>
               </a:rPr>
               <a:t>某</a:t>
             </a:r>
             <a:r>
-              <a:rPr lang="zh-TW" altLang="en-US" sz="1600" dirty="0" smtClean="0">
+              <a:rPr lang="zh-TW" altLang="en-US" dirty="0" smtClean="0">
                 <a:latin typeface="+mn-ea"/>
                 <a:cs typeface="Times New Roman" panose="02020603050405020304" pitchFamily="18" charset="0"/>
               </a:rPr>
               <a:t>室內</a:t>
             </a:r>
             <a:r>
-              <a:rPr lang="zh-TW" altLang="zh-TW" sz="1600" dirty="0" smtClean="0">
+              <a:rPr lang="zh-TW" altLang="zh-TW" dirty="0" smtClean="0">
                 <a:latin typeface="+mn-ea"/>
                 <a:cs typeface="Times New Roman" panose="02020603050405020304" pitchFamily="18" charset="0"/>
               </a:rPr>
               <a:t>設計</a:t>
             </a:r>
             <a:r>
-              <a:rPr lang="zh-TW" altLang="zh-TW" sz="1600" dirty="0">
+              <a:rPr lang="zh-TW" altLang="zh-TW" dirty="0">
                 <a:latin typeface="+mn-ea"/>
                 <a:cs typeface="Times New Roman" panose="02020603050405020304" pitchFamily="18" charset="0"/>
               </a:rPr>
               <a:t>公司</a:t>
             </a:r>
             <a:r>
-              <a:rPr lang="zh-TW" altLang="zh-TW" sz="1600" dirty="0" smtClean="0">
+              <a:rPr lang="zh-TW" altLang="zh-TW" dirty="0" smtClean="0">
                 <a:latin typeface="+mn-ea"/>
                 <a:cs typeface="Times New Roman" panose="02020603050405020304" pitchFamily="18" charset="0"/>
               </a:rPr>
               <a:t>合作</a:t>
             </a:r>
-            <a:endParaRPr lang="zh-TW" altLang="en-US" sz="1600" dirty="0">
+            <a:endParaRPr lang="zh-TW" altLang="en-US" dirty="0">
               <a:latin typeface="+mn-ea"/>
             </a:endParaRPr>
           </a:p>
@@ -24096,7 +23852,7 @@
         <p:spPr>
           <a:xfrm>
             <a:off x="1317072" y="1694576"/>
-            <a:ext cx="7083216" cy="830997"/>
+            <a:ext cx="7083216" cy="738664"/>
           </a:xfrm>
           <a:prstGeom prst="rect">
             <a:avLst/>
@@ -24113,28 +23869,28 @@
               <a:buChar char="Ø"/>
             </a:pPr>
             <a:r>
-              <a:rPr lang="zh-TW" altLang="en-US" sz="1600" dirty="0" smtClean="0">
+              <a:rPr lang="zh-TW" altLang="en-US" dirty="0" smtClean="0">
                 <a:latin typeface="+mn-ea"/>
                 <a:cs typeface="Times New Roman" panose="02020603050405020304" pitchFamily="18" charset="0"/>
               </a:rPr>
               <a:t>採用</a:t>
             </a:r>
             <a:r>
-              <a:rPr lang="en-US" altLang="zh-TW" sz="1600" dirty="0" err="1" smtClean="0"/>
+              <a:rPr lang="en-US" altLang="zh-TW" dirty="0" err="1" smtClean="0"/>
               <a:t>FastFCN</a:t>
             </a:r>
             <a:r>
-              <a:rPr lang="zh-TW" altLang="en-US" sz="1600" dirty="0" smtClean="0"/>
+              <a:rPr lang="zh-TW" altLang="en-US" dirty="0" smtClean="0"/>
               <a:t>進行</a:t>
             </a:r>
             <a:r>
-              <a:rPr lang="zh-TW" altLang="en-US" sz="1600" dirty="0" smtClean="0">
+              <a:rPr lang="zh-TW" altLang="en-US" dirty="0" smtClean="0">
                 <a:latin typeface="+mn-ea"/>
                 <a:cs typeface="Times New Roman" panose="02020603050405020304" pitchFamily="18" charset="0"/>
               </a:rPr>
               <a:t>語義分割，萃取出前景，增強資料集</a:t>
             </a:r>
-            <a:endParaRPr lang="en-US" altLang="zh-TW" sz="1600" dirty="0" smtClean="0">
+            <a:endParaRPr lang="en-US" altLang="zh-TW" dirty="0" smtClean="0">
               <a:latin typeface="+mn-ea"/>
               <a:cs typeface="Times New Roman" panose="02020603050405020304" pitchFamily="18" charset="0"/>
             </a:endParaRPr>
@@ -24144,7 +23900,7 @@
               <a:buFont typeface="Wingdings" panose="05000000000000000000" pitchFamily="2" charset="2"/>
               <a:buChar char="Ø"/>
             </a:pPr>
-            <a:endParaRPr lang="en-US" altLang="zh-TW" sz="1600" dirty="0" smtClean="0">
+            <a:endParaRPr lang="en-US" altLang="zh-TW" dirty="0" smtClean="0">
               <a:latin typeface="+mn-ea"/>
             </a:endParaRPr>
           </a:p>
@@ -24154,22 +23910,22 @@
               <a:buChar char="Ø"/>
             </a:pPr>
             <a:r>
-              <a:rPr lang="zh-TW" altLang="en-US" sz="1600" dirty="0" smtClean="0"/>
+              <a:rPr lang="zh-TW" altLang="en-US" dirty="0" smtClean="0"/>
               <a:t>將圖片</a:t>
             </a:r>
             <a:r>
-              <a:rPr lang="zh-TW" altLang="zh-TW" sz="1600" dirty="0" smtClean="0"/>
+              <a:rPr lang="zh-TW" altLang="zh-TW" dirty="0" smtClean="0"/>
               <a:t>左右</a:t>
             </a:r>
             <a:r>
-              <a:rPr lang="zh-TW" altLang="zh-TW" sz="1600" dirty="0"/>
+              <a:rPr lang="zh-TW" altLang="zh-TW" dirty="0"/>
               <a:t>翻轉、逆時針旋轉以及順時針</a:t>
             </a:r>
             <a:r>
-              <a:rPr lang="zh-TW" altLang="zh-TW" sz="1600" dirty="0" smtClean="0"/>
+              <a:rPr lang="zh-TW" altLang="zh-TW" dirty="0" smtClean="0"/>
               <a:t>旋轉</a:t>
             </a:r>
-            <a:endParaRPr lang="zh-TW" altLang="en-US" sz="1600" dirty="0">
+            <a:endParaRPr lang="zh-TW" altLang="en-US" dirty="0">
               <a:latin typeface="+mn-ea"/>
             </a:endParaRPr>
           </a:p>
@@ -24377,7 +24133,7 @@
         <p:spPr>
           <a:xfrm>
             <a:off x="1317072" y="1694576"/>
-            <a:ext cx="7083216" cy="1569660"/>
+            <a:ext cx="7083216" cy="1169551"/>
           </a:xfrm>
           <a:prstGeom prst="rect">
             <a:avLst/>
@@ -24394,23 +24150,23 @@
               <a:buAutoNum type="arabicPeriod"/>
             </a:pPr>
             <a:r>
-              <a:rPr lang="en-US" altLang="zh-TW" sz="1600" dirty="0"/>
+              <a:rPr lang="en-US" altLang="zh-TW" dirty="0"/>
               <a:t>GitHub</a:t>
             </a:r>
             <a:r>
-              <a:rPr lang="zh-TW" altLang="zh-TW" sz="1600" dirty="0"/>
+              <a:rPr lang="zh-TW" altLang="zh-TW" dirty="0"/>
               <a:t>上所提供的</a:t>
             </a:r>
             <a:r>
-              <a:rPr lang="en-US" altLang="zh-TW" sz="1600" dirty="0" err="1"/>
+              <a:rPr lang="en-US" altLang="zh-TW" dirty="0" err="1"/>
               <a:t>FastFCN</a:t>
             </a:r>
             <a:r>
-              <a:rPr lang="zh-TW" altLang="zh-TW" sz="1600" dirty="0"/>
+              <a:rPr lang="zh-TW" altLang="zh-TW" dirty="0"/>
               <a:t>的預訓練模型，且該模型使用的資料集為</a:t>
             </a:r>
             <a:r>
-              <a:rPr lang="en-US" altLang="zh-TW" sz="1600" dirty="0">
+              <a:rPr lang="en-US" altLang="zh-TW" dirty="0">
                 <a:solidFill>
                   <a:srgbClr val="FF0000"/>
                 </a:solidFill>
@@ -24418,11 +24174,11 @@
               <a:t>ADE20K</a:t>
             </a:r>
             <a:r>
-              <a:rPr lang="zh-TW" altLang="zh-TW" sz="1600" dirty="0"/>
+              <a:rPr lang="zh-TW" altLang="zh-TW" dirty="0"/>
               <a:t>，</a:t>
             </a:r>
             <a:r>
-              <a:rPr lang="en-US" altLang="zh-TW" sz="1600" dirty="0">
+              <a:rPr lang="en-US" altLang="zh-TW" dirty="0">
                 <a:solidFill>
                   <a:srgbClr val="FF0000"/>
                 </a:solidFill>
@@ -24430,53 +24186,53 @@
               <a:t>ADE20K</a:t>
             </a:r>
             <a:r>
-              <a:rPr lang="zh-TW" altLang="zh-TW" sz="1600" dirty="0"/>
+              <a:rPr lang="zh-TW" altLang="zh-TW" dirty="0"/>
               <a:t>的資料集擁有超過</a:t>
             </a:r>
             <a:r>
-              <a:rPr lang="en-US" altLang="zh-TW" sz="1600" dirty="0"/>
+              <a:rPr lang="en-US" altLang="zh-TW" dirty="0"/>
               <a:t>27000</a:t>
             </a:r>
             <a:r>
-              <a:rPr lang="zh-TW" altLang="zh-TW" sz="1600" dirty="0"/>
+              <a:rPr lang="zh-TW" altLang="zh-TW" dirty="0"/>
               <a:t>張圖片，其中</a:t>
             </a:r>
             <a:r>
-              <a:rPr lang="en-US" altLang="zh-TW" sz="1600" dirty="0"/>
+              <a:rPr lang="en-US" altLang="zh-TW" dirty="0"/>
               <a:t>25000</a:t>
             </a:r>
             <a:r>
-              <a:rPr lang="zh-TW" altLang="zh-TW" sz="1600" dirty="0"/>
+              <a:rPr lang="zh-TW" altLang="zh-TW" dirty="0"/>
               <a:t>張是訓練用的資料，</a:t>
             </a:r>
             <a:r>
-              <a:rPr lang="en-US" altLang="zh-TW" sz="1600" dirty="0"/>
+              <a:rPr lang="en-US" altLang="zh-TW" dirty="0"/>
               <a:t>2000</a:t>
             </a:r>
             <a:r>
-              <a:rPr lang="zh-TW" altLang="zh-TW" sz="1600" dirty="0"/>
+              <a:rPr lang="zh-TW" altLang="zh-TW" dirty="0"/>
               <a:t>張是驗證用的，其中包含建築的部分有</a:t>
             </a:r>
             <a:r>
-              <a:rPr lang="en-US" altLang="zh-TW" sz="1600" dirty="0"/>
+              <a:rPr lang="en-US" altLang="zh-TW" dirty="0"/>
               <a:t>10.7</a:t>
             </a:r>
             <a:r>
-              <a:rPr lang="en-US" altLang="zh-TW" sz="1600" dirty="0" smtClean="0"/>
+              <a:rPr lang="en-US" altLang="zh-TW" dirty="0" smtClean="0"/>
               <a:t>%</a:t>
             </a:r>
             <a:r>
-              <a:rPr lang="zh-TW" altLang="zh-TW" sz="1600" dirty="0" smtClean="0"/>
+              <a:rPr lang="zh-TW" altLang="zh-TW" dirty="0" smtClean="0"/>
               <a:t>。</a:t>
             </a:r>
-            <a:endParaRPr lang="en-US" altLang="zh-TW" sz="1600" dirty="0" smtClean="0"/>
+            <a:endParaRPr lang="en-US" altLang="zh-TW" dirty="0" smtClean="0"/>
           </a:p>
           <a:p>
             <a:pPr marL="342900" indent="-342900">
               <a:buFont typeface="+mj-lt"/>
               <a:buAutoNum type="arabicPeriod"/>
             </a:pPr>
-            <a:endParaRPr lang="en-US" altLang="zh-TW" sz="1600" dirty="0" smtClean="0"/>
+            <a:endParaRPr lang="en-US" altLang="zh-TW" dirty="0" smtClean="0"/>
           </a:p>
           <a:p>
             <a:pPr marL="342900" indent="-342900">
@@ -24484,30 +24240,30 @@
               <a:buAutoNum type="arabicPeriod"/>
             </a:pPr>
             <a:r>
-              <a:rPr lang="en-US" altLang="zh-TW" sz="1600" dirty="0" err="1"/>
+              <a:rPr lang="en-US" altLang="zh-TW" dirty="0" err="1"/>
               <a:t>OpenCV</a:t>
             </a:r>
             <a:r>
-              <a:rPr lang="zh-TW" altLang="zh-TW" sz="1600" dirty="0"/>
+              <a:rPr lang="zh-TW" altLang="zh-TW" dirty="0"/>
               <a:t>把目標圖中的背景去掉，產出保留前景的遮罩圖檔，再丟</a:t>
             </a:r>
             <a:r>
-              <a:rPr lang="zh-TW" altLang="zh-TW" sz="1600" dirty="0" smtClean="0"/>
+              <a:rPr lang="zh-TW" altLang="zh-TW" dirty="0" smtClean="0"/>
               <a:t>入</a:t>
             </a:r>
             <a:r>
-              <a:rPr lang="en-US" altLang="zh-TW" sz="1600" dirty="0" smtClean="0"/>
+              <a:rPr lang="en-US" altLang="zh-TW" dirty="0" smtClean="0"/>
               <a:t>GAN</a:t>
             </a:r>
             <a:r>
-              <a:rPr lang="zh-TW" altLang="zh-TW" sz="1600" dirty="0" smtClean="0"/>
+              <a:rPr lang="zh-TW" altLang="zh-TW" dirty="0" smtClean="0"/>
               <a:t>進行</a:t>
             </a:r>
             <a:r>
-              <a:rPr lang="zh-TW" altLang="zh-TW" sz="1600" dirty="0"/>
+              <a:rPr lang="zh-TW" altLang="zh-TW" dirty="0"/>
               <a:t>訓練</a:t>
             </a:r>
-            <a:endParaRPr lang="zh-TW" altLang="en-US" sz="1600" dirty="0">
+            <a:endParaRPr lang="zh-TW" altLang="en-US" dirty="0">
               <a:latin typeface="+mn-ea"/>
             </a:endParaRPr>
           </a:p>
@@ -24885,7 +24641,7 @@
         <p:spPr>
           <a:xfrm>
             <a:off x="1317072" y="1694576"/>
-            <a:ext cx="7083216" cy="2062103"/>
+            <a:ext cx="7083216" cy="1815882"/>
           </a:xfrm>
           <a:prstGeom prst="rect">
             <a:avLst/>
@@ -24902,57 +24658,57 @@
               <a:buChar char="Ø"/>
             </a:pPr>
             <a:r>
-              <a:rPr lang="en-US" altLang="zh-TW" sz="1600" dirty="0" smtClean="0"/>
+              <a:rPr lang="en-US" altLang="zh-TW" dirty="0" smtClean="0"/>
               <a:t>Pix2pix</a:t>
             </a:r>
             <a:r>
-              <a:rPr lang="zh-TW" altLang="en-US" sz="1600" dirty="0" smtClean="0"/>
+              <a:rPr lang="zh-TW" altLang="en-US" dirty="0" smtClean="0"/>
               <a:t>參數將</a:t>
             </a:r>
             <a:r>
-              <a:rPr lang="zh-TW" altLang="zh-TW" sz="1600" dirty="0" smtClean="0"/>
+              <a:rPr lang="zh-TW" altLang="zh-TW" dirty="0" smtClean="0"/>
               <a:t>參考</a:t>
             </a:r>
             <a:r>
-              <a:rPr lang="en-US" altLang="zh-TW" sz="1600" dirty="0" err="1"/>
+              <a:rPr lang="en-US" altLang="zh-TW" dirty="0" err="1"/>
               <a:t>Kamyar</a:t>
             </a:r>
             <a:r>
-              <a:rPr lang="en-US" altLang="zh-TW" sz="1600" dirty="0"/>
+              <a:rPr lang="en-US" altLang="zh-TW" dirty="0"/>
               <a:t> </a:t>
             </a:r>
             <a:r>
-              <a:rPr lang="en-US" altLang="zh-TW" sz="1600" dirty="0" err="1"/>
+              <a:rPr lang="en-US" altLang="zh-TW" dirty="0" err="1"/>
               <a:t>Nazeri</a:t>
             </a:r>
             <a:r>
-              <a:rPr lang="zh-TW" altLang="zh-TW" sz="1600" dirty="0"/>
+              <a:rPr lang="zh-TW" altLang="zh-TW" dirty="0"/>
               <a:t>於</a:t>
             </a:r>
             <a:r>
-              <a:rPr lang="en-US" altLang="zh-TW" sz="1600" dirty="0"/>
+              <a:rPr lang="en-US" altLang="zh-TW" dirty="0"/>
               <a:t>GitHub</a:t>
             </a:r>
             <a:r>
-              <a:rPr lang="zh-TW" altLang="zh-TW" sz="1600" dirty="0"/>
+              <a:rPr lang="zh-TW" altLang="zh-TW" dirty="0"/>
               <a:t>中使用的</a:t>
             </a:r>
             <a:r>
-              <a:rPr lang="en-US" altLang="zh-TW" sz="1600" dirty="0"/>
+              <a:rPr lang="en-US" altLang="zh-TW" dirty="0"/>
               <a:t>places365</a:t>
             </a:r>
             <a:r>
-              <a:rPr lang="zh-TW" altLang="zh-TW" sz="1600" dirty="0"/>
+              <a:rPr lang="zh-TW" altLang="zh-TW" dirty="0"/>
               <a:t>的資料</a:t>
             </a:r>
             <a:r>
-              <a:rPr lang="zh-TW" altLang="zh-TW" sz="1600" dirty="0" smtClean="0"/>
+              <a:rPr lang="zh-TW" altLang="zh-TW" dirty="0" smtClean="0"/>
               <a:t>集</a:t>
             </a:r>
-            <a:endParaRPr lang="en-US" altLang="zh-TW" sz="1600" dirty="0" smtClean="0"/>
-          </a:p>
-          <a:p>
-            <a:endParaRPr lang="en-US" altLang="zh-TW" sz="1600" dirty="0" smtClean="0"/>
+            <a:endParaRPr lang="en-US" altLang="zh-TW" dirty="0" smtClean="0"/>
+          </a:p>
+          <a:p>
+            <a:endParaRPr lang="en-US" altLang="zh-TW" dirty="0" smtClean="0"/>
           </a:p>
           <a:p>
             <a:pPr marL="285750" indent="-285750">
@@ -24960,48 +24716,48 @@
               <a:buChar char="Ø"/>
             </a:pPr>
             <a:r>
-              <a:rPr lang="zh-TW" altLang="en-US" sz="1600" dirty="0" smtClean="0">
+              <a:rPr lang="zh-TW" altLang="en-US" dirty="0" smtClean="0">
                 <a:latin typeface="+mn-ea"/>
               </a:rPr>
               <a:t>圖片以</a:t>
             </a:r>
             <a:r>
-              <a:rPr lang="en-US" altLang="zh-TW" sz="1600" dirty="0">
+              <a:rPr lang="en-US" altLang="zh-TW" dirty="0">
                 <a:latin typeface="+mn-ea"/>
               </a:rPr>
               <a:t>256</a:t>
             </a:r>
             <a:r>
-              <a:rPr lang="zh-TW" altLang="en-US" sz="1600" dirty="0">
+              <a:rPr lang="zh-TW" altLang="en-US" dirty="0">
                 <a:latin typeface="+mn-ea"/>
               </a:rPr>
               <a:t>*</a:t>
             </a:r>
             <a:r>
-              <a:rPr lang="en-US" altLang="zh-TW" sz="1600" dirty="0">
+              <a:rPr lang="en-US" altLang="zh-TW" dirty="0">
                 <a:latin typeface="+mn-ea"/>
               </a:rPr>
               <a:t>256</a:t>
             </a:r>
             <a:r>
-              <a:rPr lang="zh-TW" altLang="en-US" sz="1600" dirty="0">
+              <a:rPr lang="zh-TW" altLang="en-US" dirty="0">
                 <a:latin typeface="+mn-ea"/>
               </a:rPr>
               <a:t>*</a:t>
             </a:r>
             <a:r>
-              <a:rPr lang="en-US" altLang="zh-TW" sz="1600" dirty="0" smtClean="0">
+              <a:rPr lang="en-US" altLang="zh-TW" dirty="0" smtClean="0">
                 <a:latin typeface="+mn-ea"/>
               </a:rPr>
               <a:t>3</a:t>
             </a:r>
             <a:r>
-              <a:rPr lang="zh-TW" altLang="en-US" sz="1600" dirty="0" smtClean="0">
+              <a:rPr lang="zh-TW" altLang="en-US" dirty="0" smtClean="0">
                 <a:latin typeface="+mn-ea"/>
               </a:rPr>
               <a:t>作為輸入與輸出</a:t>
             </a:r>
-            <a:endParaRPr lang="en-US" altLang="zh-TW" sz="1600" dirty="0" smtClean="0">
+            <a:endParaRPr lang="en-US" altLang="zh-TW" dirty="0" smtClean="0">
               <a:latin typeface="+mn-ea"/>
             </a:endParaRPr>
           </a:p>
@@ -25010,7 +24766,7 @@
               <a:buFont typeface="Wingdings" panose="05000000000000000000" pitchFamily="2" charset="2"/>
               <a:buChar char="Ø"/>
             </a:pPr>
-            <a:endParaRPr lang="en-US" altLang="zh-TW" sz="1600" dirty="0" smtClean="0">
+            <a:endParaRPr lang="en-US" altLang="zh-TW" dirty="0" smtClean="0">
               <a:latin typeface="+mn-ea"/>
             </a:endParaRPr>
           </a:p>
@@ -25020,36 +24776,36 @@
               <a:buChar char="Ø"/>
             </a:pPr>
             <a:r>
-              <a:rPr lang="zh-TW" altLang="en-US" sz="1600" dirty="0"/>
+              <a:rPr lang="zh-TW" altLang="en-US" dirty="0"/>
               <a:t>引導影像濾波層參數將</a:t>
             </a:r>
             <a:r>
-              <a:rPr lang="zh-TW" altLang="zh-TW" sz="1600" dirty="0"/>
+              <a:rPr lang="zh-TW" altLang="zh-TW" dirty="0"/>
               <a:t>參考</a:t>
             </a:r>
             <a:r>
-              <a:rPr lang="en-US" altLang="zh-TW" sz="1600" dirty="0" err="1"/>
+              <a:rPr lang="en-US" altLang="zh-TW" dirty="0" err="1"/>
               <a:t>Qirong</a:t>
             </a:r>
             <a:r>
-              <a:rPr lang="en-US" altLang="zh-TW" sz="1600" dirty="0"/>
+              <a:rPr lang="en-US" altLang="zh-TW" dirty="0"/>
               <a:t> Bu(2020)</a:t>
             </a:r>
             <a:r>
-              <a:rPr lang="zh-TW" altLang="zh-TW" sz="1600" dirty="0"/>
+              <a:rPr lang="zh-TW" altLang="zh-TW" dirty="0"/>
               <a:t> </a:t>
             </a:r>
             <a:r>
-              <a:rPr lang="zh-TW" altLang="en-US" sz="1600" dirty="0"/>
+              <a:rPr lang="zh-TW" altLang="en-US" dirty="0"/>
               <a:t>的去霧網路作為參考</a:t>
             </a:r>
-            <a:endParaRPr lang="en-US" altLang="zh-TW" sz="1600" dirty="0"/>
-          </a:p>
-          <a:p>
-            <a:endParaRPr lang="en-US" altLang="zh-TW" sz="1600" dirty="0"/>
-          </a:p>
-          <a:p>
-            <a:endParaRPr lang="en-US" altLang="zh-TW" sz="1600" dirty="0" smtClean="0">
+            <a:endParaRPr lang="en-US" altLang="zh-TW" dirty="0"/>
+          </a:p>
+          <a:p>
+            <a:endParaRPr lang="en-US" altLang="zh-TW" dirty="0"/>
+          </a:p>
+          <a:p>
+            <a:endParaRPr lang="en-US" altLang="zh-TW" dirty="0" smtClean="0">
               <a:latin typeface="+mn-ea"/>
             </a:endParaRPr>
           </a:p>
@@ -25058,7 +24814,7 @@
               <a:buFont typeface="Wingdings" panose="05000000000000000000" pitchFamily="2" charset="2"/>
               <a:buChar char="Ø"/>
             </a:pPr>
-            <a:endParaRPr lang="zh-TW" altLang="en-US" sz="1600" dirty="0">
+            <a:endParaRPr lang="zh-TW" altLang="en-US" dirty="0">
               <a:latin typeface="+mn-ea"/>
             </a:endParaRPr>
           </a:p>
@@ -25256,7 +25012,7 @@
         <p:spPr>
           <a:xfrm>
             <a:off x="1317072" y="1694576"/>
-            <a:ext cx="7083216" cy="1077218"/>
+            <a:ext cx="7083216" cy="954107"/>
           </a:xfrm>
           <a:prstGeom prst="rect">
             <a:avLst/>
@@ -25273,15 +25029,15 @@
               <a:buChar char="Ø"/>
             </a:pPr>
             <a:r>
-              <a:rPr lang="zh-TW" altLang="en-US" sz="1600" dirty="0"/>
+              <a:rPr lang="zh-TW" altLang="en-US" dirty="0"/>
               <a:t>編碼</a:t>
             </a:r>
             <a:r>
-              <a:rPr lang="zh-TW" altLang="en-US" sz="1600" dirty="0" smtClean="0"/>
+              <a:rPr lang="zh-TW" altLang="en-US" dirty="0" smtClean="0"/>
               <a:t>器</a:t>
             </a:r>
             <a:r>
-              <a:rPr lang="en-US" altLang="zh-TW" sz="1600" dirty="0" smtClean="0">
+              <a:rPr lang="en-US" altLang="zh-TW" dirty="0" smtClean="0">
                 <a:latin typeface="+mn-ea"/>
               </a:rPr>
               <a:t>:</a:t>
@@ -25290,78 +25046,78 @@
           <a:p>
             <a:pPr lvl="1"/>
             <a:r>
-              <a:rPr lang="en-US" altLang="zh-TW" sz="1600" dirty="0" smtClean="0">
+              <a:rPr lang="en-US" altLang="zh-TW" dirty="0" smtClean="0">
                 <a:latin typeface="+mn-ea"/>
               </a:rPr>
               <a:t>4</a:t>
             </a:r>
             <a:r>
-              <a:rPr lang="zh-TW" altLang="en-US" sz="1600" dirty="0" smtClean="0">
+              <a:rPr lang="zh-TW" altLang="en-US" dirty="0" smtClean="0">
                 <a:latin typeface="+mn-ea"/>
               </a:rPr>
               <a:t>*</a:t>
             </a:r>
             <a:r>
-              <a:rPr lang="en-US" altLang="zh-TW" sz="1600" dirty="0" smtClean="0">
+              <a:rPr lang="en-US" altLang="zh-TW" dirty="0" smtClean="0">
                 <a:latin typeface="+mn-ea"/>
               </a:rPr>
               <a:t>4</a:t>
             </a:r>
             <a:r>
-              <a:rPr lang="zh-TW" altLang="en-US" sz="1600" dirty="0" smtClean="0">
+              <a:rPr lang="zh-TW" altLang="en-US" dirty="0" smtClean="0">
                 <a:latin typeface="+mn-ea"/>
               </a:rPr>
               <a:t>卷積層組成</a:t>
             </a:r>
-            <a:endParaRPr lang="en-US" altLang="zh-TW" sz="1600" dirty="0" smtClean="0">
+            <a:endParaRPr lang="en-US" altLang="zh-TW" dirty="0" smtClean="0">
               <a:latin typeface="+mn-ea"/>
             </a:endParaRPr>
           </a:p>
           <a:p>
             <a:pPr lvl="1"/>
             <a:r>
-              <a:rPr lang="zh-TW" altLang="en-US" sz="1600" dirty="0">
+              <a:rPr lang="zh-TW" altLang="en-US" dirty="0">
                 <a:latin typeface="+mn-ea"/>
               </a:rPr>
               <a:t>批次</a:t>
             </a:r>
             <a:r>
-              <a:rPr lang="zh-TW" altLang="en-US" sz="1600" dirty="0" smtClean="0">
+              <a:rPr lang="zh-TW" altLang="en-US" dirty="0" smtClean="0">
                 <a:latin typeface="+mn-ea"/>
               </a:rPr>
               <a:t>標準化</a:t>
             </a:r>
-            <a:endParaRPr lang="en-US" altLang="zh-TW" sz="1600" dirty="0" smtClean="0">
+            <a:endParaRPr lang="en-US" altLang="zh-TW" dirty="0" smtClean="0">
               <a:latin typeface="+mn-ea"/>
             </a:endParaRPr>
           </a:p>
           <a:p>
             <a:pPr lvl="1"/>
             <a:r>
-              <a:rPr lang="zh-TW" altLang="en-US" sz="1600" dirty="0">
+              <a:rPr lang="zh-TW" altLang="en-US" dirty="0">
                 <a:latin typeface="+mn-ea"/>
               </a:rPr>
               <a:t>激活函</a:t>
             </a:r>
             <a:r>
-              <a:rPr lang="zh-TW" altLang="en-US" sz="1600" dirty="0" smtClean="0">
+              <a:rPr lang="zh-TW" altLang="en-US" dirty="0" smtClean="0">
                 <a:latin typeface="+mn-ea"/>
               </a:rPr>
               <a:t>式</a:t>
             </a:r>
             <a:r>
-              <a:rPr lang="en-US" altLang="zh-TW" sz="1600" dirty="0" smtClean="0">
+              <a:rPr lang="en-US" altLang="zh-TW" dirty="0" smtClean="0">
                 <a:latin typeface="+mn-ea"/>
               </a:rPr>
               <a:t>:Leaky-</a:t>
             </a:r>
             <a:r>
-              <a:rPr lang="en-US" altLang="zh-TW" sz="1600" dirty="0" err="1" smtClean="0">
+              <a:rPr lang="en-US" altLang="zh-TW" dirty="0" err="1" smtClean="0">
                 <a:latin typeface="+mn-ea"/>
               </a:rPr>
               <a:t>ReLU</a:t>
             </a:r>
-            <a:endParaRPr lang="zh-TW" altLang="en-US" sz="1600" dirty="0">
+            <a:endParaRPr lang="zh-TW" altLang="en-US" dirty="0">
               <a:latin typeface="+mn-ea"/>
             </a:endParaRPr>
           </a:p>
@@ -25376,7 +25132,7 @@
         <p:spPr>
           <a:xfrm>
             <a:off x="1332174" y="2771794"/>
-            <a:ext cx="7083216" cy="830997"/>
+            <a:ext cx="7083216" cy="738664"/>
           </a:xfrm>
           <a:prstGeom prst="rect">
             <a:avLst/>
@@ -25393,73 +25149,72 @@
               <a:buChar char="Ø"/>
             </a:pPr>
             <a:r>
-              <a:rPr lang="zh-TW" altLang="en-US" sz="1600" dirty="0"/>
+              <a:rPr lang="zh-TW" altLang="en-US" dirty="0"/>
               <a:t>影像濾波</a:t>
             </a:r>
             <a:r>
-              <a:rPr lang="zh-TW" altLang="en-US" sz="1600" dirty="0" smtClean="0"/>
+              <a:rPr lang="zh-TW" altLang="en-US" dirty="0" smtClean="0"/>
               <a:t>層</a:t>
             </a:r>
             <a:r>
-              <a:rPr lang="en-US" altLang="zh-TW" sz="1600" dirty="0" smtClean="0"/>
+              <a:rPr lang="en-US" altLang="zh-TW" dirty="0" smtClean="0"/>
               <a:t>:</a:t>
             </a:r>
           </a:p>
           <a:p>
             <a:pPr lvl="1"/>
             <a:r>
-              <a:rPr lang="zh-TW" altLang="zh-TW" sz="1600" dirty="0"/>
+              <a:rPr lang="zh-TW" altLang="zh-TW" dirty="0"/>
               <a:t>平滑內核</a:t>
             </a:r>
             <a:r>
-              <a:rPr lang="zh-TW" altLang="zh-TW" sz="1600" dirty="0" smtClean="0"/>
+              <a:rPr lang="zh-TW" altLang="zh-TW" dirty="0" smtClean="0"/>
               <a:t>半徑</a:t>
             </a:r>
             <a:r>
-              <a:rPr lang="zh-TW" altLang="en-US" sz="1600" dirty="0" smtClean="0"/>
+              <a:rPr lang="zh-TW" altLang="en-US" dirty="0" smtClean="0"/>
               <a:t> </a:t>
             </a:r>
             <a:r>
-              <a:rPr lang="en-US" altLang="zh-TW" sz="1600" dirty="0" smtClean="0"/>
+              <a:rPr lang="en-US" altLang="zh-TW" dirty="0" smtClean="0"/>
               <a:t>{2,4,6}</a:t>
             </a:r>
-            <a:endParaRPr lang="en-US" altLang="zh-TW" sz="1600" dirty="0" smtClean="0"/>
           </a:p>
           <a:p>
             <a:pPr lvl="1"/>
             <a:r>
-              <a:rPr lang="zh-TW" altLang="zh-TW" sz="1600" dirty="0" smtClean="0"/>
+              <a:rPr lang="zh-TW" altLang="zh-TW" dirty="0" smtClean="0"/>
               <a:t>正</a:t>
             </a:r>
             <a:r>
-              <a:rPr lang="zh-TW" altLang="zh-TW" sz="1600" dirty="0"/>
+              <a:rPr lang="zh-TW" altLang="zh-TW" dirty="0"/>
               <a:t>則化</a:t>
             </a:r>
             <a:r>
-              <a:rPr lang="zh-TW" altLang="zh-TW" sz="1600" dirty="0" smtClean="0"/>
+              <a:rPr lang="zh-TW" altLang="zh-TW" dirty="0" smtClean="0"/>
               <a:t>係數</a:t>
             </a:r>
             <a:r>
-              <a:rPr lang="zh-TW" altLang="en-US" sz="1600" dirty="0" smtClean="0"/>
+              <a:rPr lang="zh-TW" altLang="en-US" dirty="0" smtClean="0"/>
               <a:t> </a:t>
             </a:r>
             <a:r>
-              <a:rPr lang="en-US" altLang="zh-TW" sz="1600" dirty="0"/>
+              <a:rPr lang="en-US" altLang="zh-TW" dirty="0"/>
               <a:t>{</a:t>
             </a:r>
             <a:r>
-              <a:rPr lang="en-US" altLang="zh-TW" sz="1600" dirty="0" smtClean="0"/>
+              <a:rPr lang="en-US" altLang="zh-TW" dirty="0" smtClean="0"/>
               <a:t>0.001</a:t>
             </a:r>
             <a:r>
-              <a:rPr lang="en-US" altLang="zh-TW" sz="1600" dirty="0"/>
+              <a:rPr lang="en-US" altLang="zh-TW" dirty="0"/>
               <a:t>,</a:t>
             </a:r>
             <a:r>
-              <a:rPr lang="en-US" altLang="zh-TW" sz="1600" dirty="0" smtClean="0"/>
+              <a:rPr lang="en-US" altLang="zh-TW" dirty="0" smtClean="0"/>
               <a:t>0.0001}</a:t>
             </a:r>
-            <a:endParaRPr lang="zh-TW" altLang="en-US" sz="1600" dirty="0">
+            <a:endParaRPr lang="zh-TW" altLang="en-US" dirty="0">
               <a:latin typeface="+mn-ea"/>
             </a:endParaRPr>
           </a:p>
@@ -25474,7 +25229,7 @@
         <p:spPr>
           <a:xfrm>
             <a:off x="1332174" y="3602791"/>
-            <a:ext cx="7083216" cy="1077218"/>
+            <a:ext cx="7083216" cy="954107"/>
           </a:xfrm>
           <a:prstGeom prst="rect">
             <a:avLst/>
@@ -25491,136 +25246,136 @@
               <a:buChar char="Ø"/>
             </a:pPr>
             <a:r>
-              <a:rPr lang="zh-TW" altLang="en-US" sz="1600" dirty="0" smtClean="0"/>
+              <a:rPr lang="zh-TW" altLang="en-US" dirty="0" smtClean="0"/>
               <a:t>解碼器</a:t>
             </a:r>
             <a:r>
-              <a:rPr lang="en-US" altLang="zh-TW" sz="1600" dirty="0" smtClean="0"/>
+              <a:rPr lang="en-US" altLang="zh-TW" dirty="0" smtClean="0"/>
               <a:t>:</a:t>
             </a:r>
           </a:p>
           <a:p>
             <a:pPr lvl="1"/>
             <a:r>
-              <a:rPr lang="en-US" altLang="zh-TW" sz="1600" dirty="0">
+              <a:rPr lang="en-US" altLang="zh-TW" dirty="0">
                 <a:latin typeface="+mn-ea"/>
               </a:rPr>
               <a:t>4</a:t>
             </a:r>
             <a:r>
-              <a:rPr lang="zh-TW" altLang="en-US" sz="1600" dirty="0">
+              <a:rPr lang="zh-TW" altLang="en-US" dirty="0">
                 <a:latin typeface="+mn-ea"/>
               </a:rPr>
               <a:t>*</a:t>
             </a:r>
             <a:r>
-              <a:rPr lang="en-US" altLang="zh-TW" sz="1600" dirty="0">
+              <a:rPr lang="en-US" altLang="zh-TW" dirty="0">
                 <a:latin typeface="+mn-ea"/>
               </a:rPr>
               <a:t>4</a:t>
             </a:r>
             <a:r>
-              <a:rPr lang="zh-TW" altLang="en-US" sz="1600" dirty="0">
+              <a:rPr lang="zh-TW" altLang="en-US" dirty="0">
                 <a:latin typeface="+mn-ea"/>
               </a:rPr>
               <a:t>卷積層組成</a:t>
             </a:r>
-            <a:endParaRPr lang="en-US" altLang="zh-TW" sz="1600" dirty="0">
+            <a:endParaRPr lang="en-US" altLang="zh-TW" dirty="0">
               <a:latin typeface="+mn-ea"/>
             </a:endParaRPr>
           </a:p>
           <a:p>
             <a:pPr lvl="1"/>
             <a:r>
-              <a:rPr lang="zh-TW" altLang="zh-TW" sz="1600" dirty="0"/>
+              <a:rPr lang="zh-TW" altLang="zh-TW" dirty="0"/>
               <a:t>每</a:t>
             </a:r>
             <a:r>
-              <a:rPr lang="en-US" altLang="zh-TW" sz="1600" dirty="0" err="1"/>
+              <a:rPr lang="en-US" altLang="zh-TW" dirty="0" err="1"/>
               <a:t>i</a:t>
             </a:r>
             <a:r>
-              <a:rPr lang="zh-TW" altLang="zh-TW" sz="1600" dirty="0"/>
+              <a:rPr lang="zh-TW" altLang="zh-TW" dirty="0"/>
               <a:t>層的編碼器與</a:t>
             </a:r>
             <a:r>
-              <a:rPr lang="en-US" altLang="zh-TW" sz="1600" dirty="0"/>
+              <a:rPr lang="en-US" altLang="zh-TW" dirty="0"/>
               <a:t>n-</a:t>
             </a:r>
             <a:r>
-              <a:rPr lang="en-US" altLang="zh-TW" sz="1600" dirty="0" err="1"/>
+              <a:rPr lang="en-US" altLang="zh-TW" dirty="0" err="1"/>
               <a:t>i</a:t>
             </a:r>
             <a:r>
-              <a:rPr lang="zh-TW" altLang="zh-TW" sz="1600" dirty="0"/>
+              <a:rPr lang="zh-TW" altLang="zh-TW" dirty="0"/>
               <a:t>層的解碼器做</a:t>
             </a:r>
             <a:r>
-              <a:rPr lang="zh-TW" altLang="zh-TW" sz="1600" dirty="0" smtClean="0"/>
+              <a:rPr lang="zh-TW" altLang="zh-TW" dirty="0" smtClean="0"/>
               <a:t>連接</a:t>
             </a:r>
             <a:r>
-              <a:rPr lang="en-US" altLang="zh-TW" sz="1600" dirty="0" smtClean="0"/>
+              <a:rPr lang="en-US" altLang="zh-TW" dirty="0" smtClean="0"/>
               <a:t>(U-net</a:t>
             </a:r>
             <a:r>
-              <a:rPr lang="zh-TW" altLang="en-US" sz="1600" dirty="0" smtClean="0"/>
+              <a:rPr lang="zh-TW" altLang="en-US" dirty="0" smtClean="0"/>
               <a:t>架構</a:t>
             </a:r>
             <a:r>
-              <a:rPr lang="en-US" altLang="zh-TW" sz="1600" dirty="0" smtClean="0"/>
+              <a:rPr lang="en-US" altLang="zh-TW" dirty="0" smtClean="0"/>
               <a:t>)</a:t>
             </a:r>
           </a:p>
           <a:p>
             <a:pPr lvl="1"/>
             <a:r>
-              <a:rPr lang="zh-TW" altLang="en-US" sz="1600" dirty="0" smtClean="0">
+              <a:rPr lang="zh-TW" altLang="en-US" dirty="0" smtClean="0">
                 <a:latin typeface="+mn-ea"/>
               </a:rPr>
               <a:t>中間層激活函式</a:t>
             </a:r>
             <a:r>
-              <a:rPr lang="en-US" altLang="zh-TW" sz="1600" dirty="0" smtClean="0">
+              <a:rPr lang="en-US" altLang="zh-TW" dirty="0" smtClean="0">
                 <a:latin typeface="+mn-ea"/>
               </a:rPr>
               <a:t>:</a:t>
             </a:r>
             <a:r>
-              <a:rPr lang="en-US" altLang="zh-TW" sz="1600" dirty="0" err="1" smtClean="0">
+              <a:rPr lang="en-US" altLang="zh-TW" dirty="0" err="1" smtClean="0">
                 <a:latin typeface="+mn-ea"/>
               </a:rPr>
               <a:t>ReLU</a:t>
             </a:r>
             <a:r>
-              <a:rPr lang="zh-TW" altLang="en-US" sz="1600" dirty="0" smtClean="0">
+              <a:rPr lang="zh-TW" altLang="en-US" dirty="0" smtClean="0">
                 <a:latin typeface="+mn-ea"/>
               </a:rPr>
               <a:t>、最後</a:t>
             </a:r>
             <a:r>
-              <a:rPr lang="zh-TW" altLang="en-US" sz="1600" dirty="0">
+              <a:rPr lang="zh-TW" altLang="en-US" dirty="0">
                 <a:latin typeface="+mn-ea"/>
               </a:rPr>
               <a:t>一層激活函</a:t>
             </a:r>
             <a:r>
-              <a:rPr lang="zh-TW" altLang="en-US" sz="1600" dirty="0" smtClean="0">
+              <a:rPr lang="zh-TW" altLang="en-US" dirty="0" smtClean="0">
                 <a:latin typeface="+mn-ea"/>
               </a:rPr>
               <a:t>式</a:t>
             </a:r>
             <a:r>
-              <a:rPr lang="en-US" altLang="zh-TW" sz="1600" dirty="0" smtClean="0">
+              <a:rPr lang="en-US" altLang="zh-TW" dirty="0" smtClean="0">
                 <a:latin typeface="+mn-ea"/>
               </a:rPr>
               <a:t>:</a:t>
             </a:r>
             <a:r>
-              <a:rPr lang="en-US" altLang="zh-TW" sz="1600" dirty="0" err="1"/>
+              <a:rPr lang="en-US" altLang="zh-TW" dirty="0" err="1"/>
               <a:t>tanh</a:t>
             </a:r>
-            <a:endParaRPr lang="zh-TW" altLang="en-US" sz="1600" dirty="0">
+            <a:endParaRPr lang="zh-TW" altLang="en-US" dirty="0">
               <a:latin typeface="+mn-ea"/>
             </a:endParaRPr>
           </a:p>
@@ -25786,25 +25541,7 @@
               <a:rPr lang="zh-TW" altLang="zh-TW" sz="1600" dirty="0" smtClean="0">
                 <a:latin typeface="+mn-ea"/>
               </a:rPr>
-              <a:t>室內設計逐延伸</a:t>
-            </a:r>
-            <a:r>
-              <a:rPr lang="zh-TW" altLang="zh-TW" sz="1600" dirty="0" smtClean="0">
-                <a:latin typeface="+mn-ea"/>
-              </a:rPr>
-              <a:t>出考慮到生活品質、居住品質、心理層面、視覺等因素，使</a:t>
-            </a:r>
-            <a:r>
-              <a:rPr lang="zh-TW" altLang="zh-TW" sz="1600" dirty="0" smtClean="0">
-                <a:latin typeface="+mn-ea"/>
-              </a:rPr>
-              <a:t>人類能</a:t>
-            </a:r>
-            <a:r>
-              <a:rPr lang="zh-TW" altLang="zh-TW" sz="1600" dirty="0" smtClean="0">
-                <a:latin typeface="+mn-ea"/>
-              </a:rPr>
-              <a:t>在生活、起居、心理、視覺等各方面得到無比的滿足，因此室內設計在現今的社會上已成了無法缺少的一塊產業。</a:t>
+              <a:t>室內設計逐延伸出考慮到生活品質、居住品質、心理層面、視覺等因素，使人類能在生活、起居、心理、視覺等各方面得到無比的滿足，因此室內設計在現今的社會上已成了無法缺少的一塊產業。</a:t>
             </a:r>
           </a:p>
           <a:p>
@@ -26095,7 +25832,7 @@
         <p:spPr>
           <a:xfrm>
             <a:off x="1317072" y="1694576"/>
-            <a:ext cx="7083216" cy="1323439"/>
+            <a:ext cx="7083216" cy="1169551"/>
           </a:xfrm>
           <a:prstGeom prst="rect">
             <a:avLst/>
@@ -26112,27 +25849,27 @@
               <a:buChar char="Ø"/>
             </a:pPr>
             <a:r>
-              <a:rPr lang="zh-TW" altLang="en-US" sz="1600" dirty="0"/>
+              <a:rPr lang="zh-TW" altLang="en-US" dirty="0"/>
               <a:t>判別</a:t>
             </a:r>
             <a:r>
-              <a:rPr lang="zh-TW" altLang="en-US" sz="1600" dirty="0" smtClean="0"/>
+              <a:rPr lang="zh-TW" altLang="en-US" dirty="0" smtClean="0"/>
               <a:t>器</a:t>
             </a:r>
             <a:r>
-              <a:rPr lang="en-US" altLang="zh-TW" sz="1600" dirty="0" smtClean="0"/>
+              <a:rPr lang="en-US" altLang="zh-TW" dirty="0" smtClean="0"/>
               <a:t>(</a:t>
             </a:r>
             <a:r>
-              <a:rPr lang="en-US" altLang="zh-TW" sz="1600" dirty="0" err="1" smtClean="0"/>
+              <a:rPr lang="en-US" altLang="zh-TW" dirty="0" err="1" smtClean="0"/>
               <a:t>PatchGAN</a:t>
             </a:r>
             <a:r>
-              <a:rPr lang="en-US" altLang="zh-TW" sz="1600" dirty="0" smtClean="0"/>
+              <a:rPr lang="en-US" altLang="zh-TW" dirty="0" smtClean="0"/>
               <a:t>)</a:t>
             </a:r>
             <a:r>
-              <a:rPr lang="en-US" altLang="zh-TW" sz="1600" dirty="0" smtClean="0">
+              <a:rPr lang="en-US" altLang="zh-TW" dirty="0" smtClean="0">
                 <a:latin typeface="+mn-ea"/>
               </a:rPr>
               <a:t>:</a:t>
@@ -26141,126 +25878,126 @@
           <a:p>
             <a:pPr lvl="1"/>
             <a:r>
-              <a:rPr lang="zh-TW" altLang="en-US" sz="1600" dirty="0">
+              <a:rPr lang="zh-TW" altLang="en-US" dirty="0">
                 <a:latin typeface="+mn-ea"/>
               </a:rPr>
               <a:t>切割</a:t>
             </a:r>
             <a:r>
-              <a:rPr lang="zh-TW" altLang="en-US" sz="1600" dirty="0" smtClean="0">
+              <a:rPr lang="zh-TW" altLang="en-US" dirty="0" smtClean="0">
                 <a:latin typeface="+mn-ea"/>
               </a:rPr>
               <a:t>成多個</a:t>
             </a:r>
             <a:r>
-              <a:rPr lang="en-US" altLang="zh-TW" sz="1600" dirty="0" smtClean="0">
+              <a:rPr lang="en-US" altLang="zh-TW" dirty="0" smtClean="0">
                 <a:latin typeface="+mn-ea"/>
               </a:rPr>
               <a:t>70*70</a:t>
             </a:r>
             <a:r>
-              <a:rPr lang="zh-TW" altLang="en-US" sz="1600" dirty="0" smtClean="0">
+              <a:rPr lang="zh-TW" altLang="en-US" dirty="0" smtClean="0">
                 <a:latin typeface="+mn-ea"/>
               </a:rPr>
               <a:t>大小的圖片</a:t>
             </a:r>
-            <a:endParaRPr lang="en-US" altLang="zh-TW" sz="1600" dirty="0" smtClean="0">
+            <a:endParaRPr lang="en-US" altLang="zh-TW" dirty="0" smtClean="0">
               <a:latin typeface="+mn-ea"/>
             </a:endParaRPr>
           </a:p>
           <a:p>
             <a:pPr lvl="1"/>
             <a:r>
-              <a:rPr lang="en-US" altLang="zh-TW" sz="1600" dirty="0" smtClean="0">
+              <a:rPr lang="en-US" altLang="zh-TW" dirty="0" smtClean="0">
                 <a:latin typeface="+mn-ea"/>
               </a:rPr>
               <a:t>4</a:t>
             </a:r>
             <a:r>
-              <a:rPr lang="zh-TW" altLang="en-US" sz="1600" dirty="0" smtClean="0">
+              <a:rPr lang="zh-TW" altLang="en-US" dirty="0" smtClean="0">
                 <a:latin typeface="+mn-ea"/>
               </a:rPr>
               <a:t>*</a:t>
             </a:r>
             <a:r>
-              <a:rPr lang="en-US" altLang="zh-TW" sz="1600" dirty="0" smtClean="0">
+              <a:rPr lang="en-US" altLang="zh-TW" dirty="0" smtClean="0">
                 <a:latin typeface="+mn-ea"/>
               </a:rPr>
               <a:t>4</a:t>
             </a:r>
             <a:r>
-              <a:rPr lang="zh-TW" altLang="en-US" sz="1600" dirty="0" smtClean="0">
+              <a:rPr lang="zh-TW" altLang="en-US" dirty="0" smtClean="0">
                 <a:latin typeface="+mn-ea"/>
               </a:rPr>
               <a:t>卷積層</a:t>
             </a:r>
-            <a:endParaRPr lang="en-US" altLang="zh-TW" sz="1600" dirty="0" smtClean="0">
+            <a:endParaRPr lang="en-US" altLang="zh-TW" dirty="0" smtClean="0">
               <a:latin typeface="+mn-ea"/>
             </a:endParaRPr>
           </a:p>
           <a:p>
             <a:pPr lvl="1"/>
             <a:r>
-              <a:rPr lang="zh-TW" altLang="en-US" sz="1600" dirty="0">
+              <a:rPr lang="zh-TW" altLang="en-US" dirty="0">
                 <a:latin typeface="+mn-ea"/>
               </a:rPr>
               <a:t>批次</a:t>
             </a:r>
             <a:r>
-              <a:rPr lang="zh-TW" altLang="en-US" sz="1600" dirty="0" smtClean="0">
+              <a:rPr lang="zh-TW" altLang="en-US" dirty="0" smtClean="0">
                 <a:latin typeface="+mn-ea"/>
               </a:rPr>
               <a:t>標準化</a:t>
             </a:r>
-            <a:endParaRPr lang="en-US" altLang="zh-TW" sz="1600" dirty="0" smtClean="0">
+            <a:endParaRPr lang="en-US" altLang="zh-TW" dirty="0" smtClean="0">
               <a:latin typeface="+mn-ea"/>
             </a:endParaRPr>
           </a:p>
           <a:p>
             <a:pPr lvl="1"/>
             <a:r>
-              <a:rPr lang="zh-TW" altLang="en-US" sz="1600" dirty="0" smtClean="0">
+              <a:rPr lang="zh-TW" altLang="en-US" dirty="0" smtClean="0">
                 <a:latin typeface="+mn-ea"/>
               </a:rPr>
               <a:t>中間層激</a:t>
             </a:r>
             <a:r>
-              <a:rPr lang="zh-TW" altLang="en-US" sz="1600" dirty="0">
+              <a:rPr lang="zh-TW" altLang="en-US" dirty="0">
                 <a:latin typeface="+mn-ea"/>
               </a:rPr>
               <a:t>活函</a:t>
             </a:r>
             <a:r>
-              <a:rPr lang="zh-TW" altLang="en-US" sz="1600" dirty="0" smtClean="0">
+              <a:rPr lang="zh-TW" altLang="en-US" dirty="0" smtClean="0">
                 <a:latin typeface="+mn-ea"/>
               </a:rPr>
               <a:t>式</a:t>
             </a:r>
             <a:r>
-              <a:rPr lang="en-US" altLang="zh-TW" sz="1600" dirty="0" smtClean="0">
+              <a:rPr lang="en-US" altLang="zh-TW" dirty="0" smtClean="0">
                 <a:latin typeface="+mn-ea"/>
               </a:rPr>
               <a:t>:Leaky-</a:t>
             </a:r>
             <a:r>
-              <a:rPr lang="en-US" altLang="zh-TW" sz="1600" dirty="0" err="1" smtClean="0">
+              <a:rPr lang="en-US" altLang="zh-TW" dirty="0" err="1" smtClean="0">
                 <a:latin typeface="+mn-ea"/>
               </a:rPr>
               <a:t>ReLU</a:t>
             </a:r>
             <a:r>
-              <a:rPr lang="zh-TW" altLang="en-US" sz="1600" dirty="0" smtClean="0">
+              <a:rPr lang="zh-TW" altLang="en-US" dirty="0" smtClean="0">
                 <a:latin typeface="+mn-ea"/>
               </a:rPr>
               <a:t>，最後一層</a:t>
             </a:r>
             <a:r>
-              <a:rPr lang="en-US" altLang="zh-TW" sz="1600" dirty="0" err="1" smtClean="0">
+              <a:rPr lang="en-US" altLang="zh-TW" dirty="0" err="1" smtClean="0">
                 <a:latin typeface="+mn-ea"/>
               </a:rPr>
               <a:t>softmax</a:t>
             </a:r>
-            <a:endParaRPr lang="en-US" altLang="zh-TW" sz="1600" dirty="0" smtClean="0">
+            <a:endParaRPr lang="en-US" altLang="zh-TW" dirty="0" smtClean="0">
               <a:latin typeface="+mn-ea"/>
             </a:endParaRPr>
           </a:p>
@@ -26448,7 +26185,7 @@
         <p:spPr>
           <a:xfrm>
             <a:off x="1254737" y="1710469"/>
-            <a:ext cx="7083216" cy="830997"/>
+            <a:ext cx="7083216" cy="700576"/>
           </a:xfrm>
           <a:prstGeom prst="rect">
             <a:avLst/>
@@ -26468,11 +26205,11 @@
               <a:buChar char="Ø"/>
             </a:pPr>
             <a:r>
-              <a:rPr lang="zh-TW" altLang="en-US" sz="1600" dirty="0" smtClean="0"/>
+              <a:rPr lang="zh-TW" altLang="en-US" dirty="0" smtClean="0"/>
               <a:t>訓練網路</a:t>
             </a:r>
             <a:r>
-              <a:rPr lang="en-US" altLang="zh-TW" sz="1600" dirty="0" smtClean="0"/>
+              <a:rPr lang="en-US" altLang="zh-TW" dirty="0" smtClean="0"/>
               <a:t>:</a:t>
             </a:r>
           </a:p>
@@ -26483,30 +26220,30 @@
               </a:lnSpc>
             </a:pPr>
             <a:r>
-              <a:rPr lang="en-US" altLang="zh-TW" sz="1600" dirty="0"/>
+              <a:rPr lang="en-US" altLang="zh-TW" dirty="0"/>
               <a:t>	</a:t>
             </a:r>
             <a:r>
-              <a:rPr lang="zh-TW" altLang="en-US" sz="1600" dirty="0" smtClean="0"/>
+              <a:rPr lang="zh-TW" altLang="en-US" dirty="0" smtClean="0"/>
               <a:t>具有</a:t>
             </a:r>
             <a:r>
-              <a:rPr lang="zh-TW" altLang="zh-TW" sz="1600" dirty="0" smtClean="0"/>
+              <a:rPr lang="zh-TW" altLang="zh-TW" dirty="0" smtClean="0"/>
               <a:t>語義</a:t>
             </a:r>
             <a:r>
-              <a:rPr lang="zh-TW" altLang="zh-TW" sz="1600" dirty="0"/>
+              <a:rPr lang="zh-TW" altLang="zh-TW" dirty="0"/>
               <a:t>分割資料集以及加入引導影像濾波層的</a:t>
             </a:r>
             <a:r>
-              <a:rPr lang="en-US" altLang="zh-TW" sz="1600" dirty="0"/>
+              <a:rPr lang="en-US" altLang="zh-TW" dirty="0"/>
               <a:t>pix2pix</a:t>
             </a:r>
             <a:r>
-              <a:rPr lang="zh-TW" altLang="zh-TW" sz="1600" dirty="0"/>
+              <a:rPr lang="zh-TW" altLang="zh-TW" dirty="0"/>
               <a:t>訓練模型</a:t>
             </a:r>
-            <a:endParaRPr lang="en-US" altLang="zh-TW" sz="1600" dirty="0" smtClean="0">
+            <a:endParaRPr lang="en-US" altLang="zh-TW" dirty="0" smtClean="0">
               <a:latin typeface="+mn-ea"/>
             </a:endParaRPr>
           </a:p>
@@ -26521,7 +26258,7 @@
         <p:spPr>
           <a:xfrm>
             <a:off x="1254737" y="2541466"/>
-            <a:ext cx="7083216" cy="1815882"/>
+            <a:ext cx="7083216" cy="1600438"/>
           </a:xfrm>
           <a:prstGeom prst="rect">
             <a:avLst/>
@@ -26541,11 +26278,11 @@
               <a:buChar char="Ø"/>
             </a:pPr>
             <a:r>
-              <a:rPr lang="zh-TW" altLang="en-US" sz="1600" dirty="0" smtClean="0"/>
+              <a:rPr lang="zh-TW" altLang="en-US" dirty="0" smtClean="0"/>
               <a:t>比較</a:t>
             </a:r>
             <a:r>
-              <a:rPr lang="en-US" altLang="zh-TW" sz="1600" dirty="0" smtClean="0"/>
+              <a:rPr lang="en-US" altLang="zh-TW" dirty="0" smtClean="0"/>
               <a:t>:</a:t>
             </a:r>
           </a:p>
@@ -26558,26 +26295,26 @@
               <a:buAutoNum type="arabicPeriod"/>
             </a:pPr>
             <a:r>
-              <a:rPr lang="zh-TW" altLang="zh-TW" sz="1600" dirty="0" smtClean="0"/>
+              <a:rPr lang="zh-TW" altLang="zh-TW" dirty="0" smtClean="0"/>
               <a:t>加入</a:t>
             </a:r>
             <a:r>
-              <a:rPr lang="zh-TW" altLang="zh-TW" sz="1600" dirty="0"/>
+              <a:rPr lang="zh-TW" altLang="zh-TW" dirty="0"/>
               <a:t>引導影像濾波層的</a:t>
             </a:r>
             <a:r>
-              <a:rPr lang="en-US" altLang="zh-TW" sz="1600" dirty="0"/>
+              <a:rPr lang="en-US" altLang="zh-TW" dirty="0"/>
               <a:t>pix2pix</a:t>
             </a:r>
             <a:r>
-              <a:rPr lang="zh-TW" altLang="zh-TW" sz="1600" dirty="0"/>
+              <a:rPr lang="zh-TW" altLang="zh-TW" dirty="0"/>
               <a:t>訓練</a:t>
             </a:r>
             <a:r>
-              <a:rPr lang="zh-TW" altLang="zh-TW" sz="1600" dirty="0" smtClean="0"/>
+              <a:rPr lang="zh-TW" altLang="zh-TW" dirty="0" smtClean="0"/>
               <a:t>模型</a:t>
             </a:r>
-            <a:endParaRPr lang="en-US" altLang="zh-TW" sz="1600" dirty="0" smtClean="0"/>
+            <a:endParaRPr lang="en-US" altLang="zh-TW" dirty="0" smtClean="0"/>
           </a:p>
           <a:p>
             <a:pPr marL="685800" lvl="1" indent="-342900">
@@ -26588,30 +26325,30 @@
               <a:buAutoNum type="arabicPeriod"/>
             </a:pPr>
             <a:r>
-              <a:rPr lang="zh-TW" altLang="en-US" sz="1600" dirty="0" smtClean="0"/>
+              <a:rPr lang="zh-TW" altLang="en-US" dirty="0" smtClean="0"/>
               <a:t>具有</a:t>
             </a:r>
             <a:r>
-              <a:rPr lang="zh-TW" altLang="zh-TW" sz="1600" dirty="0"/>
+              <a:rPr lang="zh-TW" altLang="zh-TW" dirty="0"/>
               <a:t>語義分割資料集</a:t>
             </a:r>
             <a:r>
-              <a:rPr lang="zh-TW" altLang="zh-TW" sz="1600" dirty="0" smtClean="0"/>
+              <a:rPr lang="zh-TW" altLang="zh-TW" dirty="0" smtClean="0"/>
               <a:t>的</a:t>
             </a:r>
             <a:r>
-              <a:rPr lang="en-US" altLang="zh-TW" sz="1600" dirty="0"/>
+              <a:rPr lang="en-US" altLang="zh-TW" dirty="0"/>
               <a:t>pix2pix</a:t>
             </a:r>
             <a:r>
-              <a:rPr lang="zh-TW" altLang="zh-TW" sz="1600" dirty="0"/>
+              <a:rPr lang="zh-TW" altLang="zh-TW" dirty="0"/>
               <a:t>訓練</a:t>
             </a:r>
             <a:r>
-              <a:rPr lang="zh-TW" altLang="zh-TW" sz="1600" dirty="0" smtClean="0"/>
+              <a:rPr lang="zh-TW" altLang="zh-TW" dirty="0" smtClean="0"/>
               <a:t>模型</a:t>
             </a:r>
-            <a:endParaRPr lang="en-US" altLang="zh-TW" sz="1600" dirty="0" smtClean="0"/>
+            <a:endParaRPr lang="en-US" altLang="zh-TW" dirty="0" smtClean="0"/>
           </a:p>
           <a:p>
             <a:pPr marL="685800" lvl="1" indent="-342900">
@@ -26622,23 +26359,23 @@
               <a:buAutoNum type="arabicPeriod"/>
             </a:pPr>
             <a:r>
-              <a:rPr lang="en-US" altLang="zh-TW" sz="1600" dirty="0" smtClean="0">
+              <a:rPr lang="en-US" altLang="zh-TW" dirty="0" smtClean="0">
                 <a:latin typeface="+mn-ea"/>
               </a:rPr>
               <a:t>pix2pix</a:t>
             </a:r>
             <a:r>
-              <a:rPr lang="zh-TW" altLang="en-US" sz="1600" dirty="0" smtClean="0">
+              <a:rPr lang="zh-TW" altLang="en-US" dirty="0" smtClean="0">
                 <a:latin typeface="+mn-ea"/>
               </a:rPr>
               <a:t>訓練模型</a:t>
             </a:r>
-            <a:endParaRPr lang="en-US" altLang="zh-TW" sz="1600" dirty="0">
+            <a:endParaRPr lang="en-US" altLang="zh-TW" dirty="0">
               <a:latin typeface="+mn-ea"/>
             </a:endParaRPr>
           </a:p>
           <a:p>
-            <a:endParaRPr lang="en-US" altLang="zh-TW" sz="1600" dirty="0" smtClean="0">
+            <a:endParaRPr lang="en-US" altLang="zh-TW" dirty="0" smtClean="0">
               <a:latin typeface="+mn-ea"/>
             </a:endParaRPr>
           </a:p>
@@ -33292,20 +33029,7 @@
                 <a:cs typeface="+mn-ea"/>
                 <a:sym typeface="+mn-lt"/>
               </a:rPr>
-              <a:t>至今</a:t>
-            </a:r>
-            <a:r>
-              <a:rPr lang="zh-TW" altLang="en-US" sz="1600" dirty="0" smtClean="0">
-                <a:solidFill>
-                  <a:schemeClr val="tx1">
-                    <a:lumMod val="75000"/>
-                    <a:lumOff val="25000"/>
-                  </a:schemeClr>
-                </a:solidFill>
-                <a:cs typeface="+mn-ea"/>
-                <a:sym typeface="+mn-lt"/>
-              </a:rPr>
-              <a:t>已有大量繪圖軟體能輕鬆製作</a:t>
+              <a:t>至今已有大量繪圖軟體能輕鬆製作</a:t>
             </a:r>
             <a:r>
               <a:rPr lang="en-US" altLang="zh-TW" sz="1600" dirty="0" smtClean="0">

--- a/論文/論文初審.pptx
+++ b/論文/論文初審.pptx
@@ -859,7 +859,79 @@
                 <a:ea typeface="+mn-ea"/>
                 <a:cs typeface="+mn-cs"/>
               </a:rPr>
-              <a:t>再來是我的研究目的，我會以生成對抗網路為基底，加入語義分割與影像濾波層，來研究在生成對抗網路加上這兩項技術是否對產生圖片會有更好的效果。</a:t>
+              <a:t>再來是我的研究目的</a:t>
+            </a:r>
+            <a:r>
+              <a:rPr lang="zh-TW" altLang="en-US" sz="900" kern="1200" smtClean="0">
+                <a:solidFill>
+                  <a:schemeClr val="tx1"/>
+                </a:solidFill>
+                <a:effectLst/>
+                <a:latin typeface="+mn-lt"/>
+                <a:ea typeface="+mn-ea"/>
+                <a:cs typeface="+mn-cs"/>
+              </a:rPr>
+              <a:t>，</a:t>
+            </a:r>
+            <a:r>
+              <a:rPr lang="zh-TW" altLang="en-US" sz="900" kern="1200" smtClean="0">
+                <a:solidFill>
+                  <a:schemeClr val="tx1"/>
+                </a:solidFill>
+                <a:effectLst/>
+                <a:latin typeface="+mn-lt"/>
+                <a:ea typeface="+mn-ea"/>
+                <a:cs typeface="+mn-cs"/>
+              </a:rPr>
+              <a:t>我將會</a:t>
+            </a:r>
+            <a:r>
+              <a:rPr lang="zh-TW" altLang="en-US" sz="900" kern="1200" dirty="0" smtClean="0">
+                <a:solidFill>
+                  <a:schemeClr val="tx1"/>
+                </a:solidFill>
+                <a:effectLst/>
+                <a:latin typeface="+mn-lt"/>
+                <a:ea typeface="+mn-ea"/>
+                <a:cs typeface="+mn-cs"/>
+              </a:rPr>
+              <a:t>以生成對抗網路為基底，加入語義分割與影像濾波層，來研究在生成對抗網路加上這兩項技術</a:t>
+            </a:r>
+            <a:r>
+              <a:rPr lang="zh-TW" altLang="en-US" sz="900" kern="1200" smtClean="0">
+                <a:solidFill>
+                  <a:schemeClr val="tx1"/>
+                </a:solidFill>
+                <a:effectLst/>
+                <a:latin typeface="+mn-lt"/>
+                <a:ea typeface="+mn-ea"/>
+                <a:cs typeface="+mn-cs"/>
+              </a:rPr>
+              <a:t>是否</a:t>
+            </a:r>
+            <a:r>
+              <a:rPr lang="zh-TW" altLang="en-US" sz="900" kern="1200" smtClean="0">
+                <a:solidFill>
+                  <a:schemeClr val="tx1"/>
+                </a:solidFill>
+                <a:effectLst/>
+                <a:latin typeface="+mn-lt"/>
+                <a:ea typeface="+mn-ea"/>
+                <a:cs typeface="+mn-cs"/>
+              </a:rPr>
+              <a:t>對生成圖片</a:t>
+            </a:r>
+            <a:r>
+              <a:rPr lang="zh-TW" altLang="en-US" sz="900" kern="1200" dirty="0" smtClean="0">
+                <a:solidFill>
+                  <a:schemeClr val="tx1"/>
+                </a:solidFill>
+                <a:effectLst/>
+                <a:latin typeface="+mn-lt"/>
+                <a:ea typeface="+mn-ea"/>
+                <a:cs typeface="+mn-cs"/>
+              </a:rPr>
+              <a:t>會有更好的效果。</a:t>
             </a:r>
             <a:endParaRPr lang="en-US" altLang="zh-TW" sz="900" kern="1200" dirty="0" smtClean="0">
               <a:solidFill>
@@ -5710,10 +5782,10 @@
                 <a:ea typeface="+mn-ea"/>
                 <a:cs typeface="+mn-cs"/>
               </a:rPr>
-              <a:t>來對圖片進行語義分割，除了萃取出房間</a:t>
-            </a:r>
-            <a:r>
-              <a:rPr lang="zh-TW" altLang="zh-TW" sz="900" kern="1200" dirty="0" smtClean="0">
+              <a:t>來對圖片進行語義分割，除了萃取出房間個別</a:t>
+            </a:r>
+            <a:r>
+              <a:rPr lang="zh-TW" altLang="en-US" sz="900" kern="1200" dirty="0" smtClean="0">
                 <a:solidFill>
                   <a:schemeClr val="tx1"/>
                 </a:solidFill>
@@ -5722,10 +5794,10 @@
                 <a:ea typeface="+mn-ea"/>
                 <a:cs typeface="+mn-cs"/>
               </a:rPr>
-              <a:t>個別</a:t>
-            </a:r>
-            <a:r>
-              <a:rPr lang="zh-TW" altLang="en-US" sz="900" kern="1200" dirty="0" smtClean="0">
+              <a:t>物件防止細節丟失之</a:t>
+            </a:r>
+            <a:r>
+              <a:rPr lang="zh-TW" altLang="zh-TW" sz="900" kern="1200" dirty="0" smtClean="0">
                 <a:solidFill>
                   <a:schemeClr val="tx1"/>
                 </a:solidFill>
@@ -5734,31 +5806,7 @@
                 <a:ea typeface="+mn-ea"/>
                 <a:cs typeface="+mn-cs"/>
               </a:rPr>
-              <a:t>物件防止細節丟失之</a:t>
-            </a:r>
-            <a:r>
-              <a:rPr lang="zh-TW" altLang="zh-TW" sz="900" kern="1200" dirty="0" smtClean="0">
-                <a:solidFill>
-                  <a:schemeClr val="tx1"/>
-                </a:solidFill>
-                <a:effectLst/>
-                <a:latin typeface="+mn-lt"/>
-                <a:ea typeface="+mn-ea"/>
-                <a:cs typeface="+mn-cs"/>
-              </a:rPr>
-              <a:t>外</a:t>
-            </a:r>
-            <a:r>
-              <a:rPr lang="zh-TW" altLang="zh-TW" sz="900" kern="1200" dirty="0" smtClean="0">
-                <a:solidFill>
-                  <a:schemeClr val="tx1"/>
-                </a:solidFill>
-                <a:effectLst/>
-                <a:latin typeface="+mn-lt"/>
-                <a:ea typeface="+mn-ea"/>
-                <a:cs typeface="+mn-cs"/>
-              </a:rPr>
-              <a:t>，也由此方式增加訓練的資料集，解決資料集不足的問題。</a:t>
+              <a:t>外，也由此方式增加訓練的資料集，解決資料集不足的問題。</a:t>
             </a:r>
           </a:p>
           <a:p>
@@ -6496,19 +6544,7 @@
                 <a:ea typeface="+mn-ea"/>
                 <a:cs typeface="+mn-cs"/>
               </a:rPr>
-              <a:t>平滑內核越大越能夠捕捉更多細節，而正則化係數則是防止過擬合，抓到不相干的</a:t>
-            </a:r>
-            <a:r>
-              <a:rPr lang="zh-TW" altLang="zh-TW" sz="900" kern="1200" dirty="0" smtClean="0">
-                <a:solidFill>
-                  <a:schemeClr val="tx1"/>
-                </a:solidFill>
-                <a:effectLst/>
-                <a:latin typeface="+mn-lt"/>
-                <a:ea typeface="+mn-ea"/>
-                <a:cs typeface="+mn-cs"/>
-              </a:rPr>
-              <a:t>輪廓</a:t>
+              <a:t>平滑內核越大越能夠捕捉更多細節，而正則化係數則是防止過擬合，抓到不相干的輪廓</a:t>
             </a:r>
             <a:endParaRPr lang="en-US" altLang="zh-TW" sz="900" kern="1200" dirty="0" smtClean="0">
               <a:solidFill>
@@ -8282,15 +8318,23 @@
             </a:r>
             <a:r>
               <a:rPr lang="zh-TW" altLang="en-US" dirty="0" smtClean="0"/>
-              <a:t>設計圖、透視圖等方式 進行設計的展現。但往往在工程完成後，發現與當初的想像有相當大的落差，造成設 計師及客戶雙方的困擾，嚴重的話甚至會引發法律糾紛。而電腦普及後，室內設計業 也一直不斷的進步，不斷尋求新的設計表達方式，過程中有在 </a:t>
-            </a:r>
-            <a:r>
-              <a:rPr lang="en-US" altLang="zh-TW" dirty="0" smtClean="0"/>
-              <a:t>2D </a:t>
+              <a:t>設計圖、透視圖等方式 進行設計的展現。但往往在工程完成後，發現與當初的想像有相當大的落差，造成設 計師及客戶雙方的困擾，嚴重的話甚至會引發法律糾紛。而電腦普及後</a:t>
             </a:r>
             <a:r>
               <a:rPr lang="zh-TW" altLang="en-US" dirty="0" smtClean="0"/>
-              <a:t>設計圖中加入合成影 像，到現在三維模型的展現，也稱作 </a:t>
+              <a:t>，則會利用三</a:t>
+            </a:r>
+            <a:r>
+              <a:rPr lang="zh-TW" altLang="en-US" dirty="0" smtClean="0"/>
+              <a:t>維</a:t>
+            </a:r>
+            <a:r>
+              <a:rPr lang="zh-TW" altLang="en-US" dirty="0" smtClean="0"/>
+              <a:t>模型進行的</a:t>
+            </a:r>
+            <a:r>
+              <a:rPr lang="zh-TW" altLang="en-US" dirty="0" smtClean="0"/>
+              <a:t>展現，也稱作 </a:t>
             </a:r>
             <a:r>
               <a:rPr lang="en-US" altLang="zh-TW" dirty="0" smtClean="0"/>
@@ -8458,10 +8502,10 @@
                 <a:ea typeface="+mn-ea"/>
                 <a:cs typeface="+mn-cs"/>
               </a:rPr>
-              <a:t>許多</a:t>
-            </a:r>
-            <a:r>
-              <a:rPr lang="zh-TW" altLang="zh-TW" sz="900" kern="1200" dirty="0" smtClean="0">
+              <a:t>許多時候，在房子裝潢之前，客戶總有想要預先看到自己房子的真實樣貌之需求，而一般而言，在裝潢前能看到最真實的房間照片能透過</a:t>
+            </a:r>
+            <a:r>
+              <a:rPr lang="zh-TW" altLang="en-US" sz="900" kern="1200" dirty="0" smtClean="0">
                 <a:solidFill>
                   <a:schemeClr val="tx1"/>
                 </a:solidFill>
@@ -8470,10 +8514,10 @@
                 <a:ea typeface="+mn-ea"/>
                 <a:cs typeface="+mn-cs"/>
               </a:rPr>
-              <a:t>時候，在房子裝潢之前，客戶總有想要預先看到自己房子的真實樣貌之需求，而一般而言，在裝潢前能看到最真實的房間照片能透過</a:t>
-            </a:r>
-            <a:r>
-              <a:rPr lang="zh-TW" altLang="en-US" sz="900" kern="1200" dirty="0" smtClean="0">
+              <a:t>設計師設計出來的</a:t>
+            </a:r>
+            <a:r>
+              <a:rPr lang="en-US" altLang="zh-TW" sz="900" kern="1200" dirty="0" smtClean="0">
                 <a:solidFill>
                   <a:schemeClr val="tx1"/>
                 </a:solidFill>
@@ -8482,10 +8526,10 @@
                 <a:ea typeface="+mn-ea"/>
                 <a:cs typeface="+mn-cs"/>
               </a:rPr>
-              <a:t>設計師設計出來的</a:t>
-            </a:r>
-            <a:r>
-              <a:rPr lang="en-US" altLang="zh-TW" sz="900" kern="1200" dirty="0" smtClean="0">
+              <a:t>3D</a:t>
+            </a:r>
+            <a:r>
+              <a:rPr lang="zh-TW" altLang="zh-TW" sz="900" kern="1200" dirty="0" smtClean="0">
                 <a:solidFill>
                   <a:schemeClr val="tx1"/>
                 </a:solidFill>
@@ -8494,10 +8538,10 @@
                 <a:ea typeface="+mn-ea"/>
                 <a:cs typeface="+mn-cs"/>
               </a:rPr>
-              <a:t>3D</a:t>
-            </a:r>
-            <a:r>
-              <a:rPr lang="zh-TW" altLang="zh-TW" sz="900" kern="1200" dirty="0" smtClean="0">
+              <a:t>模型來幫助，或者將</a:t>
+            </a:r>
+            <a:r>
+              <a:rPr lang="en-US" altLang="zh-TW" sz="900" kern="1200" dirty="0" smtClean="0">
                 <a:solidFill>
                   <a:schemeClr val="tx1"/>
                 </a:solidFill>
@@ -8506,10 +8550,10 @@
                 <a:ea typeface="+mn-ea"/>
                 <a:cs typeface="+mn-cs"/>
               </a:rPr>
-              <a:t>模型來幫助，或者將</a:t>
-            </a:r>
-            <a:r>
-              <a:rPr lang="en-US" altLang="zh-TW" sz="900" kern="1200" dirty="0" smtClean="0">
+              <a:t>3D</a:t>
+            </a:r>
+            <a:r>
+              <a:rPr lang="zh-TW" altLang="zh-TW" sz="900" kern="1200" dirty="0" smtClean="0">
                 <a:solidFill>
                   <a:schemeClr val="tx1"/>
                 </a:solidFill>
@@ -8518,10 +8562,10 @@
                 <a:ea typeface="+mn-ea"/>
                 <a:cs typeface="+mn-cs"/>
               </a:rPr>
-              <a:t>3D</a:t>
-            </a:r>
-            <a:r>
-              <a:rPr lang="zh-TW" altLang="zh-TW" sz="900" kern="1200" dirty="0" smtClean="0">
+              <a:t>模型渲染成</a:t>
+            </a:r>
+            <a:r>
+              <a:rPr lang="en-US" altLang="zh-TW" sz="900" kern="1200" dirty="0" smtClean="0">
                 <a:solidFill>
                   <a:schemeClr val="tx1"/>
                 </a:solidFill>
@@ -8530,10 +8574,10 @@
                 <a:ea typeface="+mn-ea"/>
                 <a:cs typeface="+mn-cs"/>
               </a:rPr>
-              <a:t>模型渲染成</a:t>
-            </a:r>
-            <a:r>
-              <a:rPr lang="en-US" altLang="zh-TW" sz="900" kern="1200" dirty="0" smtClean="0">
+              <a:t>3D</a:t>
+            </a:r>
+            <a:r>
+              <a:rPr lang="zh-TW" altLang="zh-TW" sz="900" kern="1200" dirty="0" smtClean="0">
                 <a:solidFill>
                   <a:schemeClr val="tx1"/>
                 </a:solidFill>
@@ -8542,10 +8586,10 @@
                 <a:ea typeface="+mn-ea"/>
                 <a:cs typeface="+mn-cs"/>
               </a:rPr>
-              <a:t>3D</a:t>
-            </a:r>
-            <a:r>
-              <a:rPr lang="zh-TW" altLang="zh-TW" sz="900" kern="1200" dirty="0" smtClean="0">
+              <a:t>擬真圖，，</a:t>
+            </a:r>
+            <a:r>
+              <a:rPr lang="zh-TW" altLang="en-US" sz="900" kern="1200" dirty="0" smtClean="0">
                 <a:solidFill>
                   <a:schemeClr val="tx1"/>
                 </a:solidFill>
@@ -8554,7 +8598,7 @@
                 <a:ea typeface="+mn-ea"/>
                 <a:cs typeface="+mn-cs"/>
               </a:rPr>
-              <a:t>擬真圖</a:t>
+              <a:t>但</a:t>
             </a:r>
             <a:r>
               <a:rPr lang="zh-TW" altLang="zh-TW" sz="900" kern="1200" dirty="0" smtClean="0">
@@ -8566,43 +8610,7 @@
                 <a:ea typeface="+mn-ea"/>
                 <a:cs typeface="+mn-cs"/>
               </a:rPr>
-              <a:t>，，</a:t>
-            </a:r>
-            <a:r>
-              <a:rPr lang="zh-TW" altLang="en-US" sz="900" kern="1200" dirty="0" smtClean="0">
-                <a:solidFill>
-                  <a:schemeClr val="tx1"/>
-                </a:solidFill>
-                <a:effectLst/>
-                <a:latin typeface="+mn-lt"/>
-                <a:ea typeface="+mn-ea"/>
-                <a:cs typeface="+mn-cs"/>
-              </a:rPr>
-              <a:t>但</a:t>
-            </a:r>
-            <a:r>
-              <a:rPr lang="zh-TW" altLang="zh-TW" sz="900" kern="1200" dirty="0" smtClean="0">
-                <a:solidFill>
-                  <a:schemeClr val="tx1"/>
-                </a:solidFill>
-                <a:effectLst/>
-                <a:latin typeface="+mn-lt"/>
-                <a:ea typeface="+mn-ea"/>
-                <a:cs typeface="+mn-cs"/>
-              </a:rPr>
-              <a:t>想</a:t>
-            </a:r>
-            <a:r>
-              <a:rPr lang="zh-TW" altLang="zh-TW" sz="900" kern="1200" dirty="0" smtClean="0">
-                <a:solidFill>
-                  <a:schemeClr val="tx1"/>
-                </a:solidFill>
-                <a:effectLst/>
-                <a:latin typeface="+mn-lt"/>
-                <a:ea typeface="+mn-ea"/>
-                <a:cs typeface="+mn-cs"/>
-              </a:rPr>
-              <a:t>渲染出非常完美的</a:t>
+              <a:t>想渲染出非常完美的</a:t>
             </a:r>
             <a:r>
               <a:rPr lang="en-US" altLang="zh-TW" sz="900" kern="1200" dirty="0" smtClean="0">
@@ -8742,10 +8750,10 @@
                 <a:ea typeface="+mn-ea"/>
                 <a:cs typeface="+mn-cs"/>
               </a:rPr>
-              <a:t>隨著時間的發展，近年來人工智慧的技術可以做到的事情已經越來越多，其中在圖像轉換這部分，已經有可以做到將建築三維立面圖像轉換為</a:t>
-            </a:r>
-            <a:r>
-              <a:rPr lang="zh-TW" altLang="zh-TW" sz="900" kern="1200" dirty="0" smtClean="0">
+              <a:t>隨著時間的發展，近年來人工智慧的技術可以做到的事情已經越來越多，其中在圖像轉換這部分，已經有可以做到將建築三維立面圖像轉換為照片</a:t>
+            </a:r>
+            <a:r>
+              <a:rPr lang="zh-TW" altLang="en-US" sz="900" kern="1200" dirty="0" smtClean="0">
                 <a:solidFill>
                   <a:schemeClr val="tx1"/>
                 </a:solidFill>
@@ -8754,31 +8762,7 @@
                 <a:ea typeface="+mn-ea"/>
                 <a:cs typeface="+mn-cs"/>
               </a:rPr>
-              <a:t>照片</a:t>
-            </a:r>
-            <a:r>
-              <a:rPr lang="zh-TW" altLang="en-US" sz="900" kern="1200" dirty="0" smtClean="0">
-                <a:solidFill>
-                  <a:schemeClr val="tx1"/>
-                </a:solidFill>
-                <a:effectLst/>
-                <a:latin typeface="+mn-lt"/>
-                <a:ea typeface="+mn-ea"/>
-                <a:cs typeface="+mn-cs"/>
-              </a:rPr>
-              <a:t>，</a:t>
-            </a:r>
-            <a:r>
-              <a:rPr lang="zh-TW" altLang="en-US" sz="900" kern="1200" dirty="0" smtClean="0">
-                <a:solidFill>
-                  <a:schemeClr val="tx1"/>
-                </a:solidFill>
-                <a:effectLst/>
-                <a:latin typeface="+mn-lt"/>
-                <a:ea typeface="+mn-ea"/>
-                <a:cs typeface="+mn-cs"/>
-              </a:rPr>
-              <a:t>而這是用人工智慧中的生成對抗網路這項技術來完成的，</a:t>
+              <a:t>，而這是用人工智慧中的生成對抗網路這項技術來完成的，</a:t>
             </a:r>
             <a:r>
               <a:rPr lang="zh-TW" altLang="zh-TW" sz="900" kern="1200" dirty="0" smtClean="0">
@@ -9207,10 +9191,10 @@
                 <a:ea typeface="+mn-ea"/>
                 <a:cs typeface="+mn-cs"/>
               </a:rPr>
-              <a:t>其中因為對象為室內設計房間照片，設計照片絕對會強調照片能夠越清晰越好，且避免防止輸出的圖片邊緣是</a:t>
-            </a:r>
-            <a:r>
-              <a:rPr lang="zh-TW" altLang="zh-TW" sz="900" kern="1200" dirty="0" smtClean="0">
+              <a:t>其中因為對象為室內設計房間照片，設計照片絕對會強調照片能夠越清晰越好，且避免防止輸出的圖片邊緣是模糊</a:t>
+            </a:r>
+            <a:r>
+              <a:rPr lang="zh-TW" altLang="en-US" sz="900" kern="1200" dirty="0" smtClean="0">
                 <a:solidFill>
                   <a:schemeClr val="tx1"/>
                 </a:solidFill>
@@ -9219,10 +9203,10 @@
                 <a:ea typeface="+mn-ea"/>
                 <a:cs typeface="+mn-cs"/>
               </a:rPr>
-              <a:t>模糊</a:t>
-            </a:r>
-            <a:r>
-              <a:rPr lang="zh-TW" altLang="en-US" sz="900" kern="1200" dirty="0" smtClean="0">
+              <a:t>甚至</a:t>
+            </a:r>
+            <a:r>
+              <a:rPr lang="zh-TW" altLang="zh-TW" sz="900" kern="1200" dirty="0" smtClean="0">
                 <a:solidFill>
                   <a:schemeClr val="tx1"/>
                 </a:solidFill>
@@ -9231,31 +9215,7 @@
                 <a:ea typeface="+mn-ea"/>
                 <a:cs typeface="+mn-cs"/>
               </a:rPr>
-              <a:t>甚至</a:t>
-            </a:r>
-            <a:r>
-              <a:rPr lang="zh-TW" altLang="zh-TW" sz="900" kern="1200" dirty="0" smtClean="0">
-                <a:solidFill>
-                  <a:schemeClr val="tx1"/>
-                </a:solidFill>
-                <a:effectLst/>
-                <a:latin typeface="+mn-lt"/>
-                <a:ea typeface="+mn-ea"/>
-                <a:cs typeface="+mn-cs"/>
-              </a:rPr>
-              <a:t>導致</a:t>
-            </a:r>
-            <a:r>
-              <a:rPr lang="zh-TW" altLang="zh-TW" sz="900" kern="1200" dirty="0" smtClean="0">
-                <a:solidFill>
-                  <a:schemeClr val="tx1"/>
-                </a:solidFill>
-                <a:effectLst/>
-                <a:latin typeface="+mn-lt"/>
-                <a:ea typeface="+mn-ea"/>
-                <a:cs typeface="+mn-cs"/>
-              </a:rPr>
-              <a:t>破圖，因此本研究會在訓練時加入影像濾波器，希望能在訓練的過程中加入影像濾波的處理，強化圖像物體的輪廓，</a:t>
+              <a:t>導致破圖，因此本研究會在訓練時加入影像濾波器，希望能在訓練的過程中加入影像濾波的處理，強化圖像物體的輪廓，</a:t>
             </a:r>
             <a:r>
               <a:rPr lang="zh-TW" altLang="en-US" sz="900" dirty="0" smtClean="0"/>
@@ -17070,7 +17030,7 @@
           <p:cNvPr id="6" name="表格 5">
             <a:extLst>
               <a:ext uri="{FF2B5EF4-FFF2-40B4-BE49-F238E27FC236}">
-                <a16:creationId xmlns:a16="http://schemas.microsoft.com/office/drawing/2014/main" xmlns="" id="{202A9B48-7C02-4B9F-A694-D9D167DDE433}"/>
+                <a16:creationId xmlns="" xmlns:a16="http://schemas.microsoft.com/office/drawing/2014/main" id="{202A9B48-7C02-4B9F-A694-D9D167DDE433}"/>
               </a:ext>
             </a:extLst>
           </p:cNvPr>
@@ -17097,21 +17057,21 @@
                 <a:gridCol w="1728799">
                   <a:extLst>
                     <a:ext uri="{9D8B030D-6E8A-4147-A177-3AD203B41FA5}">
-                      <a16:colId xmlns:a16="http://schemas.microsoft.com/office/drawing/2014/main" xmlns="" val="1313235057"/>
+                      <a16:colId xmlns="" xmlns:a16="http://schemas.microsoft.com/office/drawing/2014/main" val="1313235057"/>
                     </a:ext>
                   </a:extLst>
                 </a:gridCol>
                 <a:gridCol w="2508718">
                   <a:extLst>
                     <a:ext uri="{9D8B030D-6E8A-4147-A177-3AD203B41FA5}">
-                      <a16:colId xmlns:a16="http://schemas.microsoft.com/office/drawing/2014/main" xmlns="" val="3498442498"/>
+                      <a16:colId xmlns="" xmlns:a16="http://schemas.microsoft.com/office/drawing/2014/main" val="3498442498"/>
                     </a:ext>
                   </a:extLst>
                 </a:gridCol>
                 <a:gridCol w="3597777">
                   <a:extLst>
                     <a:ext uri="{9D8B030D-6E8A-4147-A177-3AD203B41FA5}">
-                      <a16:colId xmlns:a16="http://schemas.microsoft.com/office/drawing/2014/main" xmlns="" val="2798367762"/>
+                      <a16:colId xmlns="" xmlns:a16="http://schemas.microsoft.com/office/drawing/2014/main" val="2798367762"/>
                     </a:ext>
                   </a:extLst>
                 </a:gridCol>
@@ -17552,7 +17512,7 @@
                 </a:tc>
                 <a:extLst>
                   <a:ext uri="{0D108BD9-81ED-4DB2-BD59-A6C34878D82A}">
-                    <a16:rowId xmlns:a16="http://schemas.microsoft.com/office/drawing/2014/main" xmlns="" val="43767920"/>
+                    <a16:rowId xmlns="" xmlns:a16="http://schemas.microsoft.com/office/drawing/2014/main" val="43767920"/>
                   </a:ext>
                 </a:extLst>
               </a:tr>
@@ -17801,7 +17761,7 @@
                 </a:tc>
                 <a:extLst>
                   <a:ext uri="{0D108BD9-81ED-4DB2-BD59-A6C34878D82A}">
-                    <a16:rowId xmlns:a16="http://schemas.microsoft.com/office/drawing/2014/main" xmlns="" val="881114521"/>
+                    <a16:rowId xmlns="" xmlns:a16="http://schemas.microsoft.com/office/drawing/2014/main" val="881114521"/>
                   </a:ext>
                 </a:extLst>
               </a:tr>
@@ -19973,27 +19933,7 @@
                 <a:cs typeface="+mn-ea"/>
                 <a:sym typeface="+mn-lt"/>
               </a:rPr>
-              <a:t>引導影像</a:t>
-            </a:r>
-            <a:r>
-              <a:rPr lang="zh-TW" altLang="en-US" sz="2000" b="1" dirty="0" smtClean="0">
-                <a:solidFill>
-                  <a:srgbClr val="1B4367"/>
-                </a:solidFill>
-                <a:cs typeface="+mn-ea"/>
-                <a:sym typeface="+mn-lt"/>
-              </a:rPr>
-              <a:t>濾波器濾波後</a:t>
-            </a:r>
-            <a:r>
-              <a:rPr lang="zh-TW" altLang="en-US" sz="2000" b="1" dirty="0" smtClean="0">
-                <a:solidFill>
-                  <a:srgbClr val="1B4367"/>
-                </a:solidFill>
-                <a:cs typeface="+mn-ea"/>
-                <a:sym typeface="+mn-lt"/>
-              </a:rPr>
-              <a:t>示意圖</a:t>
+              <a:t>引導影像濾波器濾波後示意圖</a:t>
             </a:r>
             <a:endParaRPr lang="zh-CN" altLang="en-US" sz="2000" b="1" dirty="0">
               <a:solidFill>
@@ -23189,13 +23129,7 @@
               <a:rPr lang="zh-TW" altLang="en-US" dirty="0" smtClean="0">
                 <a:latin typeface="+mn-ea"/>
               </a:rPr>
-              <a:t>中間</a:t>
-            </a:r>
-            <a:r>
-              <a:rPr lang="zh-TW" altLang="en-US" dirty="0" smtClean="0">
-                <a:latin typeface="+mn-ea"/>
-              </a:rPr>
-              <a:t>層激</a:t>
+              <a:t>中間層激</a:t>
             </a:r>
             <a:r>
               <a:rPr lang="zh-TW" altLang="en-US" dirty="0">
